--- a/SEM_2/data mining/J/Datamining ppt.pptx
+++ b/SEM_2/data mining/J/Datamining ppt.pptx
@@ -1,63 +1,63 @@
 
 <file path=ppt/presentation.xml><?xml version="1.0" encoding="utf-8"?>
-<p:presentation xmlns:a="http://schemas.openxmlformats.org/drawingml/2006/main" xmlns:r="http://schemas.openxmlformats.org/officeDocument/2006/relationships" xmlns:mc="http://schemas.openxmlformats.org/markup-compatibility/2006" xmlns:mv="urn:schemas-microsoft-com:mac:vml" xmlns:p="http://schemas.openxmlformats.org/presentationml/2006/main" xmlns:c="http://schemas.openxmlformats.org/drawingml/2006/chart" xmlns:dgm="http://schemas.openxmlformats.org/drawingml/2006/diagram" xmlns:o="urn:schemas-microsoft-com:office:office" xmlns:v="urn:schemas-microsoft-com:vml" xmlns:pvml="urn:schemas-microsoft-com:office:powerpoint" xmlns:com="http://schemas.openxmlformats.org/drawingml/2006/compatibility" xmlns:p14="http://schemas.microsoft.com/office/powerpoint/2010/main" xmlns:p15="http://schemas.microsoft.com/office/powerpoint/2012/main" xmlns:ahyp="http://schemas.microsoft.com/office/drawing/2018/hyperlinkcolor" autoCompressPictures="0" embedTrueTypeFonts="1" strictFirstAndLastChars="0" saveSubsetFonts="1">
+<p:presentation xmlns:a="http://schemas.openxmlformats.org/drawingml/2006/main" xmlns:r="http://schemas.openxmlformats.org/officeDocument/2006/relationships" xmlns:p="http://schemas.openxmlformats.org/presentationml/2006/main" strictFirstAndLastChars="0" embedTrueTypeFonts="1" saveSubsetFonts="1" autoCompressPictures="0">
   <p:sldMasterIdLst>
-    <p:sldMasterId id="2147483659" r:id="rId4"/>
+    <p:sldMasterId id="2147483659" r:id="rId1"/>
   </p:sldMasterIdLst>
   <p:notesMasterIdLst>
-    <p:notesMasterId r:id="rId5"/>
+    <p:notesMasterId r:id="rId24"/>
   </p:notesMasterIdLst>
   <p:sldIdLst>
-    <p:sldId id="256" r:id="rId6"/>
-    <p:sldId id="257" r:id="rId7"/>
-    <p:sldId id="258" r:id="rId8"/>
-    <p:sldId id="259" r:id="rId9"/>
-    <p:sldId id="260" r:id="rId10"/>
-    <p:sldId id="261" r:id="rId11"/>
-    <p:sldId id="262" r:id="rId12"/>
-    <p:sldId id="263" r:id="rId13"/>
-    <p:sldId id="264" r:id="rId14"/>
-    <p:sldId id="265" r:id="rId15"/>
-    <p:sldId id="266" r:id="rId16"/>
-    <p:sldId id="267" r:id="rId17"/>
-    <p:sldId id="268" r:id="rId18"/>
-    <p:sldId id="269" r:id="rId19"/>
-    <p:sldId id="270" r:id="rId20"/>
-    <p:sldId id="271" r:id="rId21"/>
-    <p:sldId id="272" r:id="rId22"/>
-    <p:sldId id="273" r:id="rId23"/>
-    <p:sldId id="274" r:id="rId24"/>
-    <p:sldId id="275" r:id="rId25"/>
-    <p:sldId id="276" r:id="rId26"/>
-    <p:sldId id="277" r:id="rId27"/>
+    <p:sldId id="256" r:id="rId2"/>
+    <p:sldId id="257" r:id="rId3"/>
+    <p:sldId id="258" r:id="rId4"/>
+    <p:sldId id="259" r:id="rId5"/>
+    <p:sldId id="260" r:id="rId6"/>
+    <p:sldId id="261" r:id="rId7"/>
+    <p:sldId id="262" r:id="rId8"/>
+    <p:sldId id="263" r:id="rId9"/>
+    <p:sldId id="264" r:id="rId10"/>
+    <p:sldId id="265" r:id="rId11"/>
+    <p:sldId id="266" r:id="rId12"/>
+    <p:sldId id="267" r:id="rId13"/>
+    <p:sldId id="268" r:id="rId14"/>
+    <p:sldId id="269" r:id="rId15"/>
+    <p:sldId id="270" r:id="rId16"/>
+    <p:sldId id="271" r:id="rId17"/>
+    <p:sldId id="272" r:id="rId18"/>
+    <p:sldId id="273" r:id="rId19"/>
+    <p:sldId id="274" r:id="rId20"/>
+    <p:sldId id="275" r:id="rId21"/>
+    <p:sldId id="276" r:id="rId22"/>
+    <p:sldId id="277" r:id="rId23"/>
   </p:sldIdLst>
-  <p:sldSz cy="5143500" cx="9144000"/>
+  <p:sldSz cx="9144000" cy="5143500" type="screen16x9"/>
   <p:notesSz cx="6858000" cy="9144000"/>
   <p:embeddedFontLst>
     <p:embeddedFont>
-      <p:font typeface="Raleway"/>
-      <p:regular r:id="rId28"/>
-      <p:bold r:id="rId29"/>
-      <p:italic r:id="rId30"/>
-      <p:boldItalic r:id="rId31"/>
+      <p:font typeface="Lato" panose="020F0502020204030203" pitchFamily="34" charset="0"/>
+      <p:regular r:id="rId25"/>
+      <p:bold r:id="rId26"/>
+      <p:italic r:id="rId27"/>
+      <p:boldItalic r:id="rId28"/>
     </p:embeddedFont>
     <p:embeddedFont>
-      <p:font typeface="Roboto"/>
-      <p:regular r:id="rId32"/>
-      <p:bold r:id="rId33"/>
-      <p:italic r:id="rId34"/>
-      <p:boldItalic r:id="rId35"/>
+      <p:font typeface="Raleway" pitchFamily="2" charset="0"/>
+      <p:regular r:id="rId29"/>
+      <p:bold r:id="rId30"/>
+      <p:italic r:id="rId31"/>
+      <p:boldItalic r:id="rId32"/>
     </p:embeddedFont>
     <p:embeddedFont>
-      <p:font typeface="Lato"/>
-      <p:regular r:id="rId36"/>
-      <p:bold r:id="rId37"/>
-      <p:italic r:id="rId38"/>
-      <p:boldItalic r:id="rId39"/>
+      <p:font typeface="Roboto" panose="02000000000000000000" pitchFamily="2" charset="0"/>
+      <p:regular r:id="rId33"/>
+      <p:bold r:id="rId34"/>
+      <p:italic r:id="rId35"/>
+      <p:boldItalic r:id="rId36"/>
     </p:embeddedFont>
   </p:embeddedFontLst>
   <p:defaultTextStyle>
-    <a:defPPr lvl="0" marR="0" rtl="0" algn="l">
+    <a:defPPr marR="0" lvl="0" algn="l" rtl="0">
       <a:lnSpc>
         <a:spcPct val="100000"/>
       </a:lnSpc>
@@ -68,7 +68,7 @@
         <a:spcPts val="0"/>
       </a:spcAft>
     </a:defPPr>
-    <a:lvl1pPr lvl="0" marR="0" rtl="0" algn="l">
+    <a:lvl1pPr marR="0" lvl="0" algn="l" rtl="0">
       <a:lnSpc>
         <a:spcPct val="100000"/>
       </a:lnSpc>
@@ -82,7 +82,7 @@
         <a:srgbClr val="000000"/>
       </a:buClr>
       <a:buFont typeface="Arial"/>
-      <a:defRPr b="0" i="0" sz="1400" u="none" cap="none" strike="noStrike">
+      <a:defRPr sz="1400" b="0" i="0" u="none" strike="noStrike" cap="none">
         <a:solidFill>
           <a:srgbClr val="000000"/>
         </a:solidFill>
@@ -92,7 +92,7 @@
         <a:sym typeface="Arial"/>
       </a:defRPr>
     </a:lvl1pPr>
-    <a:lvl2pPr lvl="1" marR="0" rtl="0" algn="l">
+    <a:lvl2pPr marR="0" lvl="1" algn="l" rtl="0">
       <a:lnSpc>
         <a:spcPct val="100000"/>
       </a:lnSpc>
@@ -106,7 +106,7 @@
         <a:srgbClr val="000000"/>
       </a:buClr>
       <a:buFont typeface="Arial"/>
-      <a:defRPr b="0" i="0" sz="1400" u="none" cap="none" strike="noStrike">
+      <a:defRPr sz="1400" b="0" i="0" u="none" strike="noStrike" cap="none">
         <a:solidFill>
           <a:srgbClr val="000000"/>
         </a:solidFill>
@@ -116,7 +116,7 @@
         <a:sym typeface="Arial"/>
       </a:defRPr>
     </a:lvl2pPr>
-    <a:lvl3pPr lvl="2" marR="0" rtl="0" algn="l">
+    <a:lvl3pPr marR="0" lvl="2" algn="l" rtl="0">
       <a:lnSpc>
         <a:spcPct val="100000"/>
       </a:lnSpc>
@@ -130,7 +130,7 @@
         <a:srgbClr val="000000"/>
       </a:buClr>
       <a:buFont typeface="Arial"/>
-      <a:defRPr b="0" i="0" sz="1400" u="none" cap="none" strike="noStrike">
+      <a:defRPr sz="1400" b="0" i="0" u="none" strike="noStrike" cap="none">
         <a:solidFill>
           <a:srgbClr val="000000"/>
         </a:solidFill>
@@ -140,7 +140,7 @@
         <a:sym typeface="Arial"/>
       </a:defRPr>
     </a:lvl3pPr>
-    <a:lvl4pPr lvl="3" marR="0" rtl="0" algn="l">
+    <a:lvl4pPr marR="0" lvl="3" algn="l" rtl="0">
       <a:lnSpc>
         <a:spcPct val="100000"/>
       </a:lnSpc>
@@ -154,7 +154,7 @@
         <a:srgbClr val="000000"/>
       </a:buClr>
       <a:buFont typeface="Arial"/>
-      <a:defRPr b="0" i="0" sz="1400" u="none" cap="none" strike="noStrike">
+      <a:defRPr sz="1400" b="0" i="0" u="none" strike="noStrike" cap="none">
         <a:solidFill>
           <a:srgbClr val="000000"/>
         </a:solidFill>
@@ -164,7 +164,7 @@
         <a:sym typeface="Arial"/>
       </a:defRPr>
     </a:lvl4pPr>
-    <a:lvl5pPr lvl="4" marR="0" rtl="0" algn="l">
+    <a:lvl5pPr marR="0" lvl="4" algn="l" rtl="0">
       <a:lnSpc>
         <a:spcPct val="100000"/>
       </a:lnSpc>
@@ -178,7 +178,7 @@
         <a:srgbClr val="000000"/>
       </a:buClr>
       <a:buFont typeface="Arial"/>
-      <a:defRPr b="0" i="0" sz="1400" u="none" cap="none" strike="noStrike">
+      <a:defRPr sz="1400" b="0" i="0" u="none" strike="noStrike" cap="none">
         <a:solidFill>
           <a:srgbClr val="000000"/>
         </a:solidFill>
@@ -188,7 +188,7 @@
         <a:sym typeface="Arial"/>
       </a:defRPr>
     </a:lvl5pPr>
-    <a:lvl6pPr lvl="5" marR="0" rtl="0" algn="l">
+    <a:lvl6pPr marR="0" lvl="5" algn="l" rtl="0">
       <a:lnSpc>
         <a:spcPct val="100000"/>
       </a:lnSpc>
@@ -202,7 +202,7 @@
         <a:srgbClr val="000000"/>
       </a:buClr>
       <a:buFont typeface="Arial"/>
-      <a:defRPr b="0" i="0" sz="1400" u="none" cap="none" strike="noStrike">
+      <a:defRPr sz="1400" b="0" i="0" u="none" strike="noStrike" cap="none">
         <a:solidFill>
           <a:srgbClr val="000000"/>
         </a:solidFill>
@@ -212,7 +212,7 @@
         <a:sym typeface="Arial"/>
       </a:defRPr>
     </a:lvl6pPr>
-    <a:lvl7pPr lvl="6" marR="0" rtl="0" algn="l">
+    <a:lvl7pPr marR="0" lvl="6" algn="l" rtl="0">
       <a:lnSpc>
         <a:spcPct val="100000"/>
       </a:lnSpc>
@@ -226,7 +226,7 @@
         <a:srgbClr val="000000"/>
       </a:buClr>
       <a:buFont typeface="Arial"/>
-      <a:defRPr b="0" i="0" sz="1400" u="none" cap="none" strike="noStrike">
+      <a:defRPr sz="1400" b="0" i="0" u="none" strike="noStrike" cap="none">
         <a:solidFill>
           <a:srgbClr val="000000"/>
         </a:solidFill>
@@ -236,7 +236,7 @@
         <a:sym typeface="Arial"/>
       </a:defRPr>
     </a:lvl7pPr>
-    <a:lvl8pPr lvl="7" marR="0" rtl="0" algn="l">
+    <a:lvl8pPr marR="0" lvl="7" algn="l" rtl="0">
       <a:lnSpc>
         <a:spcPct val="100000"/>
       </a:lnSpc>
@@ -250,7 +250,7 @@
         <a:srgbClr val="000000"/>
       </a:buClr>
       <a:buFont typeface="Arial"/>
-      <a:defRPr b="0" i="0" sz="1400" u="none" cap="none" strike="noStrike">
+      <a:defRPr sz="1400" b="0" i="0" u="none" strike="noStrike" cap="none">
         <a:solidFill>
           <a:srgbClr val="000000"/>
         </a:solidFill>
@@ -260,7 +260,7 @@
         <a:sym typeface="Arial"/>
       </a:defRPr>
     </a:lvl8pPr>
-    <a:lvl9pPr lvl="8" marR="0" rtl="0" algn="l">
+    <a:lvl9pPr marR="0" lvl="8" algn="l" rtl="0">
       <a:lnSpc>
         <a:spcPct val="100000"/>
       </a:lnSpc>
@@ -274,7 +274,7 @@
         <a:srgbClr val="000000"/>
       </a:buClr>
       <a:buFont typeface="Arial"/>
-      <a:defRPr b="0" i="0" sz="1400" u="none" cap="none" strike="noStrike">
+      <a:defRPr sz="1400" b="0" i="0" u="none" strike="noStrike" cap="none">
         <a:solidFill>
           <a:srgbClr val="000000"/>
         </a:solidFill>
@@ -287,7 +287,7 @@
   </p:defaultTextStyle>
   <p:extLst>
     <p:ext uri="{EFAFB233-063F-42B5-8137-9DF3F51BA10A}">
-      <p15:sldGuideLst>
+      <p15:sldGuideLst xmlns:p15="http://schemas.microsoft.com/office/powerpoint/2012/main">
         <p15:guide id="1" orient="horz" pos="1620">
           <p15:clr>
             <a:srgbClr val="A4A3A4"/>
@@ -305,11 +305,16 @@
 </file>
 
 <file path=ppt/notesMasters/notesMaster1.xml><?xml version="1.0" encoding="utf-8"?>
-<p:notesMaster xmlns:a="http://schemas.openxmlformats.org/drawingml/2006/main" xmlns:r="http://schemas.openxmlformats.org/officeDocument/2006/relationships" xmlns:mc="http://schemas.openxmlformats.org/markup-compatibility/2006" xmlns:mv="urn:schemas-microsoft-com:mac:vml" xmlns:p="http://schemas.openxmlformats.org/presentationml/2006/main" xmlns:c="http://schemas.openxmlformats.org/drawingml/2006/chart" xmlns:dgm="http://schemas.openxmlformats.org/drawingml/2006/diagram" xmlns:o="urn:schemas-microsoft-com:office:office" xmlns:v="urn:schemas-microsoft-com:vml" xmlns:pvml="urn:schemas-microsoft-com:office:powerpoint" xmlns:com="http://schemas.openxmlformats.org/drawingml/2006/compatibility" xmlns:p14="http://schemas.microsoft.com/office/powerpoint/2010/main" xmlns:p15="http://schemas.microsoft.com/office/powerpoint/2012/main" xmlns:ahyp="http://schemas.microsoft.com/office/drawing/2018/hyperlinkcolor">
+<p:notesMaster xmlns:a="http://schemas.openxmlformats.org/drawingml/2006/main" xmlns:r="http://schemas.openxmlformats.org/officeDocument/2006/relationships" xmlns:p="http://schemas.openxmlformats.org/presentationml/2006/main">
   <p:cSld>
+    <p:bg>
+      <p:bgRef idx="1001">
+        <a:schemeClr val="bg1"/>
+      </p:bgRef>
+    </p:bg>
     <p:spTree>
       <p:nvGrpSpPr>
-        <p:cNvPr id="2" name="Shape 2"/>
+        <p:cNvPr id="1" name="Shape 2"/>
         <p:cNvGrpSpPr/>
         <p:nvPr/>
       </p:nvGrpSpPr>
@@ -324,9 +329,11 @@
       <p:sp>
         <p:nvSpPr>
           <p:cNvPr id="3" name="Google Shape;3;n"/>
-          <p:cNvSpPr/>
+          <p:cNvSpPr>
+            <a:spLocks noGrp="1" noRot="1" noChangeAspect="1"/>
+          </p:cNvSpPr>
           <p:nvPr>
-            <p:ph idx="2" type="sldImg"/>
+            <p:ph type="sldImg" idx="2"/>
           </p:nvPr>
         </p:nvSpPr>
         <p:spPr>
@@ -335,9 +342,13 @@
             <a:ext cx="6096075" cy="3429000"/>
           </a:xfrm>
           <a:custGeom>
-            <a:rect b="b" l="l" r="r" t="t"/>
+            <a:avLst/>
+            <a:gdLst/>
+            <a:ahLst/>
+            <a:cxnLst/>
+            <a:rect l="l" t="t" r="r" b="b"/>
             <a:pathLst>
-              <a:path extrusionOk="0" h="120000" w="120000">
+              <a:path w="120000" h="120000" extrusionOk="0">
                 <a:moveTo>
                   <a:pt x="0" y="0"/>
                 </a:moveTo>
@@ -355,23 +366,25 @@
             </a:pathLst>
           </a:custGeom>
           <a:noFill/>
-          <a:ln cap="flat" cmpd="sng" w="9525">
+          <a:ln w="9525" cap="flat" cmpd="sng">
             <a:solidFill>
               <a:srgbClr val="000000"/>
             </a:solidFill>
             <a:prstDash val="solid"/>
             <a:round/>
-            <a:headEnd len="sm" w="sm" type="none"/>
-            <a:tailEnd len="sm" w="sm" type="none"/>
+            <a:headEnd type="none" w="sm" len="sm"/>
+            <a:tailEnd type="none" w="sm" len="sm"/>
           </a:ln>
         </p:spPr>
       </p:sp>
       <p:sp>
         <p:nvSpPr>
           <p:cNvPr id="4" name="Google Shape;4;n"/>
-          <p:cNvSpPr txBox="1"/>
+          <p:cNvSpPr txBox="1">
+            <a:spLocks noGrp="1"/>
+          </p:cNvSpPr>
           <p:nvPr>
-            <p:ph idx="1" type="body"/>
+            <p:ph type="body" idx="1"/>
           </p:nvPr>
         </p:nvSpPr>
         <p:spPr>
@@ -388,11 +401,11 @@
           </a:ln>
         </p:spPr>
         <p:txBody>
-          <a:bodyPr anchorCtr="0" anchor="t" bIns="91425" lIns="91425" spcFirstLastPara="1" rIns="91425" wrap="square" tIns="91425">
+          <a:bodyPr spcFirstLastPara="1" wrap="square" lIns="91425" tIns="91425" rIns="91425" bIns="91425" anchor="t" anchorCtr="0">
             <a:noAutofit/>
           </a:bodyPr>
           <a:lstStyle>
-            <a:lvl1pPr indent="-298450" lvl="0" marL="457200">
+            <a:lvl1pPr marL="457200" lvl="0" indent="-298450">
               <a:spcBef>
                 <a:spcPts val="0"/>
               </a:spcBef>
@@ -403,7 +416,7 @@
               <a:buChar char="●"/>
               <a:defRPr sz="1100"/>
             </a:lvl1pPr>
-            <a:lvl2pPr indent="-298450" lvl="1" marL="914400">
+            <a:lvl2pPr marL="914400" lvl="1" indent="-298450">
               <a:spcBef>
                 <a:spcPts val="0"/>
               </a:spcBef>
@@ -414,7 +427,7 @@
               <a:buChar char="○"/>
               <a:defRPr sz="1100"/>
             </a:lvl2pPr>
-            <a:lvl3pPr indent="-298450" lvl="2" marL="1371600">
+            <a:lvl3pPr marL="1371600" lvl="2" indent="-298450">
               <a:spcBef>
                 <a:spcPts val="0"/>
               </a:spcBef>
@@ -425,7 +438,7 @@
               <a:buChar char="■"/>
               <a:defRPr sz="1100"/>
             </a:lvl3pPr>
-            <a:lvl4pPr indent="-298450" lvl="3" marL="1828800">
+            <a:lvl4pPr marL="1828800" lvl="3" indent="-298450">
               <a:spcBef>
                 <a:spcPts val="0"/>
               </a:spcBef>
@@ -436,7 +449,7 @@
               <a:buChar char="●"/>
               <a:defRPr sz="1100"/>
             </a:lvl4pPr>
-            <a:lvl5pPr indent="-298450" lvl="4" marL="2286000">
+            <a:lvl5pPr marL="2286000" lvl="4" indent="-298450">
               <a:spcBef>
                 <a:spcPts val="0"/>
               </a:spcBef>
@@ -447,7 +460,7 @@
               <a:buChar char="○"/>
               <a:defRPr sz="1100"/>
             </a:lvl5pPr>
-            <a:lvl6pPr indent="-298450" lvl="5" marL="2743200">
+            <a:lvl6pPr marL="2743200" lvl="5" indent="-298450">
               <a:spcBef>
                 <a:spcPts val="0"/>
               </a:spcBef>
@@ -458,7 +471,7 @@
               <a:buChar char="■"/>
               <a:defRPr sz="1100"/>
             </a:lvl6pPr>
-            <a:lvl7pPr indent="-298450" lvl="6" marL="3200400">
+            <a:lvl7pPr marL="3200400" lvl="6" indent="-298450">
               <a:spcBef>
                 <a:spcPts val="0"/>
               </a:spcBef>
@@ -469,7 +482,7 @@
               <a:buChar char="●"/>
               <a:defRPr sz="1100"/>
             </a:lvl7pPr>
-            <a:lvl8pPr indent="-298450" lvl="7" marL="3657600">
+            <a:lvl8pPr marL="3657600" lvl="7" indent="-298450">
               <a:spcBef>
                 <a:spcPts val="0"/>
               </a:spcBef>
@@ -480,7 +493,7 @@
               <a:buChar char="○"/>
               <a:defRPr sz="1100"/>
             </a:lvl8pPr>
-            <a:lvl9pPr indent="-298450" lvl="8" marL="4114800">
+            <a:lvl9pPr marL="4114800" lvl="8" indent="-298450">
               <a:spcBef>
                 <a:spcPts val="0"/>
               </a:spcBef>
@@ -492,14 +505,16 @@
               <a:defRPr sz="1100"/>
             </a:lvl9pPr>
           </a:lstStyle>
-          <a:p/>
+          <a:p>
+            <a:endParaRPr/>
+          </a:p>
         </p:txBody>
       </p:sp>
     </p:spTree>
   </p:cSld>
-  <p:clrMap accent1="accent1" accent2="accent2" accent3="accent3" accent4="accent4" accent5="accent5" accent6="accent6" bg1="lt1" bg2="dk2" tx1="dk1" tx2="lt2" folHlink="folHlink" hlink="hlink"/>
+  <p:clrMap bg1="lt1" tx1="dk1" bg2="dk2" tx2="lt2" accent1="accent1" accent2="accent2" accent3="accent3" accent4="accent4" accent5="accent5" accent6="accent6" hlink="hlink" folHlink="folHlink"/>
   <p:notesStyle>
-    <a:defPPr lvl="0" marR="0" rtl="0" algn="l">
+    <a:defPPr marR="0" lvl="0" algn="l" rtl="0">
       <a:lnSpc>
         <a:spcPct val="100000"/>
       </a:lnSpc>
@@ -510,7 +525,7 @@
         <a:spcPts val="0"/>
       </a:spcAft>
     </a:defPPr>
-    <a:lvl1pPr lvl="0" marR="0" rtl="0" algn="l">
+    <a:lvl1pPr marR="0" lvl="0" algn="l" rtl="0">
       <a:lnSpc>
         <a:spcPct val="100000"/>
       </a:lnSpc>
@@ -524,7 +539,7 @@
         <a:srgbClr val="000000"/>
       </a:buClr>
       <a:buFont typeface="Arial"/>
-      <a:defRPr b="0" i="0" sz="1400" u="none" cap="none" strike="noStrike">
+      <a:defRPr sz="1400" b="0" i="0" u="none" strike="noStrike" cap="none">
         <a:solidFill>
           <a:srgbClr val="000000"/>
         </a:solidFill>
@@ -534,7 +549,7 @@
         <a:sym typeface="Arial"/>
       </a:defRPr>
     </a:lvl1pPr>
-    <a:lvl2pPr lvl="1" marR="0" rtl="0" algn="l">
+    <a:lvl2pPr marR="0" lvl="1" algn="l" rtl="0">
       <a:lnSpc>
         <a:spcPct val="100000"/>
       </a:lnSpc>
@@ -548,7 +563,7 @@
         <a:srgbClr val="000000"/>
       </a:buClr>
       <a:buFont typeface="Arial"/>
-      <a:defRPr b="0" i="0" sz="1400" u="none" cap="none" strike="noStrike">
+      <a:defRPr sz="1400" b="0" i="0" u="none" strike="noStrike" cap="none">
         <a:solidFill>
           <a:srgbClr val="000000"/>
         </a:solidFill>
@@ -558,7 +573,7 @@
         <a:sym typeface="Arial"/>
       </a:defRPr>
     </a:lvl2pPr>
-    <a:lvl3pPr lvl="2" marR="0" rtl="0" algn="l">
+    <a:lvl3pPr marR="0" lvl="2" algn="l" rtl="0">
       <a:lnSpc>
         <a:spcPct val="100000"/>
       </a:lnSpc>
@@ -572,7 +587,7 @@
         <a:srgbClr val="000000"/>
       </a:buClr>
       <a:buFont typeface="Arial"/>
-      <a:defRPr b="0" i="0" sz="1400" u="none" cap="none" strike="noStrike">
+      <a:defRPr sz="1400" b="0" i="0" u="none" strike="noStrike" cap="none">
         <a:solidFill>
           <a:srgbClr val="000000"/>
         </a:solidFill>
@@ -582,7 +597,7 @@
         <a:sym typeface="Arial"/>
       </a:defRPr>
     </a:lvl3pPr>
-    <a:lvl4pPr lvl="3" marR="0" rtl="0" algn="l">
+    <a:lvl4pPr marR="0" lvl="3" algn="l" rtl="0">
       <a:lnSpc>
         <a:spcPct val="100000"/>
       </a:lnSpc>
@@ -596,7 +611,7 @@
         <a:srgbClr val="000000"/>
       </a:buClr>
       <a:buFont typeface="Arial"/>
-      <a:defRPr b="0" i="0" sz="1400" u="none" cap="none" strike="noStrike">
+      <a:defRPr sz="1400" b="0" i="0" u="none" strike="noStrike" cap="none">
         <a:solidFill>
           <a:srgbClr val="000000"/>
         </a:solidFill>
@@ -606,7 +621,7 @@
         <a:sym typeface="Arial"/>
       </a:defRPr>
     </a:lvl4pPr>
-    <a:lvl5pPr lvl="4" marR="0" rtl="0" algn="l">
+    <a:lvl5pPr marR="0" lvl="4" algn="l" rtl="0">
       <a:lnSpc>
         <a:spcPct val="100000"/>
       </a:lnSpc>
@@ -620,7 +635,7 @@
         <a:srgbClr val="000000"/>
       </a:buClr>
       <a:buFont typeface="Arial"/>
-      <a:defRPr b="0" i="0" sz="1400" u="none" cap="none" strike="noStrike">
+      <a:defRPr sz="1400" b="0" i="0" u="none" strike="noStrike" cap="none">
         <a:solidFill>
           <a:srgbClr val="000000"/>
         </a:solidFill>
@@ -630,7 +645,7 @@
         <a:sym typeface="Arial"/>
       </a:defRPr>
     </a:lvl5pPr>
-    <a:lvl6pPr lvl="5" marR="0" rtl="0" algn="l">
+    <a:lvl6pPr marR="0" lvl="5" algn="l" rtl="0">
       <a:lnSpc>
         <a:spcPct val="100000"/>
       </a:lnSpc>
@@ -644,7 +659,7 @@
         <a:srgbClr val="000000"/>
       </a:buClr>
       <a:buFont typeface="Arial"/>
-      <a:defRPr b="0" i="0" sz="1400" u="none" cap="none" strike="noStrike">
+      <a:defRPr sz="1400" b="0" i="0" u="none" strike="noStrike" cap="none">
         <a:solidFill>
           <a:srgbClr val="000000"/>
         </a:solidFill>
@@ -654,7 +669,7 @@
         <a:sym typeface="Arial"/>
       </a:defRPr>
     </a:lvl6pPr>
-    <a:lvl7pPr lvl="6" marR="0" rtl="0" algn="l">
+    <a:lvl7pPr marR="0" lvl="6" algn="l" rtl="0">
       <a:lnSpc>
         <a:spcPct val="100000"/>
       </a:lnSpc>
@@ -668,7 +683,7 @@
         <a:srgbClr val="000000"/>
       </a:buClr>
       <a:buFont typeface="Arial"/>
-      <a:defRPr b="0" i="0" sz="1400" u="none" cap="none" strike="noStrike">
+      <a:defRPr sz="1400" b="0" i="0" u="none" strike="noStrike" cap="none">
         <a:solidFill>
           <a:srgbClr val="000000"/>
         </a:solidFill>
@@ -678,7 +693,7 @@
         <a:sym typeface="Arial"/>
       </a:defRPr>
     </a:lvl7pPr>
-    <a:lvl8pPr lvl="7" marR="0" rtl="0" algn="l">
+    <a:lvl8pPr marR="0" lvl="7" algn="l" rtl="0">
       <a:lnSpc>
         <a:spcPct val="100000"/>
       </a:lnSpc>
@@ -692,7 +707,7 @@
         <a:srgbClr val="000000"/>
       </a:buClr>
       <a:buFont typeface="Arial"/>
-      <a:defRPr b="0" i="0" sz="1400" u="none" cap="none" strike="noStrike">
+      <a:defRPr sz="1400" b="0" i="0" u="none" strike="noStrike" cap="none">
         <a:solidFill>
           <a:srgbClr val="000000"/>
         </a:solidFill>
@@ -702,7 +717,7 @@
         <a:sym typeface="Arial"/>
       </a:defRPr>
     </a:lvl8pPr>
-    <a:lvl9pPr lvl="8" marR="0" rtl="0" algn="l">
+    <a:lvl9pPr marR="0" lvl="8" algn="l" rtl="0">
       <a:lnSpc>
         <a:spcPct val="100000"/>
       </a:lnSpc>
@@ -716,7 +731,7 @@
         <a:srgbClr val="000000"/>
       </a:buClr>
       <a:buFont typeface="Arial"/>
-      <a:defRPr b="0" i="0" sz="1400" u="none" cap="none" strike="noStrike">
+      <a:defRPr sz="1400" b="0" i="0" u="none" strike="noStrike" cap="none">
         <a:solidFill>
           <a:srgbClr val="000000"/>
         </a:solidFill>
@@ -731,11 +746,11 @@
 </file>
 
 <file path=ppt/notesSlides/notesSlide1.xml><?xml version="1.0" encoding="utf-8"?>
-<p:notes xmlns:a="http://schemas.openxmlformats.org/drawingml/2006/main" xmlns:r="http://schemas.openxmlformats.org/officeDocument/2006/relationships" xmlns:mc="http://schemas.openxmlformats.org/markup-compatibility/2006" xmlns:mv="urn:schemas-microsoft-com:mac:vml" xmlns:p="http://schemas.openxmlformats.org/presentationml/2006/main" xmlns:c="http://schemas.openxmlformats.org/drawingml/2006/chart" xmlns:dgm="http://schemas.openxmlformats.org/drawingml/2006/diagram" xmlns:o="urn:schemas-microsoft-com:office:office" xmlns:v="urn:schemas-microsoft-com:vml" xmlns:pvml="urn:schemas-microsoft-com:office:powerpoint" xmlns:com="http://schemas.openxmlformats.org/drawingml/2006/compatibility" xmlns:p14="http://schemas.microsoft.com/office/powerpoint/2010/main" xmlns:p15="http://schemas.microsoft.com/office/powerpoint/2012/main" xmlns:ahyp="http://schemas.microsoft.com/office/drawing/2018/hyperlinkcolor" showMasterPhAnim="0" showMasterSp="0">
+<p:notes xmlns:a="http://schemas.openxmlformats.org/drawingml/2006/main" xmlns:r="http://schemas.openxmlformats.org/officeDocument/2006/relationships" xmlns:p="http://schemas.openxmlformats.org/presentationml/2006/main" showMasterSp="0" showMasterPhAnim="0">
   <p:cSld>
     <p:spTree>
       <p:nvGrpSpPr>
-        <p:cNvPr id="82" name="Shape 82"/>
+        <p:cNvPr id="1" name="Shape 82"/>
         <p:cNvGrpSpPr/>
         <p:nvPr/>
       </p:nvGrpSpPr>
@@ -750,9 +765,11 @@
       <p:sp>
         <p:nvSpPr>
           <p:cNvPr id="83" name="Google Shape;83;p:notes"/>
-          <p:cNvSpPr/>
+          <p:cNvSpPr>
+            <a:spLocks noGrp="1" noRot="1" noChangeAspect="1"/>
+          </p:cNvSpPr>
           <p:nvPr>
-            <p:ph idx="2" type="sldImg"/>
+            <p:ph type="sldImg" idx="2"/>
           </p:nvPr>
         </p:nvSpPr>
         <p:spPr>
@@ -761,9 +778,13 @@
             <a:ext cx="6096075" cy="3429000"/>
           </a:xfrm>
           <a:custGeom>
-            <a:rect b="b" l="l" r="r" t="t"/>
+            <a:avLst/>
+            <a:gdLst/>
+            <a:ahLst/>
+            <a:cxnLst/>
+            <a:rect l="l" t="t" r="r" b="b"/>
             <a:pathLst>
-              <a:path extrusionOk="0" h="120000" w="120000">
+              <a:path w="120000" h="120000" extrusionOk="0">
                 <a:moveTo>
                   <a:pt x="0" y="0"/>
                 </a:moveTo>
@@ -785,9 +806,11 @@
       <p:sp>
         <p:nvSpPr>
           <p:cNvPr id="84" name="Google Shape;84;p:notes"/>
-          <p:cNvSpPr txBox="1"/>
+          <p:cNvSpPr txBox="1">
+            <a:spLocks noGrp="1"/>
+          </p:cNvSpPr>
           <p:nvPr>
-            <p:ph idx="1" type="body"/>
+            <p:ph type="body" idx="1"/>
           </p:nvPr>
         </p:nvSpPr>
         <p:spPr>
@@ -800,23 +823,20 @@
           </a:prstGeom>
         </p:spPr>
         <p:txBody>
-          <a:bodyPr anchorCtr="0" anchor="t" bIns="91425" lIns="91425" spcFirstLastPara="1" rIns="91425" wrap="square" tIns="91425">
+          <a:bodyPr spcFirstLastPara="1" wrap="square" lIns="91425" tIns="91425" rIns="91425" bIns="91425" anchor="t" anchorCtr="0">
             <a:noAutofit/>
           </a:bodyPr>
           <a:lstStyle/>
           <a:p>
-            <a:pPr indent="0" lvl="0" marL="0" rtl="0" algn="l">
-              <a:spcBef>
-                <a:spcPts val="0"/>
-              </a:spcBef>
-              <a:spcAft>
-                <a:spcPts val="0"/>
-              </a:spcAft>
-              <a:buNone/>
-            </a:pPr>
-            <a:r>
-              <a:t/>
-            </a:r>
+            <a:pPr marL="0" lvl="0" indent="0" algn="l" rtl="0">
+              <a:spcBef>
+                <a:spcPts val="0"/>
+              </a:spcBef>
+              <a:spcAft>
+                <a:spcPts val="0"/>
+              </a:spcAft>
+              <a:buNone/>
+            </a:pPr>
             <a:endParaRPr/>
           </a:p>
         </p:txBody>
@@ -830,11 +850,11 @@
 </file>
 
 <file path=ppt/notesSlides/notesSlide10.xml><?xml version="1.0" encoding="utf-8"?>
-<p:notes xmlns:a="http://schemas.openxmlformats.org/drawingml/2006/main" xmlns:r="http://schemas.openxmlformats.org/officeDocument/2006/relationships" xmlns:mc="http://schemas.openxmlformats.org/markup-compatibility/2006" xmlns:mv="urn:schemas-microsoft-com:mac:vml" xmlns:p="http://schemas.openxmlformats.org/presentationml/2006/main" xmlns:c="http://schemas.openxmlformats.org/drawingml/2006/chart" xmlns:dgm="http://schemas.openxmlformats.org/drawingml/2006/diagram" xmlns:o="urn:schemas-microsoft-com:office:office" xmlns:v="urn:schemas-microsoft-com:vml" xmlns:pvml="urn:schemas-microsoft-com:office:powerpoint" xmlns:com="http://schemas.openxmlformats.org/drawingml/2006/compatibility" xmlns:p14="http://schemas.microsoft.com/office/powerpoint/2010/main" xmlns:p15="http://schemas.microsoft.com/office/powerpoint/2012/main" xmlns:ahyp="http://schemas.microsoft.com/office/drawing/2018/hyperlinkcolor" showMasterPhAnim="0" showMasterSp="0">
+<p:notes xmlns:a="http://schemas.openxmlformats.org/drawingml/2006/main" xmlns:r="http://schemas.openxmlformats.org/officeDocument/2006/relationships" xmlns:p="http://schemas.openxmlformats.org/presentationml/2006/main" showMasterSp="0" showMasterPhAnim="0">
   <p:cSld>
     <p:spTree>
       <p:nvGrpSpPr>
-        <p:cNvPr id="138" name="Shape 138"/>
+        <p:cNvPr id="1" name="Shape 138"/>
         <p:cNvGrpSpPr/>
         <p:nvPr/>
       </p:nvGrpSpPr>
@@ -849,9 +869,11 @@
       <p:sp>
         <p:nvSpPr>
           <p:cNvPr id="139" name="Google Shape;139;g1999847506a_0_335:notes"/>
-          <p:cNvSpPr/>
+          <p:cNvSpPr>
+            <a:spLocks noGrp="1" noRot="1" noChangeAspect="1"/>
+          </p:cNvSpPr>
           <p:nvPr>
-            <p:ph idx="2" type="sldImg"/>
+            <p:ph type="sldImg" idx="2"/>
           </p:nvPr>
         </p:nvSpPr>
         <p:spPr>
@@ -860,9 +882,13 @@
             <a:ext cx="6096000" cy="3429000"/>
           </a:xfrm>
           <a:custGeom>
-            <a:rect b="b" l="l" r="r" t="t"/>
+            <a:avLst/>
+            <a:gdLst/>
+            <a:ahLst/>
+            <a:cxnLst/>
+            <a:rect l="l" t="t" r="r" b="b"/>
             <a:pathLst>
-              <a:path extrusionOk="0" h="120000" w="120000">
+              <a:path w="120000" h="120000" extrusionOk="0">
                 <a:moveTo>
                   <a:pt x="0" y="0"/>
                 </a:moveTo>
@@ -884,9 +910,11 @@
       <p:sp>
         <p:nvSpPr>
           <p:cNvPr id="140" name="Google Shape;140;g1999847506a_0_335:notes"/>
-          <p:cNvSpPr txBox="1"/>
+          <p:cNvSpPr txBox="1">
+            <a:spLocks noGrp="1"/>
+          </p:cNvSpPr>
           <p:nvPr>
-            <p:ph idx="1" type="body"/>
+            <p:ph type="body" idx="1"/>
           </p:nvPr>
         </p:nvSpPr>
         <p:spPr>
@@ -899,23 +927,20 @@
           </a:prstGeom>
         </p:spPr>
         <p:txBody>
-          <a:bodyPr anchorCtr="0" anchor="t" bIns="91425" lIns="91425" spcFirstLastPara="1" rIns="91425" wrap="square" tIns="91425">
+          <a:bodyPr spcFirstLastPara="1" wrap="square" lIns="91425" tIns="91425" rIns="91425" bIns="91425" anchor="t" anchorCtr="0">
             <a:noAutofit/>
           </a:bodyPr>
           <a:lstStyle/>
           <a:p>
-            <a:pPr indent="0" lvl="0" marL="0" rtl="0" algn="l">
-              <a:spcBef>
-                <a:spcPts val="0"/>
-              </a:spcBef>
-              <a:spcAft>
-                <a:spcPts val="0"/>
-              </a:spcAft>
-              <a:buNone/>
-            </a:pPr>
-            <a:r>
-              <a:t/>
-            </a:r>
+            <a:pPr marL="0" lvl="0" indent="0" algn="l" rtl="0">
+              <a:spcBef>
+                <a:spcPts val="0"/>
+              </a:spcBef>
+              <a:spcAft>
+                <a:spcPts val="0"/>
+              </a:spcAft>
+              <a:buNone/>
+            </a:pPr>
             <a:endParaRPr/>
           </a:p>
         </p:txBody>
@@ -929,11 +954,11 @@
 </file>
 
 <file path=ppt/notesSlides/notesSlide11.xml><?xml version="1.0" encoding="utf-8"?>
-<p:notes xmlns:a="http://schemas.openxmlformats.org/drawingml/2006/main" xmlns:r="http://schemas.openxmlformats.org/officeDocument/2006/relationships" xmlns:mc="http://schemas.openxmlformats.org/markup-compatibility/2006" xmlns:mv="urn:schemas-microsoft-com:mac:vml" xmlns:p="http://schemas.openxmlformats.org/presentationml/2006/main" xmlns:c="http://schemas.openxmlformats.org/drawingml/2006/chart" xmlns:dgm="http://schemas.openxmlformats.org/drawingml/2006/diagram" xmlns:o="urn:schemas-microsoft-com:office:office" xmlns:v="urn:schemas-microsoft-com:vml" xmlns:pvml="urn:schemas-microsoft-com:office:powerpoint" xmlns:com="http://schemas.openxmlformats.org/drawingml/2006/compatibility" xmlns:p14="http://schemas.microsoft.com/office/powerpoint/2010/main" xmlns:p15="http://schemas.microsoft.com/office/powerpoint/2012/main" xmlns:ahyp="http://schemas.microsoft.com/office/drawing/2018/hyperlinkcolor" showMasterPhAnim="0" showMasterSp="0">
+<p:notes xmlns:a="http://schemas.openxmlformats.org/drawingml/2006/main" xmlns:r="http://schemas.openxmlformats.org/officeDocument/2006/relationships" xmlns:p="http://schemas.openxmlformats.org/presentationml/2006/main" showMasterSp="0" showMasterPhAnim="0">
   <p:cSld>
     <p:spTree>
       <p:nvGrpSpPr>
-        <p:cNvPr id="145" name="Shape 145"/>
+        <p:cNvPr id="1" name="Shape 145"/>
         <p:cNvGrpSpPr/>
         <p:nvPr/>
       </p:nvGrpSpPr>
@@ -948,9 +973,11 @@
       <p:sp>
         <p:nvSpPr>
           <p:cNvPr id="146" name="Google Shape;146;g1999847506a_0_302:notes"/>
-          <p:cNvSpPr/>
+          <p:cNvSpPr>
+            <a:spLocks noGrp="1" noRot="1" noChangeAspect="1"/>
+          </p:cNvSpPr>
           <p:nvPr>
-            <p:ph idx="2" type="sldImg"/>
+            <p:ph type="sldImg" idx="2"/>
           </p:nvPr>
         </p:nvSpPr>
         <p:spPr>
@@ -959,9 +986,13 @@
             <a:ext cx="6096000" cy="3429000"/>
           </a:xfrm>
           <a:custGeom>
-            <a:rect b="b" l="l" r="r" t="t"/>
+            <a:avLst/>
+            <a:gdLst/>
+            <a:ahLst/>
+            <a:cxnLst/>
+            <a:rect l="l" t="t" r="r" b="b"/>
             <a:pathLst>
-              <a:path extrusionOk="0" h="120000" w="120000">
+              <a:path w="120000" h="120000" extrusionOk="0">
                 <a:moveTo>
                   <a:pt x="0" y="0"/>
                 </a:moveTo>
@@ -983,9 +1014,11 @@
       <p:sp>
         <p:nvSpPr>
           <p:cNvPr id="147" name="Google Shape;147;g1999847506a_0_302:notes"/>
-          <p:cNvSpPr txBox="1"/>
+          <p:cNvSpPr txBox="1">
+            <a:spLocks noGrp="1"/>
+          </p:cNvSpPr>
           <p:nvPr>
-            <p:ph idx="1" type="body"/>
+            <p:ph type="body" idx="1"/>
           </p:nvPr>
         </p:nvSpPr>
         <p:spPr>
@@ -998,23 +1031,20 @@
           </a:prstGeom>
         </p:spPr>
         <p:txBody>
-          <a:bodyPr anchorCtr="0" anchor="t" bIns="91425" lIns="91425" spcFirstLastPara="1" rIns="91425" wrap="square" tIns="91425">
+          <a:bodyPr spcFirstLastPara="1" wrap="square" lIns="91425" tIns="91425" rIns="91425" bIns="91425" anchor="t" anchorCtr="0">
             <a:noAutofit/>
           </a:bodyPr>
           <a:lstStyle/>
           <a:p>
-            <a:pPr indent="0" lvl="0" marL="0" rtl="0" algn="l">
-              <a:spcBef>
-                <a:spcPts val="0"/>
-              </a:spcBef>
-              <a:spcAft>
-                <a:spcPts val="0"/>
-              </a:spcAft>
-              <a:buNone/>
-            </a:pPr>
-            <a:r>
-              <a:t/>
-            </a:r>
+            <a:pPr marL="0" lvl="0" indent="0" algn="l" rtl="0">
+              <a:spcBef>
+                <a:spcPts val="0"/>
+              </a:spcBef>
+              <a:spcAft>
+                <a:spcPts val="0"/>
+              </a:spcAft>
+              <a:buNone/>
+            </a:pPr>
             <a:endParaRPr/>
           </a:p>
         </p:txBody>
@@ -1028,11 +1058,11 @@
 </file>
 
 <file path=ppt/notesSlides/notesSlide12.xml><?xml version="1.0" encoding="utf-8"?>
-<p:notes xmlns:a="http://schemas.openxmlformats.org/drawingml/2006/main" xmlns:r="http://schemas.openxmlformats.org/officeDocument/2006/relationships" xmlns:mc="http://schemas.openxmlformats.org/markup-compatibility/2006" xmlns:mv="urn:schemas-microsoft-com:mac:vml" xmlns:p="http://schemas.openxmlformats.org/presentationml/2006/main" xmlns:c="http://schemas.openxmlformats.org/drawingml/2006/chart" xmlns:dgm="http://schemas.openxmlformats.org/drawingml/2006/diagram" xmlns:o="urn:schemas-microsoft-com:office:office" xmlns:v="urn:schemas-microsoft-com:vml" xmlns:pvml="urn:schemas-microsoft-com:office:powerpoint" xmlns:com="http://schemas.openxmlformats.org/drawingml/2006/compatibility" xmlns:p14="http://schemas.microsoft.com/office/powerpoint/2010/main" xmlns:p15="http://schemas.microsoft.com/office/powerpoint/2012/main" xmlns:ahyp="http://schemas.microsoft.com/office/drawing/2018/hyperlinkcolor" showMasterPhAnim="0" showMasterSp="0">
+<p:notes xmlns:a="http://schemas.openxmlformats.org/drawingml/2006/main" xmlns:r="http://schemas.openxmlformats.org/officeDocument/2006/relationships" xmlns:p="http://schemas.openxmlformats.org/presentationml/2006/main" showMasterSp="0" showMasterPhAnim="0">
   <p:cSld>
     <p:spTree>
       <p:nvGrpSpPr>
-        <p:cNvPr id="152" name="Shape 152"/>
+        <p:cNvPr id="1" name="Shape 152"/>
         <p:cNvGrpSpPr/>
         <p:nvPr/>
       </p:nvGrpSpPr>
@@ -1047,9 +1077,11 @@
       <p:sp>
         <p:nvSpPr>
           <p:cNvPr id="153" name="Google Shape;153;g1999847506a_0_313:notes"/>
-          <p:cNvSpPr/>
+          <p:cNvSpPr>
+            <a:spLocks noGrp="1" noRot="1" noChangeAspect="1"/>
+          </p:cNvSpPr>
           <p:nvPr>
-            <p:ph idx="2" type="sldImg"/>
+            <p:ph type="sldImg" idx="2"/>
           </p:nvPr>
         </p:nvSpPr>
         <p:spPr>
@@ -1058,9 +1090,13 @@
             <a:ext cx="6096000" cy="3429000"/>
           </a:xfrm>
           <a:custGeom>
-            <a:rect b="b" l="l" r="r" t="t"/>
+            <a:avLst/>
+            <a:gdLst/>
+            <a:ahLst/>
+            <a:cxnLst/>
+            <a:rect l="l" t="t" r="r" b="b"/>
             <a:pathLst>
-              <a:path extrusionOk="0" h="120000" w="120000">
+              <a:path w="120000" h="120000" extrusionOk="0">
                 <a:moveTo>
                   <a:pt x="0" y="0"/>
                 </a:moveTo>
@@ -1082,9 +1118,11 @@
       <p:sp>
         <p:nvSpPr>
           <p:cNvPr id="154" name="Google Shape;154;g1999847506a_0_313:notes"/>
-          <p:cNvSpPr txBox="1"/>
+          <p:cNvSpPr txBox="1">
+            <a:spLocks noGrp="1"/>
+          </p:cNvSpPr>
           <p:nvPr>
-            <p:ph idx="1" type="body"/>
+            <p:ph type="body" idx="1"/>
           </p:nvPr>
         </p:nvSpPr>
         <p:spPr>
@@ -1097,23 +1135,20 @@
           </a:prstGeom>
         </p:spPr>
         <p:txBody>
-          <a:bodyPr anchorCtr="0" anchor="t" bIns="91425" lIns="91425" spcFirstLastPara="1" rIns="91425" wrap="square" tIns="91425">
+          <a:bodyPr spcFirstLastPara="1" wrap="square" lIns="91425" tIns="91425" rIns="91425" bIns="91425" anchor="t" anchorCtr="0">
             <a:noAutofit/>
           </a:bodyPr>
           <a:lstStyle/>
           <a:p>
-            <a:pPr indent="0" lvl="0" marL="0" rtl="0" algn="l">
-              <a:spcBef>
-                <a:spcPts val="0"/>
-              </a:spcBef>
-              <a:spcAft>
-                <a:spcPts val="0"/>
-              </a:spcAft>
-              <a:buNone/>
-            </a:pPr>
-            <a:r>
-              <a:t/>
-            </a:r>
+            <a:pPr marL="0" lvl="0" indent="0" algn="l" rtl="0">
+              <a:spcBef>
+                <a:spcPts val="0"/>
+              </a:spcBef>
+              <a:spcAft>
+                <a:spcPts val="0"/>
+              </a:spcAft>
+              <a:buNone/>
+            </a:pPr>
             <a:endParaRPr/>
           </a:p>
         </p:txBody>
@@ -1127,11 +1162,11 @@
 </file>
 
 <file path=ppt/notesSlides/notesSlide13.xml><?xml version="1.0" encoding="utf-8"?>
-<p:notes xmlns:a="http://schemas.openxmlformats.org/drawingml/2006/main" xmlns:r="http://schemas.openxmlformats.org/officeDocument/2006/relationships" xmlns:mc="http://schemas.openxmlformats.org/markup-compatibility/2006" xmlns:mv="urn:schemas-microsoft-com:mac:vml" xmlns:p="http://schemas.openxmlformats.org/presentationml/2006/main" xmlns:c="http://schemas.openxmlformats.org/drawingml/2006/chart" xmlns:dgm="http://schemas.openxmlformats.org/drawingml/2006/diagram" xmlns:o="urn:schemas-microsoft-com:office:office" xmlns:v="urn:schemas-microsoft-com:vml" xmlns:pvml="urn:schemas-microsoft-com:office:powerpoint" xmlns:com="http://schemas.openxmlformats.org/drawingml/2006/compatibility" xmlns:p14="http://schemas.microsoft.com/office/powerpoint/2010/main" xmlns:p15="http://schemas.microsoft.com/office/powerpoint/2012/main" xmlns:ahyp="http://schemas.microsoft.com/office/drawing/2018/hyperlinkcolor" showMasterPhAnim="0" showMasterSp="0">
+<p:notes xmlns:a="http://schemas.openxmlformats.org/drawingml/2006/main" xmlns:r="http://schemas.openxmlformats.org/officeDocument/2006/relationships" xmlns:p="http://schemas.openxmlformats.org/presentationml/2006/main" showMasterSp="0" showMasterPhAnim="0">
   <p:cSld>
     <p:spTree>
       <p:nvGrpSpPr>
-        <p:cNvPr id="158" name="Shape 158"/>
+        <p:cNvPr id="1" name="Shape 158"/>
         <p:cNvGrpSpPr/>
         <p:nvPr/>
       </p:nvGrpSpPr>
@@ -1146,9 +1181,11 @@
       <p:sp>
         <p:nvSpPr>
           <p:cNvPr id="159" name="Google Shape;159;g1999847506a_0_319:notes"/>
-          <p:cNvSpPr/>
+          <p:cNvSpPr>
+            <a:spLocks noGrp="1" noRot="1" noChangeAspect="1"/>
+          </p:cNvSpPr>
           <p:nvPr>
-            <p:ph idx="2" type="sldImg"/>
+            <p:ph type="sldImg" idx="2"/>
           </p:nvPr>
         </p:nvSpPr>
         <p:spPr>
@@ -1157,9 +1194,13 @@
             <a:ext cx="6096000" cy="3429000"/>
           </a:xfrm>
           <a:custGeom>
-            <a:rect b="b" l="l" r="r" t="t"/>
+            <a:avLst/>
+            <a:gdLst/>
+            <a:ahLst/>
+            <a:cxnLst/>
+            <a:rect l="l" t="t" r="r" b="b"/>
             <a:pathLst>
-              <a:path extrusionOk="0" h="120000" w="120000">
+              <a:path w="120000" h="120000" extrusionOk="0">
                 <a:moveTo>
                   <a:pt x="0" y="0"/>
                 </a:moveTo>
@@ -1181,9 +1222,11 @@
       <p:sp>
         <p:nvSpPr>
           <p:cNvPr id="160" name="Google Shape;160;g1999847506a_0_319:notes"/>
-          <p:cNvSpPr txBox="1"/>
+          <p:cNvSpPr txBox="1">
+            <a:spLocks noGrp="1"/>
+          </p:cNvSpPr>
           <p:nvPr>
-            <p:ph idx="1" type="body"/>
+            <p:ph type="body" idx="1"/>
           </p:nvPr>
         </p:nvSpPr>
         <p:spPr>
@@ -1196,23 +1239,20 @@
           </a:prstGeom>
         </p:spPr>
         <p:txBody>
-          <a:bodyPr anchorCtr="0" anchor="t" bIns="91425" lIns="91425" spcFirstLastPara="1" rIns="91425" wrap="square" tIns="91425">
+          <a:bodyPr spcFirstLastPara="1" wrap="square" lIns="91425" tIns="91425" rIns="91425" bIns="91425" anchor="t" anchorCtr="0">
             <a:noAutofit/>
           </a:bodyPr>
           <a:lstStyle/>
           <a:p>
-            <a:pPr indent="0" lvl="0" marL="0" rtl="0" algn="l">
-              <a:spcBef>
-                <a:spcPts val="0"/>
-              </a:spcBef>
-              <a:spcAft>
-                <a:spcPts val="0"/>
-              </a:spcAft>
-              <a:buNone/>
-            </a:pPr>
-            <a:r>
-              <a:t/>
-            </a:r>
+            <a:pPr marL="0" lvl="0" indent="0" algn="l" rtl="0">
+              <a:spcBef>
+                <a:spcPts val="0"/>
+              </a:spcBef>
+              <a:spcAft>
+                <a:spcPts val="0"/>
+              </a:spcAft>
+              <a:buNone/>
+            </a:pPr>
             <a:endParaRPr/>
           </a:p>
         </p:txBody>
@@ -1226,11 +1266,11 @@
 </file>
 
 <file path=ppt/notesSlides/notesSlide14.xml><?xml version="1.0" encoding="utf-8"?>
-<p:notes xmlns:a="http://schemas.openxmlformats.org/drawingml/2006/main" xmlns:r="http://schemas.openxmlformats.org/officeDocument/2006/relationships" xmlns:mc="http://schemas.openxmlformats.org/markup-compatibility/2006" xmlns:mv="urn:schemas-microsoft-com:mac:vml" xmlns:p="http://schemas.openxmlformats.org/presentationml/2006/main" xmlns:c="http://schemas.openxmlformats.org/drawingml/2006/chart" xmlns:dgm="http://schemas.openxmlformats.org/drawingml/2006/diagram" xmlns:o="urn:schemas-microsoft-com:office:office" xmlns:v="urn:schemas-microsoft-com:vml" xmlns:pvml="urn:schemas-microsoft-com:office:powerpoint" xmlns:com="http://schemas.openxmlformats.org/drawingml/2006/compatibility" xmlns:p14="http://schemas.microsoft.com/office/powerpoint/2010/main" xmlns:p15="http://schemas.microsoft.com/office/powerpoint/2012/main" xmlns:ahyp="http://schemas.microsoft.com/office/drawing/2018/hyperlinkcolor" showMasterPhAnim="0" showMasterSp="0">
+<p:notes xmlns:a="http://schemas.openxmlformats.org/drawingml/2006/main" xmlns:r="http://schemas.openxmlformats.org/officeDocument/2006/relationships" xmlns:p="http://schemas.openxmlformats.org/presentationml/2006/main" showMasterSp="0" showMasterPhAnim="0">
   <p:cSld>
     <p:spTree>
       <p:nvGrpSpPr>
-        <p:cNvPr id="165" name="Shape 165"/>
+        <p:cNvPr id="1" name="Shape 165"/>
         <p:cNvGrpSpPr/>
         <p:nvPr/>
       </p:nvGrpSpPr>
@@ -1245,9 +1285,11 @@
       <p:sp>
         <p:nvSpPr>
           <p:cNvPr id="166" name="Google Shape;166;g1999847506a_0_340:notes"/>
-          <p:cNvSpPr/>
+          <p:cNvSpPr>
+            <a:spLocks noGrp="1" noRot="1" noChangeAspect="1"/>
+          </p:cNvSpPr>
           <p:nvPr>
-            <p:ph idx="2" type="sldImg"/>
+            <p:ph type="sldImg" idx="2"/>
           </p:nvPr>
         </p:nvSpPr>
         <p:spPr>
@@ -1256,9 +1298,13 @@
             <a:ext cx="6096000" cy="3429000"/>
           </a:xfrm>
           <a:custGeom>
-            <a:rect b="b" l="l" r="r" t="t"/>
+            <a:avLst/>
+            <a:gdLst/>
+            <a:ahLst/>
+            <a:cxnLst/>
+            <a:rect l="l" t="t" r="r" b="b"/>
             <a:pathLst>
-              <a:path extrusionOk="0" h="120000" w="120000">
+              <a:path w="120000" h="120000" extrusionOk="0">
                 <a:moveTo>
                   <a:pt x="0" y="0"/>
                 </a:moveTo>
@@ -1280,9 +1326,11 @@
       <p:sp>
         <p:nvSpPr>
           <p:cNvPr id="167" name="Google Shape;167;g1999847506a_0_340:notes"/>
-          <p:cNvSpPr txBox="1"/>
+          <p:cNvSpPr txBox="1">
+            <a:spLocks noGrp="1"/>
+          </p:cNvSpPr>
           <p:nvPr>
-            <p:ph idx="1" type="body"/>
+            <p:ph type="body" idx="1"/>
           </p:nvPr>
         </p:nvSpPr>
         <p:spPr>
@@ -1295,23 +1343,20 @@
           </a:prstGeom>
         </p:spPr>
         <p:txBody>
-          <a:bodyPr anchorCtr="0" anchor="t" bIns="91425" lIns="91425" spcFirstLastPara="1" rIns="91425" wrap="square" tIns="91425">
+          <a:bodyPr spcFirstLastPara="1" wrap="square" lIns="91425" tIns="91425" rIns="91425" bIns="91425" anchor="t" anchorCtr="0">
             <a:noAutofit/>
           </a:bodyPr>
           <a:lstStyle/>
           <a:p>
-            <a:pPr indent="0" lvl="0" marL="0" rtl="0" algn="l">
-              <a:spcBef>
-                <a:spcPts val="0"/>
-              </a:spcBef>
-              <a:spcAft>
-                <a:spcPts val="0"/>
-              </a:spcAft>
-              <a:buNone/>
-            </a:pPr>
-            <a:r>
-              <a:t/>
-            </a:r>
+            <a:pPr marL="0" lvl="0" indent="0" algn="l" rtl="0">
+              <a:spcBef>
+                <a:spcPts val="0"/>
+              </a:spcBef>
+              <a:spcAft>
+                <a:spcPts val="0"/>
+              </a:spcAft>
+              <a:buNone/>
+            </a:pPr>
             <a:endParaRPr/>
           </a:p>
         </p:txBody>
@@ -1325,11 +1370,11 @@
 </file>
 
 <file path=ppt/notesSlides/notesSlide15.xml><?xml version="1.0" encoding="utf-8"?>
-<p:notes xmlns:a="http://schemas.openxmlformats.org/drawingml/2006/main" xmlns:r="http://schemas.openxmlformats.org/officeDocument/2006/relationships" xmlns:mc="http://schemas.openxmlformats.org/markup-compatibility/2006" xmlns:mv="urn:schemas-microsoft-com:mac:vml" xmlns:p="http://schemas.openxmlformats.org/presentationml/2006/main" xmlns:c="http://schemas.openxmlformats.org/drawingml/2006/chart" xmlns:dgm="http://schemas.openxmlformats.org/drawingml/2006/diagram" xmlns:o="urn:schemas-microsoft-com:office:office" xmlns:v="urn:schemas-microsoft-com:vml" xmlns:pvml="urn:schemas-microsoft-com:office:powerpoint" xmlns:com="http://schemas.openxmlformats.org/drawingml/2006/compatibility" xmlns:p14="http://schemas.microsoft.com/office/powerpoint/2010/main" xmlns:p15="http://schemas.microsoft.com/office/powerpoint/2012/main" xmlns:ahyp="http://schemas.microsoft.com/office/drawing/2018/hyperlinkcolor" showMasterPhAnim="0" showMasterSp="0">
+<p:notes xmlns:a="http://schemas.openxmlformats.org/drawingml/2006/main" xmlns:r="http://schemas.openxmlformats.org/officeDocument/2006/relationships" xmlns:p="http://schemas.openxmlformats.org/presentationml/2006/main" showMasterSp="0" showMasterPhAnim="0">
   <p:cSld>
     <p:spTree>
       <p:nvGrpSpPr>
-        <p:cNvPr id="171" name="Shape 171"/>
+        <p:cNvPr id="1" name="Shape 171"/>
         <p:cNvGrpSpPr/>
         <p:nvPr/>
       </p:nvGrpSpPr>
@@ -1344,9 +1389,11 @@
       <p:sp>
         <p:nvSpPr>
           <p:cNvPr id="172" name="Google Shape;172;g1999847506a_0_354:notes"/>
-          <p:cNvSpPr/>
+          <p:cNvSpPr>
+            <a:spLocks noGrp="1" noRot="1" noChangeAspect="1"/>
+          </p:cNvSpPr>
           <p:nvPr>
-            <p:ph idx="2" type="sldImg"/>
+            <p:ph type="sldImg" idx="2"/>
           </p:nvPr>
         </p:nvSpPr>
         <p:spPr>
@@ -1355,9 +1402,13 @@
             <a:ext cx="6096000" cy="3429000"/>
           </a:xfrm>
           <a:custGeom>
-            <a:rect b="b" l="l" r="r" t="t"/>
+            <a:avLst/>
+            <a:gdLst/>
+            <a:ahLst/>
+            <a:cxnLst/>
+            <a:rect l="l" t="t" r="r" b="b"/>
             <a:pathLst>
-              <a:path extrusionOk="0" h="120000" w="120000">
+              <a:path w="120000" h="120000" extrusionOk="0">
                 <a:moveTo>
                   <a:pt x="0" y="0"/>
                 </a:moveTo>
@@ -1379,9 +1430,11 @@
       <p:sp>
         <p:nvSpPr>
           <p:cNvPr id="173" name="Google Shape;173;g1999847506a_0_354:notes"/>
-          <p:cNvSpPr txBox="1"/>
+          <p:cNvSpPr txBox="1">
+            <a:spLocks noGrp="1"/>
+          </p:cNvSpPr>
           <p:nvPr>
-            <p:ph idx="1" type="body"/>
+            <p:ph type="body" idx="1"/>
           </p:nvPr>
         </p:nvSpPr>
         <p:spPr>
@@ -1394,23 +1447,20 @@
           </a:prstGeom>
         </p:spPr>
         <p:txBody>
-          <a:bodyPr anchorCtr="0" anchor="t" bIns="91425" lIns="91425" spcFirstLastPara="1" rIns="91425" wrap="square" tIns="91425">
+          <a:bodyPr spcFirstLastPara="1" wrap="square" lIns="91425" tIns="91425" rIns="91425" bIns="91425" anchor="t" anchorCtr="0">
             <a:noAutofit/>
           </a:bodyPr>
           <a:lstStyle/>
           <a:p>
-            <a:pPr indent="0" lvl="0" marL="0" rtl="0" algn="l">
-              <a:spcBef>
-                <a:spcPts val="0"/>
-              </a:spcBef>
-              <a:spcAft>
-                <a:spcPts val="0"/>
-              </a:spcAft>
-              <a:buNone/>
-            </a:pPr>
-            <a:r>
-              <a:t/>
-            </a:r>
+            <a:pPr marL="0" lvl="0" indent="0" algn="l" rtl="0">
+              <a:spcBef>
+                <a:spcPts val="0"/>
+              </a:spcBef>
+              <a:spcAft>
+                <a:spcPts val="0"/>
+              </a:spcAft>
+              <a:buNone/>
+            </a:pPr>
             <a:endParaRPr/>
           </a:p>
         </p:txBody>
@@ -1424,11 +1474,11 @@
 </file>
 
 <file path=ppt/notesSlides/notesSlide16.xml><?xml version="1.0" encoding="utf-8"?>
-<p:notes xmlns:a="http://schemas.openxmlformats.org/drawingml/2006/main" xmlns:r="http://schemas.openxmlformats.org/officeDocument/2006/relationships" xmlns:mc="http://schemas.openxmlformats.org/markup-compatibility/2006" xmlns:mv="urn:schemas-microsoft-com:mac:vml" xmlns:p="http://schemas.openxmlformats.org/presentationml/2006/main" xmlns:c="http://schemas.openxmlformats.org/drawingml/2006/chart" xmlns:dgm="http://schemas.openxmlformats.org/drawingml/2006/diagram" xmlns:o="urn:schemas-microsoft-com:office:office" xmlns:v="urn:schemas-microsoft-com:vml" xmlns:pvml="urn:schemas-microsoft-com:office:powerpoint" xmlns:com="http://schemas.openxmlformats.org/drawingml/2006/compatibility" xmlns:p14="http://schemas.microsoft.com/office/powerpoint/2010/main" xmlns:p15="http://schemas.microsoft.com/office/powerpoint/2012/main" xmlns:ahyp="http://schemas.microsoft.com/office/drawing/2018/hyperlinkcolor" showMasterPhAnim="0" showMasterSp="0">
+<p:notes xmlns:a="http://schemas.openxmlformats.org/drawingml/2006/main" xmlns:r="http://schemas.openxmlformats.org/officeDocument/2006/relationships" xmlns:p="http://schemas.openxmlformats.org/presentationml/2006/main" showMasterSp="0" showMasterPhAnim="0">
   <p:cSld>
     <p:spTree>
       <p:nvGrpSpPr>
-        <p:cNvPr id="178" name="Shape 178"/>
+        <p:cNvPr id="1" name="Shape 178"/>
         <p:cNvGrpSpPr/>
         <p:nvPr/>
       </p:nvGrpSpPr>
@@ -1443,9 +1493,11 @@
       <p:sp>
         <p:nvSpPr>
           <p:cNvPr id="179" name="Google Shape;179;g1999847506a_0_361:notes"/>
-          <p:cNvSpPr/>
+          <p:cNvSpPr>
+            <a:spLocks noGrp="1" noRot="1" noChangeAspect="1"/>
+          </p:cNvSpPr>
           <p:nvPr>
-            <p:ph idx="2" type="sldImg"/>
+            <p:ph type="sldImg" idx="2"/>
           </p:nvPr>
         </p:nvSpPr>
         <p:spPr>
@@ -1454,9 +1506,13 @@
             <a:ext cx="6096000" cy="3429000"/>
           </a:xfrm>
           <a:custGeom>
-            <a:rect b="b" l="l" r="r" t="t"/>
+            <a:avLst/>
+            <a:gdLst/>
+            <a:ahLst/>
+            <a:cxnLst/>
+            <a:rect l="l" t="t" r="r" b="b"/>
             <a:pathLst>
-              <a:path extrusionOk="0" h="120000" w="120000">
+              <a:path w="120000" h="120000" extrusionOk="0">
                 <a:moveTo>
                   <a:pt x="0" y="0"/>
                 </a:moveTo>
@@ -1478,9 +1534,11 @@
       <p:sp>
         <p:nvSpPr>
           <p:cNvPr id="180" name="Google Shape;180;g1999847506a_0_361:notes"/>
-          <p:cNvSpPr txBox="1"/>
+          <p:cNvSpPr txBox="1">
+            <a:spLocks noGrp="1"/>
+          </p:cNvSpPr>
           <p:nvPr>
-            <p:ph idx="1" type="body"/>
+            <p:ph type="body" idx="1"/>
           </p:nvPr>
         </p:nvSpPr>
         <p:spPr>
@@ -1493,23 +1551,20 @@
           </a:prstGeom>
         </p:spPr>
         <p:txBody>
-          <a:bodyPr anchorCtr="0" anchor="t" bIns="91425" lIns="91425" spcFirstLastPara="1" rIns="91425" wrap="square" tIns="91425">
+          <a:bodyPr spcFirstLastPara="1" wrap="square" lIns="91425" tIns="91425" rIns="91425" bIns="91425" anchor="t" anchorCtr="0">
             <a:noAutofit/>
           </a:bodyPr>
           <a:lstStyle/>
           <a:p>
-            <a:pPr indent="0" lvl="0" marL="0" rtl="0" algn="l">
-              <a:spcBef>
-                <a:spcPts val="0"/>
-              </a:spcBef>
-              <a:spcAft>
-                <a:spcPts val="0"/>
-              </a:spcAft>
-              <a:buNone/>
-            </a:pPr>
-            <a:r>
-              <a:t/>
-            </a:r>
+            <a:pPr marL="0" lvl="0" indent="0" algn="l" rtl="0">
+              <a:spcBef>
+                <a:spcPts val="0"/>
+              </a:spcBef>
+              <a:spcAft>
+                <a:spcPts val="0"/>
+              </a:spcAft>
+              <a:buNone/>
+            </a:pPr>
             <a:endParaRPr/>
           </a:p>
         </p:txBody>
@@ -1523,11 +1578,11 @@
 </file>
 
 <file path=ppt/notesSlides/notesSlide17.xml><?xml version="1.0" encoding="utf-8"?>
-<p:notes xmlns:a="http://schemas.openxmlformats.org/drawingml/2006/main" xmlns:r="http://schemas.openxmlformats.org/officeDocument/2006/relationships" xmlns:mc="http://schemas.openxmlformats.org/markup-compatibility/2006" xmlns:mv="urn:schemas-microsoft-com:mac:vml" xmlns:p="http://schemas.openxmlformats.org/presentationml/2006/main" xmlns:c="http://schemas.openxmlformats.org/drawingml/2006/chart" xmlns:dgm="http://schemas.openxmlformats.org/drawingml/2006/diagram" xmlns:o="urn:schemas-microsoft-com:office:office" xmlns:v="urn:schemas-microsoft-com:vml" xmlns:pvml="urn:schemas-microsoft-com:office:powerpoint" xmlns:com="http://schemas.openxmlformats.org/drawingml/2006/compatibility" xmlns:p14="http://schemas.microsoft.com/office/powerpoint/2010/main" xmlns:p15="http://schemas.microsoft.com/office/powerpoint/2012/main" xmlns:ahyp="http://schemas.microsoft.com/office/drawing/2018/hyperlinkcolor" showMasterPhAnim="0" showMasterSp="0">
+<p:notes xmlns:a="http://schemas.openxmlformats.org/drawingml/2006/main" xmlns:r="http://schemas.openxmlformats.org/officeDocument/2006/relationships" xmlns:p="http://schemas.openxmlformats.org/presentationml/2006/main" showMasterSp="0" showMasterPhAnim="0">
   <p:cSld>
     <p:spTree>
       <p:nvGrpSpPr>
-        <p:cNvPr id="184" name="Shape 184"/>
+        <p:cNvPr id="1" name="Shape 184"/>
         <p:cNvGrpSpPr/>
         <p:nvPr/>
       </p:nvGrpSpPr>
@@ -1542,9 +1597,11 @@
       <p:sp>
         <p:nvSpPr>
           <p:cNvPr id="185" name="Google Shape;185;g1999847506a_0_308:notes"/>
-          <p:cNvSpPr/>
+          <p:cNvSpPr>
+            <a:spLocks noGrp="1" noRot="1" noChangeAspect="1"/>
+          </p:cNvSpPr>
           <p:nvPr>
-            <p:ph idx="2" type="sldImg"/>
+            <p:ph type="sldImg" idx="2"/>
           </p:nvPr>
         </p:nvSpPr>
         <p:spPr>
@@ -1553,9 +1610,13 @@
             <a:ext cx="6096000" cy="3429000"/>
           </a:xfrm>
           <a:custGeom>
-            <a:rect b="b" l="l" r="r" t="t"/>
+            <a:avLst/>
+            <a:gdLst/>
+            <a:ahLst/>
+            <a:cxnLst/>
+            <a:rect l="l" t="t" r="r" b="b"/>
             <a:pathLst>
-              <a:path extrusionOk="0" h="120000" w="120000">
+              <a:path w="120000" h="120000" extrusionOk="0">
                 <a:moveTo>
                   <a:pt x="0" y="0"/>
                 </a:moveTo>
@@ -1577,9 +1638,11 @@
       <p:sp>
         <p:nvSpPr>
           <p:cNvPr id="186" name="Google Shape;186;g1999847506a_0_308:notes"/>
-          <p:cNvSpPr txBox="1"/>
+          <p:cNvSpPr txBox="1">
+            <a:spLocks noGrp="1"/>
+          </p:cNvSpPr>
           <p:nvPr>
-            <p:ph idx="1" type="body"/>
+            <p:ph type="body" idx="1"/>
           </p:nvPr>
         </p:nvSpPr>
         <p:spPr>
@@ -1592,23 +1655,20 @@
           </a:prstGeom>
         </p:spPr>
         <p:txBody>
-          <a:bodyPr anchorCtr="0" anchor="t" bIns="91425" lIns="91425" spcFirstLastPara="1" rIns="91425" wrap="square" tIns="91425">
+          <a:bodyPr spcFirstLastPara="1" wrap="square" lIns="91425" tIns="91425" rIns="91425" bIns="91425" anchor="t" anchorCtr="0">
             <a:noAutofit/>
           </a:bodyPr>
           <a:lstStyle/>
           <a:p>
-            <a:pPr indent="0" lvl="0" marL="0" rtl="0" algn="l">
-              <a:spcBef>
-                <a:spcPts val="0"/>
-              </a:spcBef>
-              <a:spcAft>
-                <a:spcPts val="0"/>
-              </a:spcAft>
-              <a:buNone/>
-            </a:pPr>
-            <a:r>
-              <a:t/>
-            </a:r>
+            <a:pPr marL="0" lvl="0" indent="0" algn="l" rtl="0">
+              <a:spcBef>
+                <a:spcPts val="0"/>
+              </a:spcBef>
+              <a:spcAft>
+                <a:spcPts val="0"/>
+              </a:spcAft>
+              <a:buNone/>
+            </a:pPr>
             <a:endParaRPr/>
           </a:p>
         </p:txBody>
@@ -1622,11 +1682,11 @@
 </file>
 
 <file path=ppt/notesSlides/notesSlide18.xml><?xml version="1.0" encoding="utf-8"?>
-<p:notes xmlns:a="http://schemas.openxmlformats.org/drawingml/2006/main" xmlns:r="http://schemas.openxmlformats.org/officeDocument/2006/relationships" xmlns:mc="http://schemas.openxmlformats.org/markup-compatibility/2006" xmlns:mv="urn:schemas-microsoft-com:mac:vml" xmlns:p="http://schemas.openxmlformats.org/presentationml/2006/main" xmlns:c="http://schemas.openxmlformats.org/drawingml/2006/chart" xmlns:dgm="http://schemas.openxmlformats.org/drawingml/2006/diagram" xmlns:o="urn:schemas-microsoft-com:office:office" xmlns:v="urn:schemas-microsoft-com:vml" xmlns:pvml="urn:schemas-microsoft-com:office:powerpoint" xmlns:com="http://schemas.openxmlformats.org/drawingml/2006/compatibility" xmlns:p14="http://schemas.microsoft.com/office/powerpoint/2010/main" xmlns:p15="http://schemas.microsoft.com/office/powerpoint/2012/main" xmlns:ahyp="http://schemas.microsoft.com/office/drawing/2018/hyperlinkcolor" showMasterPhAnim="0" showMasterSp="0">
+<p:notes xmlns:a="http://schemas.openxmlformats.org/drawingml/2006/main" xmlns:r="http://schemas.openxmlformats.org/officeDocument/2006/relationships" xmlns:p="http://schemas.openxmlformats.org/presentationml/2006/main" showMasterSp="0" showMasterPhAnim="0">
   <p:cSld>
     <p:spTree>
       <p:nvGrpSpPr>
-        <p:cNvPr id="191" name="Shape 191"/>
+        <p:cNvPr id="1" name="Shape 191"/>
         <p:cNvGrpSpPr/>
         <p:nvPr/>
       </p:nvGrpSpPr>
@@ -1641,9 +1701,11 @@
       <p:sp>
         <p:nvSpPr>
           <p:cNvPr id="192" name="Google Shape;192;g1999847506a_0_328:notes"/>
-          <p:cNvSpPr/>
+          <p:cNvSpPr>
+            <a:spLocks noGrp="1" noRot="1" noChangeAspect="1"/>
+          </p:cNvSpPr>
           <p:nvPr>
-            <p:ph idx="2" type="sldImg"/>
+            <p:ph type="sldImg" idx="2"/>
           </p:nvPr>
         </p:nvSpPr>
         <p:spPr>
@@ -1652,9 +1714,13 @@
             <a:ext cx="6096000" cy="3429000"/>
           </a:xfrm>
           <a:custGeom>
-            <a:rect b="b" l="l" r="r" t="t"/>
+            <a:avLst/>
+            <a:gdLst/>
+            <a:ahLst/>
+            <a:cxnLst/>
+            <a:rect l="l" t="t" r="r" b="b"/>
             <a:pathLst>
-              <a:path extrusionOk="0" h="120000" w="120000">
+              <a:path w="120000" h="120000" extrusionOk="0">
                 <a:moveTo>
                   <a:pt x="0" y="0"/>
                 </a:moveTo>
@@ -1676,9 +1742,11 @@
       <p:sp>
         <p:nvSpPr>
           <p:cNvPr id="193" name="Google Shape;193;g1999847506a_0_328:notes"/>
-          <p:cNvSpPr txBox="1"/>
+          <p:cNvSpPr txBox="1">
+            <a:spLocks noGrp="1"/>
+          </p:cNvSpPr>
           <p:nvPr>
-            <p:ph idx="1" type="body"/>
+            <p:ph type="body" idx="1"/>
           </p:nvPr>
         </p:nvSpPr>
         <p:spPr>
@@ -1691,23 +1759,20 @@
           </a:prstGeom>
         </p:spPr>
         <p:txBody>
-          <a:bodyPr anchorCtr="0" anchor="t" bIns="91425" lIns="91425" spcFirstLastPara="1" rIns="91425" wrap="square" tIns="91425">
+          <a:bodyPr spcFirstLastPara="1" wrap="square" lIns="91425" tIns="91425" rIns="91425" bIns="91425" anchor="t" anchorCtr="0">
             <a:noAutofit/>
           </a:bodyPr>
           <a:lstStyle/>
           <a:p>
-            <a:pPr indent="0" lvl="0" marL="0" rtl="0" algn="l">
-              <a:spcBef>
-                <a:spcPts val="0"/>
-              </a:spcBef>
-              <a:spcAft>
-                <a:spcPts val="0"/>
-              </a:spcAft>
-              <a:buNone/>
-            </a:pPr>
-            <a:r>
-              <a:t/>
-            </a:r>
+            <a:pPr marL="0" lvl="0" indent="0" algn="l" rtl="0">
+              <a:spcBef>
+                <a:spcPts val="0"/>
+              </a:spcBef>
+              <a:spcAft>
+                <a:spcPts val="0"/>
+              </a:spcAft>
+              <a:buNone/>
+            </a:pPr>
             <a:endParaRPr/>
           </a:p>
         </p:txBody>
@@ -1721,11 +1786,11 @@
 </file>
 
 <file path=ppt/notesSlides/notesSlide19.xml><?xml version="1.0" encoding="utf-8"?>
-<p:notes xmlns:a="http://schemas.openxmlformats.org/drawingml/2006/main" xmlns:r="http://schemas.openxmlformats.org/officeDocument/2006/relationships" xmlns:mc="http://schemas.openxmlformats.org/markup-compatibility/2006" xmlns:mv="urn:schemas-microsoft-com:mac:vml" xmlns:p="http://schemas.openxmlformats.org/presentationml/2006/main" xmlns:c="http://schemas.openxmlformats.org/drawingml/2006/chart" xmlns:dgm="http://schemas.openxmlformats.org/drawingml/2006/diagram" xmlns:o="urn:schemas-microsoft-com:office:office" xmlns:v="urn:schemas-microsoft-com:vml" xmlns:pvml="urn:schemas-microsoft-com:office:powerpoint" xmlns:com="http://schemas.openxmlformats.org/drawingml/2006/compatibility" xmlns:p14="http://schemas.microsoft.com/office/powerpoint/2010/main" xmlns:p15="http://schemas.microsoft.com/office/powerpoint/2012/main" xmlns:ahyp="http://schemas.microsoft.com/office/drawing/2018/hyperlinkcolor" showMasterPhAnim="0" showMasterSp="0">
+<p:notes xmlns:a="http://schemas.openxmlformats.org/drawingml/2006/main" xmlns:r="http://schemas.openxmlformats.org/officeDocument/2006/relationships" xmlns:p="http://schemas.openxmlformats.org/presentationml/2006/main" showMasterSp="0" showMasterPhAnim="0">
   <p:cSld>
     <p:spTree>
       <p:nvGrpSpPr>
-        <p:cNvPr id="197" name="Shape 197"/>
+        <p:cNvPr id="1" name="Shape 197"/>
         <p:cNvGrpSpPr/>
         <p:nvPr/>
       </p:nvGrpSpPr>
@@ -1740,20 +1805,26 @@
       <p:sp>
         <p:nvSpPr>
           <p:cNvPr id="198" name="Google Shape;198;g1ea0c8ca3d3_0_3:notes"/>
-          <p:cNvSpPr/>
+          <p:cNvSpPr>
+            <a:spLocks noGrp="1" noRot="1" noChangeAspect="1"/>
+          </p:cNvSpPr>
           <p:nvPr>
-            <p:ph idx="2" type="sldImg"/>
+            <p:ph type="sldImg" idx="2"/>
           </p:nvPr>
         </p:nvSpPr>
         <p:spPr>
           <a:xfrm>
-            <a:off x="381300" y="685800"/>
+            <a:off x="381000" y="685800"/>
             <a:ext cx="6096000" cy="3429000"/>
           </a:xfrm>
           <a:custGeom>
-            <a:rect b="b" l="l" r="r" t="t"/>
+            <a:avLst/>
+            <a:gdLst/>
+            <a:ahLst/>
+            <a:cxnLst/>
+            <a:rect l="l" t="t" r="r" b="b"/>
             <a:pathLst>
-              <a:path extrusionOk="0" h="120000" w="120000">
+              <a:path w="120000" h="120000" extrusionOk="0">
                 <a:moveTo>
                   <a:pt x="0" y="0"/>
                 </a:moveTo>
@@ -1775,9 +1846,11 @@
       <p:sp>
         <p:nvSpPr>
           <p:cNvPr id="199" name="Google Shape;199;g1ea0c8ca3d3_0_3:notes"/>
-          <p:cNvSpPr txBox="1"/>
+          <p:cNvSpPr txBox="1">
+            <a:spLocks noGrp="1"/>
+          </p:cNvSpPr>
           <p:nvPr>
-            <p:ph idx="1" type="body"/>
+            <p:ph type="body" idx="1"/>
           </p:nvPr>
         </p:nvSpPr>
         <p:spPr>
@@ -1790,12 +1863,12 @@
           </a:prstGeom>
         </p:spPr>
         <p:txBody>
-          <a:bodyPr anchorCtr="0" anchor="t" bIns="91425" lIns="91425" spcFirstLastPara="1" rIns="91425" wrap="square" tIns="91425">
+          <a:bodyPr spcFirstLastPara="1" wrap="square" lIns="91425" tIns="91425" rIns="91425" bIns="91425" anchor="t" anchorCtr="0">
             <a:noAutofit/>
           </a:bodyPr>
           <a:lstStyle/>
           <a:p>
-            <a:pPr indent="0" lvl="0" marL="0" rtl="0" algn="l">
+            <a:pPr marL="0" lvl="0" indent="0" algn="l" rtl="0">
               <a:spcBef>
                 <a:spcPts val="0"/>
               </a:spcBef>
@@ -1805,9 +1878,10 @@
               <a:buNone/>
             </a:pPr>
             <a:r>
-              <a:t/>
+              <a:rPr lang="en" dirty="0"/>
+              <a:t>The findings of this study demonstrate that algorithms for data extraction can be used to create precise and trustworthy models for employee attrition forecasting. </a:t>
             </a:r>
-            <a:endParaRPr/>
+            <a:endParaRPr dirty="0"/>
           </a:p>
         </p:txBody>
       </p:sp>
@@ -1820,11 +1894,11 @@
 </file>
 
 <file path=ppt/notesSlides/notesSlide2.xml><?xml version="1.0" encoding="utf-8"?>
-<p:notes xmlns:a="http://schemas.openxmlformats.org/drawingml/2006/main" xmlns:r="http://schemas.openxmlformats.org/officeDocument/2006/relationships" xmlns:mc="http://schemas.openxmlformats.org/markup-compatibility/2006" xmlns:mv="urn:schemas-microsoft-com:mac:vml" xmlns:p="http://schemas.openxmlformats.org/presentationml/2006/main" xmlns:c="http://schemas.openxmlformats.org/drawingml/2006/chart" xmlns:dgm="http://schemas.openxmlformats.org/drawingml/2006/diagram" xmlns:o="urn:schemas-microsoft-com:office:office" xmlns:v="urn:schemas-microsoft-com:vml" xmlns:pvml="urn:schemas-microsoft-com:office:powerpoint" xmlns:com="http://schemas.openxmlformats.org/drawingml/2006/compatibility" xmlns:p14="http://schemas.microsoft.com/office/powerpoint/2010/main" xmlns:p15="http://schemas.microsoft.com/office/powerpoint/2012/main" xmlns:ahyp="http://schemas.microsoft.com/office/drawing/2018/hyperlinkcolor" showMasterPhAnim="0" showMasterSp="0">
+<p:notes xmlns:a="http://schemas.openxmlformats.org/drawingml/2006/main" xmlns:r="http://schemas.openxmlformats.org/officeDocument/2006/relationships" xmlns:p="http://schemas.openxmlformats.org/presentationml/2006/main" showMasterSp="0" showMasterPhAnim="0">
   <p:cSld>
     <p:spTree>
       <p:nvGrpSpPr>
-        <p:cNvPr id="90" name="Shape 90"/>
+        <p:cNvPr id="1" name="Shape 90"/>
         <p:cNvGrpSpPr/>
         <p:nvPr/>
       </p:nvGrpSpPr>
@@ -1839,20 +1913,26 @@
       <p:sp>
         <p:nvSpPr>
           <p:cNvPr id="91" name="Google Shape;91;g1999847506a_0_139:notes"/>
-          <p:cNvSpPr/>
+          <p:cNvSpPr>
+            <a:spLocks noGrp="1" noRot="1" noChangeAspect="1"/>
+          </p:cNvSpPr>
           <p:nvPr>
-            <p:ph idx="2" type="sldImg"/>
+            <p:ph type="sldImg" idx="2"/>
           </p:nvPr>
         </p:nvSpPr>
         <p:spPr>
           <a:xfrm>
-            <a:off x="381300" y="685800"/>
+            <a:off x="381000" y="685800"/>
             <a:ext cx="6096000" cy="3429000"/>
           </a:xfrm>
           <a:custGeom>
-            <a:rect b="b" l="l" r="r" t="t"/>
+            <a:avLst/>
+            <a:gdLst/>
+            <a:ahLst/>
+            <a:cxnLst/>
+            <a:rect l="l" t="t" r="r" b="b"/>
             <a:pathLst>
-              <a:path extrusionOk="0" h="120000" w="120000">
+              <a:path w="120000" h="120000" extrusionOk="0">
                 <a:moveTo>
                   <a:pt x="0" y="0"/>
                 </a:moveTo>
@@ -1874,9 +1954,11 @@
       <p:sp>
         <p:nvSpPr>
           <p:cNvPr id="92" name="Google Shape;92;g1999847506a_0_139:notes"/>
-          <p:cNvSpPr txBox="1"/>
+          <p:cNvSpPr txBox="1">
+            <a:spLocks noGrp="1"/>
+          </p:cNvSpPr>
           <p:nvPr>
-            <p:ph idx="1" type="body"/>
+            <p:ph type="body" idx="1"/>
           </p:nvPr>
         </p:nvSpPr>
         <p:spPr>
@@ -1889,12 +1971,36 @@
           </a:prstGeom>
         </p:spPr>
         <p:txBody>
-          <a:bodyPr anchorCtr="0" anchor="t" bIns="91425" lIns="91425" spcFirstLastPara="1" rIns="91425" wrap="square" tIns="91425">
+          <a:bodyPr spcFirstLastPara="1" wrap="square" lIns="91425" tIns="91425" rIns="91425" bIns="91425" anchor="t" anchorCtr="0">
             <a:noAutofit/>
           </a:bodyPr>
           <a:lstStyle/>
           <a:p>
-            <a:pPr indent="0" lvl="0" marL="0" rtl="0" algn="l">
+            <a:pPr marL="0" lvl="0" indent="0" algn="l" rtl="0">
+              <a:spcBef>
+                <a:spcPts val="0"/>
+              </a:spcBef>
+              <a:spcAft>
+                <a:spcPts val="0"/>
+              </a:spcAft>
+              <a:buNone/>
+            </a:pPr>
+            <a:endParaRPr lang="en-IN" dirty="0"/>
+          </a:p>
+          <a:p>
+            <a:pPr marL="0" lvl="0" indent="0" algn="l" rtl="0">
+              <a:spcBef>
+                <a:spcPts val="0"/>
+              </a:spcBef>
+              <a:spcAft>
+                <a:spcPts val="0"/>
+              </a:spcAft>
+              <a:buNone/>
+            </a:pPr>
+            <a:endParaRPr lang="en-IN" dirty="0"/>
+          </a:p>
+          <a:p>
+            <a:pPr marL="0" lvl="0" indent="0" algn="l" rtl="0">
               <a:spcBef>
                 <a:spcPts val="0"/>
               </a:spcBef>
@@ -1904,9 +2010,186 @@
               <a:buNone/>
             </a:pPr>
             <a:r>
-              <a:t/>
+              <a:rPr lang="en-IN" dirty="0"/>
+              <a:t>Aim : to prepare the model which predicts that employee will leave the company or not </a:t>
             </a:r>
-            <a:endParaRPr/>
+          </a:p>
+          <a:p>
+            <a:pPr marL="0" lvl="0" indent="0" algn="l" rtl="0">
+              <a:spcBef>
+                <a:spcPts val="0"/>
+              </a:spcBef>
+              <a:spcAft>
+                <a:spcPts val="0"/>
+              </a:spcAft>
+              <a:buNone/>
+            </a:pPr>
+            <a:endParaRPr lang="en-IN" dirty="0"/>
+          </a:p>
+          <a:p>
+            <a:pPr marL="0" lvl="0" indent="0" algn="l" rtl="0">
+              <a:spcBef>
+                <a:spcPts val="0"/>
+              </a:spcBef>
+              <a:spcAft>
+                <a:spcPts val="0"/>
+              </a:spcAft>
+              <a:buNone/>
+            </a:pPr>
+            <a:r>
+              <a:rPr lang="en-IN" dirty="0"/>
+              <a:t>What is employee attrition </a:t>
+            </a:r>
+          </a:p>
+          <a:p>
+            <a:pPr marL="0" lvl="0" indent="0" algn="l" rtl="0">
+              <a:spcBef>
+                <a:spcPts val="0"/>
+              </a:spcBef>
+              <a:spcAft>
+                <a:spcPts val="0"/>
+              </a:spcAft>
+              <a:buNone/>
+            </a:pPr>
+            <a:r>
+              <a:rPr lang="en-US" b="0" i="0" dirty="0">
+                <a:solidFill>
+                  <a:srgbClr val="D1D5DB"/>
+                </a:solidFill>
+                <a:effectLst/>
+                <a:latin typeface="Söhne"/>
+              </a:rPr>
+              <a:t>Employee attrition, also known as employee turnover or employee churn, refers to the rate at which employees leave an organization over a specific period of time. </a:t>
+            </a:r>
+          </a:p>
+          <a:p>
+            <a:pPr marL="0" lvl="0" indent="0" algn="l" rtl="0">
+              <a:spcBef>
+                <a:spcPts val="0"/>
+              </a:spcBef>
+              <a:spcAft>
+                <a:spcPts val="0"/>
+              </a:spcAft>
+              <a:buNone/>
+            </a:pPr>
+            <a:r>
+              <a:rPr lang="en-US" b="0" i="0" dirty="0">
+                <a:solidFill>
+                  <a:srgbClr val="D1D5DB"/>
+                </a:solidFill>
+                <a:effectLst/>
+                <a:latin typeface="Söhne"/>
+              </a:rPr>
+              <a:t>Attrition can occur due to various reasons</a:t>
+            </a:r>
+          </a:p>
+          <a:p>
+            <a:pPr marL="0" lvl="0" indent="0" algn="l" rtl="0">
+              <a:spcBef>
+                <a:spcPts val="0"/>
+              </a:spcBef>
+              <a:spcAft>
+                <a:spcPts val="0"/>
+              </a:spcAft>
+              <a:buNone/>
+            </a:pPr>
+            <a:r>
+              <a:rPr lang="en-US" b="0" i="0" dirty="0">
+                <a:solidFill>
+                  <a:srgbClr val="D1D5DB"/>
+                </a:solidFill>
+                <a:effectLst/>
+                <a:latin typeface="Söhne"/>
+              </a:rPr>
+              <a:t>finding better job opportunities, dissatisfaction with the work environment, lack of career growth or development opportunities, personal reasons, retirement, or termination.</a:t>
+            </a:r>
+            <a:endParaRPr lang="en-IN" dirty="0"/>
+          </a:p>
+          <a:p>
+            <a:pPr marL="0" lvl="0" indent="0" algn="l" rtl="0">
+              <a:spcBef>
+                <a:spcPts val="0"/>
+              </a:spcBef>
+              <a:spcAft>
+                <a:spcPts val="0"/>
+              </a:spcAft>
+              <a:buNone/>
+            </a:pPr>
+            <a:endParaRPr lang="en-IN" dirty="0"/>
+          </a:p>
+          <a:p>
+            <a:pPr marL="0" lvl="0" indent="0" algn="l" rtl="0">
+              <a:spcBef>
+                <a:spcPts val="0"/>
+              </a:spcBef>
+              <a:spcAft>
+                <a:spcPts val="0"/>
+              </a:spcAft>
+              <a:buNone/>
+            </a:pPr>
+            <a:r>
+              <a:rPr lang="en-IN" dirty="0"/>
+              <a:t>Why(reason to do)?</a:t>
+            </a:r>
+          </a:p>
+          <a:p>
+            <a:pPr marL="0" lvl="0" indent="0" algn="l" rtl="0">
+              <a:spcBef>
+                <a:spcPts val="0"/>
+              </a:spcBef>
+              <a:spcAft>
+                <a:spcPts val="0"/>
+              </a:spcAft>
+              <a:buNone/>
+            </a:pPr>
+            <a:r>
+              <a:rPr lang="en-IN" dirty="0"/>
+              <a:t>Alarming thing for company, time/money invested in </a:t>
+            </a:r>
+            <a:r>
+              <a:rPr lang="en-IN" dirty="0" err="1"/>
+              <a:t>emoloyee</a:t>
+            </a:r>
+            <a:r>
+              <a:rPr lang="en-IN" dirty="0"/>
+              <a:t>, very good employee </a:t>
+            </a:r>
+          </a:p>
+          <a:p>
+            <a:pPr marL="0" lvl="0" indent="0" algn="l" rtl="0">
+              <a:spcBef>
+                <a:spcPts val="0"/>
+              </a:spcBef>
+              <a:spcAft>
+                <a:spcPts val="0"/>
+              </a:spcAft>
+              <a:buNone/>
+            </a:pPr>
+            <a:endParaRPr lang="en-IN" dirty="0"/>
+          </a:p>
+          <a:p>
+            <a:pPr marL="0" lvl="0" indent="0" algn="l" rtl="0">
+              <a:spcBef>
+                <a:spcPts val="0"/>
+              </a:spcBef>
+              <a:spcAft>
+                <a:spcPts val="0"/>
+              </a:spcAft>
+              <a:buNone/>
+            </a:pPr>
+            <a:endParaRPr lang="en-IN" dirty="0"/>
+          </a:p>
+          <a:p>
+            <a:pPr marL="0" lvl="0" indent="0" algn="l" rtl="0">
+              <a:spcBef>
+                <a:spcPts val="0"/>
+              </a:spcBef>
+              <a:spcAft>
+                <a:spcPts val="0"/>
+              </a:spcAft>
+              <a:buNone/>
+            </a:pPr>
+            <a:endParaRPr dirty="0"/>
           </a:p>
         </p:txBody>
       </p:sp>
@@ -1919,11 +2202,11 @@
 </file>
 
 <file path=ppt/notesSlides/notesSlide20.xml><?xml version="1.0" encoding="utf-8"?>
-<p:notes xmlns:a="http://schemas.openxmlformats.org/drawingml/2006/main" xmlns:r="http://schemas.openxmlformats.org/officeDocument/2006/relationships" xmlns:mc="http://schemas.openxmlformats.org/markup-compatibility/2006" xmlns:mv="urn:schemas-microsoft-com:mac:vml" xmlns:p="http://schemas.openxmlformats.org/presentationml/2006/main" xmlns:c="http://schemas.openxmlformats.org/drawingml/2006/chart" xmlns:dgm="http://schemas.openxmlformats.org/drawingml/2006/diagram" xmlns:o="urn:schemas-microsoft-com:office:office" xmlns:v="urn:schemas-microsoft-com:vml" xmlns:pvml="urn:schemas-microsoft-com:office:powerpoint" xmlns:com="http://schemas.openxmlformats.org/drawingml/2006/compatibility" xmlns:p14="http://schemas.microsoft.com/office/powerpoint/2010/main" xmlns:p15="http://schemas.microsoft.com/office/powerpoint/2012/main" xmlns:ahyp="http://schemas.microsoft.com/office/drawing/2018/hyperlinkcolor" showMasterPhAnim="0" showMasterSp="0">
+<p:notes xmlns:a="http://schemas.openxmlformats.org/drawingml/2006/main" xmlns:r="http://schemas.openxmlformats.org/officeDocument/2006/relationships" xmlns:p="http://schemas.openxmlformats.org/presentationml/2006/main" showMasterSp="0" showMasterPhAnim="0">
   <p:cSld>
     <p:spTree>
       <p:nvGrpSpPr>
-        <p:cNvPr id="203" name="Shape 203"/>
+        <p:cNvPr id="1" name="Shape 203"/>
         <p:cNvGrpSpPr/>
         <p:nvPr/>
       </p:nvGrpSpPr>
@@ -1938,9 +2221,11 @@
       <p:sp>
         <p:nvSpPr>
           <p:cNvPr id="204" name="Google Shape;204;g1999847506a_0_366:notes"/>
-          <p:cNvSpPr/>
+          <p:cNvSpPr>
+            <a:spLocks noGrp="1" noRot="1" noChangeAspect="1"/>
+          </p:cNvSpPr>
           <p:nvPr>
-            <p:ph idx="2" type="sldImg"/>
+            <p:ph type="sldImg" idx="2"/>
           </p:nvPr>
         </p:nvSpPr>
         <p:spPr>
@@ -1949,9 +2234,13 @@
             <a:ext cx="6096000" cy="3429000"/>
           </a:xfrm>
           <a:custGeom>
-            <a:rect b="b" l="l" r="r" t="t"/>
+            <a:avLst/>
+            <a:gdLst/>
+            <a:ahLst/>
+            <a:cxnLst/>
+            <a:rect l="l" t="t" r="r" b="b"/>
             <a:pathLst>
-              <a:path extrusionOk="0" h="120000" w="120000">
+              <a:path w="120000" h="120000" extrusionOk="0">
                 <a:moveTo>
                   <a:pt x="0" y="0"/>
                 </a:moveTo>
@@ -1973,9 +2262,11 @@
       <p:sp>
         <p:nvSpPr>
           <p:cNvPr id="205" name="Google Shape;205;g1999847506a_0_366:notes"/>
-          <p:cNvSpPr txBox="1"/>
+          <p:cNvSpPr txBox="1">
+            <a:spLocks noGrp="1"/>
+          </p:cNvSpPr>
           <p:nvPr>
-            <p:ph idx="1" type="body"/>
+            <p:ph type="body" idx="1"/>
           </p:nvPr>
         </p:nvSpPr>
         <p:spPr>
@@ -1988,23 +2279,20 @@
           </a:prstGeom>
         </p:spPr>
         <p:txBody>
-          <a:bodyPr anchorCtr="0" anchor="t" bIns="91425" lIns="91425" spcFirstLastPara="1" rIns="91425" wrap="square" tIns="91425">
+          <a:bodyPr spcFirstLastPara="1" wrap="square" lIns="91425" tIns="91425" rIns="91425" bIns="91425" anchor="t" anchorCtr="0">
             <a:noAutofit/>
           </a:bodyPr>
           <a:lstStyle/>
           <a:p>
-            <a:pPr indent="0" lvl="0" marL="0" rtl="0" algn="l">
-              <a:spcBef>
-                <a:spcPts val="0"/>
-              </a:spcBef>
-              <a:spcAft>
-                <a:spcPts val="0"/>
-              </a:spcAft>
-              <a:buNone/>
-            </a:pPr>
-            <a:r>
-              <a:t/>
-            </a:r>
+            <a:pPr marL="0" lvl="0" indent="0" algn="l" rtl="0">
+              <a:spcBef>
+                <a:spcPts val="0"/>
+              </a:spcBef>
+              <a:spcAft>
+                <a:spcPts val="0"/>
+              </a:spcAft>
+              <a:buNone/>
+            </a:pPr>
             <a:endParaRPr/>
           </a:p>
         </p:txBody>
@@ -2018,11 +2306,11 @@
 </file>
 
 <file path=ppt/notesSlides/notesSlide21.xml><?xml version="1.0" encoding="utf-8"?>
-<p:notes xmlns:a="http://schemas.openxmlformats.org/drawingml/2006/main" xmlns:r="http://schemas.openxmlformats.org/officeDocument/2006/relationships" xmlns:mc="http://schemas.openxmlformats.org/markup-compatibility/2006" xmlns:mv="urn:schemas-microsoft-com:mac:vml" xmlns:p="http://schemas.openxmlformats.org/presentationml/2006/main" xmlns:c="http://schemas.openxmlformats.org/drawingml/2006/chart" xmlns:dgm="http://schemas.openxmlformats.org/drawingml/2006/diagram" xmlns:o="urn:schemas-microsoft-com:office:office" xmlns:v="urn:schemas-microsoft-com:vml" xmlns:pvml="urn:schemas-microsoft-com:office:powerpoint" xmlns:com="http://schemas.openxmlformats.org/drawingml/2006/compatibility" xmlns:p14="http://schemas.microsoft.com/office/powerpoint/2010/main" xmlns:p15="http://schemas.microsoft.com/office/powerpoint/2012/main" xmlns:ahyp="http://schemas.microsoft.com/office/drawing/2018/hyperlinkcolor" showMasterPhAnim="0" showMasterSp="0">
+<p:notes xmlns:a="http://schemas.openxmlformats.org/drawingml/2006/main" xmlns:r="http://schemas.openxmlformats.org/officeDocument/2006/relationships" xmlns:p="http://schemas.openxmlformats.org/presentationml/2006/main" showMasterSp="0" showMasterPhAnim="0">
   <p:cSld>
     <p:spTree>
       <p:nvGrpSpPr>
-        <p:cNvPr id="209" name="Shape 209"/>
+        <p:cNvPr id="1" name="Shape 209"/>
         <p:cNvGrpSpPr/>
         <p:nvPr/>
       </p:nvGrpSpPr>
@@ -2037,9 +2325,11 @@
       <p:sp>
         <p:nvSpPr>
           <p:cNvPr id="210" name="Google Shape;210;g1999847506a_0_371:notes"/>
-          <p:cNvSpPr/>
+          <p:cNvSpPr>
+            <a:spLocks noGrp="1" noRot="1" noChangeAspect="1"/>
+          </p:cNvSpPr>
           <p:nvPr>
-            <p:ph idx="2" type="sldImg"/>
+            <p:ph type="sldImg" idx="2"/>
           </p:nvPr>
         </p:nvSpPr>
         <p:spPr>
@@ -2048,9 +2338,13 @@
             <a:ext cx="6096000" cy="3429000"/>
           </a:xfrm>
           <a:custGeom>
-            <a:rect b="b" l="l" r="r" t="t"/>
+            <a:avLst/>
+            <a:gdLst/>
+            <a:ahLst/>
+            <a:cxnLst/>
+            <a:rect l="l" t="t" r="r" b="b"/>
             <a:pathLst>
-              <a:path extrusionOk="0" h="120000" w="120000">
+              <a:path w="120000" h="120000" extrusionOk="0">
                 <a:moveTo>
                   <a:pt x="0" y="0"/>
                 </a:moveTo>
@@ -2072,9 +2366,11 @@
       <p:sp>
         <p:nvSpPr>
           <p:cNvPr id="211" name="Google Shape;211;g1999847506a_0_371:notes"/>
-          <p:cNvSpPr txBox="1"/>
+          <p:cNvSpPr txBox="1">
+            <a:spLocks noGrp="1"/>
+          </p:cNvSpPr>
           <p:nvPr>
-            <p:ph idx="1" type="body"/>
+            <p:ph type="body" idx="1"/>
           </p:nvPr>
         </p:nvSpPr>
         <p:spPr>
@@ -2087,23 +2383,20 @@
           </a:prstGeom>
         </p:spPr>
         <p:txBody>
-          <a:bodyPr anchorCtr="0" anchor="t" bIns="91425" lIns="91425" spcFirstLastPara="1" rIns="91425" wrap="square" tIns="91425">
+          <a:bodyPr spcFirstLastPara="1" wrap="square" lIns="91425" tIns="91425" rIns="91425" bIns="91425" anchor="t" anchorCtr="0">
             <a:noAutofit/>
           </a:bodyPr>
           <a:lstStyle/>
           <a:p>
-            <a:pPr indent="0" lvl="0" marL="0" rtl="0" algn="l">
-              <a:spcBef>
-                <a:spcPts val="0"/>
-              </a:spcBef>
-              <a:spcAft>
-                <a:spcPts val="0"/>
-              </a:spcAft>
-              <a:buNone/>
-            </a:pPr>
-            <a:r>
-              <a:t/>
-            </a:r>
+            <a:pPr marL="0" lvl="0" indent="0" algn="l" rtl="0">
+              <a:spcBef>
+                <a:spcPts val="0"/>
+              </a:spcBef>
+              <a:spcAft>
+                <a:spcPts val="0"/>
+              </a:spcAft>
+              <a:buNone/>
+            </a:pPr>
             <a:endParaRPr/>
           </a:p>
         </p:txBody>
@@ -2117,11 +2410,11 @@
 </file>
 
 <file path=ppt/notesSlides/notesSlide22.xml><?xml version="1.0" encoding="utf-8"?>
-<p:notes xmlns:a="http://schemas.openxmlformats.org/drawingml/2006/main" xmlns:r="http://schemas.openxmlformats.org/officeDocument/2006/relationships" xmlns:mc="http://schemas.openxmlformats.org/markup-compatibility/2006" xmlns:mv="urn:schemas-microsoft-com:mac:vml" xmlns:p="http://schemas.openxmlformats.org/presentationml/2006/main" xmlns:c="http://schemas.openxmlformats.org/drawingml/2006/chart" xmlns:dgm="http://schemas.openxmlformats.org/drawingml/2006/diagram" xmlns:o="urn:schemas-microsoft-com:office:office" xmlns:v="urn:schemas-microsoft-com:vml" xmlns:pvml="urn:schemas-microsoft-com:office:powerpoint" xmlns:com="http://schemas.openxmlformats.org/drawingml/2006/compatibility" xmlns:p14="http://schemas.microsoft.com/office/powerpoint/2010/main" xmlns:p15="http://schemas.microsoft.com/office/powerpoint/2012/main" xmlns:ahyp="http://schemas.microsoft.com/office/drawing/2018/hyperlinkcolor" showMasterPhAnim="0" showMasterSp="0">
+<p:notes xmlns:a="http://schemas.openxmlformats.org/drawingml/2006/main" xmlns:r="http://schemas.openxmlformats.org/officeDocument/2006/relationships" xmlns:p="http://schemas.openxmlformats.org/presentationml/2006/main" showMasterSp="0" showMasterPhAnim="0">
   <p:cSld>
     <p:spTree>
       <p:nvGrpSpPr>
-        <p:cNvPr id="215" name="Shape 215"/>
+        <p:cNvPr id="1" name="Shape 215"/>
         <p:cNvGrpSpPr/>
         <p:nvPr/>
       </p:nvGrpSpPr>
@@ -2136,9 +2429,11 @@
       <p:sp>
         <p:nvSpPr>
           <p:cNvPr id="216" name="Google Shape;216;g1ea0c8ca3d3_0_16:notes"/>
-          <p:cNvSpPr/>
+          <p:cNvSpPr>
+            <a:spLocks noGrp="1" noRot="1" noChangeAspect="1"/>
+          </p:cNvSpPr>
           <p:nvPr>
-            <p:ph idx="2" type="sldImg"/>
+            <p:ph type="sldImg" idx="2"/>
           </p:nvPr>
         </p:nvSpPr>
         <p:spPr>
@@ -2147,9 +2442,13 @@
             <a:ext cx="6096000" cy="3429000"/>
           </a:xfrm>
           <a:custGeom>
-            <a:rect b="b" l="l" r="r" t="t"/>
+            <a:avLst/>
+            <a:gdLst/>
+            <a:ahLst/>
+            <a:cxnLst/>
+            <a:rect l="l" t="t" r="r" b="b"/>
             <a:pathLst>
-              <a:path extrusionOk="0" h="120000" w="120000">
+              <a:path w="120000" h="120000" extrusionOk="0">
                 <a:moveTo>
                   <a:pt x="0" y="0"/>
                 </a:moveTo>
@@ -2171,9 +2470,11 @@
       <p:sp>
         <p:nvSpPr>
           <p:cNvPr id="217" name="Google Shape;217;g1ea0c8ca3d3_0_16:notes"/>
-          <p:cNvSpPr txBox="1"/>
+          <p:cNvSpPr txBox="1">
+            <a:spLocks noGrp="1"/>
+          </p:cNvSpPr>
           <p:nvPr>
-            <p:ph idx="1" type="body"/>
+            <p:ph type="body" idx="1"/>
           </p:nvPr>
         </p:nvSpPr>
         <p:spPr>
@@ -2186,23 +2487,20 @@
           </a:prstGeom>
         </p:spPr>
         <p:txBody>
-          <a:bodyPr anchorCtr="0" anchor="t" bIns="91425" lIns="91425" spcFirstLastPara="1" rIns="91425" wrap="square" tIns="91425">
+          <a:bodyPr spcFirstLastPara="1" wrap="square" lIns="91425" tIns="91425" rIns="91425" bIns="91425" anchor="t" anchorCtr="0">
             <a:noAutofit/>
           </a:bodyPr>
           <a:lstStyle/>
           <a:p>
-            <a:pPr indent="0" lvl="0" marL="0" rtl="0" algn="l">
-              <a:spcBef>
-                <a:spcPts val="0"/>
-              </a:spcBef>
-              <a:spcAft>
-                <a:spcPts val="0"/>
-              </a:spcAft>
-              <a:buNone/>
-            </a:pPr>
-            <a:r>
-              <a:t/>
-            </a:r>
+            <a:pPr marL="0" lvl="0" indent="0" algn="l" rtl="0">
+              <a:spcBef>
+                <a:spcPts val="0"/>
+              </a:spcBef>
+              <a:spcAft>
+                <a:spcPts val="0"/>
+              </a:spcAft>
+              <a:buNone/>
+            </a:pPr>
             <a:endParaRPr/>
           </a:p>
         </p:txBody>
@@ -2216,11 +2514,11 @@
 </file>
 
 <file path=ppt/notesSlides/notesSlide3.xml><?xml version="1.0" encoding="utf-8"?>
-<p:notes xmlns:a="http://schemas.openxmlformats.org/drawingml/2006/main" xmlns:r="http://schemas.openxmlformats.org/officeDocument/2006/relationships" xmlns:mc="http://schemas.openxmlformats.org/markup-compatibility/2006" xmlns:mv="urn:schemas-microsoft-com:mac:vml" xmlns:p="http://schemas.openxmlformats.org/presentationml/2006/main" xmlns:c="http://schemas.openxmlformats.org/drawingml/2006/chart" xmlns:dgm="http://schemas.openxmlformats.org/drawingml/2006/diagram" xmlns:o="urn:schemas-microsoft-com:office:office" xmlns:v="urn:schemas-microsoft-com:vml" xmlns:pvml="urn:schemas-microsoft-com:office:powerpoint" xmlns:com="http://schemas.openxmlformats.org/drawingml/2006/compatibility" xmlns:p14="http://schemas.microsoft.com/office/powerpoint/2010/main" xmlns:p15="http://schemas.microsoft.com/office/powerpoint/2012/main" xmlns:ahyp="http://schemas.microsoft.com/office/drawing/2018/hyperlinkcolor" showMasterPhAnim="0" showMasterSp="0">
+<p:notes xmlns:a="http://schemas.openxmlformats.org/drawingml/2006/main" xmlns:r="http://schemas.openxmlformats.org/officeDocument/2006/relationships" xmlns:p="http://schemas.openxmlformats.org/presentationml/2006/main" showMasterSp="0" showMasterPhAnim="0">
   <p:cSld>
     <p:spTree>
       <p:nvGrpSpPr>
-        <p:cNvPr id="96" name="Shape 96"/>
+        <p:cNvPr id="1" name="Shape 96"/>
         <p:cNvGrpSpPr/>
         <p:nvPr/>
       </p:nvGrpSpPr>
@@ -2235,9 +2533,11 @@
       <p:sp>
         <p:nvSpPr>
           <p:cNvPr id="97" name="Google Shape;97;g1999847506a_0_272:notes"/>
-          <p:cNvSpPr/>
+          <p:cNvSpPr>
+            <a:spLocks noGrp="1" noRot="1" noChangeAspect="1"/>
+          </p:cNvSpPr>
           <p:nvPr>
-            <p:ph idx="2" type="sldImg"/>
+            <p:ph type="sldImg" idx="2"/>
           </p:nvPr>
         </p:nvSpPr>
         <p:spPr>
@@ -2246,9 +2546,13 @@
             <a:ext cx="6096000" cy="3429000"/>
           </a:xfrm>
           <a:custGeom>
-            <a:rect b="b" l="l" r="r" t="t"/>
+            <a:avLst/>
+            <a:gdLst/>
+            <a:ahLst/>
+            <a:cxnLst/>
+            <a:rect l="l" t="t" r="r" b="b"/>
             <a:pathLst>
-              <a:path extrusionOk="0" h="120000" w="120000">
+              <a:path w="120000" h="120000" extrusionOk="0">
                 <a:moveTo>
                   <a:pt x="0" y="0"/>
                 </a:moveTo>
@@ -2270,9 +2574,11 @@
       <p:sp>
         <p:nvSpPr>
           <p:cNvPr id="98" name="Google Shape;98;g1999847506a_0_272:notes"/>
-          <p:cNvSpPr txBox="1"/>
+          <p:cNvSpPr txBox="1">
+            <a:spLocks noGrp="1"/>
+          </p:cNvSpPr>
           <p:nvPr>
-            <p:ph idx="1" type="body"/>
+            <p:ph type="body" idx="1"/>
           </p:nvPr>
         </p:nvSpPr>
         <p:spPr>
@@ -2285,23 +2591,20 @@
           </a:prstGeom>
         </p:spPr>
         <p:txBody>
-          <a:bodyPr anchorCtr="0" anchor="t" bIns="91425" lIns="91425" spcFirstLastPara="1" rIns="91425" wrap="square" tIns="91425">
+          <a:bodyPr spcFirstLastPara="1" wrap="square" lIns="91425" tIns="91425" rIns="91425" bIns="91425" anchor="t" anchorCtr="0">
             <a:noAutofit/>
           </a:bodyPr>
           <a:lstStyle/>
           <a:p>
-            <a:pPr indent="0" lvl="0" marL="0" rtl="0" algn="l">
-              <a:spcBef>
-                <a:spcPts val="0"/>
-              </a:spcBef>
-              <a:spcAft>
-                <a:spcPts val="0"/>
-              </a:spcAft>
-              <a:buNone/>
-            </a:pPr>
-            <a:r>
-              <a:t/>
-            </a:r>
+            <a:pPr marL="0" lvl="0" indent="0" algn="l" rtl="0">
+              <a:spcBef>
+                <a:spcPts val="0"/>
+              </a:spcBef>
+              <a:spcAft>
+                <a:spcPts val="0"/>
+              </a:spcAft>
+              <a:buNone/>
+            </a:pPr>
             <a:endParaRPr/>
           </a:p>
         </p:txBody>
@@ -2315,11 +2618,11 @@
 </file>
 
 <file path=ppt/notesSlides/notesSlide4.xml><?xml version="1.0" encoding="utf-8"?>
-<p:notes xmlns:a="http://schemas.openxmlformats.org/drawingml/2006/main" xmlns:r="http://schemas.openxmlformats.org/officeDocument/2006/relationships" xmlns:mc="http://schemas.openxmlformats.org/markup-compatibility/2006" xmlns:mv="urn:schemas-microsoft-com:mac:vml" xmlns:p="http://schemas.openxmlformats.org/presentationml/2006/main" xmlns:c="http://schemas.openxmlformats.org/drawingml/2006/chart" xmlns:dgm="http://schemas.openxmlformats.org/drawingml/2006/diagram" xmlns:o="urn:schemas-microsoft-com:office:office" xmlns:v="urn:schemas-microsoft-com:vml" xmlns:pvml="urn:schemas-microsoft-com:office:powerpoint" xmlns:com="http://schemas.openxmlformats.org/drawingml/2006/compatibility" xmlns:p14="http://schemas.microsoft.com/office/powerpoint/2010/main" xmlns:p15="http://schemas.microsoft.com/office/powerpoint/2012/main" xmlns:ahyp="http://schemas.microsoft.com/office/drawing/2018/hyperlinkcolor" showMasterPhAnim="0" showMasterSp="0">
+<p:notes xmlns:a="http://schemas.openxmlformats.org/drawingml/2006/main" xmlns:r="http://schemas.openxmlformats.org/officeDocument/2006/relationships" xmlns:p="http://schemas.openxmlformats.org/presentationml/2006/main" showMasterSp="0" showMasterPhAnim="0">
   <p:cSld>
     <p:spTree>
       <p:nvGrpSpPr>
-        <p:cNvPr id="102" name="Shape 102"/>
+        <p:cNvPr id="1" name="Shape 102"/>
         <p:cNvGrpSpPr/>
         <p:nvPr/>
       </p:nvGrpSpPr>
@@ -2334,9 +2637,11 @@
       <p:sp>
         <p:nvSpPr>
           <p:cNvPr id="103" name="Google Shape;103;g1999847506a_0_277:notes"/>
-          <p:cNvSpPr/>
+          <p:cNvSpPr>
+            <a:spLocks noGrp="1" noRot="1" noChangeAspect="1"/>
+          </p:cNvSpPr>
           <p:nvPr>
-            <p:ph idx="2" type="sldImg"/>
+            <p:ph type="sldImg" idx="2"/>
           </p:nvPr>
         </p:nvSpPr>
         <p:spPr>
@@ -2345,9 +2650,13 @@
             <a:ext cx="6096000" cy="3429000"/>
           </a:xfrm>
           <a:custGeom>
-            <a:rect b="b" l="l" r="r" t="t"/>
+            <a:avLst/>
+            <a:gdLst/>
+            <a:ahLst/>
+            <a:cxnLst/>
+            <a:rect l="l" t="t" r="r" b="b"/>
             <a:pathLst>
-              <a:path extrusionOk="0" h="120000" w="120000">
+              <a:path w="120000" h="120000" extrusionOk="0">
                 <a:moveTo>
                   <a:pt x="0" y="0"/>
                 </a:moveTo>
@@ -2369,9 +2678,11 @@
       <p:sp>
         <p:nvSpPr>
           <p:cNvPr id="104" name="Google Shape;104;g1999847506a_0_277:notes"/>
-          <p:cNvSpPr txBox="1"/>
+          <p:cNvSpPr txBox="1">
+            <a:spLocks noGrp="1"/>
+          </p:cNvSpPr>
           <p:nvPr>
-            <p:ph idx="1" type="body"/>
+            <p:ph type="body" idx="1"/>
           </p:nvPr>
         </p:nvSpPr>
         <p:spPr>
@@ -2384,23 +2695,20 @@
           </a:prstGeom>
         </p:spPr>
         <p:txBody>
-          <a:bodyPr anchorCtr="0" anchor="t" bIns="91425" lIns="91425" spcFirstLastPara="1" rIns="91425" wrap="square" tIns="91425">
+          <a:bodyPr spcFirstLastPara="1" wrap="square" lIns="91425" tIns="91425" rIns="91425" bIns="91425" anchor="t" anchorCtr="0">
             <a:noAutofit/>
           </a:bodyPr>
           <a:lstStyle/>
           <a:p>
-            <a:pPr indent="0" lvl="0" marL="0" rtl="0" algn="l">
-              <a:spcBef>
-                <a:spcPts val="0"/>
-              </a:spcBef>
-              <a:spcAft>
-                <a:spcPts val="0"/>
-              </a:spcAft>
-              <a:buNone/>
-            </a:pPr>
-            <a:r>
-              <a:t/>
-            </a:r>
+            <a:pPr marL="0" lvl="0" indent="0" algn="l" rtl="0">
+              <a:spcBef>
+                <a:spcPts val="0"/>
+              </a:spcBef>
+              <a:spcAft>
+                <a:spcPts val="0"/>
+              </a:spcAft>
+              <a:buNone/>
+            </a:pPr>
             <a:endParaRPr/>
           </a:p>
         </p:txBody>
@@ -2414,11 +2722,11 @@
 </file>
 
 <file path=ppt/notesSlides/notesSlide5.xml><?xml version="1.0" encoding="utf-8"?>
-<p:notes xmlns:a="http://schemas.openxmlformats.org/drawingml/2006/main" xmlns:r="http://schemas.openxmlformats.org/officeDocument/2006/relationships" xmlns:mc="http://schemas.openxmlformats.org/markup-compatibility/2006" xmlns:mv="urn:schemas-microsoft-com:mac:vml" xmlns:p="http://schemas.openxmlformats.org/presentationml/2006/main" xmlns:c="http://schemas.openxmlformats.org/drawingml/2006/chart" xmlns:dgm="http://schemas.openxmlformats.org/drawingml/2006/diagram" xmlns:o="urn:schemas-microsoft-com:office:office" xmlns:v="urn:schemas-microsoft-com:vml" xmlns:pvml="urn:schemas-microsoft-com:office:powerpoint" xmlns:com="http://schemas.openxmlformats.org/drawingml/2006/compatibility" xmlns:p14="http://schemas.microsoft.com/office/powerpoint/2010/main" xmlns:p15="http://schemas.microsoft.com/office/powerpoint/2012/main" xmlns:ahyp="http://schemas.microsoft.com/office/drawing/2018/hyperlinkcolor" showMasterPhAnim="0" showMasterSp="0">
+<p:notes xmlns:a="http://schemas.openxmlformats.org/drawingml/2006/main" xmlns:r="http://schemas.openxmlformats.org/officeDocument/2006/relationships" xmlns:p="http://schemas.openxmlformats.org/presentationml/2006/main" showMasterSp="0" showMasterPhAnim="0">
   <p:cSld>
     <p:spTree>
       <p:nvGrpSpPr>
-        <p:cNvPr id="108" name="Shape 108"/>
+        <p:cNvPr id="1" name="Shape 108"/>
         <p:cNvGrpSpPr/>
         <p:nvPr/>
       </p:nvGrpSpPr>
@@ -2433,20 +2741,26 @@
       <p:sp>
         <p:nvSpPr>
           <p:cNvPr id="109" name="Google Shape;109;g1fc3795001c_0_4:notes"/>
-          <p:cNvSpPr/>
+          <p:cNvSpPr>
+            <a:spLocks noGrp="1" noRot="1" noChangeAspect="1"/>
+          </p:cNvSpPr>
           <p:nvPr>
-            <p:ph idx="2" type="sldImg"/>
+            <p:ph type="sldImg" idx="2"/>
           </p:nvPr>
         </p:nvSpPr>
         <p:spPr>
           <a:xfrm>
-            <a:off x="381300" y="685800"/>
+            <a:off x="381000" y="685800"/>
             <a:ext cx="6096000" cy="3429000"/>
           </a:xfrm>
           <a:custGeom>
-            <a:rect b="b" l="l" r="r" t="t"/>
+            <a:avLst/>
+            <a:gdLst/>
+            <a:ahLst/>
+            <a:cxnLst/>
+            <a:rect l="l" t="t" r="r" b="b"/>
             <a:pathLst>
-              <a:path extrusionOk="0" h="120000" w="120000">
+              <a:path w="120000" h="120000" extrusionOk="0">
                 <a:moveTo>
                   <a:pt x="0" y="0"/>
                 </a:moveTo>
@@ -2468,9 +2782,11 @@
       <p:sp>
         <p:nvSpPr>
           <p:cNvPr id="110" name="Google Shape;110;g1fc3795001c_0_4:notes"/>
-          <p:cNvSpPr txBox="1"/>
+          <p:cNvSpPr txBox="1">
+            <a:spLocks noGrp="1"/>
+          </p:cNvSpPr>
           <p:nvPr>
-            <p:ph idx="1" type="body"/>
+            <p:ph type="body" idx="1"/>
           </p:nvPr>
         </p:nvSpPr>
         <p:spPr>
@@ -2483,12 +2799,12 @@
           </a:prstGeom>
         </p:spPr>
         <p:txBody>
-          <a:bodyPr anchorCtr="0" anchor="t" bIns="91425" lIns="91425" spcFirstLastPara="1" rIns="91425" wrap="square" tIns="91425">
+          <a:bodyPr spcFirstLastPara="1" wrap="square" lIns="91425" tIns="91425" rIns="91425" bIns="91425" anchor="t" anchorCtr="0">
             <a:noAutofit/>
           </a:bodyPr>
           <a:lstStyle/>
           <a:p>
-            <a:pPr indent="0" lvl="0" marL="0" rtl="0" algn="l">
+            <a:pPr marL="0" lvl="0" indent="0" algn="l" rtl="0">
               <a:spcBef>
                 <a:spcPts val="0"/>
               </a:spcBef>
@@ -2498,9 +2814,67 @@
               <a:buNone/>
             </a:pPr>
             <a:r>
-              <a:t/>
+              <a:rPr lang="en-IN" dirty="0"/>
+              <a:t>Encoding Categorical values :</a:t>
             </a:r>
-            <a:endParaRPr/>
+          </a:p>
+          <a:p>
+            <a:pPr marL="0" lvl="0" indent="0" algn="l" rtl="0">
+              <a:spcBef>
+                <a:spcPts val="0"/>
+              </a:spcBef>
+              <a:spcAft>
+                <a:spcPts val="0"/>
+              </a:spcAft>
+              <a:buNone/>
+            </a:pPr>
+            <a:r>
+              <a:rPr lang="en-IN" dirty="0"/>
+              <a:t>One hot :</a:t>
+            </a:r>
+          </a:p>
+          <a:p>
+            <a:pPr marL="0" lvl="0" indent="0" algn="l" rtl="0">
+              <a:spcBef>
+                <a:spcPts val="0"/>
+              </a:spcBef>
+              <a:spcAft>
+                <a:spcPts val="0"/>
+              </a:spcAft>
+              <a:buNone/>
+            </a:pPr>
+            <a:r>
+              <a:rPr lang="en-IN" dirty="0"/>
+              <a:t> department </a:t>
+            </a:r>
+            <a:r>
+              <a:rPr lang="en-IN" dirty="0" err="1"/>
+              <a:t>educationfield</a:t>
+            </a:r>
+            <a:r>
+              <a:rPr lang="en-IN" dirty="0"/>
+              <a:t> job role,</a:t>
+            </a:r>
+          </a:p>
+          <a:p>
+            <a:pPr marL="0" lvl="0" indent="0" algn="l" rtl="0">
+              <a:spcBef>
+                <a:spcPts val="0"/>
+              </a:spcBef>
+              <a:spcAft>
+                <a:spcPts val="0"/>
+              </a:spcAft>
+              <a:buNone/>
+            </a:pPr>
+            <a:r>
+              <a:rPr lang="en-IN" dirty="0"/>
+              <a:t>Ordinal encoding : education </a:t>
+            </a:r>
+            <a:r>
+              <a:rPr lang="en-IN" dirty="0" err="1"/>
+              <a:t>level,etc</a:t>
+            </a:r>
+            <a:endParaRPr dirty="0"/>
           </a:p>
         </p:txBody>
       </p:sp>
@@ -2513,11 +2887,11 @@
 </file>
 
 <file path=ppt/notesSlides/notesSlide6.xml><?xml version="1.0" encoding="utf-8"?>
-<p:notes xmlns:a="http://schemas.openxmlformats.org/drawingml/2006/main" xmlns:r="http://schemas.openxmlformats.org/officeDocument/2006/relationships" xmlns:mc="http://schemas.openxmlformats.org/markup-compatibility/2006" xmlns:mv="urn:schemas-microsoft-com:mac:vml" xmlns:p="http://schemas.openxmlformats.org/presentationml/2006/main" xmlns:c="http://schemas.openxmlformats.org/drawingml/2006/chart" xmlns:dgm="http://schemas.openxmlformats.org/drawingml/2006/diagram" xmlns:o="urn:schemas-microsoft-com:office:office" xmlns:v="urn:schemas-microsoft-com:vml" xmlns:pvml="urn:schemas-microsoft-com:office:powerpoint" xmlns:com="http://schemas.openxmlformats.org/drawingml/2006/compatibility" xmlns:p14="http://schemas.microsoft.com/office/powerpoint/2010/main" xmlns:p15="http://schemas.microsoft.com/office/powerpoint/2012/main" xmlns:ahyp="http://schemas.microsoft.com/office/drawing/2018/hyperlinkcolor" showMasterPhAnim="0" showMasterSp="0">
+<p:notes xmlns:a="http://schemas.openxmlformats.org/drawingml/2006/main" xmlns:r="http://schemas.openxmlformats.org/officeDocument/2006/relationships" xmlns:p="http://schemas.openxmlformats.org/presentationml/2006/main" showMasterSp="0" showMasterPhAnim="0">
   <p:cSld>
     <p:spTree>
       <p:nvGrpSpPr>
-        <p:cNvPr id="114" name="Shape 114"/>
+        <p:cNvPr id="1" name="Shape 114"/>
         <p:cNvGrpSpPr/>
         <p:nvPr/>
       </p:nvGrpSpPr>
@@ -2532,9 +2906,11 @@
       <p:sp>
         <p:nvSpPr>
           <p:cNvPr id="115" name="Google Shape;115;g1999847506a_0_282:notes"/>
-          <p:cNvSpPr/>
+          <p:cNvSpPr>
+            <a:spLocks noGrp="1" noRot="1" noChangeAspect="1"/>
+          </p:cNvSpPr>
           <p:nvPr>
-            <p:ph idx="2" type="sldImg"/>
+            <p:ph type="sldImg" idx="2"/>
           </p:nvPr>
         </p:nvSpPr>
         <p:spPr>
@@ -2543,9 +2919,13 @@
             <a:ext cx="6096000" cy="3429000"/>
           </a:xfrm>
           <a:custGeom>
-            <a:rect b="b" l="l" r="r" t="t"/>
+            <a:avLst/>
+            <a:gdLst/>
+            <a:ahLst/>
+            <a:cxnLst/>
+            <a:rect l="l" t="t" r="r" b="b"/>
             <a:pathLst>
-              <a:path extrusionOk="0" h="120000" w="120000">
+              <a:path w="120000" h="120000" extrusionOk="0">
                 <a:moveTo>
                   <a:pt x="0" y="0"/>
                 </a:moveTo>
@@ -2567,9 +2947,11 @@
       <p:sp>
         <p:nvSpPr>
           <p:cNvPr id="116" name="Google Shape;116;g1999847506a_0_282:notes"/>
-          <p:cNvSpPr txBox="1"/>
+          <p:cNvSpPr txBox="1">
+            <a:spLocks noGrp="1"/>
+          </p:cNvSpPr>
           <p:nvPr>
-            <p:ph idx="1" type="body"/>
+            <p:ph type="body" idx="1"/>
           </p:nvPr>
         </p:nvSpPr>
         <p:spPr>
@@ -2582,23 +2964,20 @@
           </a:prstGeom>
         </p:spPr>
         <p:txBody>
-          <a:bodyPr anchorCtr="0" anchor="t" bIns="91425" lIns="91425" spcFirstLastPara="1" rIns="91425" wrap="square" tIns="91425">
+          <a:bodyPr spcFirstLastPara="1" wrap="square" lIns="91425" tIns="91425" rIns="91425" bIns="91425" anchor="t" anchorCtr="0">
             <a:noAutofit/>
           </a:bodyPr>
           <a:lstStyle/>
           <a:p>
-            <a:pPr indent="0" lvl="0" marL="0" rtl="0" algn="l">
-              <a:spcBef>
-                <a:spcPts val="0"/>
-              </a:spcBef>
-              <a:spcAft>
-                <a:spcPts val="0"/>
-              </a:spcAft>
-              <a:buNone/>
-            </a:pPr>
-            <a:r>
-              <a:t/>
-            </a:r>
+            <a:pPr marL="0" lvl="0" indent="0" algn="l" rtl="0">
+              <a:spcBef>
+                <a:spcPts val="0"/>
+              </a:spcBef>
+              <a:spcAft>
+                <a:spcPts val="0"/>
+              </a:spcAft>
+              <a:buNone/>
+            </a:pPr>
             <a:endParaRPr/>
           </a:p>
         </p:txBody>
@@ -2612,11 +2991,11 @@
 </file>
 
 <file path=ppt/notesSlides/notesSlide7.xml><?xml version="1.0" encoding="utf-8"?>
-<p:notes xmlns:a="http://schemas.openxmlformats.org/drawingml/2006/main" xmlns:r="http://schemas.openxmlformats.org/officeDocument/2006/relationships" xmlns:mc="http://schemas.openxmlformats.org/markup-compatibility/2006" xmlns:mv="urn:schemas-microsoft-com:mac:vml" xmlns:p="http://schemas.openxmlformats.org/presentationml/2006/main" xmlns:c="http://schemas.openxmlformats.org/drawingml/2006/chart" xmlns:dgm="http://schemas.openxmlformats.org/drawingml/2006/diagram" xmlns:o="urn:schemas-microsoft-com:office:office" xmlns:v="urn:schemas-microsoft-com:vml" xmlns:pvml="urn:schemas-microsoft-com:office:powerpoint" xmlns:com="http://schemas.openxmlformats.org/drawingml/2006/compatibility" xmlns:p14="http://schemas.microsoft.com/office/powerpoint/2010/main" xmlns:p15="http://schemas.microsoft.com/office/powerpoint/2012/main" xmlns:ahyp="http://schemas.microsoft.com/office/drawing/2018/hyperlinkcolor" showMasterPhAnim="0" showMasterSp="0">
+<p:notes xmlns:a="http://schemas.openxmlformats.org/drawingml/2006/main" xmlns:r="http://schemas.openxmlformats.org/officeDocument/2006/relationships" xmlns:p="http://schemas.openxmlformats.org/presentationml/2006/main" showMasterSp="0" showMasterPhAnim="0">
   <p:cSld>
     <p:spTree>
       <p:nvGrpSpPr>
-        <p:cNvPr id="120" name="Shape 120"/>
+        <p:cNvPr id="1" name="Shape 120"/>
         <p:cNvGrpSpPr/>
         <p:nvPr/>
       </p:nvGrpSpPr>
@@ -2631,9 +3010,11 @@
       <p:sp>
         <p:nvSpPr>
           <p:cNvPr id="121" name="Google Shape;121;g1999847506a_0_291:notes"/>
-          <p:cNvSpPr/>
+          <p:cNvSpPr>
+            <a:spLocks noGrp="1" noRot="1" noChangeAspect="1"/>
+          </p:cNvSpPr>
           <p:nvPr>
-            <p:ph idx="2" type="sldImg"/>
+            <p:ph type="sldImg" idx="2"/>
           </p:nvPr>
         </p:nvSpPr>
         <p:spPr>
@@ -2642,9 +3023,13 @@
             <a:ext cx="6096000" cy="3429000"/>
           </a:xfrm>
           <a:custGeom>
-            <a:rect b="b" l="l" r="r" t="t"/>
+            <a:avLst/>
+            <a:gdLst/>
+            <a:ahLst/>
+            <a:cxnLst/>
+            <a:rect l="l" t="t" r="r" b="b"/>
             <a:pathLst>
-              <a:path extrusionOk="0" h="120000" w="120000">
+              <a:path w="120000" h="120000" extrusionOk="0">
                 <a:moveTo>
                   <a:pt x="0" y="0"/>
                 </a:moveTo>
@@ -2666,9 +3051,11 @@
       <p:sp>
         <p:nvSpPr>
           <p:cNvPr id="122" name="Google Shape;122;g1999847506a_0_291:notes"/>
-          <p:cNvSpPr txBox="1"/>
+          <p:cNvSpPr txBox="1">
+            <a:spLocks noGrp="1"/>
+          </p:cNvSpPr>
           <p:nvPr>
-            <p:ph idx="1" type="body"/>
+            <p:ph type="body" idx="1"/>
           </p:nvPr>
         </p:nvSpPr>
         <p:spPr>
@@ -2681,23 +3068,20 @@
           </a:prstGeom>
         </p:spPr>
         <p:txBody>
-          <a:bodyPr anchorCtr="0" anchor="t" bIns="91425" lIns="91425" spcFirstLastPara="1" rIns="91425" wrap="square" tIns="91425">
+          <a:bodyPr spcFirstLastPara="1" wrap="square" lIns="91425" tIns="91425" rIns="91425" bIns="91425" anchor="t" anchorCtr="0">
             <a:noAutofit/>
           </a:bodyPr>
           <a:lstStyle/>
           <a:p>
-            <a:pPr indent="0" lvl="0" marL="0" rtl="0" algn="l">
-              <a:spcBef>
-                <a:spcPts val="0"/>
-              </a:spcBef>
-              <a:spcAft>
-                <a:spcPts val="0"/>
-              </a:spcAft>
-              <a:buNone/>
-            </a:pPr>
-            <a:r>
-              <a:t/>
-            </a:r>
+            <a:pPr marL="0" lvl="0" indent="0" algn="l" rtl="0">
+              <a:spcBef>
+                <a:spcPts val="0"/>
+              </a:spcBef>
+              <a:spcAft>
+                <a:spcPts val="0"/>
+              </a:spcAft>
+              <a:buNone/>
+            </a:pPr>
             <a:endParaRPr/>
           </a:p>
         </p:txBody>
@@ -2711,11 +3095,11 @@
 </file>
 
 <file path=ppt/notesSlides/notesSlide8.xml><?xml version="1.0" encoding="utf-8"?>
-<p:notes xmlns:a="http://schemas.openxmlformats.org/drawingml/2006/main" xmlns:r="http://schemas.openxmlformats.org/officeDocument/2006/relationships" xmlns:mc="http://schemas.openxmlformats.org/markup-compatibility/2006" xmlns:mv="urn:schemas-microsoft-com:mac:vml" xmlns:p="http://schemas.openxmlformats.org/presentationml/2006/main" xmlns:c="http://schemas.openxmlformats.org/drawingml/2006/chart" xmlns:dgm="http://schemas.openxmlformats.org/drawingml/2006/diagram" xmlns:o="urn:schemas-microsoft-com:office:office" xmlns:v="urn:schemas-microsoft-com:vml" xmlns:pvml="urn:schemas-microsoft-com:office:powerpoint" xmlns:com="http://schemas.openxmlformats.org/drawingml/2006/compatibility" xmlns:p14="http://schemas.microsoft.com/office/powerpoint/2010/main" xmlns:p15="http://schemas.microsoft.com/office/powerpoint/2012/main" xmlns:ahyp="http://schemas.microsoft.com/office/drawing/2018/hyperlinkcolor" showMasterPhAnim="0" showMasterSp="0">
+<p:notes xmlns:a="http://schemas.openxmlformats.org/drawingml/2006/main" xmlns:r="http://schemas.openxmlformats.org/officeDocument/2006/relationships" xmlns:p="http://schemas.openxmlformats.org/presentationml/2006/main" showMasterSp="0" showMasterPhAnim="0">
   <p:cSld>
     <p:spTree>
       <p:nvGrpSpPr>
-        <p:cNvPr id="126" name="Shape 126"/>
+        <p:cNvPr id="1" name="Shape 126"/>
         <p:cNvGrpSpPr/>
         <p:nvPr/>
       </p:nvGrpSpPr>
@@ -2730,9 +3114,11 @@
       <p:sp>
         <p:nvSpPr>
           <p:cNvPr id="127" name="Google Shape;127;g1a171751601_0_12:notes"/>
-          <p:cNvSpPr/>
+          <p:cNvSpPr>
+            <a:spLocks noGrp="1" noRot="1" noChangeAspect="1"/>
+          </p:cNvSpPr>
           <p:nvPr>
-            <p:ph idx="2" type="sldImg"/>
+            <p:ph type="sldImg" idx="2"/>
           </p:nvPr>
         </p:nvSpPr>
         <p:spPr>
@@ -2741,9 +3127,13 @@
             <a:ext cx="6096000" cy="3429000"/>
           </a:xfrm>
           <a:custGeom>
-            <a:rect b="b" l="l" r="r" t="t"/>
+            <a:avLst/>
+            <a:gdLst/>
+            <a:ahLst/>
+            <a:cxnLst/>
+            <a:rect l="l" t="t" r="r" b="b"/>
             <a:pathLst>
-              <a:path extrusionOk="0" h="120000" w="120000">
+              <a:path w="120000" h="120000" extrusionOk="0">
                 <a:moveTo>
                   <a:pt x="0" y="0"/>
                 </a:moveTo>
@@ -2765,9 +3155,11 @@
       <p:sp>
         <p:nvSpPr>
           <p:cNvPr id="128" name="Google Shape;128;g1a171751601_0_12:notes"/>
-          <p:cNvSpPr txBox="1"/>
+          <p:cNvSpPr txBox="1">
+            <a:spLocks noGrp="1"/>
+          </p:cNvSpPr>
           <p:nvPr>
-            <p:ph idx="1" type="body"/>
+            <p:ph type="body" idx="1"/>
           </p:nvPr>
         </p:nvSpPr>
         <p:spPr>
@@ -2780,23 +3172,20 @@
           </a:prstGeom>
         </p:spPr>
         <p:txBody>
-          <a:bodyPr anchorCtr="0" anchor="t" bIns="91425" lIns="91425" spcFirstLastPara="1" rIns="91425" wrap="square" tIns="91425">
+          <a:bodyPr spcFirstLastPara="1" wrap="square" lIns="91425" tIns="91425" rIns="91425" bIns="91425" anchor="t" anchorCtr="0">
             <a:noAutofit/>
           </a:bodyPr>
           <a:lstStyle/>
           <a:p>
-            <a:pPr indent="0" lvl="0" marL="0" rtl="0" algn="l">
-              <a:spcBef>
-                <a:spcPts val="0"/>
-              </a:spcBef>
-              <a:spcAft>
-                <a:spcPts val="0"/>
-              </a:spcAft>
-              <a:buNone/>
-            </a:pPr>
-            <a:r>
-              <a:t/>
-            </a:r>
+            <a:pPr marL="0" lvl="0" indent="0" algn="l" rtl="0">
+              <a:spcBef>
+                <a:spcPts val="0"/>
+              </a:spcBef>
+              <a:spcAft>
+                <a:spcPts val="0"/>
+              </a:spcAft>
+              <a:buNone/>
+            </a:pPr>
             <a:endParaRPr/>
           </a:p>
         </p:txBody>
@@ -2810,11 +3199,11 @@
 </file>
 
 <file path=ppt/notesSlides/notesSlide9.xml><?xml version="1.0" encoding="utf-8"?>
-<p:notes xmlns:a="http://schemas.openxmlformats.org/drawingml/2006/main" xmlns:r="http://schemas.openxmlformats.org/officeDocument/2006/relationships" xmlns:mc="http://schemas.openxmlformats.org/markup-compatibility/2006" xmlns:mv="urn:schemas-microsoft-com:mac:vml" xmlns:p="http://schemas.openxmlformats.org/presentationml/2006/main" xmlns:c="http://schemas.openxmlformats.org/drawingml/2006/chart" xmlns:dgm="http://schemas.openxmlformats.org/drawingml/2006/diagram" xmlns:o="urn:schemas-microsoft-com:office:office" xmlns:v="urn:schemas-microsoft-com:vml" xmlns:pvml="urn:schemas-microsoft-com:office:powerpoint" xmlns:com="http://schemas.openxmlformats.org/drawingml/2006/compatibility" xmlns:p14="http://schemas.microsoft.com/office/powerpoint/2010/main" xmlns:p15="http://schemas.microsoft.com/office/powerpoint/2012/main" xmlns:ahyp="http://schemas.microsoft.com/office/drawing/2018/hyperlinkcolor" showMasterPhAnim="0" showMasterSp="0">
+<p:notes xmlns:a="http://schemas.openxmlformats.org/drawingml/2006/main" xmlns:r="http://schemas.openxmlformats.org/officeDocument/2006/relationships" xmlns:p="http://schemas.openxmlformats.org/presentationml/2006/main" showMasterSp="0" showMasterPhAnim="0">
   <p:cSld>
     <p:spTree>
       <p:nvGrpSpPr>
-        <p:cNvPr id="132" name="Shape 132"/>
+        <p:cNvPr id="1" name="Shape 132"/>
         <p:cNvGrpSpPr/>
         <p:nvPr/>
       </p:nvGrpSpPr>
@@ -2829,9 +3218,11 @@
       <p:sp>
         <p:nvSpPr>
           <p:cNvPr id="133" name="Google Shape;133;g1999847506a_0_297:notes"/>
-          <p:cNvSpPr/>
+          <p:cNvSpPr>
+            <a:spLocks noGrp="1" noRot="1" noChangeAspect="1"/>
+          </p:cNvSpPr>
           <p:nvPr>
-            <p:ph idx="2" type="sldImg"/>
+            <p:ph type="sldImg" idx="2"/>
           </p:nvPr>
         </p:nvSpPr>
         <p:spPr>
@@ -2840,9 +3231,13 @@
             <a:ext cx="6096000" cy="3429000"/>
           </a:xfrm>
           <a:custGeom>
-            <a:rect b="b" l="l" r="r" t="t"/>
+            <a:avLst/>
+            <a:gdLst/>
+            <a:ahLst/>
+            <a:cxnLst/>
+            <a:rect l="l" t="t" r="r" b="b"/>
             <a:pathLst>
-              <a:path extrusionOk="0" h="120000" w="120000">
+              <a:path w="120000" h="120000" extrusionOk="0">
                 <a:moveTo>
                   <a:pt x="0" y="0"/>
                 </a:moveTo>
@@ -2864,9 +3259,11 @@
       <p:sp>
         <p:nvSpPr>
           <p:cNvPr id="134" name="Google Shape;134;g1999847506a_0_297:notes"/>
-          <p:cNvSpPr txBox="1"/>
+          <p:cNvSpPr txBox="1">
+            <a:spLocks noGrp="1"/>
+          </p:cNvSpPr>
           <p:nvPr>
-            <p:ph idx="1" type="body"/>
+            <p:ph type="body" idx="1"/>
           </p:nvPr>
         </p:nvSpPr>
         <p:spPr>
@@ -2879,23 +3276,20 @@
           </a:prstGeom>
         </p:spPr>
         <p:txBody>
-          <a:bodyPr anchorCtr="0" anchor="t" bIns="91425" lIns="91425" spcFirstLastPara="1" rIns="91425" wrap="square" tIns="91425">
+          <a:bodyPr spcFirstLastPara="1" wrap="square" lIns="91425" tIns="91425" rIns="91425" bIns="91425" anchor="t" anchorCtr="0">
             <a:noAutofit/>
           </a:bodyPr>
           <a:lstStyle/>
           <a:p>
-            <a:pPr indent="0" lvl="0" marL="0" rtl="0" algn="l">
-              <a:spcBef>
-                <a:spcPts val="0"/>
-              </a:spcBef>
-              <a:spcAft>
-                <a:spcPts val="0"/>
-              </a:spcAft>
-              <a:buNone/>
-            </a:pPr>
-            <a:r>
-              <a:t/>
-            </a:r>
+            <a:pPr marL="0" lvl="0" indent="0" algn="l" rtl="0">
+              <a:spcBef>
+                <a:spcPts val="0"/>
+              </a:spcBef>
+              <a:spcAft>
+                <a:spcPts val="0"/>
+              </a:spcAft>
+              <a:buNone/>
+            </a:pPr>
             <a:endParaRPr/>
           </a:p>
         </p:txBody>
@@ -2909,18 +3303,19 @@
 </file>
 
 <file path=ppt/slideLayouts/slideLayout1.xml><?xml version="1.0" encoding="utf-8"?>
-<p:sldLayout xmlns:a="http://schemas.openxmlformats.org/drawingml/2006/main" xmlns:r="http://schemas.openxmlformats.org/officeDocument/2006/relationships" xmlns:mc="http://schemas.openxmlformats.org/markup-compatibility/2006" xmlns:mv="urn:schemas-microsoft-com:mac:vml" xmlns:p="http://schemas.openxmlformats.org/presentationml/2006/main" xmlns:c="http://schemas.openxmlformats.org/drawingml/2006/chart" xmlns:dgm="http://schemas.openxmlformats.org/drawingml/2006/diagram" xmlns:o="urn:schemas-microsoft-com:office:office" xmlns:v="urn:schemas-microsoft-com:vml" xmlns:pvml="urn:schemas-microsoft-com:office:powerpoint" xmlns:com="http://schemas.openxmlformats.org/drawingml/2006/compatibility" xmlns:p14="http://schemas.microsoft.com/office/powerpoint/2010/main" xmlns:p15="http://schemas.microsoft.com/office/powerpoint/2012/main" xmlns:ahyp="http://schemas.microsoft.com/office/drawing/2018/hyperlinkcolor" matchingName="Title slide" type="title">
+<p:sldLayout xmlns:a="http://schemas.openxmlformats.org/drawingml/2006/main" xmlns:r="http://schemas.openxmlformats.org/officeDocument/2006/relationships" xmlns:p="http://schemas.openxmlformats.org/presentationml/2006/main" matchingName="Title slide" type="title">
   <p:cSld name="TITLE">
     <p:bg>
       <p:bgPr>
         <a:solidFill>
           <a:schemeClr val="lt2"/>
         </a:solidFill>
+        <a:effectLst/>
       </p:bgPr>
     </p:bg>
     <p:spTree>
       <p:nvGrpSpPr>
-        <p:cNvPr id="9" name="Shape 9"/>
+        <p:cNvPr id="1" name="Shape 9"/>
         <p:cNvGrpSpPr/>
         <p:nvPr/>
       </p:nvGrpSpPr>
@@ -2954,23 +3349,20 @@
           </a:ln>
         </p:spPr>
         <p:txBody>
-          <a:bodyPr anchorCtr="0" anchor="ctr" bIns="91425" lIns="91425" spcFirstLastPara="1" rIns="91425" wrap="square" tIns="91425">
+          <a:bodyPr spcFirstLastPara="1" wrap="square" lIns="91425" tIns="91425" rIns="91425" bIns="91425" anchor="ctr" anchorCtr="0">
             <a:noAutofit/>
           </a:bodyPr>
           <a:lstStyle/>
           <a:p>
-            <a:pPr indent="0" lvl="0" marL="0" rtl="0" algn="l">
-              <a:spcBef>
-                <a:spcPts val="0"/>
-              </a:spcBef>
-              <a:spcAft>
-                <a:spcPts val="0"/>
-              </a:spcAft>
-              <a:buNone/>
-            </a:pPr>
-            <a:r>
-              <a:t/>
-            </a:r>
+            <a:pPr marL="0" lvl="0" indent="0" algn="l" rtl="0">
+              <a:spcBef>
+                <a:spcPts val="0"/>
+              </a:spcBef>
+              <a:spcAft>
+                <a:spcPts val="0"/>
+              </a:spcAft>
+              <a:buNone/>
+            </a:pPr>
             <a:endParaRPr/>
           </a:p>
         </p:txBody>
@@ -3011,12 +3403,12 @@
             </a:ln>
           </p:spPr>
           <p:txBody>
-            <a:bodyPr anchorCtr="0" anchor="ctr" bIns="91425" lIns="91425" spcFirstLastPara="1" rIns="91425" wrap="square" tIns="91425">
+            <a:bodyPr spcFirstLastPara="1" wrap="square" lIns="91425" tIns="91425" rIns="91425" bIns="91425" anchor="ctr" anchorCtr="0">
               <a:noAutofit/>
             </a:bodyPr>
             <a:lstStyle/>
             <a:p>
-              <a:pPr indent="0" lvl="0" marL="0" rtl="0" algn="l">
+              <a:pPr marL="0" lvl="0" indent="0" algn="l" rtl="0">
                 <a:spcBef>
                   <a:spcPts val="0"/>
                 </a:spcBef>
@@ -3025,9 +3417,6 @@
                 </a:spcAft>
                 <a:buNone/>
               </a:pPr>
-              <a:r>
-                <a:t/>
-              </a:r>
               <a:endParaRPr/>
             </a:p>
           </p:txBody>
@@ -3054,12 +3443,12 @@
             </a:ln>
           </p:spPr>
           <p:txBody>
-            <a:bodyPr anchorCtr="0" anchor="ctr" bIns="91425" lIns="91425" spcFirstLastPara="1" rIns="91425" wrap="square" tIns="91425">
+            <a:bodyPr spcFirstLastPara="1" wrap="square" lIns="91425" tIns="91425" rIns="91425" bIns="91425" anchor="ctr" anchorCtr="0">
               <a:noAutofit/>
             </a:bodyPr>
             <a:lstStyle/>
             <a:p>
-              <a:pPr indent="0" lvl="0" marL="0" rtl="0" algn="l">
+              <a:pPr marL="0" lvl="0" indent="0" algn="l" rtl="0">
                 <a:spcBef>
                   <a:spcPts val="0"/>
                 </a:spcBef>
@@ -3068,9 +3457,6 @@
                 </a:spcAft>
                 <a:buNone/>
               </a:pPr>
-              <a:r>
-                <a:t/>
-              </a:r>
               <a:endParaRPr/>
             </a:p>
           </p:txBody>
@@ -3079,7 +3465,9 @@
       <p:sp>
         <p:nvSpPr>
           <p:cNvPr id="14" name="Google Shape;14;p2"/>
-          <p:cNvSpPr txBox="1"/>
+          <p:cNvSpPr txBox="1">
+            <a:spLocks noGrp="1"/>
+          </p:cNvSpPr>
           <p:nvPr>
             <p:ph type="ctrTitle"/>
           </p:nvPr>
@@ -3094,7 +3482,7 @@
           </a:prstGeom>
         </p:spPr>
         <p:txBody>
-          <a:bodyPr anchorCtr="0" anchor="t" bIns="91425" lIns="91425" spcFirstLastPara="1" rIns="91425" wrap="square" tIns="91425">
+          <a:bodyPr spcFirstLastPara="1" wrap="square" lIns="91425" tIns="91425" rIns="91425" bIns="91425" anchor="t" anchorCtr="0">
             <a:normAutofit/>
           </a:bodyPr>
           <a:lstStyle>
@@ -3198,15 +3586,19 @@
               <a:defRPr sz="4200"/>
             </a:lvl9pPr>
           </a:lstStyle>
-          <a:p/>
+          <a:p>
+            <a:endParaRPr/>
+          </a:p>
         </p:txBody>
       </p:sp>
       <p:sp>
         <p:nvSpPr>
           <p:cNvPr id="15" name="Google Shape;15;p2"/>
-          <p:cNvSpPr txBox="1"/>
+          <p:cNvSpPr txBox="1">
+            <a:spLocks noGrp="1"/>
+          </p:cNvSpPr>
           <p:nvPr>
-            <p:ph idx="1" type="subTitle"/>
+            <p:ph type="subTitle" idx="1"/>
           </p:nvPr>
         </p:nvSpPr>
         <p:spPr>
@@ -3219,7 +3611,7 @@
           </a:prstGeom>
         </p:spPr>
         <p:txBody>
-          <a:bodyPr anchorCtr="0" anchor="t" bIns="91425" lIns="91425" spcFirstLastPara="1" rIns="91425" wrap="square" tIns="91425">
+          <a:bodyPr spcFirstLastPara="1" wrap="square" lIns="91425" tIns="91425" rIns="91425" bIns="91425" anchor="t" anchorCtr="0">
             <a:normAutofit/>
           </a:bodyPr>
           <a:lstStyle>
@@ -3350,15 +3742,19 @@
               <a:defRPr sz="1600"/>
             </a:lvl9pPr>
           </a:lstStyle>
-          <a:p/>
+          <a:p>
+            <a:endParaRPr/>
+          </a:p>
         </p:txBody>
       </p:sp>
       <p:sp>
         <p:nvSpPr>
           <p:cNvPr id="16" name="Google Shape;16;p2"/>
-          <p:cNvSpPr txBox="1"/>
+          <p:cNvSpPr txBox="1">
+            <a:spLocks noGrp="1"/>
+          </p:cNvSpPr>
           <p:nvPr>
-            <p:ph idx="12" type="sldNum"/>
+            <p:ph type="sldNum" idx="12"/>
           </p:nvPr>
         </p:nvSpPr>
         <p:spPr>
@@ -3371,7 +3767,7 @@
           </a:prstGeom>
         </p:spPr>
         <p:txBody>
-          <a:bodyPr anchorCtr="0" anchor="ctr" bIns="91425" lIns="91425" spcFirstLastPara="1" rIns="91425" wrap="square" tIns="91425">
+          <a:bodyPr spcFirstLastPara="1" wrap="square" lIns="91425" tIns="91425" rIns="91425" bIns="91425" anchor="ctr" anchorCtr="0">
             <a:normAutofit/>
           </a:bodyPr>
           <a:lstStyle>
@@ -3413,7 +3809,7 @@
             </a:lvl9pPr>
           </a:lstStyle>
           <a:p>
-            <a:pPr indent="0" lvl="0" marL="0" rtl="0" algn="r">
+            <a:pPr marL="0" lvl="0" indent="0" algn="r" rtl="0">
               <a:spcBef>
                 <a:spcPts val="0"/>
               </a:spcBef>
@@ -3439,18 +3835,19 @@
 </file>
 
 <file path=ppt/slideLayouts/slideLayout10.xml><?xml version="1.0" encoding="utf-8"?>
-<p:sldLayout xmlns:a="http://schemas.openxmlformats.org/drawingml/2006/main" xmlns:r="http://schemas.openxmlformats.org/officeDocument/2006/relationships" xmlns:mc="http://schemas.openxmlformats.org/markup-compatibility/2006" xmlns:mv="urn:schemas-microsoft-com:mac:vml" xmlns:p="http://schemas.openxmlformats.org/presentationml/2006/main" xmlns:c="http://schemas.openxmlformats.org/drawingml/2006/chart" xmlns:dgm="http://schemas.openxmlformats.org/drawingml/2006/diagram" xmlns:o="urn:schemas-microsoft-com:office:office" xmlns:v="urn:schemas-microsoft-com:vml" xmlns:pvml="urn:schemas-microsoft-com:office:powerpoint" xmlns:com="http://schemas.openxmlformats.org/drawingml/2006/compatibility" xmlns:p14="http://schemas.microsoft.com/office/powerpoint/2010/main" xmlns:p15="http://schemas.microsoft.com/office/powerpoint/2012/main" xmlns:ahyp="http://schemas.microsoft.com/office/drawing/2018/hyperlinkcolor" matchingName="Big number">
+<p:sldLayout xmlns:a="http://schemas.openxmlformats.org/drawingml/2006/main" xmlns:r="http://schemas.openxmlformats.org/officeDocument/2006/relationships" xmlns:p="http://schemas.openxmlformats.org/presentationml/2006/main" matchingName="Big number">
   <p:cSld name="BIG_NUMBER">
     <p:bg>
       <p:bgPr>
         <a:solidFill>
           <a:schemeClr val="dk1"/>
         </a:solidFill>
+        <a:effectLst/>
       </p:bgPr>
     </p:bg>
     <p:spTree>
       <p:nvGrpSpPr>
-        <p:cNvPr id="73" name="Shape 73"/>
+        <p:cNvPr id="1" name="Shape 73"/>
         <p:cNvGrpSpPr/>
         <p:nvPr/>
       </p:nvGrpSpPr>
@@ -3498,12 +3895,12 @@
             </a:ln>
           </p:spPr>
           <p:txBody>
-            <a:bodyPr anchorCtr="0" anchor="ctr" bIns="91425" lIns="91425" spcFirstLastPara="1" rIns="91425" wrap="square" tIns="91425">
+            <a:bodyPr spcFirstLastPara="1" wrap="square" lIns="91425" tIns="91425" rIns="91425" bIns="91425" anchor="ctr" anchorCtr="0">
               <a:noAutofit/>
             </a:bodyPr>
             <a:lstStyle/>
             <a:p>
-              <a:pPr indent="0" lvl="0" marL="0" rtl="0" algn="l">
+              <a:pPr marL="0" lvl="0" indent="0" algn="l" rtl="0">
                 <a:spcBef>
                   <a:spcPts val="0"/>
                 </a:spcBef>
@@ -3512,9 +3909,6 @@
                 </a:spcAft>
                 <a:buNone/>
               </a:pPr>
-              <a:r>
-                <a:t/>
-              </a:r>
               <a:endParaRPr/>
             </a:p>
           </p:txBody>
@@ -3541,12 +3935,12 @@
             </a:ln>
           </p:spPr>
           <p:txBody>
-            <a:bodyPr anchorCtr="0" anchor="ctr" bIns="91425" lIns="91425" spcFirstLastPara="1" rIns="91425" wrap="square" tIns="91425">
+            <a:bodyPr spcFirstLastPara="1" wrap="square" lIns="91425" tIns="91425" rIns="91425" bIns="91425" anchor="ctr" anchorCtr="0">
               <a:noAutofit/>
             </a:bodyPr>
             <a:lstStyle/>
             <a:p>
-              <a:pPr indent="0" lvl="0" marL="0" rtl="0" algn="l">
+              <a:pPr marL="0" lvl="0" indent="0" algn="l" rtl="0">
                 <a:spcBef>
                   <a:spcPts val="0"/>
                 </a:spcBef>
@@ -3555,9 +3949,6 @@
                 </a:spcAft>
                 <a:buNone/>
               </a:pPr>
-              <a:r>
-                <a:t/>
-              </a:r>
               <a:endParaRPr/>
             </a:p>
           </p:txBody>
@@ -3566,9 +3957,11 @@
       <p:sp>
         <p:nvSpPr>
           <p:cNvPr id="77" name="Google Shape;77;p11"/>
-          <p:cNvSpPr txBox="1"/>
+          <p:cNvSpPr txBox="1">
+            <a:spLocks noGrp="1"/>
+          </p:cNvSpPr>
           <p:nvPr>
-            <p:ph hasCustomPrompt="1" type="title"/>
+            <p:ph type="title" hasCustomPrompt="1"/>
           </p:nvPr>
         </p:nvSpPr>
         <p:spPr>
@@ -3581,7 +3974,7 @@
           </a:prstGeom>
         </p:spPr>
         <p:txBody>
-          <a:bodyPr anchorCtr="0" anchor="t" bIns="91425" lIns="91425" spcFirstLastPara="1" rIns="91425" wrap="square" tIns="91425">
+          <a:bodyPr spcFirstLastPara="1" wrap="square" lIns="91425" tIns="91425" rIns="91425" bIns="91425" anchor="t" anchorCtr="0">
             <a:normAutofit/>
           </a:bodyPr>
           <a:lstStyle>
@@ -3758,9 +4151,11 @@
       <p:sp>
         <p:nvSpPr>
           <p:cNvPr id="78" name="Google Shape;78;p11"/>
-          <p:cNvSpPr txBox="1"/>
+          <p:cNvSpPr txBox="1">
+            <a:spLocks noGrp="1"/>
+          </p:cNvSpPr>
           <p:nvPr>
-            <p:ph idx="1" type="body"/>
+            <p:ph type="body" idx="1"/>
           </p:nvPr>
         </p:nvSpPr>
         <p:spPr>
@@ -3773,11 +4168,11 @@
           </a:prstGeom>
         </p:spPr>
         <p:txBody>
-          <a:bodyPr anchorCtr="0" anchor="t" bIns="91425" lIns="91425" spcFirstLastPara="1" rIns="91425" wrap="square" tIns="91425">
+          <a:bodyPr spcFirstLastPara="1" wrap="square" lIns="91425" tIns="91425" rIns="91425" bIns="91425" anchor="t" anchorCtr="0">
             <a:normAutofit/>
           </a:bodyPr>
           <a:lstStyle>
-            <a:lvl1pPr indent="-311150" lvl="0" marL="457200">
+            <a:lvl1pPr marL="457200" lvl="0" indent="-311150">
               <a:spcBef>
                 <a:spcPts val="0"/>
               </a:spcBef>
@@ -3795,7 +4190,7 @@
                 </a:solidFill>
               </a:defRPr>
             </a:lvl1pPr>
-            <a:lvl2pPr indent="-298450" lvl="1" marL="914400">
+            <a:lvl2pPr marL="914400" lvl="1" indent="-298450">
               <a:spcBef>
                 <a:spcPts val="0"/>
               </a:spcBef>
@@ -3813,7 +4208,7 @@
                 </a:solidFill>
               </a:defRPr>
             </a:lvl2pPr>
-            <a:lvl3pPr indent="-298450" lvl="2" marL="1371600">
+            <a:lvl3pPr marL="1371600" lvl="2" indent="-298450">
               <a:spcBef>
                 <a:spcPts val="0"/>
               </a:spcBef>
@@ -3831,7 +4226,7 @@
                 </a:solidFill>
               </a:defRPr>
             </a:lvl3pPr>
-            <a:lvl4pPr indent="-298450" lvl="3" marL="1828800">
+            <a:lvl4pPr marL="1828800" lvl="3" indent="-298450">
               <a:spcBef>
                 <a:spcPts val="0"/>
               </a:spcBef>
@@ -3849,7 +4244,7 @@
                 </a:solidFill>
               </a:defRPr>
             </a:lvl4pPr>
-            <a:lvl5pPr indent="-298450" lvl="4" marL="2286000">
+            <a:lvl5pPr marL="2286000" lvl="4" indent="-298450">
               <a:spcBef>
                 <a:spcPts val="0"/>
               </a:spcBef>
@@ -3867,7 +4262,7 @@
                 </a:solidFill>
               </a:defRPr>
             </a:lvl5pPr>
-            <a:lvl6pPr indent="-298450" lvl="5" marL="2743200">
+            <a:lvl6pPr marL="2743200" lvl="5" indent="-298450">
               <a:spcBef>
                 <a:spcPts val="0"/>
               </a:spcBef>
@@ -3885,7 +4280,7 @@
                 </a:solidFill>
               </a:defRPr>
             </a:lvl6pPr>
-            <a:lvl7pPr indent="-298450" lvl="6" marL="3200400">
+            <a:lvl7pPr marL="3200400" lvl="6" indent="-298450">
               <a:spcBef>
                 <a:spcPts val="0"/>
               </a:spcBef>
@@ -3903,7 +4298,7 @@
                 </a:solidFill>
               </a:defRPr>
             </a:lvl7pPr>
-            <a:lvl8pPr indent="-298450" lvl="7" marL="3657600">
+            <a:lvl8pPr marL="3657600" lvl="7" indent="-298450">
               <a:spcBef>
                 <a:spcPts val="0"/>
               </a:spcBef>
@@ -3921,7 +4316,7 @@
                 </a:solidFill>
               </a:defRPr>
             </a:lvl8pPr>
-            <a:lvl9pPr indent="-298450" lvl="8" marL="4114800">
+            <a:lvl9pPr marL="4114800" lvl="8" indent="-298450">
               <a:spcBef>
                 <a:spcPts val="0"/>
               </a:spcBef>
@@ -3940,15 +4335,19 @@
               </a:defRPr>
             </a:lvl9pPr>
           </a:lstStyle>
-          <a:p/>
+          <a:p>
+            <a:endParaRPr/>
+          </a:p>
         </p:txBody>
       </p:sp>
       <p:sp>
         <p:nvSpPr>
           <p:cNvPr id="79" name="Google Shape;79;p11"/>
-          <p:cNvSpPr txBox="1"/>
+          <p:cNvSpPr txBox="1">
+            <a:spLocks noGrp="1"/>
+          </p:cNvSpPr>
           <p:nvPr>
-            <p:ph idx="12" type="sldNum"/>
+            <p:ph type="sldNum" idx="12"/>
           </p:nvPr>
         </p:nvSpPr>
         <p:spPr>
@@ -3961,7 +4360,7 @@
           </a:prstGeom>
         </p:spPr>
         <p:txBody>
-          <a:bodyPr anchorCtr="0" anchor="ctr" bIns="91425" lIns="91425" spcFirstLastPara="1" rIns="91425" wrap="square" tIns="91425">
+          <a:bodyPr spcFirstLastPara="1" wrap="square" lIns="91425" tIns="91425" rIns="91425" bIns="91425" anchor="ctr" anchorCtr="0">
             <a:normAutofit/>
           </a:bodyPr>
           <a:lstStyle>
@@ -4039,7 +4438,7 @@
             </a:lvl9pPr>
           </a:lstStyle>
           <a:p>
-            <a:pPr indent="0" lvl="0" marL="0" rtl="0" algn="r">
+            <a:pPr marL="0" lvl="0" indent="0" algn="r" rtl="0">
               <a:spcBef>
                 <a:spcPts val="0"/>
               </a:spcBef>
@@ -4065,11 +4464,11 @@
 </file>
 
 <file path=ppt/slideLayouts/slideLayout11.xml><?xml version="1.0" encoding="utf-8"?>
-<p:sldLayout xmlns:a="http://schemas.openxmlformats.org/drawingml/2006/main" xmlns:r="http://schemas.openxmlformats.org/officeDocument/2006/relationships" xmlns:mc="http://schemas.openxmlformats.org/markup-compatibility/2006" xmlns:mv="urn:schemas-microsoft-com:mac:vml" xmlns:p="http://schemas.openxmlformats.org/presentationml/2006/main" xmlns:c="http://schemas.openxmlformats.org/drawingml/2006/chart" xmlns:dgm="http://schemas.openxmlformats.org/drawingml/2006/diagram" xmlns:o="urn:schemas-microsoft-com:office:office" xmlns:v="urn:schemas-microsoft-com:vml" xmlns:pvml="urn:schemas-microsoft-com:office:powerpoint" xmlns:com="http://schemas.openxmlformats.org/drawingml/2006/compatibility" xmlns:p14="http://schemas.microsoft.com/office/powerpoint/2010/main" xmlns:p15="http://schemas.microsoft.com/office/powerpoint/2012/main" xmlns:ahyp="http://schemas.microsoft.com/office/drawing/2018/hyperlinkcolor" matchingName="Blank" type="blank">
+<p:sldLayout xmlns:a="http://schemas.openxmlformats.org/drawingml/2006/main" xmlns:r="http://schemas.openxmlformats.org/officeDocument/2006/relationships" xmlns:p="http://schemas.openxmlformats.org/presentationml/2006/main" matchingName="Blank" type="blank">
   <p:cSld name="BLANK">
     <p:spTree>
       <p:nvGrpSpPr>
-        <p:cNvPr id="80" name="Shape 80"/>
+        <p:cNvPr id="1" name="Shape 80"/>
         <p:cNvGrpSpPr/>
         <p:nvPr/>
       </p:nvGrpSpPr>
@@ -4084,9 +4483,11 @@
       <p:sp>
         <p:nvSpPr>
           <p:cNvPr id="81" name="Google Shape;81;p12"/>
-          <p:cNvSpPr txBox="1"/>
+          <p:cNvSpPr txBox="1">
+            <a:spLocks noGrp="1"/>
+          </p:cNvSpPr>
           <p:nvPr>
-            <p:ph idx="12" type="sldNum"/>
+            <p:ph type="sldNum" idx="12"/>
           </p:nvPr>
         </p:nvSpPr>
         <p:spPr>
@@ -4099,7 +4500,7 @@
           </a:prstGeom>
         </p:spPr>
         <p:txBody>
-          <a:bodyPr anchorCtr="0" anchor="ctr" bIns="91425" lIns="91425" spcFirstLastPara="1" rIns="91425" wrap="square" tIns="91425">
+          <a:bodyPr spcFirstLastPara="1" wrap="square" lIns="91425" tIns="91425" rIns="91425" bIns="91425" anchor="ctr" anchorCtr="0">
             <a:normAutofit/>
           </a:bodyPr>
           <a:lstStyle>
@@ -4141,7 +4542,7 @@
             </a:lvl9pPr>
           </a:lstStyle>
           <a:p>
-            <a:pPr indent="0" lvl="0" marL="0" rtl="0" algn="r">
+            <a:pPr marL="0" lvl="0" indent="0" algn="r" rtl="0">
               <a:spcBef>
                 <a:spcPts val="0"/>
               </a:spcBef>
@@ -4167,18 +4568,19 @@
 </file>
 
 <file path=ppt/slideLayouts/slideLayout2.xml><?xml version="1.0" encoding="utf-8"?>
-<p:sldLayout xmlns:a="http://schemas.openxmlformats.org/drawingml/2006/main" xmlns:r="http://schemas.openxmlformats.org/officeDocument/2006/relationships" xmlns:mc="http://schemas.openxmlformats.org/markup-compatibility/2006" xmlns:mv="urn:schemas-microsoft-com:mac:vml" xmlns:p="http://schemas.openxmlformats.org/presentationml/2006/main" xmlns:c="http://schemas.openxmlformats.org/drawingml/2006/chart" xmlns:dgm="http://schemas.openxmlformats.org/drawingml/2006/diagram" xmlns:o="urn:schemas-microsoft-com:office:office" xmlns:v="urn:schemas-microsoft-com:vml" xmlns:pvml="urn:schemas-microsoft-com:office:powerpoint" xmlns:com="http://schemas.openxmlformats.org/drawingml/2006/compatibility" xmlns:p14="http://schemas.microsoft.com/office/powerpoint/2010/main" xmlns:p15="http://schemas.microsoft.com/office/powerpoint/2012/main" xmlns:ahyp="http://schemas.microsoft.com/office/drawing/2018/hyperlinkcolor" matchingName="Section header" type="secHead">
+<p:sldLayout xmlns:a="http://schemas.openxmlformats.org/drawingml/2006/main" xmlns:r="http://schemas.openxmlformats.org/officeDocument/2006/relationships" xmlns:p="http://schemas.openxmlformats.org/presentationml/2006/main" matchingName="Section header" type="secHead">
   <p:cSld name="SECTION_HEADER">
     <p:bg>
       <p:bgPr>
         <a:solidFill>
           <a:schemeClr val="dk1"/>
         </a:solidFill>
+        <a:effectLst/>
       </p:bgPr>
     </p:bg>
     <p:spTree>
       <p:nvGrpSpPr>
-        <p:cNvPr id="17" name="Shape 17"/>
+        <p:cNvPr id="1" name="Shape 17"/>
         <p:cNvGrpSpPr/>
         <p:nvPr/>
       </p:nvGrpSpPr>
@@ -4226,12 +4628,12 @@
             </a:ln>
           </p:spPr>
           <p:txBody>
-            <a:bodyPr anchorCtr="0" anchor="ctr" bIns="91425" lIns="91425" spcFirstLastPara="1" rIns="91425" wrap="square" tIns="91425">
+            <a:bodyPr spcFirstLastPara="1" wrap="square" lIns="91425" tIns="91425" rIns="91425" bIns="91425" anchor="ctr" anchorCtr="0">
               <a:noAutofit/>
             </a:bodyPr>
             <a:lstStyle/>
             <a:p>
-              <a:pPr indent="0" lvl="0" marL="0" rtl="0" algn="l">
+              <a:pPr marL="0" lvl="0" indent="0" algn="l" rtl="0">
                 <a:spcBef>
                   <a:spcPts val="0"/>
                 </a:spcBef>
@@ -4240,9 +4642,6 @@
                 </a:spcAft>
                 <a:buNone/>
               </a:pPr>
-              <a:r>
-                <a:t/>
-              </a:r>
               <a:endParaRPr/>
             </a:p>
           </p:txBody>
@@ -4269,12 +4668,12 @@
             </a:ln>
           </p:spPr>
           <p:txBody>
-            <a:bodyPr anchorCtr="0" anchor="ctr" bIns="91425" lIns="91425" spcFirstLastPara="1" rIns="91425" wrap="square" tIns="91425">
+            <a:bodyPr spcFirstLastPara="1" wrap="square" lIns="91425" tIns="91425" rIns="91425" bIns="91425" anchor="ctr" anchorCtr="0">
               <a:noAutofit/>
             </a:bodyPr>
             <a:lstStyle/>
             <a:p>
-              <a:pPr indent="0" lvl="0" marL="0" rtl="0" algn="l">
+              <a:pPr marL="0" lvl="0" indent="0" algn="l" rtl="0">
                 <a:spcBef>
                   <a:spcPts val="0"/>
                 </a:spcBef>
@@ -4283,9 +4682,6 @@
                 </a:spcAft>
                 <a:buNone/>
               </a:pPr>
-              <a:r>
-                <a:t/>
-              </a:r>
               <a:endParaRPr/>
             </a:p>
           </p:txBody>
@@ -4294,7 +4690,9 @@
       <p:sp>
         <p:nvSpPr>
           <p:cNvPr id="21" name="Google Shape;21;p3"/>
-          <p:cNvSpPr txBox="1"/>
+          <p:cNvSpPr txBox="1">
+            <a:spLocks noGrp="1"/>
+          </p:cNvSpPr>
           <p:nvPr>
             <p:ph type="title"/>
           </p:nvPr>
@@ -4309,7 +4707,7 @@
           </a:prstGeom>
         </p:spPr>
         <p:txBody>
-          <a:bodyPr anchorCtr="0" anchor="t" bIns="91425" lIns="91425" spcFirstLastPara="1" rIns="91425" wrap="square" tIns="91425">
+          <a:bodyPr spcFirstLastPara="1" wrap="square" lIns="91425" tIns="91425" rIns="91425" bIns="91425" anchor="t" anchorCtr="0">
             <a:normAutofit/>
           </a:bodyPr>
           <a:lstStyle>
@@ -4476,15 +4874,19 @@
               </a:defRPr>
             </a:lvl9pPr>
           </a:lstStyle>
-          <a:p/>
+          <a:p>
+            <a:endParaRPr/>
+          </a:p>
         </p:txBody>
       </p:sp>
       <p:sp>
         <p:nvSpPr>
           <p:cNvPr id="22" name="Google Shape;22;p3"/>
-          <p:cNvSpPr txBox="1"/>
+          <p:cNvSpPr txBox="1">
+            <a:spLocks noGrp="1"/>
+          </p:cNvSpPr>
           <p:nvPr>
-            <p:ph idx="12" type="sldNum"/>
+            <p:ph type="sldNum" idx="12"/>
           </p:nvPr>
         </p:nvSpPr>
         <p:spPr>
@@ -4497,7 +4899,7 @@
           </a:prstGeom>
         </p:spPr>
         <p:txBody>
-          <a:bodyPr anchorCtr="0" anchor="ctr" bIns="91425" lIns="91425" spcFirstLastPara="1" rIns="91425" wrap="square" tIns="91425">
+          <a:bodyPr spcFirstLastPara="1" wrap="square" lIns="91425" tIns="91425" rIns="91425" bIns="91425" anchor="ctr" anchorCtr="0">
             <a:normAutofit/>
           </a:bodyPr>
           <a:lstStyle>
@@ -4575,7 +4977,7 @@
             </a:lvl9pPr>
           </a:lstStyle>
           <a:p>
-            <a:pPr indent="0" lvl="0" marL="0" rtl="0" algn="r">
+            <a:pPr marL="0" lvl="0" indent="0" algn="r" rtl="0">
               <a:spcBef>
                 <a:spcPts val="0"/>
               </a:spcBef>
@@ -4601,11 +5003,11 @@
 </file>
 
 <file path=ppt/slideLayouts/slideLayout3.xml><?xml version="1.0" encoding="utf-8"?>
-<p:sldLayout xmlns:a="http://schemas.openxmlformats.org/drawingml/2006/main" xmlns:r="http://schemas.openxmlformats.org/officeDocument/2006/relationships" xmlns:mc="http://schemas.openxmlformats.org/markup-compatibility/2006" xmlns:mv="urn:schemas-microsoft-com:mac:vml" xmlns:p="http://schemas.openxmlformats.org/presentationml/2006/main" xmlns:c="http://schemas.openxmlformats.org/drawingml/2006/chart" xmlns:dgm="http://schemas.openxmlformats.org/drawingml/2006/diagram" xmlns:o="urn:schemas-microsoft-com:office:office" xmlns:v="urn:schemas-microsoft-com:vml" xmlns:pvml="urn:schemas-microsoft-com:office:powerpoint" xmlns:com="http://schemas.openxmlformats.org/drawingml/2006/compatibility" xmlns:p14="http://schemas.microsoft.com/office/powerpoint/2010/main" xmlns:p15="http://schemas.microsoft.com/office/powerpoint/2012/main" xmlns:ahyp="http://schemas.microsoft.com/office/drawing/2018/hyperlinkcolor" matchingName="Title and body" type="tx">
+<p:sldLayout xmlns:a="http://schemas.openxmlformats.org/drawingml/2006/main" xmlns:r="http://schemas.openxmlformats.org/officeDocument/2006/relationships" xmlns:p="http://schemas.openxmlformats.org/presentationml/2006/main" matchingName="Title and body" type="tx">
   <p:cSld name="TITLE_AND_BODY">
     <p:spTree>
       <p:nvGrpSpPr>
-        <p:cNvPr id="23" name="Shape 23"/>
+        <p:cNvPr id="1" name="Shape 23"/>
         <p:cNvGrpSpPr/>
         <p:nvPr/>
       </p:nvGrpSpPr>
@@ -4639,23 +5041,20 @@
           </a:ln>
         </p:spPr>
         <p:txBody>
-          <a:bodyPr anchorCtr="0" anchor="ctr" bIns="91425" lIns="91425" spcFirstLastPara="1" rIns="91425" wrap="square" tIns="91425">
+          <a:bodyPr spcFirstLastPara="1" wrap="square" lIns="91425" tIns="91425" rIns="91425" bIns="91425" anchor="ctr" anchorCtr="0">
             <a:noAutofit/>
           </a:bodyPr>
           <a:lstStyle/>
           <a:p>
-            <a:pPr indent="0" lvl="0" marL="0" rtl="0" algn="l">
-              <a:spcBef>
-                <a:spcPts val="0"/>
-              </a:spcBef>
-              <a:spcAft>
-                <a:spcPts val="0"/>
-              </a:spcAft>
-              <a:buNone/>
-            </a:pPr>
-            <a:r>
-              <a:t/>
-            </a:r>
+            <a:pPr marL="0" lvl="0" indent="0" algn="l" rtl="0">
+              <a:spcBef>
+                <a:spcPts val="0"/>
+              </a:spcBef>
+              <a:spcAft>
+                <a:spcPts val="0"/>
+              </a:spcAft>
+              <a:buNone/>
+            </a:pPr>
             <a:endParaRPr/>
           </a:p>
         </p:txBody>
@@ -4696,12 +5095,12 @@
             </a:ln>
           </p:spPr>
           <p:txBody>
-            <a:bodyPr anchorCtr="0" anchor="ctr" bIns="91425" lIns="91425" spcFirstLastPara="1" rIns="91425" wrap="square" tIns="91425">
+            <a:bodyPr spcFirstLastPara="1" wrap="square" lIns="91425" tIns="91425" rIns="91425" bIns="91425" anchor="ctr" anchorCtr="0">
               <a:noAutofit/>
             </a:bodyPr>
             <a:lstStyle/>
             <a:p>
-              <a:pPr indent="0" lvl="0" marL="0" rtl="0" algn="l">
+              <a:pPr marL="0" lvl="0" indent="0" algn="l" rtl="0">
                 <a:spcBef>
                   <a:spcPts val="0"/>
                 </a:spcBef>
@@ -4710,9 +5109,6 @@
                 </a:spcAft>
                 <a:buNone/>
               </a:pPr>
-              <a:r>
-                <a:t/>
-              </a:r>
               <a:endParaRPr/>
             </a:p>
           </p:txBody>
@@ -4739,12 +5135,12 @@
             </a:ln>
           </p:spPr>
           <p:txBody>
-            <a:bodyPr anchorCtr="0" anchor="ctr" bIns="91425" lIns="91425" spcFirstLastPara="1" rIns="91425" wrap="square" tIns="91425">
+            <a:bodyPr spcFirstLastPara="1" wrap="square" lIns="91425" tIns="91425" rIns="91425" bIns="91425" anchor="ctr" anchorCtr="0">
               <a:noAutofit/>
             </a:bodyPr>
             <a:lstStyle/>
             <a:p>
-              <a:pPr indent="0" lvl="0" marL="0" rtl="0" algn="l">
+              <a:pPr marL="0" lvl="0" indent="0" algn="l" rtl="0">
                 <a:spcBef>
                   <a:spcPts val="0"/>
                 </a:spcBef>
@@ -4753,9 +5149,6 @@
                 </a:spcAft>
                 <a:buNone/>
               </a:pPr>
-              <a:r>
-                <a:t/>
-              </a:r>
               <a:endParaRPr/>
             </a:p>
           </p:txBody>
@@ -4764,7 +5157,9 @@
       <p:sp>
         <p:nvSpPr>
           <p:cNvPr id="28" name="Google Shape;28;p4"/>
-          <p:cNvSpPr txBox="1"/>
+          <p:cNvSpPr txBox="1">
+            <a:spLocks noGrp="1"/>
+          </p:cNvSpPr>
           <p:nvPr>
             <p:ph type="title"/>
           </p:nvPr>
@@ -4779,7 +5174,7 @@
           </a:prstGeom>
         </p:spPr>
         <p:txBody>
-          <a:bodyPr anchorCtr="0" anchor="t" bIns="91425" lIns="91425" spcFirstLastPara="1" rIns="91425" wrap="square" tIns="91425">
+          <a:bodyPr spcFirstLastPara="1" wrap="square" lIns="91425" tIns="91425" rIns="91425" bIns="91425" anchor="t" anchorCtr="0">
             <a:normAutofit/>
           </a:bodyPr>
           <a:lstStyle>
@@ -4883,15 +5278,19 @@
               <a:defRPr sz="2600"/>
             </a:lvl9pPr>
           </a:lstStyle>
-          <a:p/>
+          <a:p>
+            <a:endParaRPr/>
+          </a:p>
         </p:txBody>
       </p:sp>
       <p:sp>
         <p:nvSpPr>
           <p:cNvPr id="29" name="Google Shape;29;p4"/>
-          <p:cNvSpPr txBox="1"/>
+          <p:cNvSpPr txBox="1">
+            <a:spLocks noGrp="1"/>
+          </p:cNvSpPr>
           <p:nvPr>
-            <p:ph idx="1" type="body"/>
+            <p:ph type="body" idx="1"/>
           </p:nvPr>
         </p:nvSpPr>
         <p:spPr>
@@ -4904,11 +5303,11 @@
           </a:prstGeom>
         </p:spPr>
         <p:txBody>
-          <a:bodyPr anchorCtr="0" anchor="t" bIns="91425" lIns="91425" spcFirstLastPara="1" rIns="91425" wrap="square" tIns="91425">
+          <a:bodyPr spcFirstLastPara="1" wrap="square" lIns="91425" tIns="91425" rIns="91425" bIns="91425" anchor="t" anchorCtr="0">
             <a:normAutofit/>
           </a:bodyPr>
           <a:lstStyle>
-            <a:lvl1pPr indent="-311150" lvl="0" marL="457200">
+            <a:lvl1pPr marL="457200" lvl="0" indent="-311150">
               <a:spcBef>
                 <a:spcPts val="0"/>
               </a:spcBef>
@@ -4919,7 +5318,7 @@
               <a:buChar char="●"/>
               <a:defRPr/>
             </a:lvl1pPr>
-            <a:lvl2pPr indent="-298450" lvl="1" marL="914400">
+            <a:lvl2pPr marL="914400" lvl="1" indent="-298450">
               <a:spcBef>
                 <a:spcPts val="0"/>
               </a:spcBef>
@@ -4930,7 +5329,7 @@
               <a:buChar char="○"/>
               <a:defRPr/>
             </a:lvl2pPr>
-            <a:lvl3pPr indent="-298450" lvl="2" marL="1371600">
+            <a:lvl3pPr marL="1371600" lvl="2" indent="-298450">
               <a:spcBef>
                 <a:spcPts val="0"/>
               </a:spcBef>
@@ -4941,7 +5340,7 @@
               <a:buChar char="■"/>
               <a:defRPr/>
             </a:lvl3pPr>
-            <a:lvl4pPr indent="-298450" lvl="3" marL="1828800">
+            <a:lvl4pPr marL="1828800" lvl="3" indent="-298450">
               <a:spcBef>
                 <a:spcPts val="0"/>
               </a:spcBef>
@@ -4952,7 +5351,7 @@
               <a:buChar char="●"/>
               <a:defRPr/>
             </a:lvl4pPr>
-            <a:lvl5pPr indent="-298450" lvl="4" marL="2286000">
+            <a:lvl5pPr marL="2286000" lvl="4" indent="-298450">
               <a:spcBef>
                 <a:spcPts val="0"/>
               </a:spcBef>
@@ -4963,7 +5362,7 @@
               <a:buChar char="○"/>
               <a:defRPr/>
             </a:lvl5pPr>
-            <a:lvl6pPr indent="-298450" lvl="5" marL="2743200">
+            <a:lvl6pPr marL="2743200" lvl="5" indent="-298450">
               <a:spcBef>
                 <a:spcPts val="0"/>
               </a:spcBef>
@@ -4974,7 +5373,7 @@
               <a:buChar char="■"/>
               <a:defRPr/>
             </a:lvl6pPr>
-            <a:lvl7pPr indent="-298450" lvl="6" marL="3200400">
+            <a:lvl7pPr marL="3200400" lvl="6" indent="-298450">
               <a:spcBef>
                 <a:spcPts val="0"/>
               </a:spcBef>
@@ -4985,7 +5384,7 @@
               <a:buChar char="●"/>
               <a:defRPr/>
             </a:lvl7pPr>
-            <a:lvl8pPr indent="-298450" lvl="7" marL="3657600">
+            <a:lvl8pPr marL="3657600" lvl="7" indent="-298450">
               <a:spcBef>
                 <a:spcPts val="0"/>
               </a:spcBef>
@@ -4996,7 +5395,7 @@
               <a:buChar char="○"/>
               <a:defRPr/>
             </a:lvl8pPr>
-            <a:lvl9pPr indent="-298450" lvl="8" marL="4114800">
+            <a:lvl9pPr marL="4114800" lvl="8" indent="-298450">
               <a:spcBef>
                 <a:spcPts val="0"/>
               </a:spcBef>
@@ -5008,15 +5407,19 @@
               <a:defRPr/>
             </a:lvl9pPr>
           </a:lstStyle>
-          <a:p/>
+          <a:p>
+            <a:endParaRPr/>
+          </a:p>
         </p:txBody>
       </p:sp>
       <p:sp>
         <p:nvSpPr>
           <p:cNvPr id="30" name="Google Shape;30;p4"/>
-          <p:cNvSpPr txBox="1"/>
+          <p:cNvSpPr txBox="1">
+            <a:spLocks noGrp="1"/>
+          </p:cNvSpPr>
           <p:nvPr>
-            <p:ph idx="12" type="sldNum"/>
+            <p:ph type="sldNum" idx="12"/>
           </p:nvPr>
         </p:nvSpPr>
         <p:spPr>
@@ -5029,7 +5432,7 @@
           </a:prstGeom>
         </p:spPr>
         <p:txBody>
-          <a:bodyPr anchorCtr="0" anchor="ctr" bIns="91425" lIns="91425" spcFirstLastPara="1" rIns="91425" wrap="square" tIns="91425">
+          <a:bodyPr spcFirstLastPara="1" wrap="square" lIns="91425" tIns="91425" rIns="91425" bIns="91425" anchor="ctr" anchorCtr="0">
             <a:normAutofit/>
           </a:bodyPr>
           <a:lstStyle>
@@ -5071,7 +5474,7 @@
             </a:lvl9pPr>
           </a:lstStyle>
           <a:p>
-            <a:pPr indent="0" lvl="0" marL="0" rtl="0" algn="r">
+            <a:pPr marL="0" lvl="0" indent="0" algn="r" rtl="0">
               <a:spcBef>
                 <a:spcPts val="0"/>
               </a:spcBef>
@@ -5097,11 +5500,11 @@
 </file>
 
 <file path=ppt/slideLayouts/slideLayout4.xml><?xml version="1.0" encoding="utf-8"?>
-<p:sldLayout xmlns:a="http://schemas.openxmlformats.org/drawingml/2006/main" xmlns:r="http://schemas.openxmlformats.org/officeDocument/2006/relationships" xmlns:mc="http://schemas.openxmlformats.org/markup-compatibility/2006" xmlns:mv="urn:schemas-microsoft-com:mac:vml" xmlns:p="http://schemas.openxmlformats.org/presentationml/2006/main" xmlns:c="http://schemas.openxmlformats.org/drawingml/2006/chart" xmlns:dgm="http://schemas.openxmlformats.org/drawingml/2006/diagram" xmlns:o="urn:schemas-microsoft-com:office:office" xmlns:v="urn:schemas-microsoft-com:vml" xmlns:pvml="urn:schemas-microsoft-com:office:powerpoint" xmlns:com="http://schemas.openxmlformats.org/drawingml/2006/compatibility" xmlns:p14="http://schemas.microsoft.com/office/powerpoint/2010/main" xmlns:p15="http://schemas.microsoft.com/office/powerpoint/2012/main" xmlns:ahyp="http://schemas.microsoft.com/office/drawing/2018/hyperlinkcolor" matchingName="Title and two columns" type="twoColTx">
+<p:sldLayout xmlns:a="http://schemas.openxmlformats.org/drawingml/2006/main" xmlns:r="http://schemas.openxmlformats.org/officeDocument/2006/relationships" xmlns:p="http://schemas.openxmlformats.org/presentationml/2006/main" matchingName="Title and two columns" type="twoColTx">
   <p:cSld name="TITLE_AND_TWO_COLUMNS">
     <p:spTree>
       <p:nvGrpSpPr>
-        <p:cNvPr id="31" name="Shape 31"/>
+        <p:cNvPr id="1" name="Shape 31"/>
         <p:cNvGrpSpPr/>
         <p:nvPr/>
       </p:nvGrpSpPr>
@@ -5135,23 +5538,20 @@
           </a:ln>
         </p:spPr>
         <p:txBody>
-          <a:bodyPr anchorCtr="0" anchor="ctr" bIns="91425" lIns="91425" spcFirstLastPara="1" rIns="91425" wrap="square" tIns="91425">
+          <a:bodyPr spcFirstLastPara="1" wrap="square" lIns="91425" tIns="91425" rIns="91425" bIns="91425" anchor="ctr" anchorCtr="0">
             <a:noAutofit/>
           </a:bodyPr>
           <a:lstStyle/>
           <a:p>
-            <a:pPr indent="0" lvl="0" marL="0" rtl="0" algn="l">
-              <a:spcBef>
-                <a:spcPts val="0"/>
-              </a:spcBef>
-              <a:spcAft>
-                <a:spcPts val="0"/>
-              </a:spcAft>
-              <a:buNone/>
-            </a:pPr>
-            <a:r>
-              <a:t/>
-            </a:r>
+            <a:pPr marL="0" lvl="0" indent="0" algn="l" rtl="0">
+              <a:spcBef>
+                <a:spcPts val="0"/>
+              </a:spcBef>
+              <a:spcAft>
+                <a:spcPts val="0"/>
+              </a:spcAft>
+              <a:buNone/>
+            </a:pPr>
             <a:endParaRPr/>
           </a:p>
         </p:txBody>
@@ -5192,12 +5592,12 @@
             </a:ln>
           </p:spPr>
           <p:txBody>
-            <a:bodyPr anchorCtr="0" anchor="ctr" bIns="91425" lIns="91425" spcFirstLastPara="1" rIns="91425" wrap="square" tIns="91425">
+            <a:bodyPr spcFirstLastPara="1" wrap="square" lIns="91425" tIns="91425" rIns="91425" bIns="91425" anchor="ctr" anchorCtr="0">
               <a:noAutofit/>
             </a:bodyPr>
             <a:lstStyle/>
             <a:p>
-              <a:pPr indent="0" lvl="0" marL="0" rtl="0" algn="l">
+              <a:pPr marL="0" lvl="0" indent="0" algn="l" rtl="0">
                 <a:spcBef>
                   <a:spcPts val="0"/>
                 </a:spcBef>
@@ -5206,9 +5606,6 @@
                 </a:spcAft>
                 <a:buNone/>
               </a:pPr>
-              <a:r>
-                <a:t/>
-              </a:r>
               <a:endParaRPr/>
             </a:p>
           </p:txBody>
@@ -5235,12 +5632,12 @@
             </a:ln>
           </p:spPr>
           <p:txBody>
-            <a:bodyPr anchorCtr="0" anchor="ctr" bIns="91425" lIns="91425" spcFirstLastPara="1" rIns="91425" wrap="square" tIns="91425">
+            <a:bodyPr spcFirstLastPara="1" wrap="square" lIns="91425" tIns="91425" rIns="91425" bIns="91425" anchor="ctr" anchorCtr="0">
               <a:noAutofit/>
             </a:bodyPr>
             <a:lstStyle/>
             <a:p>
-              <a:pPr indent="0" lvl="0" marL="0" rtl="0" algn="l">
+              <a:pPr marL="0" lvl="0" indent="0" algn="l" rtl="0">
                 <a:spcBef>
                   <a:spcPts val="0"/>
                 </a:spcBef>
@@ -5249,9 +5646,6 @@
                 </a:spcAft>
                 <a:buNone/>
               </a:pPr>
-              <a:r>
-                <a:t/>
-              </a:r>
               <a:endParaRPr/>
             </a:p>
           </p:txBody>
@@ -5260,7 +5654,9 @@
       <p:sp>
         <p:nvSpPr>
           <p:cNvPr id="36" name="Google Shape;36;p5"/>
-          <p:cNvSpPr txBox="1"/>
+          <p:cNvSpPr txBox="1">
+            <a:spLocks noGrp="1"/>
+          </p:cNvSpPr>
           <p:nvPr>
             <p:ph type="title"/>
           </p:nvPr>
@@ -5275,7 +5671,7 @@
           </a:prstGeom>
         </p:spPr>
         <p:txBody>
-          <a:bodyPr anchorCtr="0" anchor="t" bIns="91425" lIns="91425" spcFirstLastPara="1" rIns="91425" wrap="square" tIns="91425">
+          <a:bodyPr spcFirstLastPara="1" wrap="square" lIns="91425" tIns="91425" rIns="91425" bIns="91425" anchor="t" anchorCtr="0">
             <a:normAutofit/>
           </a:bodyPr>
           <a:lstStyle>
@@ -5379,15 +5775,19 @@
               <a:defRPr sz="2600"/>
             </a:lvl9pPr>
           </a:lstStyle>
-          <a:p/>
+          <a:p>
+            <a:endParaRPr/>
+          </a:p>
         </p:txBody>
       </p:sp>
       <p:sp>
         <p:nvSpPr>
           <p:cNvPr id="37" name="Google Shape;37;p5"/>
-          <p:cNvSpPr txBox="1"/>
+          <p:cNvSpPr txBox="1">
+            <a:spLocks noGrp="1"/>
+          </p:cNvSpPr>
           <p:nvPr>
-            <p:ph idx="1" type="body"/>
+            <p:ph type="body" idx="1"/>
           </p:nvPr>
         </p:nvSpPr>
         <p:spPr>
@@ -5400,11 +5800,11 @@
           </a:prstGeom>
         </p:spPr>
         <p:txBody>
-          <a:bodyPr anchorCtr="0" anchor="t" bIns="91425" lIns="91425" spcFirstLastPara="1" rIns="91425" wrap="square" tIns="91425">
+          <a:bodyPr spcFirstLastPara="1" wrap="square" lIns="91425" tIns="91425" rIns="91425" bIns="91425" anchor="t" anchorCtr="0">
             <a:normAutofit/>
           </a:bodyPr>
           <a:lstStyle>
-            <a:lvl1pPr indent="-311150" lvl="0" marL="457200">
+            <a:lvl1pPr marL="457200" lvl="0" indent="-311150">
               <a:spcBef>
                 <a:spcPts val="0"/>
               </a:spcBef>
@@ -5415,7 +5815,7 @@
               <a:buChar char="●"/>
               <a:defRPr/>
             </a:lvl1pPr>
-            <a:lvl2pPr indent="-298450" lvl="1" marL="914400">
+            <a:lvl2pPr marL="914400" lvl="1" indent="-298450">
               <a:spcBef>
                 <a:spcPts val="0"/>
               </a:spcBef>
@@ -5426,7 +5826,7 @@
               <a:buChar char="○"/>
               <a:defRPr/>
             </a:lvl2pPr>
-            <a:lvl3pPr indent="-298450" lvl="2" marL="1371600">
+            <a:lvl3pPr marL="1371600" lvl="2" indent="-298450">
               <a:spcBef>
                 <a:spcPts val="0"/>
               </a:spcBef>
@@ -5437,7 +5837,7 @@
               <a:buChar char="■"/>
               <a:defRPr/>
             </a:lvl3pPr>
-            <a:lvl4pPr indent="-298450" lvl="3" marL="1828800">
+            <a:lvl4pPr marL="1828800" lvl="3" indent="-298450">
               <a:spcBef>
                 <a:spcPts val="0"/>
               </a:spcBef>
@@ -5448,7 +5848,7 @@
               <a:buChar char="●"/>
               <a:defRPr/>
             </a:lvl4pPr>
-            <a:lvl5pPr indent="-298450" lvl="4" marL="2286000">
+            <a:lvl5pPr marL="2286000" lvl="4" indent="-298450">
               <a:spcBef>
                 <a:spcPts val="0"/>
               </a:spcBef>
@@ -5459,7 +5859,7 @@
               <a:buChar char="○"/>
               <a:defRPr/>
             </a:lvl5pPr>
-            <a:lvl6pPr indent="-298450" lvl="5" marL="2743200">
+            <a:lvl6pPr marL="2743200" lvl="5" indent="-298450">
               <a:spcBef>
                 <a:spcPts val="0"/>
               </a:spcBef>
@@ -5470,7 +5870,7 @@
               <a:buChar char="■"/>
               <a:defRPr/>
             </a:lvl6pPr>
-            <a:lvl7pPr indent="-298450" lvl="6" marL="3200400">
+            <a:lvl7pPr marL="3200400" lvl="6" indent="-298450">
               <a:spcBef>
                 <a:spcPts val="0"/>
               </a:spcBef>
@@ -5481,7 +5881,7 @@
               <a:buChar char="●"/>
               <a:defRPr/>
             </a:lvl7pPr>
-            <a:lvl8pPr indent="-298450" lvl="7" marL="3657600">
+            <a:lvl8pPr marL="3657600" lvl="7" indent="-298450">
               <a:spcBef>
                 <a:spcPts val="0"/>
               </a:spcBef>
@@ -5492,7 +5892,7 @@
               <a:buChar char="○"/>
               <a:defRPr/>
             </a:lvl8pPr>
-            <a:lvl9pPr indent="-298450" lvl="8" marL="4114800">
+            <a:lvl9pPr marL="4114800" lvl="8" indent="-298450">
               <a:spcBef>
                 <a:spcPts val="0"/>
               </a:spcBef>
@@ -5504,15 +5904,19 @@
               <a:defRPr/>
             </a:lvl9pPr>
           </a:lstStyle>
-          <a:p/>
+          <a:p>
+            <a:endParaRPr/>
+          </a:p>
         </p:txBody>
       </p:sp>
       <p:sp>
         <p:nvSpPr>
           <p:cNvPr id="38" name="Google Shape;38;p5"/>
-          <p:cNvSpPr txBox="1"/>
+          <p:cNvSpPr txBox="1">
+            <a:spLocks noGrp="1"/>
+          </p:cNvSpPr>
           <p:nvPr>
-            <p:ph idx="2" type="body"/>
+            <p:ph type="body" idx="2"/>
           </p:nvPr>
         </p:nvSpPr>
         <p:spPr>
@@ -5525,11 +5929,11 @@
           </a:prstGeom>
         </p:spPr>
         <p:txBody>
-          <a:bodyPr anchorCtr="0" anchor="t" bIns="91425" lIns="91425" spcFirstLastPara="1" rIns="91425" wrap="square" tIns="91425">
+          <a:bodyPr spcFirstLastPara="1" wrap="square" lIns="91425" tIns="91425" rIns="91425" bIns="91425" anchor="t" anchorCtr="0">
             <a:normAutofit/>
           </a:bodyPr>
           <a:lstStyle>
-            <a:lvl1pPr indent="-311150" lvl="0" marL="457200">
+            <a:lvl1pPr marL="457200" lvl="0" indent="-311150">
               <a:spcBef>
                 <a:spcPts val="0"/>
               </a:spcBef>
@@ -5540,7 +5944,7 @@
               <a:buChar char="●"/>
               <a:defRPr/>
             </a:lvl1pPr>
-            <a:lvl2pPr indent="-298450" lvl="1" marL="914400">
+            <a:lvl2pPr marL="914400" lvl="1" indent="-298450">
               <a:spcBef>
                 <a:spcPts val="0"/>
               </a:spcBef>
@@ -5551,7 +5955,7 @@
               <a:buChar char="○"/>
               <a:defRPr/>
             </a:lvl2pPr>
-            <a:lvl3pPr indent="-298450" lvl="2" marL="1371600">
+            <a:lvl3pPr marL="1371600" lvl="2" indent="-298450">
               <a:spcBef>
                 <a:spcPts val="0"/>
               </a:spcBef>
@@ -5562,7 +5966,7 @@
               <a:buChar char="■"/>
               <a:defRPr/>
             </a:lvl3pPr>
-            <a:lvl4pPr indent="-298450" lvl="3" marL="1828800">
+            <a:lvl4pPr marL="1828800" lvl="3" indent="-298450">
               <a:spcBef>
                 <a:spcPts val="0"/>
               </a:spcBef>
@@ -5573,7 +5977,7 @@
               <a:buChar char="●"/>
               <a:defRPr/>
             </a:lvl4pPr>
-            <a:lvl5pPr indent="-298450" lvl="4" marL="2286000">
+            <a:lvl5pPr marL="2286000" lvl="4" indent="-298450">
               <a:spcBef>
                 <a:spcPts val="0"/>
               </a:spcBef>
@@ -5584,7 +5988,7 @@
               <a:buChar char="○"/>
               <a:defRPr/>
             </a:lvl5pPr>
-            <a:lvl6pPr indent="-298450" lvl="5" marL="2743200">
+            <a:lvl6pPr marL="2743200" lvl="5" indent="-298450">
               <a:spcBef>
                 <a:spcPts val="0"/>
               </a:spcBef>
@@ -5595,7 +5999,7 @@
               <a:buChar char="■"/>
               <a:defRPr/>
             </a:lvl6pPr>
-            <a:lvl7pPr indent="-298450" lvl="6" marL="3200400">
+            <a:lvl7pPr marL="3200400" lvl="6" indent="-298450">
               <a:spcBef>
                 <a:spcPts val="0"/>
               </a:spcBef>
@@ -5606,7 +6010,7 @@
               <a:buChar char="●"/>
               <a:defRPr/>
             </a:lvl7pPr>
-            <a:lvl8pPr indent="-298450" lvl="7" marL="3657600">
+            <a:lvl8pPr marL="3657600" lvl="7" indent="-298450">
               <a:spcBef>
                 <a:spcPts val="0"/>
               </a:spcBef>
@@ -5617,7 +6021,7 @@
               <a:buChar char="○"/>
               <a:defRPr/>
             </a:lvl8pPr>
-            <a:lvl9pPr indent="-298450" lvl="8" marL="4114800">
+            <a:lvl9pPr marL="4114800" lvl="8" indent="-298450">
               <a:spcBef>
                 <a:spcPts val="0"/>
               </a:spcBef>
@@ -5629,15 +6033,19 @@
               <a:defRPr/>
             </a:lvl9pPr>
           </a:lstStyle>
-          <a:p/>
+          <a:p>
+            <a:endParaRPr/>
+          </a:p>
         </p:txBody>
       </p:sp>
       <p:sp>
         <p:nvSpPr>
           <p:cNvPr id="39" name="Google Shape;39;p5"/>
-          <p:cNvSpPr txBox="1"/>
+          <p:cNvSpPr txBox="1">
+            <a:spLocks noGrp="1"/>
+          </p:cNvSpPr>
           <p:nvPr>
-            <p:ph idx="12" type="sldNum"/>
+            <p:ph type="sldNum" idx="12"/>
           </p:nvPr>
         </p:nvSpPr>
         <p:spPr>
@@ -5650,7 +6058,7 @@
           </a:prstGeom>
         </p:spPr>
         <p:txBody>
-          <a:bodyPr anchorCtr="0" anchor="ctr" bIns="91425" lIns="91425" spcFirstLastPara="1" rIns="91425" wrap="square" tIns="91425">
+          <a:bodyPr spcFirstLastPara="1" wrap="square" lIns="91425" tIns="91425" rIns="91425" bIns="91425" anchor="ctr" anchorCtr="0">
             <a:normAutofit/>
           </a:bodyPr>
           <a:lstStyle>
@@ -5692,7 +6100,7 @@
             </a:lvl9pPr>
           </a:lstStyle>
           <a:p>
-            <a:pPr indent="0" lvl="0" marL="0" rtl="0" algn="r">
+            <a:pPr marL="0" lvl="0" indent="0" algn="r" rtl="0">
               <a:spcBef>
                 <a:spcPts val="0"/>
               </a:spcBef>
@@ -5718,11 +6126,11 @@
 </file>
 
 <file path=ppt/slideLayouts/slideLayout5.xml><?xml version="1.0" encoding="utf-8"?>
-<p:sldLayout xmlns:a="http://schemas.openxmlformats.org/drawingml/2006/main" xmlns:r="http://schemas.openxmlformats.org/officeDocument/2006/relationships" xmlns:mc="http://schemas.openxmlformats.org/markup-compatibility/2006" xmlns:mv="urn:schemas-microsoft-com:mac:vml" xmlns:p="http://schemas.openxmlformats.org/presentationml/2006/main" xmlns:c="http://schemas.openxmlformats.org/drawingml/2006/chart" xmlns:dgm="http://schemas.openxmlformats.org/drawingml/2006/diagram" xmlns:o="urn:schemas-microsoft-com:office:office" xmlns:v="urn:schemas-microsoft-com:vml" xmlns:pvml="urn:schemas-microsoft-com:office:powerpoint" xmlns:com="http://schemas.openxmlformats.org/drawingml/2006/compatibility" xmlns:p14="http://schemas.microsoft.com/office/powerpoint/2010/main" xmlns:p15="http://schemas.microsoft.com/office/powerpoint/2012/main" xmlns:ahyp="http://schemas.microsoft.com/office/drawing/2018/hyperlinkcolor" matchingName="Title only" type="titleOnly">
+<p:sldLayout xmlns:a="http://schemas.openxmlformats.org/drawingml/2006/main" xmlns:r="http://schemas.openxmlformats.org/officeDocument/2006/relationships" xmlns:p="http://schemas.openxmlformats.org/presentationml/2006/main" matchingName="Title only" type="titleOnly">
   <p:cSld name="TITLE_ONLY">
     <p:spTree>
       <p:nvGrpSpPr>
-        <p:cNvPr id="40" name="Shape 40"/>
+        <p:cNvPr id="1" name="Shape 40"/>
         <p:cNvGrpSpPr/>
         <p:nvPr/>
       </p:nvGrpSpPr>
@@ -5756,23 +6164,20 @@
           </a:ln>
         </p:spPr>
         <p:txBody>
-          <a:bodyPr anchorCtr="0" anchor="ctr" bIns="91425" lIns="91425" spcFirstLastPara="1" rIns="91425" wrap="square" tIns="91425">
+          <a:bodyPr spcFirstLastPara="1" wrap="square" lIns="91425" tIns="91425" rIns="91425" bIns="91425" anchor="ctr" anchorCtr="0">
             <a:noAutofit/>
           </a:bodyPr>
           <a:lstStyle/>
           <a:p>
-            <a:pPr indent="0" lvl="0" marL="0" rtl="0" algn="l">
-              <a:spcBef>
-                <a:spcPts val="0"/>
-              </a:spcBef>
-              <a:spcAft>
-                <a:spcPts val="0"/>
-              </a:spcAft>
-              <a:buNone/>
-            </a:pPr>
-            <a:r>
-              <a:t/>
-            </a:r>
+            <a:pPr marL="0" lvl="0" indent="0" algn="l" rtl="0">
+              <a:spcBef>
+                <a:spcPts val="0"/>
+              </a:spcBef>
+              <a:spcAft>
+                <a:spcPts val="0"/>
+              </a:spcAft>
+              <a:buNone/>
+            </a:pPr>
             <a:endParaRPr/>
           </a:p>
         </p:txBody>
@@ -5813,12 +6218,12 @@
             </a:ln>
           </p:spPr>
           <p:txBody>
-            <a:bodyPr anchorCtr="0" anchor="ctr" bIns="91425" lIns="91425" spcFirstLastPara="1" rIns="91425" wrap="square" tIns="91425">
+            <a:bodyPr spcFirstLastPara="1" wrap="square" lIns="91425" tIns="91425" rIns="91425" bIns="91425" anchor="ctr" anchorCtr="0">
               <a:noAutofit/>
             </a:bodyPr>
             <a:lstStyle/>
             <a:p>
-              <a:pPr indent="0" lvl="0" marL="0" rtl="0" algn="l">
+              <a:pPr marL="0" lvl="0" indent="0" algn="l" rtl="0">
                 <a:spcBef>
                   <a:spcPts val="0"/>
                 </a:spcBef>
@@ -5827,9 +6232,6 @@
                 </a:spcAft>
                 <a:buNone/>
               </a:pPr>
-              <a:r>
-                <a:t/>
-              </a:r>
               <a:endParaRPr/>
             </a:p>
           </p:txBody>
@@ -5856,12 +6258,12 @@
             </a:ln>
           </p:spPr>
           <p:txBody>
-            <a:bodyPr anchorCtr="0" anchor="ctr" bIns="91425" lIns="91425" spcFirstLastPara="1" rIns="91425" wrap="square" tIns="91425">
+            <a:bodyPr spcFirstLastPara="1" wrap="square" lIns="91425" tIns="91425" rIns="91425" bIns="91425" anchor="ctr" anchorCtr="0">
               <a:noAutofit/>
             </a:bodyPr>
             <a:lstStyle/>
             <a:p>
-              <a:pPr indent="0" lvl="0" marL="0" rtl="0" algn="l">
+              <a:pPr marL="0" lvl="0" indent="0" algn="l" rtl="0">
                 <a:spcBef>
                   <a:spcPts val="0"/>
                 </a:spcBef>
@@ -5870,9 +6272,6 @@
                 </a:spcAft>
                 <a:buNone/>
               </a:pPr>
-              <a:r>
-                <a:t/>
-              </a:r>
               <a:endParaRPr/>
             </a:p>
           </p:txBody>
@@ -5881,7 +6280,9 @@
       <p:sp>
         <p:nvSpPr>
           <p:cNvPr id="45" name="Google Shape;45;p6"/>
-          <p:cNvSpPr txBox="1"/>
+          <p:cNvSpPr txBox="1">
+            <a:spLocks noGrp="1"/>
+          </p:cNvSpPr>
           <p:nvPr>
             <p:ph type="title"/>
           </p:nvPr>
@@ -5896,7 +6297,7 @@
           </a:prstGeom>
         </p:spPr>
         <p:txBody>
-          <a:bodyPr anchorCtr="0" anchor="t" bIns="91425" lIns="91425" spcFirstLastPara="1" rIns="91425" wrap="square" tIns="91425">
+          <a:bodyPr spcFirstLastPara="1" wrap="square" lIns="91425" tIns="91425" rIns="91425" bIns="91425" anchor="t" anchorCtr="0">
             <a:normAutofit/>
           </a:bodyPr>
           <a:lstStyle>
@@ -6000,15 +6401,19 @@
               <a:defRPr sz="2600"/>
             </a:lvl9pPr>
           </a:lstStyle>
-          <a:p/>
+          <a:p>
+            <a:endParaRPr/>
+          </a:p>
         </p:txBody>
       </p:sp>
       <p:sp>
         <p:nvSpPr>
           <p:cNvPr id="46" name="Google Shape;46;p6"/>
-          <p:cNvSpPr txBox="1"/>
+          <p:cNvSpPr txBox="1">
+            <a:spLocks noGrp="1"/>
+          </p:cNvSpPr>
           <p:nvPr>
-            <p:ph idx="12" type="sldNum"/>
+            <p:ph type="sldNum" idx="12"/>
           </p:nvPr>
         </p:nvSpPr>
         <p:spPr>
@@ -6021,7 +6426,7 @@
           </a:prstGeom>
         </p:spPr>
         <p:txBody>
-          <a:bodyPr anchorCtr="0" anchor="ctr" bIns="91425" lIns="91425" spcFirstLastPara="1" rIns="91425" wrap="square" tIns="91425">
+          <a:bodyPr spcFirstLastPara="1" wrap="square" lIns="91425" tIns="91425" rIns="91425" bIns="91425" anchor="ctr" anchorCtr="0">
             <a:normAutofit/>
           </a:bodyPr>
           <a:lstStyle>
@@ -6063,7 +6468,7 @@
             </a:lvl9pPr>
           </a:lstStyle>
           <a:p>
-            <a:pPr indent="0" lvl="0" marL="0" rtl="0" algn="r">
+            <a:pPr marL="0" lvl="0" indent="0" algn="r" rtl="0">
               <a:spcBef>
                 <a:spcPts val="0"/>
               </a:spcBef>
@@ -6089,11 +6494,11 @@
 </file>
 
 <file path=ppt/slideLayouts/slideLayout6.xml><?xml version="1.0" encoding="utf-8"?>
-<p:sldLayout xmlns:a="http://schemas.openxmlformats.org/drawingml/2006/main" xmlns:r="http://schemas.openxmlformats.org/officeDocument/2006/relationships" xmlns:mc="http://schemas.openxmlformats.org/markup-compatibility/2006" xmlns:mv="urn:schemas-microsoft-com:mac:vml" xmlns:p="http://schemas.openxmlformats.org/presentationml/2006/main" xmlns:c="http://schemas.openxmlformats.org/drawingml/2006/chart" xmlns:dgm="http://schemas.openxmlformats.org/drawingml/2006/diagram" xmlns:o="urn:schemas-microsoft-com:office:office" xmlns:v="urn:schemas-microsoft-com:vml" xmlns:pvml="urn:schemas-microsoft-com:office:powerpoint" xmlns:com="http://schemas.openxmlformats.org/drawingml/2006/compatibility" xmlns:p14="http://schemas.microsoft.com/office/powerpoint/2010/main" xmlns:p15="http://schemas.microsoft.com/office/powerpoint/2012/main" xmlns:ahyp="http://schemas.microsoft.com/office/drawing/2018/hyperlinkcolor" matchingName="One column text">
+<p:sldLayout xmlns:a="http://schemas.openxmlformats.org/drawingml/2006/main" xmlns:r="http://schemas.openxmlformats.org/officeDocument/2006/relationships" xmlns:p="http://schemas.openxmlformats.org/presentationml/2006/main" matchingName="One column text">
   <p:cSld name="ONE_COLUMN_TEXT">
     <p:spTree>
       <p:nvGrpSpPr>
-        <p:cNvPr id="47" name="Shape 47"/>
+        <p:cNvPr id="1" name="Shape 47"/>
         <p:cNvGrpSpPr/>
         <p:nvPr/>
       </p:nvGrpSpPr>
@@ -6127,23 +6532,20 @@
           </a:ln>
         </p:spPr>
         <p:txBody>
-          <a:bodyPr anchorCtr="0" anchor="ctr" bIns="91425" lIns="91425" spcFirstLastPara="1" rIns="91425" wrap="square" tIns="91425">
+          <a:bodyPr spcFirstLastPara="1" wrap="square" lIns="91425" tIns="91425" rIns="91425" bIns="91425" anchor="ctr" anchorCtr="0">
             <a:noAutofit/>
           </a:bodyPr>
           <a:lstStyle/>
           <a:p>
-            <a:pPr indent="0" lvl="0" marL="0" rtl="0" algn="l">
-              <a:spcBef>
-                <a:spcPts val="0"/>
-              </a:spcBef>
-              <a:spcAft>
-                <a:spcPts val="0"/>
-              </a:spcAft>
-              <a:buNone/>
-            </a:pPr>
-            <a:r>
-              <a:t/>
-            </a:r>
+            <a:pPr marL="0" lvl="0" indent="0" algn="l" rtl="0">
+              <a:spcBef>
+                <a:spcPts val="0"/>
+              </a:spcBef>
+              <a:spcAft>
+                <a:spcPts val="0"/>
+              </a:spcAft>
+              <a:buNone/>
+            </a:pPr>
             <a:endParaRPr/>
           </a:p>
         </p:txBody>
@@ -6184,12 +6586,12 @@
             </a:ln>
           </p:spPr>
           <p:txBody>
-            <a:bodyPr anchorCtr="0" anchor="ctr" bIns="91425" lIns="91425" spcFirstLastPara="1" rIns="91425" wrap="square" tIns="91425">
+            <a:bodyPr spcFirstLastPara="1" wrap="square" lIns="91425" tIns="91425" rIns="91425" bIns="91425" anchor="ctr" anchorCtr="0">
               <a:noAutofit/>
             </a:bodyPr>
             <a:lstStyle/>
             <a:p>
-              <a:pPr indent="0" lvl="0" marL="0" rtl="0" algn="l">
+              <a:pPr marL="0" lvl="0" indent="0" algn="l" rtl="0">
                 <a:spcBef>
                   <a:spcPts val="0"/>
                 </a:spcBef>
@@ -6198,9 +6600,6 @@
                 </a:spcAft>
                 <a:buNone/>
               </a:pPr>
-              <a:r>
-                <a:t/>
-              </a:r>
               <a:endParaRPr/>
             </a:p>
           </p:txBody>
@@ -6227,12 +6626,12 @@
             </a:ln>
           </p:spPr>
           <p:txBody>
-            <a:bodyPr anchorCtr="0" anchor="ctr" bIns="91425" lIns="91425" spcFirstLastPara="1" rIns="91425" wrap="square" tIns="91425">
+            <a:bodyPr spcFirstLastPara="1" wrap="square" lIns="91425" tIns="91425" rIns="91425" bIns="91425" anchor="ctr" anchorCtr="0">
               <a:noAutofit/>
             </a:bodyPr>
             <a:lstStyle/>
             <a:p>
-              <a:pPr indent="0" lvl="0" marL="0" rtl="0" algn="l">
+              <a:pPr marL="0" lvl="0" indent="0" algn="l" rtl="0">
                 <a:spcBef>
                   <a:spcPts val="0"/>
                 </a:spcBef>
@@ -6241,9 +6640,6 @@
                 </a:spcAft>
                 <a:buNone/>
               </a:pPr>
-              <a:r>
-                <a:t/>
-              </a:r>
               <a:endParaRPr/>
             </a:p>
           </p:txBody>
@@ -6252,7 +6648,9 @@
       <p:sp>
         <p:nvSpPr>
           <p:cNvPr id="52" name="Google Shape;52;p7"/>
-          <p:cNvSpPr txBox="1"/>
+          <p:cNvSpPr txBox="1">
+            <a:spLocks noGrp="1"/>
+          </p:cNvSpPr>
           <p:nvPr>
             <p:ph type="title"/>
           </p:nvPr>
@@ -6267,7 +6665,7 @@
           </a:prstGeom>
         </p:spPr>
         <p:txBody>
-          <a:bodyPr anchorCtr="0" anchor="t" bIns="91425" lIns="91425" spcFirstLastPara="1" rIns="91425" wrap="square" tIns="91425">
+          <a:bodyPr spcFirstLastPara="1" wrap="square" lIns="91425" tIns="91425" rIns="91425" bIns="91425" anchor="t" anchorCtr="0">
             <a:normAutofit/>
           </a:bodyPr>
           <a:lstStyle>
@@ -6371,15 +6769,19 @@
               <a:defRPr sz="2600"/>
             </a:lvl9pPr>
           </a:lstStyle>
-          <a:p/>
+          <a:p>
+            <a:endParaRPr/>
+          </a:p>
         </p:txBody>
       </p:sp>
       <p:sp>
         <p:nvSpPr>
           <p:cNvPr id="53" name="Google Shape;53;p7"/>
-          <p:cNvSpPr txBox="1"/>
+          <p:cNvSpPr txBox="1">
+            <a:spLocks noGrp="1"/>
+          </p:cNvSpPr>
           <p:nvPr>
-            <p:ph idx="1" type="body"/>
+            <p:ph type="body" idx="1"/>
           </p:nvPr>
         </p:nvSpPr>
         <p:spPr>
@@ -6392,11 +6794,11 @@
           </a:prstGeom>
         </p:spPr>
         <p:txBody>
-          <a:bodyPr anchorCtr="0" anchor="t" bIns="91425" lIns="91425" spcFirstLastPara="1" rIns="91425" wrap="square" tIns="91425">
+          <a:bodyPr spcFirstLastPara="1" wrap="square" lIns="91425" tIns="91425" rIns="91425" bIns="91425" anchor="t" anchorCtr="0">
             <a:normAutofit/>
           </a:bodyPr>
           <a:lstStyle>
-            <a:lvl1pPr indent="-311150" lvl="0" marL="457200">
+            <a:lvl1pPr marL="457200" lvl="0" indent="-311150">
               <a:spcBef>
                 <a:spcPts val="0"/>
               </a:spcBef>
@@ -6407,7 +6809,7 @@
               <a:buChar char="●"/>
               <a:defRPr/>
             </a:lvl1pPr>
-            <a:lvl2pPr indent="-298450" lvl="1" marL="914400">
+            <a:lvl2pPr marL="914400" lvl="1" indent="-298450">
               <a:spcBef>
                 <a:spcPts val="0"/>
               </a:spcBef>
@@ -6418,7 +6820,7 @@
               <a:buChar char="○"/>
               <a:defRPr/>
             </a:lvl2pPr>
-            <a:lvl3pPr indent="-298450" lvl="2" marL="1371600">
+            <a:lvl3pPr marL="1371600" lvl="2" indent="-298450">
               <a:spcBef>
                 <a:spcPts val="0"/>
               </a:spcBef>
@@ -6429,7 +6831,7 @@
               <a:buChar char="■"/>
               <a:defRPr/>
             </a:lvl3pPr>
-            <a:lvl4pPr indent="-298450" lvl="3" marL="1828800">
+            <a:lvl4pPr marL="1828800" lvl="3" indent="-298450">
               <a:spcBef>
                 <a:spcPts val="0"/>
               </a:spcBef>
@@ -6440,7 +6842,7 @@
               <a:buChar char="●"/>
               <a:defRPr/>
             </a:lvl4pPr>
-            <a:lvl5pPr indent="-298450" lvl="4" marL="2286000">
+            <a:lvl5pPr marL="2286000" lvl="4" indent="-298450">
               <a:spcBef>
                 <a:spcPts val="0"/>
               </a:spcBef>
@@ -6451,7 +6853,7 @@
               <a:buChar char="○"/>
               <a:defRPr/>
             </a:lvl5pPr>
-            <a:lvl6pPr indent="-298450" lvl="5" marL="2743200">
+            <a:lvl6pPr marL="2743200" lvl="5" indent="-298450">
               <a:spcBef>
                 <a:spcPts val="0"/>
               </a:spcBef>
@@ -6462,7 +6864,7 @@
               <a:buChar char="■"/>
               <a:defRPr/>
             </a:lvl6pPr>
-            <a:lvl7pPr indent="-298450" lvl="6" marL="3200400">
+            <a:lvl7pPr marL="3200400" lvl="6" indent="-298450">
               <a:spcBef>
                 <a:spcPts val="0"/>
               </a:spcBef>
@@ -6473,7 +6875,7 @@
               <a:buChar char="●"/>
               <a:defRPr/>
             </a:lvl7pPr>
-            <a:lvl8pPr indent="-298450" lvl="7" marL="3657600">
+            <a:lvl8pPr marL="3657600" lvl="7" indent="-298450">
               <a:spcBef>
                 <a:spcPts val="0"/>
               </a:spcBef>
@@ -6484,7 +6886,7 @@
               <a:buChar char="○"/>
               <a:defRPr/>
             </a:lvl8pPr>
-            <a:lvl9pPr indent="-298450" lvl="8" marL="4114800">
+            <a:lvl9pPr marL="4114800" lvl="8" indent="-298450">
               <a:spcBef>
                 <a:spcPts val="0"/>
               </a:spcBef>
@@ -6496,15 +6898,19 @@
               <a:defRPr/>
             </a:lvl9pPr>
           </a:lstStyle>
-          <a:p/>
+          <a:p>
+            <a:endParaRPr/>
+          </a:p>
         </p:txBody>
       </p:sp>
       <p:sp>
         <p:nvSpPr>
           <p:cNvPr id="54" name="Google Shape;54;p7"/>
-          <p:cNvSpPr txBox="1"/>
+          <p:cNvSpPr txBox="1">
+            <a:spLocks noGrp="1"/>
+          </p:cNvSpPr>
           <p:nvPr>
-            <p:ph idx="12" type="sldNum"/>
+            <p:ph type="sldNum" idx="12"/>
           </p:nvPr>
         </p:nvSpPr>
         <p:spPr>
@@ -6517,7 +6923,7 @@
           </a:prstGeom>
         </p:spPr>
         <p:txBody>
-          <a:bodyPr anchorCtr="0" anchor="ctr" bIns="91425" lIns="91425" spcFirstLastPara="1" rIns="91425" wrap="square" tIns="91425">
+          <a:bodyPr spcFirstLastPara="1" wrap="square" lIns="91425" tIns="91425" rIns="91425" bIns="91425" anchor="ctr" anchorCtr="0">
             <a:normAutofit/>
           </a:bodyPr>
           <a:lstStyle>
@@ -6559,7 +6965,7 @@
             </a:lvl9pPr>
           </a:lstStyle>
           <a:p>
-            <a:pPr indent="0" lvl="0" marL="0" rtl="0" algn="r">
+            <a:pPr marL="0" lvl="0" indent="0" algn="r" rtl="0">
               <a:spcBef>
                 <a:spcPts val="0"/>
               </a:spcBef>
@@ -6585,18 +6991,19 @@
 </file>
 
 <file path=ppt/slideLayouts/slideLayout7.xml><?xml version="1.0" encoding="utf-8"?>
-<p:sldLayout xmlns:a="http://schemas.openxmlformats.org/drawingml/2006/main" xmlns:r="http://schemas.openxmlformats.org/officeDocument/2006/relationships" xmlns:mc="http://schemas.openxmlformats.org/markup-compatibility/2006" xmlns:mv="urn:schemas-microsoft-com:mac:vml" xmlns:p="http://schemas.openxmlformats.org/presentationml/2006/main" xmlns:c="http://schemas.openxmlformats.org/drawingml/2006/chart" xmlns:dgm="http://schemas.openxmlformats.org/drawingml/2006/diagram" xmlns:o="urn:schemas-microsoft-com:office:office" xmlns:v="urn:schemas-microsoft-com:vml" xmlns:pvml="urn:schemas-microsoft-com:office:powerpoint" xmlns:com="http://schemas.openxmlformats.org/drawingml/2006/compatibility" xmlns:p14="http://schemas.microsoft.com/office/powerpoint/2010/main" xmlns:p15="http://schemas.microsoft.com/office/powerpoint/2012/main" xmlns:ahyp="http://schemas.microsoft.com/office/drawing/2018/hyperlinkcolor" matchingName="Main point">
+<p:sldLayout xmlns:a="http://schemas.openxmlformats.org/drawingml/2006/main" xmlns:r="http://schemas.openxmlformats.org/officeDocument/2006/relationships" xmlns:p="http://schemas.openxmlformats.org/presentationml/2006/main" matchingName="Main point">
   <p:cSld name="MAIN_POINT">
     <p:bg>
       <p:bgPr>
         <a:solidFill>
           <a:schemeClr val="accent3"/>
         </a:solidFill>
+        <a:effectLst/>
       </p:bgPr>
     </p:bg>
     <p:spTree>
       <p:nvGrpSpPr>
-        <p:cNvPr id="55" name="Shape 55"/>
+        <p:cNvPr id="1" name="Shape 55"/>
         <p:cNvGrpSpPr/>
         <p:nvPr/>
       </p:nvGrpSpPr>
@@ -6644,12 +7051,12 @@
             </a:ln>
           </p:spPr>
           <p:txBody>
-            <a:bodyPr anchorCtr="0" anchor="ctr" bIns="91425" lIns="91425" spcFirstLastPara="1" rIns="91425" wrap="square" tIns="91425">
+            <a:bodyPr spcFirstLastPara="1" wrap="square" lIns="91425" tIns="91425" rIns="91425" bIns="91425" anchor="ctr" anchorCtr="0">
               <a:noAutofit/>
             </a:bodyPr>
             <a:lstStyle/>
             <a:p>
-              <a:pPr indent="0" lvl="0" marL="0" rtl="0" algn="l">
+              <a:pPr marL="0" lvl="0" indent="0" algn="l" rtl="0">
                 <a:spcBef>
                   <a:spcPts val="0"/>
                 </a:spcBef>
@@ -6658,9 +7065,6 @@
                 </a:spcAft>
                 <a:buNone/>
               </a:pPr>
-              <a:r>
-                <a:t/>
-              </a:r>
               <a:endParaRPr/>
             </a:p>
           </p:txBody>
@@ -6687,12 +7091,12 @@
             </a:ln>
           </p:spPr>
           <p:txBody>
-            <a:bodyPr anchorCtr="0" anchor="ctr" bIns="91425" lIns="91425" spcFirstLastPara="1" rIns="91425" wrap="square" tIns="91425">
+            <a:bodyPr spcFirstLastPara="1" wrap="square" lIns="91425" tIns="91425" rIns="91425" bIns="91425" anchor="ctr" anchorCtr="0">
               <a:noAutofit/>
             </a:bodyPr>
             <a:lstStyle/>
             <a:p>
-              <a:pPr indent="0" lvl="0" marL="0" rtl="0" algn="l">
+              <a:pPr marL="0" lvl="0" indent="0" algn="l" rtl="0">
                 <a:spcBef>
                   <a:spcPts val="0"/>
                 </a:spcBef>
@@ -6701,9 +7105,6 @@
                 </a:spcAft>
                 <a:buNone/>
               </a:pPr>
-              <a:r>
-                <a:t/>
-              </a:r>
               <a:endParaRPr/>
             </a:p>
           </p:txBody>
@@ -6712,7 +7113,9 @@
       <p:sp>
         <p:nvSpPr>
           <p:cNvPr id="59" name="Google Shape;59;p8"/>
-          <p:cNvSpPr txBox="1"/>
+          <p:cNvSpPr txBox="1">
+            <a:spLocks noGrp="1"/>
+          </p:cNvSpPr>
           <p:nvPr>
             <p:ph type="title"/>
           </p:nvPr>
@@ -6727,7 +7130,7 @@
           </a:prstGeom>
         </p:spPr>
         <p:txBody>
-          <a:bodyPr anchorCtr="0" anchor="ctr" bIns="91425" lIns="91425" spcFirstLastPara="1" rIns="91425" wrap="square" tIns="91425">
+          <a:bodyPr spcFirstLastPara="1" wrap="square" lIns="91425" tIns="91425" rIns="91425" bIns="91425" anchor="ctr" anchorCtr="0">
             <a:normAutofit/>
           </a:bodyPr>
           <a:lstStyle>
@@ -6894,15 +7297,19 @@
               </a:defRPr>
             </a:lvl9pPr>
           </a:lstStyle>
-          <a:p/>
+          <a:p>
+            <a:endParaRPr/>
+          </a:p>
         </p:txBody>
       </p:sp>
       <p:sp>
         <p:nvSpPr>
           <p:cNvPr id="60" name="Google Shape;60;p8"/>
-          <p:cNvSpPr txBox="1"/>
+          <p:cNvSpPr txBox="1">
+            <a:spLocks noGrp="1"/>
+          </p:cNvSpPr>
           <p:nvPr>
-            <p:ph idx="12" type="sldNum"/>
+            <p:ph type="sldNum" idx="12"/>
           </p:nvPr>
         </p:nvSpPr>
         <p:spPr>
@@ -6915,7 +7322,7 @@
           </a:prstGeom>
         </p:spPr>
         <p:txBody>
-          <a:bodyPr anchorCtr="0" anchor="ctr" bIns="91425" lIns="91425" spcFirstLastPara="1" rIns="91425" wrap="square" tIns="91425">
+          <a:bodyPr spcFirstLastPara="1" wrap="square" lIns="91425" tIns="91425" rIns="91425" bIns="91425" anchor="ctr" anchorCtr="0">
             <a:normAutofit/>
           </a:bodyPr>
           <a:lstStyle>
@@ -6993,7 +7400,7 @@
             </a:lvl9pPr>
           </a:lstStyle>
           <a:p>
-            <a:pPr indent="0" lvl="0" marL="0" rtl="0" algn="r">
+            <a:pPr marL="0" lvl="0" indent="0" algn="r" rtl="0">
               <a:spcBef>
                 <a:spcPts val="0"/>
               </a:spcBef>
@@ -7019,11 +7426,11 @@
 </file>
 
 <file path=ppt/slideLayouts/slideLayout8.xml><?xml version="1.0" encoding="utf-8"?>
-<p:sldLayout xmlns:a="http://schemas.openxmlformats.org/drawingml/2006/main" xmlns:r="http://schemas.openxmlformats.org/officeDocument/2006/relationships" xmlns:mc="http://schemas.openxmlformats.org/markup-compatibility/2006" xmlns:mv="urn:schemas-microsoft-com:mac:vml" xmlns:p="http://schemas.openxmlformats.org/presentationml/2006/main" xmlns:c="http://schemas.openxmlformats.org/drawingml/2006/chart" xmlns:dgm="http://schemas.openxmlformats.org/drawingml/2006/diagram" xmlns:o="urn:schemas-microsoft-com:office:office" xmlns:v="urn:schemas-microsoft-com:vml" xmlns:pvml="urn:schemas-microsoft-com:office:powerpoint" xmlns:com="http://schemas.openxmlformats.org/drawingml/2006/compatibility" xmlns:p14="http://schemas.microsoft.com/office/powerpoint/2010/main" xmlns:p15="http://schemas.microsoft.com/office/powerpoint/2012/main" xmlns:ahyp="http://schemas.microsoft.com/office/drawing/2018/hyperlinkcolor" matchingName="Section title and description">
+<p:sldLayout xmlns:a="http://schemas.openxmlformats.org/drawingml/2006/main" xmlns:r="http://schemas.openxmlformats.org/officeDocument/2006/relationships" xmlns:p="http://schemas.openxmlformats.org/presentationml/2006/main" matchingName="Section title and description">
   <p:cSld name="SECTION_TITLE_AND_DESCRIPTION">
     <p:spTree>
       <p:nvGrpSpPr>
-        <p:cNvPr id="61" name="Shape 61"/>
+        <p:cNvPr id="1" name="Shape 61"/>
         <p:cNvGrpSpPr/>
         <p:nvPr/>
       </p:nvGrpSpPr>
@@ -7057,23 +7464,20 @@
           </a:ln>
         </p:spPr>
         <p:txBody>
-          <a:bodyPr anchorCtr="0" anchor="ctr" bIns="91425" lIns="91425" spcFirstLastPara="1" rIns="91425" wrap="square" tIns="91425">
+          <a:bodyPr spcFirstLastPara="1" wrap="square" lIns="91425" tIns="91425" rIns="91425" bIns="91425" anchor="ctr" anchorCtr="0">
             <a:noAutofit/>
           </a:bodyPr>
           <a:lstStyle/>
           <a:p>
-            <a:pPr indent="0" lvl="0" marL="0" rtl="0" algn="l">
-              <a:spcBef>
-                <a:spcPts val="0"/>
-              </a:spcBef>
-              <a:spcAft>
-                <a:spcPts val="0"/>
-              </a:spcAft>
-              <a:buNone/>
-            </a:pPr>
-            <a:r>
-              <a:t/>
-            </a:r>
+            <a:pPr marL="0" lvl="0" indent="0" algn="l" rtl="0">
+              <a:spcBef>
+                <a:spcPts val="0"/>
+              </a:spcBef>
+              <a:spcAft>
+                <a:spcPts val="0"/>
+              </a:spcAft>
+              <a:buNone/>
+            </a:pPr>
             <a:endParaRPr/>
           </a:p>
         </p:txBody>
@@ -7114,12 +7518,12 @@
             </a:ln>
           </p:spPr>
           <p:txBody>
-            <a:bodyPr anchorCtr="0" anchor="ctr" bIns="91425" lIns="91425" spcFirstLastPara="1" rIns="91425" wrap="square" tIns="91425">
+            <a:bodyPr spcFirstLastPara="1" wrap="square" lIns="91425" tIns="91425" rIns="91425" bIns="91425" anchor="ctr" anchorCtr="0">
               <a:noAutofit/>
             </a:bodyPr>
             <a:lstStyle/>
             <a:p>
-              <a:pPr indent="0" lvl="0" marL="0" rtl="0" algn="l">
+              <a:pPr marL="0" lvl="0" indent="0" algn="l" rtl="0">
                 <a:spcBef>
                   <a:spcPts val="0"/>
                 </a:spcBef>
@@ -7128,9 +7532,6 @@
                 </a:spcAft>
                 <a:buNone/>
               </a:pPr>
-              <a:r>
-                <a:t/>
-              </a:r>
               <a:endParaRPr/>
             </a:p>
           </p:txBody>
@@ -7157,12 +7558,12 @@
             </a:ln>
           </p:spPr>
           <p:txBody>
-            <a:bodyPr anchorCtr="0" anchor="ctr" bIns="91425" lIns="91425" spcFirstLastPara="1" rIns="91425" wrap="square" tIns="91425">
+            <a:bodyPr spcFirstLastPara="1" wrap="square" lIns="91425" tIns="91425" rIns="91425" bIns="91425" anchor="ctr" anchorCtr="0">
               <a:noAutofit/>
             </a:bodyPr>
             <a:lstStyle/>
             <a:p>
-              <a:pPr indent="0" lvl="0" marL="0" rtl="0" algn="l">
+              <a:pPr marL="0" lvl="0" indent="0" algn="l" rtl="0">
                 <a:spcBef>
                   <a:spcPts val="0"/>
                 </a:spcBef>
@@ -7171,9 +7572,6 @@
                 </a:spcAft>
                 <a:buNone/>
               </a:pPr>
-              <a:r>
-                <a:t/>
-              </a:r>
               <a:endParaRPr/>
             </a:p>
           </p:txBody>
@@ -7182,7 +7580,9 @@
       <p:sp>
         <p:nvSpPr>
           <p:cNvPr id="66" name="Google Shape;66;p9"/>
-          <p:cNvSpPr txBox="1"/>
+          <p:cNvSpPr txBox="1">
+            <a:spLocks noGrp="1"/>
+          </p:cNvSpPr>
           <p:nvPr>
             <p:ph type="title"/>
           </p:nvPr>
@@ -7197,7 +7597,7 @@
           </a:prstGeom>
         </p:spPr>
         <p:txBody>
-          <a:bodyPr anchorCtr="0" anchor="t" bIns="91425" lIns="91425" spcFirstLastPara="1" rIns="91425" wrap="square" tIns="91425">
+          <a:bodyPr spcFirstLastPara="1" wrap="square" lIns="91425" tIns="91425" rIns="91425" bIns="91425" anchor="t" anchorCtr="0">
             <a:normAutofit/>
           </a:bodyPr>
           <a:lstStyle>
@@ -7301,15 +7701,19 @@
               <a:defRPr sz="2600"/>
             </a:lvl9pPr>
           </a:lstStyle>
-          <a:p/>
+          <a:p>
+            <a:endParaRPr/>
+          </a:p>
         </p:txBody>
       </p:sp>
       <p:sp>
         <p:nvSpPr>
           <p:cNvPr id="67" name="Google Shape;67;p9"/>
-          <p:cNvSpPr txBox="1"/>
+          <p:cNvSpPr txBox="1">
+            <a:spLocks noGrp="1"/>
+          </p:cNvSpPr>
           <p:nvPr>
-            <p:ph idx="1" type="subTitle"/>
+            <p:ph type="subTitle" idx="1"/>
           </p:nvPr>
         </p:nvSpPr>
         <p:spPr>
@@ -7322,7 +7726,7 @@
           </a:prstGeom>
         </p:spPr>
         <p:txBody>
-          <a:bodyPr anchorCtr="0" anchor="t" bIns="91425" lIns="91425" spcFirstLastPara="1" rIns="91425" wrap="square" tIns="91425">
+          <a:bodyPr spcFirstLastPara="1" wrap="square" lIns="91425" tIns="91425" rIns="91425" bIns="91425" anchor="t" anchorCtr="0">
             <a:normAutofit/>
           </a:bodyPr>
           <a:lstStyle>
@@ -7453,15 +7857,19 @@
               <a:defRPr sz="1600"/>
             </a:lvl9pPr>
           </a:lstStyle>
-          <a:p/>
+          <a:p>
+            <a:endParaRPr/>
+          </a:p>
         </p:txBody>
       </p:sp>
       <p:sp>
         <p:nvSpPr>
           <p:cNvPr id="68" name="Google Shape;68;p9"/>
-          <p:cNvSpPr txBox="1"/>
+          <p:cNvSpPr txBox="1">
+            <a:spLocks noGrp="1"/>
+          </p:cNvSpPr>
           <p:nvPr>
-            <p:ph idx="2" type="body"/>
+            <p:ph type="body" idx="2"/>
           </p:nvPr>
         </p:nvSpPr>
         <p:spPr>
@@ -7474,11 +7882,11 @@
           </a:prstGeom>
         </p:spPr>
         <p:txBody>
-          <a:bodyPr anchorCtr="0" anchor="t" bIns="91425" lIns="91425" spcFirstLastPara="1" rIns="91425" wrap="square" tIns="91425">
+          <a:bodyPr spcFirstLastPara="1" wrap="square" lIns="91425" tIns="91425" rIns="91425" bIns="91425" anchor="t" anchorCtr="0">
             <a:normAutofit/>
           </a:bodyPr>
           <a:lstStyle>
-            <a:lvl1pPr indent="-311150" lvl="0" marL="457200">
+            <a:lvl1pPr marL="457200" lvl="0" indent="-311150">
               <a:spcBef>
                 <a:spcPts val="0"/>
               </a:spcBef>
@@ -7489,7 +7897,7 @@
               <a:buChar char="●"/>
               <a:defRPr/>
             </a:lvl1pPr>
-            <a:lvl2pPr indent="-298450" lvl="1" marL="914400">
+            <a:lvl2pPr marL="914400" lvl="1" indent="-298450">
               <a:spcBef>
                 <a:spcPts val="0"/>
               </a:spcBef>
@@ -7500,7 +7908,7 @@
               <a:buChar char="○"/>
               <a:defRPr/>
             </a:lvl2pPr>
-            <a:lvl3pPr indent="-298450" lvl="2" marL="1371600">
+            <a:lvl3pPr marL="1371600" lvl="2" indent="-298450">
               <a:spcBef>
                 <a:spcPts val="0"/>
               </a:spcBef>
@@ -7511,7 +7919,7 @@
               <a:buChar char="■"/>
               <a:defRPr/>
             </a:lvl3pPr>
-            <a:lvl4pPr indent="-298450" lvl="3" marL="1828800">
+            <a:lvl4pPr marL="1828800" lvl="3" indent="-298450">
               <a:spcBef>
                 <a:spcPts val="0"/>
               </a:spcBef>
@@ -7522,7 +7930,7 @@
               <a:buChar char="●"/>
               <a:defRPr/>
             </a:lvl4pPr>
-            <a:lvl5pPr indent="-298450" lvl="4" marL="2286000">
+            <a:lvl5pPr marL="2286000" lvl="4" indent="-298450">
               <a:spcBef>
                 <a:spcPts val="0"/>
               </a:spcBef>
@@ -7533,7 +7941,7 @@
               <a:buChar char="○"/>
               <a:defRPr/>
             </a:lvl5pPr>
-            <a:lvl6pPr indent="-298450" lvl="5" marL="2743200">
+            <a:lvl6pPr marL="2743200" lvl="5" indent="-298450">
               <a:spcBef>
                 <a:spcPts val="0"/>
               </a:spcBef>
@@ -7544,7 +7952,7 @@
               <a:buChar char="■"/>
               <a:defRPr/>
             </a:lvl6pPr>
-            <a:lvl7pPr indent="-298450" lvl="6" marL="3200400">
+            <a:lvl7pPr marL="3200400" lvl="6" indent="-298450">
               <a:spcBef>
                 <a:spcPts val="0"/>
               </a:spcBef>
@@ -7555,7 +7963,7 @@
               <a:buChar char="●"/>
               <a:defRPr/>
             </a:lvl7pPr>
-            <a:lvl8pPr indent="-298450" lvl="7" marL="3657600">
+            <a:lvl8pPr marL="3657600" lvl="7" indent="-298450">
               <a:spcBef>
                 <a:spcPts val="0"/>
               </a:spcBef>
@@ -7566,7 +7974,7 @@
               <a:buChar char="○"/>
               <a:defRPr/>
             </a:lvl8pPr>
-            <a:lvl9pPr indent="-298450" lvl="8" marL="4114800">
+            <a:lvl9pPr marL="4114800" lvl="8" indent="-298450">
               <a:spcBef>
                 <a:spcPts val="0"/>
               </a:spcBef>
@@ -7578,15 +7986,19 @@
               <a:defRPr/>
             </a:lvl9pPr>
           </a:lstStyle>
-          <a:p/>
+          <a:p>
+            <a:endParaRPr/>
+          </a:p>
         </p:txBody>
       </p:sp>
       <p:sp>
         <p:nvSpPr>
           <p:cNvPr id="69" name="Google Shape;69;p9"/>
-          <p:cNvSpPr txBox="1"/>
+          <p:cNvSpPr txBox="1">
+            <a:spLocks noGrp="1"/>
+          </p:cNvSpPr>
           <p:nvPr>
-            <p:ph idx="12" type="sldNum"/>
+            <p:ph type="sldNum" idx="12"/>
           </p:nvPr>
         </p:nvSpPr>
         <p:spPr>
@@ -7599,7 +8011,7 @@
           </a:prstGeom>
         </p:spPr>
         <p:txBody>
-          <a:bodyPr anchorCtr="0" anchor="ctr" bIns="91425" lIns="91425" spcFirstLastPara="1" rIns="91425" wrap="square" tIns="91425">
+          <a:bodyPr spcFirstLastPara="1" wrap="square" lIns="91425" tIns="91425" rIns="91425" bIns="91425" anchor="ctr" anchorCtr="0">
             <a:normAutofit/>
           </a:bodyPr>
           <a:lstStyle>
@@ -7641,7 +8053,7 @@
             </a:lvl9pPr>
           </a:lstStyle>
           <a:p>
-            <a:pPr indent="0" lvl="0" marL="0" rtl="0" algn="r">
+            <a:pPr marL="0" lvl="0" indent="0" algn="r" rtl="0">
               <a:spcBef>
                 <a:spcPts val="0"/>
               </a:spcBef>
@@ -7667,11 +8079,11 @@
 </file>
 
 <file path=ppt/slideLayouts/slideLayout9.xml><?xml version="1.0" encoding="utf-8"?>
-<p:sldLayout xmlns:a="http://schemas.openxmlformats.org/drawingml/2006/main" xmlns:r="http://schemas.openxmlformats.org/officeDocument/2006/relationships" xmlns:mc="http://schemas.openxmlformats.org/markup-compatibility/2006" xmlns:mv="urn:schemas-microsoft-com:mac:vml" xmlns:p="http://schemas.openxmlformats.org/presentationml/2006/main" xmlns:c="http://schemas.openxmlformats.org/drawingml/2006/chart" xmlns:dgm="http://schemas.openxmlformats.org/drawingml/2006/diagram" xmlns:o="urn:schemas-microsoft-com:office:office" xmlns:v="urn:schemas-microsoft-com:vml" xmlns:pvml="urn:schemas-microsoft-com:office:powerpoint" xmlns:com="http://schemas.openxmlformats.org/drawingml/2006/compatibility" xmlns:p14="http://schemas.microsoft.com/office/powerpoint/2010/main" xmlns:p15="http://schemas.microsoft.com/office/powerpoint/2012/main" xmlns:ahyp="http://schemas.microsoft.com/office/drawing/2018/hyperlinkcolor" matchingName="Caption">
+<p:sldLayout xmlns:a="http://schemas.openxmlformats.org/drawingml/2006/main" xmlns:r="http://schemas.openxmlformats.org/officeDocument/2006/relationships" xmlns:p="http://schemas.openxmlformats.org/presentationml/2006/main" matchingName="Caption">
   <p:cSld name="CAPTION_ONLY">
     <p:spTree>
       <p:nvGrpSpPr>
-        <p:cNvPr id="70" name="Shape 70"/>
+        <p:cNvPr id="1" name="Shape 70"/>
         <p:cNvGrpSpPr/>
         <p:nvPr/>
       </p:nvGrpSpPr>
@@ -7686,9 +8098,11 @@
       <p:sp>
         <p:nvSpPr>
           <p:cNvPr id="71" name="Google Shape;71;p10"/>
-          <p:cNvSpPr txBox="1"/>
+          <p:cNvSpPr txBox="1">
+            <a:spLocks noGrp="1"/>
+          </p:cNvSpPr>
           <p:nvPr>
-            <p:ph idx="1" type="body"/>
+            <p:ph type="body" idx="1"/>
           </p:nvPr>
         </p:nvSpPr>
         <p:spPr>
@@ -7701,11 +8115,11 @@
           </a:prstGeom>
         </p:spPr>
         <p:txBody>
-          <a:bodyPr anchorCtr="0" anchor="ctr" bIns="91425" lIns="91425" spcFirstLastPara="1" rIns="91425" wrap="square" tIns="91425">
+          <a:bodyPr spcFirstLastPara="1" wrap="square" lIns="91425" tIns="91425" rIns="91425" bIns="91425" anchor="ctr" anchorCtr="0">
             <a:normAutofit/>
           </a:bodyPr>
           <a:lstStyle>
-            <a:lvl1pPr indent="-228600" lvl="0" marL="457200">
+            <a:lvl1pPr marL="457200" lvl="0" indent="-228600">
               <a:lnSpc>
                 <a:spcPct val="100000"/>
               </a:lnSpc>
@@ -7720,15 +8134,19 @@
               <a:defRPr/>
             </a:lvl1pPr>
           </a:lstStyle>
-          <a:p/>
+          <a:p>
+            <a:endParaRPr/>
+          </a:p>
         </p:txBody>
       </p:sp>
       <p:sp>
         <p:nvSpPr>
           <p:cNvPr id="72" name="Google Shape;72;p10"/>
-          <p:cNvSpPr txBox="1"/>
+          <p:cNvSpPr txBox="1">
+            <a:spLocks noGrp="1"/>
+          </p:cNvSpPr>
           <p:nvPr>
-            <p:ph idx="12" type="sldNum"/>
+            <p:ph type="sldNum" idx="12"/>
           </p:nvPr>
         </p:nvSpPr>
         <p:spPr>
@@ -7741,7 +8159,7 @@
           </a:prstGeom>
         </p:spPr>
         <p:txBody>
-          <a:bodyPr anchorCtr="0" anchor="ctr" bIns="91425" lIns="91425" spcFirstLastPara="1" rIns="91425" wrap="square" tIns="91425">
+          <a:bodyPr spcFirstLastPara="1" wrap="square" lIns="91425" tIns="91425" rIns="91425" bIns="91425" anchor="ctr" anchorCtr="0">
             <a:normAutofit/>
           </a:bodyPr>
           <a:lstStyle>
@@ -7783,7 +8201,7 @@
             </a:lvl9pPr>
           </a:lstStyle>
           <a:p>
-            <a:pPr indent="0" lvl="0" marL="0" rtl="0" algn="r">
+            <a:pPr marL="0" lvl="0" indent="0" algn="r" rtl="0">
               <a:spcBef>
                 <a:spcPts val="0"/>
               </a:spcBef>
@@ -7809,18 +8227,19 @@
 </file>
 
 <file path=ppt/slideMasters/slideMaster1.xml><?xml version="1.0" encoding="utf-8"?>
-<p:sldMaster xmlns:a="http://schemas.openxmlformats.org/drawingml/2006/main" xmlns:r="http://schemas.openxmlformats.org/officeDocument/2006/relationships" xmlns:mc="http://schemas.openxmlformats.org/markup-compatibility/2006" xmlns:mv="urn:schemas-microsoft-com:mac:vml" xmlns:p="http://schemas.openxmlformats.org/presentationml/2006/main" xmlns:c="http://schemas.openxmlformats.org/drawingml/2006/chart" xmlns:dgm="http://schemas.openxmlformats.org/drawingml/2006/diagram" xmlns:o="urn:schemas-microsoft-com:office:office" xmlns:v="urn:schemas-microsoft-com:vml" xmlns:pvml="urn:schemas-microsoft-com:office:powerpoint" xmlns:com="http://schemas.openxmlformats.org/drawingml/2006/compatibility" xmlns:p14="http://schemas.microsoft.com/office/powerpoint/2010/main" xmlns:p15="http://schemas.microsoft.com/office/powerpoint/2012/main" xmlns:ahyp="http://schemas.microsoft.com/office/drawing/2018/hyperlinkcolor">
+<p:sldMaster xmlns:a="http://schemas.openxmlformats.org/drawingml/2006/main" xmlns:r="http://schemas.openxmlformats.org/officeDocument/2006/relationships" xmlns:p="http://schemas.openxmlformats.org/presentationml/2006/main">
   <p:cSld name="streamline">
     <p:bg>
       <p:bgPr>
         <a:solidFill>
           <a:schemeClr val="lt1"/>
         </a:solidFill>
+        <a:effectLst/>
       </p:bgPr>
     </p:bg>
     <p:spTree>
       <p:nvGrpSpPr>
-        <p:cNvPr id="5" name="Shape 5"/>
+        <p:cNvPr id="1" name="Shape 5"/>
         <p:cNvGrpSpPr/>
         <p:nvPr/>
       </p:nvGrpSpPr>
@@ -7835,7 +8254,9 @@
       <p:sp>
         <p:nvSpPr>
           <p:cNvPr id="6" name="Google Shape;6;p1"/>
-          <p:cNvSpPr txBox="1"/>
+          <p:cNvSpPr txBox="1">
+            <a:spLocks noGrp="1"/>
+          </p:cNvSpPr>
           <p:nvPr>
             <p:ph type="title"/>
           </p:nvPr>
@@ -7854,7 +8275,7 @@
           </a:ln>
         </p:spPr>
         <p:txBody>
-          <a:bodyPr anchorCtr="0" anchor="t" bIns="91425" lIns="91425" spcFirstLastPara="1" rIns="91425" wrap="square" tIns="91425">
+          <a:bodyPr spcFirstLastPara="1" wrap="square" lIns="91425" tIns="91425" rIns="91425" bIns="91425" anchor="t" anchorCtr="0">
             <a:normAutofit/>
           </a:bodyPr>
           <a:lstStyle>
@@ -7871,7 +8292,7 @@
               <a:buSzPts val="2800"/>
               <a:buFont typeface="Raleway"/>
               <a:buNone/>
-              <a:defRPr b="1" sz="2800">
+              <a:defRPr sz="2800" b="1">
                 <a:solidFill>
                   <a:schemeClr val="dk2"/>
                 </a:solidFill>
@@ -7894,7 +8315,7 @@
               <a:buSzPts val="2800"/>
               <a:buFont typeface="Raleway"/>
               <a:buNone/>
-              <a:defRPr b="1" sz="2800">
+              <a:defRPr sz="2800" b="1">
                 <a:solidFill>
                   <a:schemeClr val="dk2"/>
                 </a:solidFill>
@@ -7917,7 +8338,7 @@
               <a:buSzPts val="2800"/>
               <a:buFont typeface="Raleway"/>
               <a:buNone/>
-              <a:defRPr b="1" sz="2800">
+              <a:defRPr sz="2800" b="1">
                 <a:solidFill>
                   <a:schemeClr val="dk2"/>
                 </a:solidFill>
@@ -7940,7 +8361,7 @@
               <a:buSzPts val="2800"/>
               <a:buFont typeface="Raleway"/>
               <a:buNone/>
-              <a:defRPr b="1" sz="2800">
+              <a:defRPr sz="2800" b="1">
                 <a:solidFill>
                   <a:schemeClr val="dk2"/>
                 </a:solidFill>
@@ -7963,7 +8384,7 @@
               <a:buSzPts val="2800"/>
               <a:buFont typeface="Raleway"/>
               <a:buNone/>
-              <a:defRPr b="1" sz="2800">
+              <a:defRPr sz="2800" b="1">
                 <a:solidFill>
                   <a:schemeClr val="dk2"/>
                 </a:solidFill>
@@ -7986,7 +8407,7 @@
               <a:buSzPts val="2800"/>
               <a:buFont typeface="Raleway"/>
               <a:buNone/>
-              <a:defRPr b="1" sz="2800">
+              <a:defRPr sz="2800" b="1">
                 <a:solidFill>
                   <a:schemeClr val="dk2"/>
                 </a:solidFill>
@@ -8009,7 +8430,7 @@
               <a:buSzPts val="2800"/>
               <a:buFont typeface="Raleway"/>
               <a:buNone/>
-              <a:defRPr b="1" sz="2800">
+              <a:defRPr sz="2800" b="1">
                 <a:solidFill>
                   <a:schemeClr val="dk2"/>
                 </a:solidFill>
@@ -8032,7 +8453,7 @@
               <a:buSzPts val="2800"/>
               <a:buFont typeface="Raleway"/>
               <a:buNone/>
-              <a:defRPr b="1" sz="2800">
+              <a:defRPr sz="2800" b="1">
                 <a:solidFill>
                   <a:schemeClr val="dk2"/>
                 </a:solidFill>
@@ -8055,7 +8476,7 @@
               <a:buSzPts val="2800"/>
               <a:buFont typeface="Raleway"/>
               <a:buNone/>
-              <a:defRPr b="1" sz="2800">
+              <a:defRPr sz="2800" b="1">
                 <a:solidFill>
                   <a:schemeClr val="dk2"/>
                 </a:solidFill>
@@ -8066,15 +8487,19 @@
               </a:defRPr>
             </a:lvl9pPr>
           </a:lstStyle>
-          <a:p/>
+          <a:p>
+            <a:endParaRPr/>
+          </a:p>
         </p:txBody>
       </p:sp>
       <p:sp>
         <p:nvSpPr>
           <p:cNvPr id="7" name="Google Shape;7;p1"/>
-          <p:cNvSpPr txBox="1"/>
+          <p:cNvSpPr txBox="1">
+            <a:spLocks noGrp="1"/>
+          </p:cNvSpPr>
           <p:nvPr>
-            <p:ph idx="1" type="body"/>
+            <p:ph type="body" idx="1"/>
           </p:nvPr>
         </p:nvSpPr>
         <p:spPr>
@@ -8091,11 +8516,11 @@
           </a:ln>
         </p:spPr>
         <p:txBody>
-          <a:bodyPr anchorCtr="0" anchor="t" bIns="91425" lIns="91425" spcFirstLastPara="1" rIns="91425" wrap="square" tIns="91425">
+          <a:bodyPr spcFirstLastPara="1" wrap="square" lIns="91425" tIns="91425" rIns="91425" bIns="91425" anchor="t" anchorCtr="0">
             <a:normAutofit/>
           </a:bodyPr>
           <a:lstStyle>
-            <a:lvl1pPr indent="-311150" lvl="0" marL="457200">
+            <a:lvl1pPr marL="457200" lvl="0" indent="-311150">
               <a:lnSpc>
                 <a:spcPct val="115000"/>
               </a:lnSpc>
@@ -8121,7 +8546,7 @@
                 <a:sym typeface="Lato"/>
               </a:defRPr>
             </a:lvl1pPr>
-            <a:lvl2pPr indent="-298450" lvl="1" marL="914400">
+            <a:lvl2pPr marL="914400" lvl="1" indent="-298450">
               <a:lnSpc>
                 <a:spcPct val="115000"/>
               </a:lnSpc>
@@ -8147,7 +8572,7 @@
                 <a:sym typeface="Lato"/>
               </a:defRPr>
             </a:lvl2pPr>
-            <a:lvl3pPr indent="-298450" lvl="2" marL="1371600">
+            <a:lvl3pPr marL="1371600" lvl="2" indent="-298450">
               <a:lnSpc>
                 <a:spcPct val="115000"/>
               </a:lnSpc>
@@ -8173,7 +8598,7 @@
                 <a:sym typeface="Lato"/>
               </a:defRPr>
             </a:lvl3pPr>
-            <a:lvl4pPr indent="-298450" lvl="3" marL="1828800">
+            <a:lvl4pPr marL="1828800" lvl="3" indent="-298450">
               <a:lnSpc>
                 <a:spcPct val="115000"/>
               </a:lnSpc>
@@ -8199,7 +8624,7 @@
                 <a:sym typeface="Lato"/>
               </a:defRPr>
             </a:lvl4pPr>
-            <a:lvl5pPr indent="-298450" lvl="4" marL="2286000">
+            <a:lvl5pPr marL="2286000" lvl="4" indent="-298450">
               <a:lnSpc>
                 <a:spcPct val="115000"/>
               </a:lnSpc>
@@ -8225,7 +8650,7 @@
                 <a:sym typeface="Lato"/>
               </a:defRPr>
             </a:lvl5pPr>
-            <a:lvl6pPr indent="-298450" lvl="5" marL="2743200">
+            <a:lvl6pPr marL="2743200" lvl="5" indent="-298450">
               <a:lnSpc>
                 <a:spcPct val="115000"/>
               </a:lnSpc>
@@ -8251,7 +8676,7 @@
                 <a:sym typeface="Lato"/>
               </a:defRPr>
             </a:lvl6pPr>
-            <a:lvl7pPr indent="-298450" lvl="6" marL="3200400">
+            <a:lvl7pPr marL="3200400" lvl="6" indent="-298450">
               <a:lnSpc>
                 <a:spcPct val="115000"/>
               </a:lnSpc>
@@ -8277,7 +8702,7 @@
                 <a:sym typeface="Lato"/>
               </a:defRPr>
             </a:lvl7pPr>
-            <a:lvl8pPr indent="-298450" lvl="7" marL="3657600">
+            <a:lvl8pPr marL="3657600" lvl="7" indent="-298450">
               <a:lnSpc>
                 <a:spcPct val="115000"/>
               </a:lnSpc>
@@ -8303,7 +8728,7 @@
                 <a:sym typeface="Lato"/>
               </a:defRPr>
             </a:lvl8pPr>
-            <a:lvl9pPr indent="-298450" lvl="8" marL="4114800">
+            <a:lvl9pPr marL="4114800" lvl="8" indent="-298450">
               <a:lnSpc>
                 <a:spcPct val="115000"/>
               </a:lnSpc>
@@ -8330,15 +8755,19 @@
               </a:defRPr>
             </a:lvl9pPr>
           </a:lstStyle>
-          <a:p/>
+          <a:p>
+            <a:endParaRPr/>
+          </a:p>
         </p:txBody>
       </p:sp>
       <p:sp>
         <p:nvSpPr>
           <p:cNvPr id="8" name="Google Shape;8;p1"/>
-          <p:cNvSpPr txBox="1"/>
+          <p:cNvSpPr txBox="1">
+            <a:spLocks noGrp="1"/>
+          </p:cNvSpPr>
           <p:nvPr>
-            <p:ph idx="12" type="sldNum"/>
+            <p:ph type="sldNum" idx="12"/>
           </p:nvPr>
         </p:nvSpPr>
         <p:spPr>
@@ -8355,7 +8784,7 @@
           </a:ln>
         </p:spPr>
         <p:txBody>
-          <a:bodyPr anchorCtr="0" anchor="ctr" bIns="91425" lIns="91425" spcFirstLastPara="1" rIns="91425" wrap="square" tIns="91425">
+          <a:bodyPr spcFirstLastPara="1" wrap="square" lIns="91425" tIns="91425" rIns="91425" bIns="91425" anchor="ctr" anchorCtr="0">
             <a:normAutofit/>
           </a:bodyPr>
           <a:lstStyle>
@@ -8469,7 +8898,7 @@
             </a:lvl9pPr>
           </a:lstStyle>
           <a:p>
-            <a:pPr indent="0" lvl="0" marL="0" rtl="0" algn="r">
+            <a:pPr marL="0" lvl="0" indent="0" algn="r" rtl="0">
               <a:spcBef>
                 <a:spcPts val="0"/>
               </a:spcBef>
@@ -8488,7 +8917,7 @@
       </p:sp>
     </p:spTree>
   </p:cSld>
-  <p:clrMap accent1="accent1" accent2="accent2" accent3="accent3" accent4="accent4" accent5="accent5" accent6="accent6" bg1="lt1" bg2="dk2" tx1="dk1" tx2="lt2" folHlink="folHlink" hlink="hlink"/>
+  <p:clrMap bg1="lt1" tx1="dk1" bg2="dk2" tx2="lt2" accent1="accent1" accent2="accent2" accent3="accent3" accent4="accent4" accent5="accent5" accent6="accent6" hlink="hlink" folHlink="folHlink"/>
   <p:sldLayoutIdLst>
     <p:sldLayoutId id="2147483648" r:id="rId1"/>
     <p:sldLayoutId id="2147483649" r:id="rId2"/>
@@ -8502,10 +8931,10 @@
     <p:sldLayoutId id="2147483657" r:id="rId10"/>
     <p:sldLayoutId id="2147483658" r:id="rId11"/>
   </p:sldLayoutIdLst>
-  <p:hf dt="0" ftr="0" hdr="0" sldNum="0"/>
+  <p:hf sldNum="0" hdr="0" ftr="0" dt="0"/>
   <p:txStyles>
     <p:titleStyle>
-      <a:defPPr lvl="0" marR="0" rtl="0" algn="l">
+      <a:defPPr marR="0" lvl="0" algn="l" rtl="0">
         <a:lnSpc>
           <a:spcPct val="100000"/>
         </a:lnSpc>
@@ -8516,7 +8945,7 @@
           <a:spcPts val="0"/>
         </a:spcAft>
       </a:defPPr>
-      <a:lvl1pPr lvl="0" marR="0" rtl="0" algn="l">
+      <a:lvl1pPr marR="0" lvl="0" algn="l" rtl="0">
         <a:lnSpc>
           <a:spcPct val="100000"/>
         </a:lnSpc>
@@ -8530,7 +8959,7 @@
           <a:srgbClr val="000000"/>
         </a:buClr>
         <a:buFont typeface="Arial"/>
-        <a:defRPr b="0" i="0" sz="1400" u="none" cap="none" strike="noStrike">
+        <a:defRPr sz="1400" b="0" i="0" u="none" strike="noStrike" cap="none">
           <a:solidFill>
             <a:srgbClr val="000000"/>
           </a:solidFill>
@@ -8540,7 +8969,7 @@
           <a:sym typeface="Arial"/>
         </a:defRPr>
       </a:lvl1pPr>
-      <a:lvl2pPr lvl="1" marR="0" rtl="0" algn="l">
+      <a:lvl2pPr marR="0" lvl="1" algn="l" rtl="0">
         <a:lnSpc>
           <a:spcPct val="100000"/>
         </a:lnSpc>
@@ -8554,7 +8983,7 @@
           <a:srgbClr val="000000"/>
         </a:buClr>
         <a:buFont typeface="Arial"/>
-        <a:defRPr b="0" i="0" sz="1400" u="none" cap="none" strike="noStrike">
+        <a:defRPr sz="1400" b="0" i="0" u="none" strike="noStrike" cap="none">
           <a:solidFill>
             <a:srgbClr val="000000"/>
           </a:solidFill>
@@ -8564,7 +8993,7 @@
           <a:sym typeface="Arial"/>
         </a:defRPr>
       </a:lvl2pPr>
-      <a:lvl3pPr lvl="2" marR="0" rtl="0" algn="l">
+      <a:lvl3pPr marR="0" lvl="2" algn="l" rtl="0">
         <a:lnSpc>
           <a:spcPct val="100000"/>
         </a:lnSpc>
@@ -8578,7 +9007,7 @@
           <a:srgbClr val="000000"/>
         </a:buClr>
         <a:buFont typeface="Arial"/>
-        <a:defRPr b="0" i="0" sz="1400" u="none" cap="none" strike="noStrike">
+        <a:defRPr sz="1400" b="0" i="0" u="none" strike="noStrike" cap="none">
           <a:solidFill>
             <a:srgbClr val="000000"/>
           </a:solidFill>
@@ -8588,7 +9017,7 @@
           <a:sym typeface="Arial"/>
         </a:defRPr>
       </a:lvl3pPr>
-      <a:lvl4pPr lvl="3" marR="0" rtl="0" algn="l">
+      <a:lvl4pPr marR="0" lvl="3" algn="l" rtl="0">
         <a:lnSpc>
           <a:spcPct val="100000"/>
         </a:lnSpc>
@@ -8602,7 +9031,7 @@
           <a:srgbClr val="000000"/>
         </a:buClr>
         <a:buFont typeface="Arial"/>
-        <a:defRPr b="0" i="0" sz="1400" u="none" cap="none" strike="noStrike">
+        <a:defRPr sz="1400" b="0" i="0" u="none" strike="noStrike" cap="none">
           <a:solidFill>
             <a:srgbClr val="000000"/>
           </a:solidFill>
@@ -8612,7 +9041,7 @@
           <a:sym typeface="Arial"/>
         </a:defRPr>
       </a:lvl4pPr>
-      <a:lvl5pPr lvl="4" marR="0" rtl="0" algn="l">
+      <a:lvl5pPr marR="0" lvl="4" algn="l" rtl="0">
         <a:lnSpc>
           <a:spcPct val="100000"/>
         </a:lnSpc>
@@ -8626,7 +9055,7 @@
           <a:srgbClr val="000000"/>
         </a:buClr>
         <a:buFont typeface="Arial"/>
-        <a:defRPr b="0" i="0" sz="1400" u="none" cap="none" strike="noStrike">
+        <a:defRPr sz="1400" b="0" i="0" u="none" strike="noStrike" cap="none">
           <a:solidFill>
             <a:srgbClr val="000000"/>
           </a:solidFill>
@@ -8636,7 +9065,7 @@
           <a:sym typeface="Arial"/>
         </a:defRPr>
       </a:lvl5pPr>
-      <a:lvl6pPr lvl="5" marR="0" rtl="0" algn="l">
+      <a:lvl6pPr marR="0" lvl="5" algn="l" rtl="0">
         <a:lnSpc>
           <a:spcPct val="100000"/>
         </a:lnSpc>
@@ -8650,7 +9079,7 @@
           <a:srgbClr val="000000"/>
         </a:buClr>
         <a:buFont typeface="Arial"/>
-        <a:defRPr b="0" i="0" sz="1400" u="none" cap="none" strike="noStrike">
+        <a:defRPr sz="1400" b="0" i="0" u="none" strike="noStrike" cap="none">
           <a:solidFill>
             <a:srgbClr val="000000"/>
           </a:solidFill>
@@ -8660,7 +9089,7 @@
           <a:sym typeface="Arial"/>
         </a:defRPr>
       </a:lvl6pPr>
-      <a:lvl7pPr lvl="6" marR="0" rtl="0" algn="l">
+      <a:lvl7pPr marR="0" lvl="6" algn="l" rtl="0">
         <a:lnSpc>
           <a:spcPct val="100000"/>
         </a:lnSpc>
@@ -8674,7 +9103,7 @@
           <a:srgbClr val="000000"/>
         </a:buClr>
         <a:buFont typeface="Arial"/>
-        <a:defRPr b="0" i="0" sz="1400" u="none" cap="none" strike="noStrike">
+        <a:defRPr sz="1400" b="0" i="0" u="none" strike="noStrike" cap="none">
           <a:solidFill>
             <a:srgbClr val="000000"/>
           </a:solidFill>
@@ -8684,7 +9113,7 @@
           <a:sym typeface="Arial"/>
         </a:defRPr>
       </a:lvl7pPr>
-      <a:lvl8pPr lvl="7" marR="0" rtl="0" algn="l">
+      <a:lvl8pPr marR="0" lvl="7" algn="l" rtl="0">
         <a:lnSpc>
           <a:spcPct val="100000"/>
         </a:lnSpc>
@@ -8698,7 +9127,7 @@
           <a:srgbClr val="000000"/>
         </a:buClr>
         <a:buFont typeface="Arial"/>
-        <a:defRPr b="0" i="0" sz="1400" u="none" cap="none" strike="noStrike">
+        <a:defRPr sz="1400" b="0" i="0" u="none" strike="noStrike" cap="none">
           <a:solidFill>
             <a:srgbClr val="000000"/>
           </a:solidFill>
@@ -8708,7 +9137,7 @@
           <a:sym typeface="Arial"/>
         </a:defRPr>
       </a:lvl8pPr>
-      <a:lvl9pPr lvl="8" marR="0" rtl="0" algn="l">
+      <a:lvl9pPr marR="0" lvl="8" algn="l" rtl="0">
         <a:lnSpc>
           <a:spcPct val="100000"/>
         </a:lnSpc>
@@ -8722,7 +9151,7 @@
           <a:srgbClr val="000000"/>
         </a:buClr>
         <a:buFont typeface="Arial"/>
-        <a:defRPr b="0" i="0" sz="1400" u="none" cap="none" strike="noStrike">
+        <a:defRPr sz="1400" b="0" i="0" u="none" strike="noStrike" cap="none">
           <a:solidFill>
             <a:srgbClr val="000000"/>
           </a:solidFill>
@@ -8734,7 +9163,7 @@
       </a:lvl9pPr>
     </p:titleStyle>
     <p:bodyStyle>
-      <a:defPPr lvl="0" marR="0" rtl="0" algn="l">
+      <a:defPPr marR="0" lvl="0" algn="l" rtl="0">
         <a:lnSpc>
           <a:spcPct val="100000"/>
         </a:lnSpc>
@@ -8745,7 +9174,7 @@
           <a:spcPts val="0"/>
         </a:spcAft>
       </a:defPPr>
-      <a:lvl1pPr lvl="0" marR="0" rtl="0" algn="l">
+      <a:lvl1pPr marR="0" lvl="0" algn="l" rtl="0">
         <a:lnSpc>
           <a:spcPct val="100000"/>
         </a:lnSpc>
@@ -8759,7 +9188,7 @@
           <a:srgbClr val="000000"/>
         </a:buClr>
         <a:buFont typeface="Arial"/>
-        <a:defRPr b="0" i="0" sz="1400" u="none" cap="none" strike="noStrike">
+        <a:defRPr sz="1400" b="0" i="0" u="none" strike="noStrike" cap="none">
           <a:solidFill>
             <a:srgbClr val="000000"/>
           </a:solidFill>
@@ -8769,7 +9198,7 @@
           <a:sym typeface="Arial"/>
         </a:defRPr>
       </a:lvl1pPr>
-      <a:lvl2pPr lvl="1" marR="0" rtl="0" algn="l">
+      <a:lvl2pPr marR="0" lvl="1" algn="l" rtl="0">
         <a:lnSpc>
           <a:spcPct val="100000"/>
         </a:lnSpc>
@@ -8783,7 +9212,7 @@
           <a:srgbClr val="000000"/>
         </a:buClr>
         <a:buFont typeface="Arial"/>
-        <a:defRPr b="0" i="0" sz="1400" u="none" cap="none" strike="noStrike">
+        <a:defRPr sz="1400" b="0" i="0" u="none" strike="noStrike" cap="none">
           <a:solidFill>
             <a:srgbClr val="000000"/>
           </a:solidFill>
@@ -8793,7 +9222,7 @@
           <a:sym typeface="Arial"/>
         </a:defRPr>
       </a:lvl2pPr>
-      <a:lvl3pPr lvl="2" marR="0" rtl="0" algn="l">
+      <a:lvl3pPr marR="0" lvl="2" algn="l" rtl="0">
         <a:lnSpc>
           <a:spcPct val="100000"/>
         </a:lnSpc>
@@ -8807,7 +9236,7 @@
           <a:srgbClr val="000000"/>
         </a:buClr>
         <a:buFont typeface="Arial"/>
-        <a:defRPr b="0" i="0" sz="1400" u="none" cap="none" strike="noStrike">
+        <a:defRPr sz="1400" b="0" i="0" u="none" strike="noStrike" cap="none">
           <a:solidFill>
             <a:srgbClr val="000000"/>
           </a:solidFill>
@@ -8817,7 +9246,7 @@
           <a:sym typeface="Arial"/>
         </a:defRPr>
       </a:lvl3pPr>
-      <a:lvl4pPr lvl="3" marR="0" rtl="0" algn="l">
+      <a:lvl4pPr marR="0" lvl="3" algn="l" rtl="0">
         <a:lnSpc>
           <a:spcPct val="100000"/>
         </a:lnSpc>
@@ -8831,7 +9260,7 @@
           <a:srgbClr val="000000"/>
         </a:buClr>
         <a:buFont typeface="Arial"/>
-        <a:defRPr b="0" i="0" sz="1400" u="none" cap="none" strike="noStrike">
+        <a:defRPr sz="1400" b="0" i="0" u="none" strike="noStrike" cap="none">
           <a:solidFill>
             <a:srgbClr val="000000"/>
           </a:solidFill>
@@ -8841,7 +9270,7 @@
           <a:sym typeface="Arial"/>
         </a:defRPr>
       </a:lvl4pPr>
-      <a:lvl5pPr lvl="4" marR="0" rtl="0" algn="l">
+      <a:lvl5pPr marR="0" lvl="4" algn="l" rtl="0">
         <a:lnSpc>
           <a:spcPct val="100000"/>
         </a:lnSpc>
@@ -8855,7 +9284,7 @@
           <a:srgbClr val="000000"/>
         </a:buClr>
         <a:buFont typeface="Arial"/>
-        <a:defRPr b="0" i="0" sz="1400" u="none" cap="none" strike="noStrike">
+        <a:defRPr sz="1400" b="0" i="0" u="none" strike="noStrike" cap="none">
           <a:solidFill>
             <a:srgbClr val="000000"/>
           </a:solidFill>
@@ -8865,7 +9294,7 @@
           <a:sym typeface="Arial"/>
         </a:defRPr>
       </a:lvl5pPr>
-      <a:lvl6pPr lvl="5" marR="0" rtl="0" algn="l">
+      <a:lvl6pPr marR="0" lvl="5" algn="l" rtl="0">
         <a:lnSpc>
           <a:spcPct val="100000"/>
         </a:lnSpc>
@@ -8879,7 +9308,7 @@
           <a:srgbClr val="000000"/>
         </a:buClr>
         <a:buFont typeface="Arial"/>
-        <a:defRPr b="0" i="0" sz="1400" u="none" cap="none" strike="noStrike">
+        <a:defRPr sz="1400" b="0" i="0" u="none" strike="noStrike" cap="none">
           <a:solidFill>
             <a:srgbClr val="000000"/>
           </a:solidFill>
@@ -8889,7 +9318,7 @@
           <a:sym typeface="Arial"/>
         </a:defRPr>
       </a:lvl6pPr>
-      <a:lvl7pPr lvl="6" marR="0" rtl="0" algn="l">
+      <a:lvl7pPr marR="0" lvl="6" algn="l" rtl="0">
         <a:lnSpc>
           <a:spcPct val="100000"/>
         </a:lnSpc>
@@ -8903,7 +9332,7 @@
           <a:srgbClr val="000000"/>
         </a:buClr>
         <a:buFont typeface="Arial"/>
-        <a:defRPr b="0" i="0" sz="1400" u="none" cap="none" strike="noStrike">
+        <a:defRPr sz="1400" b="0" i="0" u="none" strike="noStrike" cap="none">
           <a:solidFill>
             <a:srgbClr val="000000"/>
           </a:solidFill>
@@ -8913,7 +9342,7 @@
           <a:sym typeface="Arial"/>
         </a:defRPr>
       </a:lvl7pPr>
-      <a:lvl8pPr lvl="7" marR="0" rtl="0" algn="l">
+      <a:lvl8pPr marR="0" lvl="7" algn="l" rtl="0">
         <a:lnSpc>
           <a:spcPct val="100000"/>
         </a:lnSpc>
@@ -8927,7 +9356,7 @@
           <a:srgbClr val="000000"/>
         </a:buClr>
         <a:buFont typeface="Arial"/>
-        <a:defRPr b="0" i="0" sz="1400" u="none" cap="none" strike="noStrike">
+        <a:defRPr sz="1400" b="0" i="0" u="none" strike="noStrike" cap="none">
           <a:solidFill>
             <a:srgbClr val="000000"/>
           </a:solidFill>
@@ -8937,7 +9366,7 @@
           <a:sym typeface="Arial"/>
         </a:defRPr>
       </a:lvl8pPr>
-      <a:lvl9pPr lvl="8" marR="0" rtl="0" algn="l">
+      <a:lvl9pPr marR="0" lvl="8" algn="l" rtl="0">
         <a:lnSpc>
           <a:spcPct val="100000"/>
         </a:lnSpc>
@@ -8951,7 +9380,7 @@
           <a:srgbClr val="000000"/>
         </a:buClr>
         <a:buFont typeface="Arial"/>
-        <a:defRPr b="0" i="0" sz="1400" u="none" cap="none" strike="noStrike">
+        <a:defRPr sz="1400" b="0" i="0" u="none" strike="noStrike" cap="none">
           <a:solidFill>
             <a:srgbClr val="000000"/>
           </a:solidFill>
@@ -8963,7 +9392,7 @@
       </a:lvl9pPr>
     </p:bodyStyle>
     <p:otherStyle>
-      <a:defPPr lvl="0" marR="0" rtl="0" algn="l">
+      <a:defPPr marR="0" lvl="0" algn="l" rtl="0">
         <a:lnSpc>
           <a:spcPct val="100000"/>
         </a:lnSpc>
@@ -8974,7 +9403,7 @@
           <a:spcPts val="0"/>
         </a:spcAft>
       </a:defPPr>
-      <a:lvl1pPr lvl="0" marR="0" rtl="0" algn="l">
+      <a:lvl1pPr marR="0" lvl="0" algn="l" rtl="0">
         <a:lnSpc>
           <a:spcPct val="100000"/>
         </a:lnSpc>
@@ -8988,7 +9417,7 @@
           <a:srgbClr val="000000"/>
         </a:buClr>
         <a:buFont typeface="Arial"/>
-        <a:defRPr b="0" i="0" sz="1400" u="none" cap="none" strike="noStrike">
+        <a:defRPr sz="1400" b="0" i="0" u="none" strike="noStrike" cap="none">
           <a:solidFill>
             <a:srgbClr val="000000"/>
           </a:solidFill>
@@ -8998,7 +9427,7 @@
           <a:sym typeface="Arial"/>
         </a:defRPr>
       </a:lvl1pPr>
-      <a:lvl2pPr lvl="1" marR="0" rtl="0" algn="l">
+      <a:lvl2pPr marR="0" lvl="1" algn="l" rtl="0">
         <a:lnSpc>
           <a:spcPct val="100000"/>
         </a:lnSpc>
@@ -9012,7 +9441,7 @@
           <a:srgbClr val="000000"/>
         </a:buClr>
         <a:buFont typeface="Arial"/>
-        <a:defRPr b="0" i="0" sz="1400" u="none" cap="none" strike="noStrike">
+        <a:defRPr sz="1400" b="0" i="0" u="none" strike="noStrike" cap="none">
           <a:solidFill>
             <a:srgbClr val="000000"/>
           </a:solidFill>
@@ -9022,7 +9451,7 @@
           <a:sym typeface="Arial"/>
         </a:defRPr>
       </a:lvl2pPr>
-      <a:lvl3pPr lvl="2" marR="0" rtl="0" algn="l">
+      <a:lvl3pPr marR="0" lvl="2" algn="l" rtl="0">
         <a:lnSpc>
           <a:spcPct val="100000"/>
         </a:lnSpc>
@@ -9036,7 +9465,7 @@
           <a:srgbClr val="000000"/>
         </a:buClr>
         <a:buFont typeface="Arial"/>
-        <a:defRPr b="0" i="0" sz="1400" u="none" cap="none" strike="noStrike">
+        <a:defRPr sz="1400" b="0" i="0" u="none" strike="noStrike" cap="none">
           <a:solidFill>
             <a:srgbClr val="000000"/>
           </a:solidFill>
@@ -9046,7 +9475,7 @@
           <a:sym typeface="Arial"/>
         </a:defRPr>
       </a:lvl3pPr>
-      <a:lvl4pPr lvl="3" marR="0" rtl="0" algn="l">
+      <a:lvl4pPr marR="0" lvl="3" algn="l" rtl="0">
         <a:lnSpc>
           <a:spcPct val="100000"/>
         </a:lnSpc>
@@ -9060,7 +9489,7 @@
           <a:srgbClr val="000000"/>
         </a:buClr>
         <a:buFont typeface="Arial"/>
-        <a:defRPr b="0" i="0" sz="1400" u="none" cap="none" strike="noStrike">
+        <a:defRPr sz="1400" b="0" i="0" u="none" strike="noStrike" cap="none">
           <a:solidFill>
             <a:srgbClr val="000000"/>
           </a:solidFill>
@@ -9070,7 +9499,7 @@
           <a:sym typeface="Arial"/>
         </a:defRPr>
       </a:lvl4pPr>
-      <a:lvl5pPr lvl="4" marR="0" rtl="0" algn="l">
+      <a:lvl5pPr marR="0" lvl="4" algn="l" rtl="0">
         <a:lnSpc>
           <a:spcPct val="100000"/>
         </a:lnSpc>
@@ -9084,7 +9513,7 @@
           <a:srgbClr val="000000"/>
         </a:buClr>
         <a:buFont typeface="Arial"/>
-        <a:defRPr b="0" i="0" sz="1400" u="none" cap="none" strike="noStrike">
+        <a:defRPr sz="1400" b="0" i="0" u="none" strike="noStrike" cap="none">
           <a:solidFill>
             <a:srgbClr val="000000"/>
           </a:solidFill>
@@ -9094,7 +9523,7 @@
           <a:sym typeface="Arial"/>
         </a:defRPr>
       </a:lvl5pPr>
-      <a:lvl6pPr lvl="5" marR="0" rtl="0" algn="l">
+      <a:lvl6pPr marR="0" lvl="5" algn="l" rtl="0">
         <a:lnSpc>
           <a:spcPct val="100000"/>
         </a:lnSpc>
@@ -9108,7 +9537,7 @@
           <a:srgbClr val="000000"/>
         </a:buClr>
         <a:buFont typeface="Arial"/>
-        <a:defRPr b="0" i="0" sz="1400" u="none" cap="none" strike="noStrike">
+        <a:defRPr sz="1400" b="0" i="0" u="none" strike="noStrike" cap="none">
           <a:solidFill>
             <a:srgbClr val="000000"/>
           </a:solidFill>
@@ -9118,7 +9547,7 @@
           <a:sym typeface="Arial"/>
         </a:defRPr>
       </a:lvl6pPr>
-      <a:lvl7pPr lvl="6" marR="0" rtl="0" algn="l">
+      <a:lvl7pPr marR="0" lvl="6" algn="l" rtl="0">
         <a:lnSpc>
           <a:spcPct val="100000"/>
         </a:lnSpc>
@@ -9132,7 +9561,7 @@
           <a:srgbClr val="000000"/>
         </a:buClr>
         <a:buFont typeface="Arial"/>
-        <a:defRPr b="0" i="0" sz="1400" u="none" cap="none" strike="noStrike">
+        <a:defRPr sz="1400" b="0" i="0" u="none" strike="noStrike" cap="none">
           <a:solidFill>
             <a:srgbClr val="000000"/>
           </a:solidFill>
@@ -9142,7 +9571,7 @@
           <a:sym typeface="Arial"/>
         </a:defRPr>
       </a:lvl7pPr>
-      <a:lvl8pPr lvl="7" marR="0" rtl="0" algn="l">
+      <a:lvl8pPr marR="0" lvl="7" algn="l" rtl="0">
         <a:lnSpc>
           <a:spcPct val="100000"/>
         </a:lnSpc>
@@ -9156,7 +9585,7 @@
           <a:srgbClr val="000000"/>
         </a:buClr>
         <a:buFont typeface="Arial"/>
-        <a:defRPr b="0" i="0" sz="1400" u="none" cap="none" strike="noStrike">
+        <a:defRPr sz="1400" b="0" i="0" u="none" strike="noStrike" cap="none">
           <a:solidFill>
             <a:srgbClr val="000000"/>
           </a:solidFill>
@@ -9166,7 +9595,7 @@
           <a:sym typeface="Arial"/>
         </a:defRPr>
       </a:lvl8pPr>
-      <a:lvl9pPr lvl="8" marR="0" rtl="0" algn="l">
+      <a:lvl9pPr marR="0" lvl="8" algn="l" rtl="0">
         <a:lnSpc>
           <a:spcPct val="100000"/>
         </a:lnSpc>
@@ -9180,7 +9609,7 @@
           <a:srgbClr val="000000"/>
         </a:buClr>
         <a:buFont typeface="Arial"/>
-        <a:defRPr b="0" i="0" sz="1400" u="none" cap="none" strike="noStrike">
+        <a:defRPr sz="1400" b="0" i="0" u="none" strike="noStrike" cap="none">
           <a:solidFill>
             <a:srgbClr val="000000"/>
           </a:solidFill>
@@ -9196,11 +9625,11 @@
 </file>
 
 <file path=ppt/slides/slide1.xml><?xml version="1.0" encoding="utf-8"?>
-<p:sld xmlns:a="http://schemas.openxmlformats.org/drawingml/2006/main" xmlns:r="http://schemas.openxmlformats.org/officeDocument/2006/relationships" xmlns:mc="http://schemas.openxmlformats.org/markup-compatibility/2006" xmlns:mv="urn:schemas-microsoft-com:mac:vml" xmlns:p="http://schemas.openxmlformats.org/presentationml/2006/main" xmlns:c="http://schemas.openxmlformats.org/drawingml/2006/chart" xmlns:dgm="http://schemas.openxmlformats.org/drawingml/2006/diagram" xmlns:o="urn:schemas-microsoft-com:office:office" xmlns:v="urn:schemas-microsoft-com:vml" xmlns:pvml="urn:schemas-microsoft-com:office:powerpoint" xmlns:com="http://schemas.openxmlformats.org/drawingml/2006/compatibility" xmlns:p14="http://schemas.microsoft.com/office/powerpoint/2010/main" xmlns:p15="http://schemas.microsoft.com/office/powerpoint/2012/main" xmlns:ahyp="http://schemas.microsoft.com/office/drawing/2018/hyperlinkcolor">
+<p:sld xmlns:a="http://schemas.openxmlformats.org/drawingml/2006/main" xmlns:r="http://schemas.openxmlformats.org/officeDocument/2006/relationships" xmlns:p="http://schemas.openxmlformats.org/presentationml/2006/main">
   <p:cSld>
     <p:spTree>
       <p:nvGrpSpPr>
-        <p:cNvPr id="85" name="Shape 85"/>
+        <p:cNvPr id="1" name="Shape 85"/>
         <p:cNvGrpSpPr/>
         <p:nvPr/>
       </p:nvGrpSpPr>
@@ -9215,7 +9644,9 @@
       <p:sp>
         <p:nvSpPr>
           <p:cNvPr id="86" name="Google Shape;86;p13"/>
-          <p:cNvSpPr txBox="1"/>
+          <p:cNvSpPr txBox="1">
+            <a:spLocks noGrp="1"/>
+          </p:cNvSpPr>
           <p:nvPr>
             <p:ph type="ctrTitle"/>
           </p:nvPr>
@@ -9230,23 +9661,20 @@
           </a:prstGeom>
         </p:spPr>
         <p:txBody>
-          <a:bodyPr anchorCtr="0" anchor="t" bIns="91425" lIns="91425" spcFirstLastPara="1" rIns="91425" wrap="square" tIns="91425">
+          <a:bodyPr spcFirstLastPara="1" wrap="square" lIns="91425" tIns="91425" rIns="91425" bIns="91425" anchor="t" anchorCtr="0">
             <a:spAutoFit/>
           </a:bodyPr>
           <a:lstStyle/>
           <a:p>
-            <a:pPr indent="0" lvl="0" marL="0" rtl="0" algn="l">
-              <a:spcBef>
-                <a:spcPts val="0"/>
-              </a:spcBef>
-              <a:spcAft>
-                <a:spcPts val="0"/>
-              </a:spcAft>
-              <a:buNone/>
-            </a:pPr>
-            <a:r>
-              <a:t/>
-            </a:r>
+            <a:pPr marL="0" lvl="0" indent="0" algn="l" rtl="0">
+              <a:spcBef>
+                <a:spcPts val="0"/>
+              </a:spcBef>
+              <a:spcAft>
+                <a:spcPts val="0"/>
+              </a:spcAft>
+              <a:buNone/>
+            </a:pPr>
             <a:endParaRPr sz="200"/>
           </a:p>
         </p:txBody>
@@ -9254,9 +9682,11 @@
       <p:sp>
         <p:nvSpPr>
           <p:cNvPr id="87" name="Google Shape;87;p13"/>
-          <p:cNvSpPr txBox="1"/>
+          <p:cNvSpPr txBox="1">
+            <a:spLocks noGrp="1"/>
+          </p:cNvSpPr>
           <p:nvPr>
-            <p:ph idx="1" type="subTitle"/>
+            <p:ph type="subTitle" idx="1"/>
           </p:nvPr>
         </p:nvSpPr>
         <p:spPr>
@@ -9269,12 +9699,12 @@
           </a:prstGeom>
         </p:spPr>
         <p:txBody>
-          <a:bodyPr anchorCtr="0" anchor="t" bIns="91425" lIns="91425" spcFirstLastPara="1" rIns="91425" wrap="square" tIns="91425">
+          <a:bodyPr spcFirstLastPara="1" wrap="square" lIns="91425" tIns="91425" rIns="91425" bIns="91425" anchor="t" anchorCtr="0">
             <a:normAutofit/>
           </a:bodyPr>
           <a:lstStyle/>
           <a:p>
-            <a:pPr indent="0" lvl="0" marL="0" rtl="0" algn="ctr">
+            <a:pPr marL="0" lvl="0" indent="0" algn="ctr" rtl="0">
               <a:spcBef>
                 <a:spcPts val="0"/>
               </a:spcBef>
@@ -9284,7 +9714,7 @@
               <a:buNone/>
             </a:pPr>
             <a:r>
-              <a:rPr b="1" lang="en" sz="2100">
+              <a:rPr lang="en" sz="2100" b="1">
                 <a:solidFill>
                   <a:srgbClr val="111111"/>
                 </a:solidFill>
@@ -9293,21 +9723,9 @@
                 <a:cs typeface="Times New Roman"/>
                 <a:sym typeface="Times New Roman"/>
               </a:rPr>
-              <a:t>Employee Attrition Prediction Using Machine Learning </a:t>
+              <a:t>Employee Attrition Prediction Using Machine Learning Algorithm</a:t>
             </a:r>
-            <a:r>
-              <a:rPr b="1" lang="en" sz="2100">
-                <a:solidFill>
-                  <a:srgbClr val="111111"/>
-                </a:solidFill>
-                <a:latin typeface="Times New Roman"/>
-                <a:ea typeface="Times New Roman"/>
-                <a:cs typeface="Times New Roman"/>
-                <a:sym typeface="Times New Roman"/>
-              </a:rPr>
-              <a:t>Algorithm</a:t>
-            </a:r>
-            <a:endParaRPr b="1" sz="2100">
+            <a:endParaRPr sz="2100" b="1">
               <a:solidFill>
                 <a:srgbClr val="111111"/>
               </a:solidFill>
@@ -9367,12 +9785,12 @@
           </a:ln>
         </p:spPr>
         <p:txBody>
-          <a:bodyPr anchorCtr="0" anchor="t" bIns="91425" lIns="91425" spcFirstLastPara="1" rIns="91425" wrap="square" tIns="91425">
+          <a:bodyPr spcFirstLastPara="1" wrap="square" lIns="91425" tIns="91425" rIns="91425" bIns="91425" anchor="t" anchorCtr="0">
             <a:spAutoFit/>
           </a:bodyPr>
           <a:lstStyle/>
           <a:p>
-            <a:pPr indent="0" lvl="0" marL="0" rtl="0" algn="l">
+            <a:pPr marL="0" lvl="0" indent="0" algn="l" rtl="0">
               <a:spcBef>
                 <a:spcPts val="0"/>
               </a:spcBef>
@@ -9382,7 +9800,7 @@
               <a:buNone/>
             </a:pPr>
             <a:r>
-              <a:rPr b="1" lang="en">
+              <a:rPr lang="en" b="1">
                 <a:latin typeface="Lato"/>
                 <a:ea typeface="Lato"/>
                 <a:cs typeface="Lato"/>
@@ -9398,7 +9816,7 @@
             </a:endParaRPr>
           </a:p>
           <a:p>
-            <a:pPr indent="0" lvl="0" marL="0" rtl="0" algn="l">
+            <a:pPr marL="0" lvl="0" indent="0" algn="l" rtl="0">
               <a:spcBef>
                 <a:spcPts val="0"/>
               </a:spcBef>
@@ -9408,7 +9826,7 @@
               <a:buNone/>
             </a:pPr>
             <a:r>
-              <a:rPr b="1" lang="en">
+              <a:rPr lang="en" b="1">
                 <a:latin typeface="Lato"/>
                 <a:ea typeface="Lato"/>
                 <a:cs typeface="Lato"/>
@@ -9424,18 +9842,15 @@
             </a:endParaRPr>
           </a:p>
           <a:p>
-            <a:pPr indent="0" lvl="0" marL="0" rtl="0" algn="l">
-              <a:spcBef>
-                <a:spcPts val="0"/>
-              </a:spcBef>
-              <a:spcAft>
-                <a:spcPts val="0"/>
-              </a:spcAft>
-              <a:buNone/>
-            </a:pPr>
-            <a:r>
-              <a:t/>
-            </a:r>
+            <a:pPr marL="0" lvl="0" indent="0" algn="l" rtl="0">
+              <a:spcBef>
+                <a:spcPts val="0"/>
+              </a:spcBef>
+              <a:spcAft>
+                <a:spcPts val="0"/>
+              </a:spcAft>
+              <a:buNone/>
+            </a:pPr>
             <a:endParaRPr b="1">
               <a:latin typeface="Lato"/>
               <a:ea typeface="Lato"/>
@@ -9444,18 +9859,15 @@
             </a:endParaRPr>
           </a:p>
           <a:p>
-            <a:pPr indent="0" lvl="0" marL="0" rtl="0" algn="l">
-              <a:spcBef>
-                <a:spcPts val="0"/>
-              </a:spcBef>
-              <a:spcAft>
-                <a:spcPts val="0"/>
-              </a:spcAft>
-              <a:buNone/>
-            </a:pPr>
-            <a:r>
-              <a:t/>
-            </a:r>
+            <a:pPr marL="0" lvl="0" indent="0" algn="l" rtl="0">
+              <a:spcBef>
+                <a:spcPts val="0"/>
+              </a:spcBef>
+              <a:spcAft>
+                <a:spcPts val="0"/>
+              </a:spcAft>
+              <a:buNone/>
+            </a:pPr>
             <a:endParaRPr>
               <a:latin typeface="Lato"/>
               <a:ea typeface="Lato"/>
@@ -9464,18 +9876,15 @@
             </a:endParaRPr>
           </a:p>
           <a:p>
-            <a:pPr indent="0" lvl="0" marL="0" rtl="0" algn="l">
-              <a:spcBef>
-                <a:spcPts val="0"/>
-              </a:spcBef>
-              <a:spcAft>
-                <a:spcPts val="0"/>
-              </a:spcAft>
-              <a:buNone/>
-            </a:pPr>
-            <a:r>
-              <a:t/>
-            </a:r>
+            <a:pPr marL="0" lvl="0" indent="0" algn="l" rtl="0">
+              <a:spcBef>
+                <a:spcPts val="0"/>
+              </a:spcBef>
+              <a:spcAft>
+                <a:spcPts val="0"/>
+              </a:spcAft>
+              <a:buNone/>
+            </a:pPr>
             <a:endParaRPr>
               <a:latin typeface="Lato"/>
               <a:ea typeface="Lato"/>
@@ -9484,7 +9893,7 @@
             </a:endParaRPr>
           </a:p>
           <a:p>
-            <a:pPr indent="0" lvl="0" marL="0" rtl="0" algn="l">
+            <a:pPr marL="0" lvl="0" indent="0" algn="l" rtl="0">
               <a:spcBef>
                 <a:spcPts val="0"/>
               </a:spcBef>
@@ -9494,7 +9903,7 @@
               <a:buNone/>
             </a:pPr>
             <a:r>
-              <a:rPr b="1" lang="en">
+              <a:rPr lang="en" b="1">
                 <a:latin typeface="Lato"/>
                 <a:ea typeface="Lato"/>
                 <a:cs typeface="Lato"/>
@@ -9520,11 +9929,11 @@
 </file>
 
 <file path=ppt/slides/slide10.xml><?xml version="1.0" encoding="utf-8"?>
-<p:sld xmlns:a="http://schemas.openxmlformats.org/drawingml/2006/main" xmlns:r="http://schemas.openxmlformats.org/officeDocument/2006/relationships" xmlns:mc="http://schemas.openxmlformats.org/markup-compatibility/2006" xmlns:mv="urn:schemas-microsoft-com:mac:vml" xmlns:p="http://schemas.openxmlformats.org/presentationml/2006/main" xmlns:c="http://schemas.openxmlformats.org/drawingml/2006/chart" xmlns:dgm="http://schemas.openxmlformats.org/drawingml/2006/diagram" xmlns:o="urn:schemas-microsoft-com:office:office" xmlns:v="urn:schemas-microsoft-com:vml" xmlns:pvml="urn:schemas-microsoft-com:office:powerpoint" xmlns:com="http://schemas.openxmlformats.org/drawingml/2006/compatibility" xmlns:p14="http://schemas.microsoft.com/office/powerpoint/2010/main" xmlns:p15="http://schemas.microsoft.com/office/powerpoint/2012/main" xmlns:ahyp="http://schemas.microsoft.com/office/drawing/2018/hyperlinkcolor">
+<p:sld xmlns:a="http://schemas.openxmlformats.org/drawingml/2006/main" xmlns:r="http://schemas.openxmlformats.org/officeDocument/2006/relationships" xmlns:p="http://schemas.openxmlformats.org/presentationml/2006/main">
   <p:cSld>
     <p:spTree>
       <p:nvGrpSpPr>
-        <p:cNvPr id="141" name="Shape 141"/>
+        <p:cNvPr id="1" name="Shape 141"/>
         <p:cNvGrpSpPr/>
         <p:nvPr/>
       </p:nvGrpSpPr>
@@ -9539,7 +9948,9 @@
       <p:sp>
         <p:nvSpPr>
           <p:cNvPr id="142" name="Google Shape;142;p22"/>
-          <p:cNvSpPr txBox="1"/>
+          <p:cNvSpPr txBox="1">
+            <a:spLocks noGrp="1"/>
+          </p:cNvSpPr>
           <p:nvPr>
             <p:ph type="title"/>
           </p:nvPr>
@@ -9554,12 +9965,12 @@
           </a:prstGeom>
         </p:spPr>
         <p:txBody>
-          <a:bodyPr anchorCtr="0" anchor="t" bIns="91425" lIns="91425" spcFirstLastPara="1" rIns="91425" wrap="square" tIns="91425">
+          <a:bodyPr spcFirstLastPara="1" wrap="square" lIns="91425" tIns="91425" rIns="91425" bIns="91425" anchor="t" anchorCtr="0">
             <a:normAutofit fontScale="90000"/>
           </a:bodyPr>
           <a:lstStyle/>
           <a:p>
-            <a:pPr indent="0" lvl="0" marL="0" rtl="0" algn="l">
+            <a:pPr marL="0" lvl="0" indent="0" algn="l" rtl="0">
               <a:spcBef>
                 <a:spcPts val="0"/>
               </a:spcBef>
@@ -9570,11 +9981,7 @@
             </a:pPr>
             <a:r>
               <a:rPr lang="en"/>
-              <a:t>Decision</a:t>
-            </a:r>
-            <a:r>
-              <a:rPr lang="en"/>
-              <a:t> Tree</a:t>
+              <a:t>Decision Tree</a:t>
             </a:r>
             <a:endParaRPr/>
           </a:p>
@@ -9583,9 +9990,11 @@
       <p:sp>
         <p:nvSpPr>
           <p:cNvPr id="143" name="Google Shape;143;p22"/>
-          <p:cNvSpPr txBox="1"/>
+          <p:cNvSpPr txBox="1">
+            <a:spLocks noGrp="1"/>
+          </p:cNvSpPr>
           <p:nvPr>
-            <p:ph idx="1" type="body"/>
+            <p:ph type="body" idx="1"/>
           </p:nvPr>
         </p:nvSpPr>
         <p:spPr>
@@ -9598,12 +10007,12 @@
           </a:prstGeom>
         </p:spPr>
         <p:txBody>
-          <a:bodyPr anchorCtr="0" anchor="t" bIns="91425" lIns="91425" spcFirstLastPara="1" rIns="91425" wrap="square" tIns="91425">
+          <a:bodyPr spcFirstLastPara="1" wrap="square" lIns="91425" tIns="91425" rIns="91425" bIns="91425" anchor="t" anchorCtr="0">
             <a:normAutofit/>
           </a:bodyPr>
           <a:lstStyle/>
           <a:p>
-            <a:pPr indent="0" lvl="0" marL="457200" rtl="0" algn="l">
+            <a:pPr marL="457200" lvl="0" indent="0" algn="l" rtl="0">
               <a:lnSpc>
                 <a:spcPct val="105000"/>
               </a:lnSpc>
@@ -9615,9 +10024,6 @@
               </a:spcAft>
               <a:buNone/>
             </a:pPr>
-            <a:r>
-              <a:t/>
-            </a:r>
             <a:endParaRPr sz="5371">
               <a:solidFill>
                 <a:srgbClr val="111111"/>
@@ -9628,7 +10034,7 @@
             </a:endParaRPr>
           </a:p>
           <a:p>
-            <a:pPr indent="0" lvl="0" marL="0" rtl="0" algn="l">
+            <a:pPr marL="0" lvl="0" indent="0" algn="l" rtl="0">
               <a:lnSpc>
                 <a:spcPct val="100000"/>
               </a:lnSpc>
@@ -9640,9 +10046,6 @@
               </a:spcAft>
               <a:buNone/>
             </a:pPr>
-            <a:r>
-              <a:t/>
-            </a:r>
             <a:endParaRPr/>
           </a:p>
         </p:txBody>
@@ -9684,11 +10087,11 @@
 </file>
 
 <file path=ppt/slides/slide11.xml><?xml version="1.0" encoding="utf-8"?>
-<p:sld xmlns:a="http://schemas.openxmlformats.org/drawingml/2006/main" xmlns:r="http://schemas.openxmlformats.org/officeDocument/2006/relationships" xmlns:mc="http://schemas.openxmlformats.org/markup-compatibility/2006" xmlns:mv="urn:schemas-microsoft-com:mac:vml" xmlns:p="http://schemas.openxmlformats.org/presentationml/2006/main" xmlns:c="http://schemas.openxmlformats.org/drawingml/2006/chart" xmlns:dgm="http://schemas.openxmlformats.org/drawingml/2006/diagram" xmlns:o="urn:schemas-microsoft-com:office:office" xmlns:v="urn:schemas-microsoft-com:vml" xmlns:pvml="urn:schemas-microsoft-com:office:powerpoint" xmlns:com="http://schemas.openxmlformats.org/drawingml/2006/compatibility" xmlns:p14="http://schemas.microsoft.com/office/powerpoint/2010/main" xmlns:p15="http://schemas.microsoft.com/office/powerpoint/2012/main" xmlns:ahyp="http://schemas.microsoft.com/office/drawing/2018/hyperlinkcolor">
+<p:sld xmlns:a="http://schemas.openxmlformats.org/drawingml/2006/main" xmlns:r="http://schemas.openxmlformats.org/officeDocument/2006/relationships" xmlns:p="http://schemas.openxmlformats.org/presentationml/2006/main">
   <p:cSld>
     <p:spTree>
       <p:nvGrpSpPr>
-        <p:cNvPr id="148" name="Shape 148"/>
+        <p:cNvPr id="1" name="Shape 148"/>
         <p:cNvGrpSpPr/>
         <p:nvPr/>
       </p:nvGrpSpPr>
@@ -9703,7 +10106,9 @@
       <p:sp>
         <p:nvSpPr>
           <p:cNvPr id="149" name="Google Shape;149;p23"/>
-          <p:cNvSpPr txBox="1"/>
+          <p:cNvSpPr txBox="1">
+            <a:spLocks noGrp="1"/>
+          </p:cNvSpPr>
           <p:nvPr>
             <p:ph type="title"/>
           </p:nvPr>
@@ -9718,12 +10123,12 @@
           </a:prstGeom>
         </p:spPr>
         <p:txBody>
-          <a:bodyPr anchorCtr="0" anchor="t" bIns="91425" lIns="91425" spcFirstLastPara="1" rIns="91425" wrap="square" tIns="91425">
+          <a:bodyPr spcFirstLastPara="1" wrap="square" lIns="91425" tIns="91425" rIns="91425" bIns="91425" anchor="t" anchorCtr="0">
             <a:normAutofit fontScale="90000"/>
           </a:bodyPr>
           <a:lstStyle/>
           <a:p>
-            <a:pPr indent="0" lvl="0" marL="0" rtl="0" algn="l">
+            <a:pPr marL="0" lvl="0" indent="0" algn="l" rtl="0">
               <a:spcBef>
                 <a:spcPts val="0"/>
               </a:spcBef>
@@ -9743,9 +10148,11 @@
       <p:sp>
         <p:nvSpPr>
           <p:cNvPr id="150" name="Google Shape;150;p23"/>
-          <p:cNvSpPr txBox="1"/>
+          <p:cNvSpPr txBox="1">
+            <a:spLocks noGrp="1"/>
+          </p:cNvSpPr>
           <p:nvPr>
-            <p:ph idx="1" type="body"/>
+            <p:ph type="body" idx="1"/>
           </p:nvPr>
         </p:nvSpPr>
         <p:spPr>
@@ -9758,12 +10165,12 @@
           </a:prstGeom>
         </p:spPr>
         <p:txBody>
-          <a:bodyPr anchorCtr="0" anchor="t" bIns="91425" lIns="91425" spcFirstLastPara="1" rIns="91425" wrap="square" tIns="91425">
+          <a:bodyPr spcFirstLastPara="1" wrap="square" lIns="91425" tIns="91425" rIns="91425" bIns="91425" anchor="t" anchorCtr="0">
             <a:normAutofit/>
           </a:bodyPr>
           <a:lstStyle/>
           <a:p>
-            <a:pPr indent="-311150" lvl="0" marL="457200" rtl="0" algn="just">
+            <a:pPr marL="457200" lvl="0" indent="-311150" algn="just" rtl="0">
               <a:spcBef>
                 <a:spcPts val="1200"/>
               </a:spcBef>
@@ -9776,9 +10183,6 @@
               <a:buSzPts val="1300"/>
               <a:buChar char="●"/>
             </a:pPr>
-            <a:r>
-              <a:t/>
-            </a:r>
             <a:endParaRPr>
               <a:solidFill>
                 <a:srgbClr val="333333"/>
@@ -9789,7 +10193,7 @@
             </a:endParaRPr>
           </a:p>
           <a:p>
-            <a:pPr indent="0" lvl="0" marL="0" rtl="0" algn="l">
+            <a:pPr marL="0" lvl="0" indent="0" algn="l" rtl="0">
               <a:spcBef>
                 <a:spcPts val="1200"/>
               </a:spcBef>
@@ -9798,9 +10202,6 @@
               </a:spcAft>
               <a:buNone/>
             </a:pPr>
-            <a:r>
-              <a:t/>
-            </a:r>
             <a:endParaRPr/>
           </a:p>
         </p:txBody>
@@ -9842,11 +10243,11 @@
 </file>
 
 <file path=ppt/slides/slide12.xml><?xml version="1.0" encoding="utf-8"?>
-<p:sld xmlns:a="http://schemas.openxmlformats.org/drawingml/2006/main" xmlns:r="http://schemas.openxmlformats.org/officeDocument/2006/relationships" xmlns:mc="http://schemas.openxmlformats.org/markup-compatibility/2006" xmlns:mv="urn:schemas-microsoft-com:mac:vml" xmlns:p="http://schemas.openxmlformats.org/presentationml/2006/main" xmlns:c="http://schemas.openxmlformats.org/drawingml/2006/chart" xmlns:dgm="http://schemas.openxmlformats.org/drawingml/2006/diagram" xmlns:o="urn:schemas-microsoft-com:office:office" xmlns:v="urn:schemas-microsoft-com:vml" xmlns:pvml="urn:schemas-microsoft-com:office:powerpoint" xmlns:com="http://schemas.openxmlformats.org/drawingml/2006/compatibility" xmlns:p14="http://schemas.microsoft.com/office/powerpoint/2010/main" xmlns:p15="http://schemas.microsoft.com/office/powerpoint/2012/main" xmlns:ahyp="http://schemas.microsoft.com/office/drawing/2018/hyperlinkcolor">
+<p:sld xmlns:a="http://schemas.openxmlformats.org/drawingml/2006/main" xmlns:r="http://schemas.openxmlformats.org/officeDocument/2006/relationships" xmlns:p="http://schemas.openxmlformats.org/presentationml/2006/main">
   <p:cSld>
     <p:spTree>
       <p:nvGrpSpPr>
-        <p:cNvPr id="155" name="Shape 155"/>
+        <p:cNvPr id="1" name="Shape 155"/>
         <p:cNvGrpSpPr/>
         <p:nvPr/>
       </p:nvGrpSpPr>
@@ -9889,9 +10290,11 @@
       <p:sp>
         <p:nvSpPr>
           <p:cNvPr id="157" name="Google Shape;157;p24"/>
-          <p:cNvSpPr txBox="1"/>
+          <p:cNvSpPr txBox="1">
+            <a:spLocks noGrp="1"/>
+          </p:cNvSpPr>
           <p:nvPr>
-            <p:ph idx="4294967295" type="title"/>
+            <p:ph type="title" idx="4294967295"/>
           </p:nvPr>
         </p:nvSpPr>
         <p:spPr>
@@ -9904,12 +10307,12 @@
           </a:prstGeom>
         </p:spPr>
         <p:txBody>
-          <a:bodyPr anchorCtr="0" anchor="t" bIns="91425" lIns="91425" spcFirstLastPara="1" rIns="91425" wrap="square" tIns="91425">
+          <a:bodyPr spcFirstLastPara="1" wrap="square" lIns="91425" tIns="91425" rIns="91425" bIns="91425" anchor="t" anchorCtr="0">
             <a:normAutofit fontScale="90000"/>
           </a:bodyPr>
           <a:lstStyle/>
           <a:p>
-            <a:pPr indent="0" lvl="0" marL="0" rtl="0" algn="l">
+            <a:pPr marL="0" lvl="0" indent="0" algn="l" rtl="0">
               <a:spcBef>
                 <a:spcPts val="0"/>
               </a:spcBef>
@@ -9925,7 +10328,7 @@
             <a:endParaRPr/>
           </a:p>
           <a:p>
-            <a:pPr indent="0" lvl="0" marL="0" rtl="0" algn="l">
+            <a:pPr marL="0" lvl="0" indent="0" algn="l" rtl="0">
               <a:spcBef>
                 <a:spcPts val="0"/>
               </a:spcBef>
@@ -9936,15 +10339,7 @@
             </a:pPr>
             <a:r>
               <a:rPr lang="en" sz="2022"/>
-              <a:t>(with </a:t>
-            </a:r>
-            <a:r>
-              <a:rPr lang="en" sz="2022"/>
-              <a:t>Hyperparameter</a:t>
-            </a:r>
-            <a:r>
-              <a:rPr lang="en" sz="2022"/>
-              <a:t> tuning)</a:t>
+              <a:t>(with Hyperparameter tuning)</a:t>
             </a:r>
             <a:endParaRPr sz="2022"/>
           </a:p>
@@ -9959,11 +10354,11 @@
 </file>
 
 <file path=ppt/slides/slide13.xml><?xml version="1.0" encoding="utf-8"?>
-<p:sld xmlns:a="http://schemas.openxmlformats.org/drawingml/2006/main" xmlns:r="http://schemas.openxmlformats.org/officeDocument/2006/relationships" xmlns:mc="http://schemas.openxmlformats.org/markup-compatibility/2006" xmlns:mv="urn:schemas-microsoft-com:mac:vml" xmlns:p="http://schemas.openxmlformats.org/presentationml/2006/main" xmlns:c="http://schemas.openxmlformats.org/drawingml/2006/chart" xmlns:dgm="http://schemas.openxmlformats.org/drawingml/2006/diagram" xmlns:o="urn:schemas-microsoft-com:office:office" xmlns:v="urn:schemas-microsoft-com:vml" xmlns:pvml="urn:schemas-microsoft-com:office:powerpoint" xmlns:com="http://schemas.openxmlformats.org/drawingml/2006/compatibility" xmlns:p14="http://schemas.microsoft.com/office/powerpoint/2010/main" xmlns:p15="http://schemas.microsoft.com/office/powerpoint/2012/main" xmlns:ahyp="http://schemas.microsoft.com/office/drawing/2018/hyperlinkcolor">
+<p:sld xmlns:a="http://schemas.openxmlformats.org/drawingml/2006/main" xmlns:r="http://schemas.openxmlformats.org/officeDocument/2006/relationships" xmlns:p="http://schemas.openxmlformats.org/presentationml/2006/main">
   <p:cSld>
     <p:spTree>
       <p:nvGrpSpPr>
-        <p:cNvPr id="161" name="Shape 161"/>
+        <p:cNvPr id="1" name="Shape 161"/>
         <p:cNvGrpSpPr/>
         <p:nvPr/>
       </p:nvGrpSpPr>
@@ -9978,7 +10373,9 @@
       <p:sp>
         <p:nvSpPr>
           <p:cNvPr id="162" name="Google Shape;162;p25"/>
-          <p:cNvSpPr txBox="1"/>
+          <p:cNvSpPr txBox="1">
+            <a:spLocks noGrp="1"/>
+          </p:cNvSpPr>
           <p:nvPr>
             <p:ph type="title"/>
           </p:nvPr>
@@ -9993,12 +10390,12 @@
           </a:prstGeom>
         </p:spPr>
         <p:txBody>
-          <a:bodyPr anchorCtr="0" anchor="t" bIns="91425" lIns="91425" spcFirstLastPara="1" rIns="91425" wrap="square" tIns="91425">
+          <a:bodyPr spcFirstLastPara="1" wrap="square" lIns="91425" tIns="91425" rIns="91425" bIns="91425" anchor="t" anchorCtr="0">
             <a:normAutofit fontScale="90000"/>
           </a:bodyPr>
           <a:lstStyle/>
           <a:p>
-            <a:pPr indent="0" lvl="0" marL="0" rtl="0" algn="l">
+            <a:pPr marL="0" lvl="0" indent="0" algn="l" rtl="0">
               <a:spcBef>
                 <a:spcPts val="0"/>
               </a:spcBef>
@@ -10018,9 +10415,11 @@
       <p:sp>
         <p:nvSpPr>
           <p:cNvPr id="163" name="Google Shape;163;p25"/>
-          <p:cNvSpPr txBox="1"/>
+          <p:cNvSpPr txBox="1">
+            <a:spLocks noGrp="1"/>
+          </p:cNvSpPr>
           <p:nvPr>
-            <p:ph idx="1" type="body"/>
+            <p:ph type="body" idx="1"/>
           </p:nvPr>
         </p:nvSpPr>
         <p:spPr>
@@ -10033,23 +10432,20 @@
           </a:prstGeom>
         </p:spPr>
         <p:txBody>
-          <a:bodyPr anchorCtr="0" anchor="t" bIns="91425" lIns="91425" spcFirstLastPara="1" rIns="91425" wrap="square" tIns="91425">
+          <a:bodyPr spcFirstLastPara="1" wrap="square" lIns="91425" tIns="91425" rIns="91425" bIns="91425" anchor="t" anchorCtr="0">
             <a:normAutofit/>
           </a:bodyPr>
           <a:lstStyle/>
           <a:p>
-            <a:pPr indent="0" lvl="0" marL="0" rtl="0" algn="l">
-              <a:spcBef>
-                <a:spcPts val="0"/>
-              </a:spcBef>
-              <a:spcAft>
-                <a:spcPts val="0"/>
-              </a:spcAft>
-              <a:buNone/>
-            </a:pPr>
-            <a:r>
-              <a:t/>
-            </a:r>
+            <a:pPr marL="0" lvl="0" indent="0" algn="l" rtl="0">
+              <a:spcBef>
+                <a:spcPts val="0"/>
+              </a:spcBef>
+              <a:spcAft>
+                <a:spcPts val="0"/>
+              </a:spcAft>
+              <a:buNone/>
+            </a:pPr>
             <a:endParaRPr>
               <a:solidFill>
                 <a:srgbClr val="273239"/>
@@ -10060,7 +10456,7 @@
             </a:endParaRPr>
           </a:p>
           <a:p>
-            <a:pPr indent="0" lvl="0" marL="0" rtl="0" algn="l">
+            <a:pPr marL="0" lvl="0" indent="0" algn="l" rtl="0">
               <a:spcBef>
                 <a:spcPts val="800"/>
               </a:spcBef>
@@ -10069,9 +10465,6 @@
               </a:spcAft>
               <a:buNone/>
             </a:pPr>
-            <a:r>
-              <a:t/>
-            </a:r>
             <a:endParaRPr/>
           </a:p>
         </p:txBody>
@@ -10113,11 +10506,11 @@
 </file>
 
 <file path=ppt/slides/slide14.xml><?xml version="1.0" encoding="utf-8"?>
-<p:sld xmlns:a="http://schemas.openxmlformats.org/drawingml/2006/main" xmlns:r="http://schemas.openxmlformats.org/officeDocument/2006/relationships" xmlns:mc="http://schemas.openxmlformats.org/markup-compatibility/2006" xmlns:mv="urn:schemas-microsoft-com:mac:vml" xmlns:p="http://schemas.openxmlformats.org/presentationml/2006/main" xmlns:c="http://schemas.openxmlformats.org/drawingml/2006/chart" xmlns:dgm="http://schemas.openxmlformats.org/drawingml/2006/diagram" xmlns:o="urn:schemas-microsoft-com:office:office" xmlns:v="urn:schemas-microsoft-com:vml" xmlns:pvml="urn:schemas-microsoft-com:office:powerpoint" xmlns:com="http://schemas.openxmlformats.org/drawingml/2006/compatibility" xmlns:p14="http://schemas.microsoft.com/office/powerpoint/2010/main" xmlns:p15="http://schemas.microsoft.com/office/powerpoint/2012/main" xmlns:ahyp="http://schemas.microsoft.com/office/drawing/2018/hyperlinkcolor">
+<p:sld xmlns:a="http://schemas.openxmlformats.org/drawingml/2006/main" xmlns:r="http://schemas.openxmlformats.org/officeDocument/2006/relationships" xmlns:p="http://schemas.openxmlformats.org/presentationml/2006/main">
   <p:cSld>
     <p:spTree>
       <p:nvGrpSpPr>
-        <p:cNvPr id="168" name="Shape 168"/>
+        <p:cNvPr id="1" name="Shape 168"/>
         <p:cNvGrpSpPr/>
         <p:nvPr/>
       </p:nvGrpSpPr>
@@ -10160,9 +10553,11 @@
       <p:sp>
         <p:nvSpPr>
           <p:cNvPr id="170" name="Google Shape;170;p26"/>
-          <p:cNvSpPr txBox="1"/>
+          <p:cNvSpPr txBox="1">
+            <a:spLocks noGrp="1"/>
+          </p:cNvSpPr>
           <p:nvPr>
-            <p:ph idx="4294967295" type="title"/>
+            <p:ph type="title" idx="4294967295"/>
           </p:nvPr>
         </p:nvSpPr>
         <p:spPr>
@@ -10175,12 +10570,12 @@
           </a:prstGeom>
         </p:spPr>
         <p:txBody>
-          <a:bodyPr anchorCtr="0" anchor="t" bIns="91425" lIns="91425" spcFirstLastPara="1" rIns="91425" wrap="square" tIns="91425">
+          <a:bodyPr spcFirstLastPara="1" wrap="square" lIns="91425" tIns="91425" rIns="91425" bIns="91425" anchor="t" anchorCtr="0">
             <a:normAutofit fontScale="90000"/>
           </a:bodyPr>
           <a:lstStyle/>
           <a:p>
-            <a:pPr indent="0" lvl="0" marL="0" rtl="0" algn="l">
+            <a:pPr marL="0" lvl="0" indent="0" algn="l" rtl="0">
               <a:spcBef>
                 <a:spcPts val="0"/>
               </a:spcBef>
@@ -10196,7 +10591,7 @@
             <a:endParaRPr/>
           </a:p>
           <a:p>
-            <a:pPr indent="0" lvl="0" marL="0" rtl="0" algn="l">
+            <a:pPr marL="0" lvl="0" indent="0" algn="l" rtl="0">
               <a:spcBef>
                 <a:spcPts val="0"/>
               </a:spcBef>
@@ -10226,11 +10621,11 @@
 </file>
 
 <file path=ppt/slides/slide15.xml><?xml version="1.0" encoding="utf-8"?>
-<p:sld xmlns:a="http://schemas.openxmlformats.org/drawingml/2006/main" xmlns:r="http://schemas.openxmlformats.org/officeDocument/2006/relationships" xmlns:mc="http://schemas.openxmlformats.org/markup-compatibility/2006" xmlns:mv="urn:schemas-microsoft-com:mac:vml" xmlns:p="http://schemas.openxmlformats.org/presentationml/2006/main" xmlns:c="http://schemas.openxmlformats.org/drawingml/2006/chart" xmlns:dgm="http://schemas.openxmlformats.org/drawingml/2006/diagram" xmlns:o="urn:schemas-microsoft-com:office:office" xmlns:v="urn:schemas-microsoft-com:vml" xmlns:pvml="urn:schemas-microsoft-com:office:powerpoint" xmlns:com="http://schemas.openxmlformats.org/drawingml/2006/compatibility" xmlns:p14="http://schemas.microsoft.com/office/powerpoint/2010/main" xmlns:p15="http://schemas.microsoft.com/office/powerpoint/2012/main" xmlns:ahyp="http://schemas.microsoft.com/office/drawing/2018/hyperlinkcolor">
+<p:sld xmlns:a="http://schemas.openxmlformats.org/drawingml/2006/main" xmlns:r="http://schemas.openxmlformats.org/officeDocument/2006/relationships" xmlns:p="http://schemas.openxmlformats.org/presentationml/2006/main">
   <p:cSld>
     <p:spTree>
       <p:nvGrpSpPr>
-        <p:cNvPr id="174" name="Shape 174"/>
+        <p:cNvPr id="1" name="Shape 174"/>
         <p:cNvGrpSpPr/>
         <p:nvPr/>
       </p:nvGrpSpPr>
@@ -10245,7 +10640,9 @@
       <p:sp>
         <p:nvSpPr>
           <p:cNvPr id="175" name="Google Shape;175;p27"/>
-          <p:cNvSpPr txBox="1"/>
+          <p:cNvSpPr txBox="1">
+            <a:spLocks noGrp="1"/>
+          </p:cNvSpPr>
           <p:nvPr>
             <p:ph type="title"/>
           </p:nvPr>
@@ -10260,12 +10657,12 @@
           </a:prstGeom>
         </p:spPr>
         <p:txBody>
-          <a:bodyPr anchorCtr="0" anchor="t" bIns="91425" lIns="91425" spcFirstLastPara="1" rIns="91425" wrap="square" tIns="91425">
+          <a:bodyPr spcFirstLastPara="1" wrap="square" lIns="91425" tIns="91425" rIns="91425" bIns="91425" anchor="t" anchorCtr="0">
             <a:normAutofit fontScale="90000"/>
           </a:bodyPr>
           <a:lstStyle/>
           <a:p>
-            <a:pPr indent="0" lvl="0" marL="0" rtl="0" algn="l">
+            <a:pPr marL="0" lvl="0" indent="0" algn="l" rtl="0">
               <a:spcBef>
                 <a:spcPts val="0"/>
               </a:spcBef>
@@ -10285,9 +10682,11 @@
       <p:sp>
         <p:nvSpPr>
           <p:cNvPr id="176" name="Google Shape;176;p27"/>
-          <p:cNvSpPr txBox="1"/>
+          <p:cNvSpPr txBox="1">
+            <a:spLocks noGrp="1"/>
+          </p:cNvSpPr>
           <p:nvPr>
-            <p:ph idx="1" type="body"/>
+            <p:ph type="body" idx="1"/>
           </p:nvPr>
         </p:nvSpPr>
         <p:spPr>
@@ -10300,12 +10699,12 @@
           </a:prstGeom>
         </p:spPr>
         <p:txBody>
-          <a:bodyPr anchorCtr="0" anchor="t" bIns="91425" lIns="91425" spcFirstLastPara="1" rIns="91425" wrap="square" tIns="91425">
+          <a:bodyPr spcFirstLastPara="1" wrap="square" lIns="91425" tIns="91425" rIns="91425" bIns="91425" anchor="t" anchorCtr="0">
             <a:normAutofit/>
           </a:bodyPr>
           <a:lstStyle/>
           <a:p>
-            <a:pPr indent="0" lvl="0" marL="0" rtl="0" algn="l">
+            <a:pPr marL="0" lvl="0" indent="0" algn="l" rtl="0">
               <a:lnSpc>
                 <a:spcPct val="105000"/>
               </a:lnSpc>
@@ -10317,9 +10716,6 @@
               </a:spcAft>
               <a:buNone/>
             </a:pPr>
-            <a:r>
-              <a:t/>
-            </a:r>
             <a:endParaRPr>
               <a:solidFill>
                 <a:srgbClr val="222222"/>
@@ -10368,11 +10764,11 @@
 </file>
 
 <file path=ppt/slides/slide16.xml><?xml version="1.0" encoding="utf-8"?>
-<p:sld xmlns:a="http://schemas.openxmlformats.org/drawingml/2006/main" xmlns:r="http://schemas.openxmlformats.org/officeDocument/2006/relationships" xmlns:mc="http://schemas.openxmlformats.org/markup-compatibility/2006" xmlns:mv="urn:schemas-microsoft-com:mac:vml" xmlns:p="http://schemas.openxmlformats.org/presentationml/2006/main" xmlns:c="http://schemas.openxmlformats.org/drawingml/2006/chart" xmlns:dgm="http://schemas.openxmlformats.org/drawingml/2006/diagram" xmlns:o="urn:schemas-microsoft-com:office:office" xmlns:v="urn:schemas-microsoft-com:vml" xmlns:pvml="urn:schemas-microsoft-com:office:powerpoint" xmlns:com="http://schemas.openxmlformats.org/drawingml/2006/compatibility" xmlns:p14="http://schemas.microsoft.com/office/powerpoint/2010/main" xmlns:p15="http://schemas.microsoft.com/office/powerpoint/2012/main" xmlns:ahyp="http://schemas.microsoft.com/office/drawing/2018/hyperlinkcolor">
+<p:sld xmlns:a="http://schemas.openxmlformats.org/drawingml/2006/main" xmlns:r="http://schemas.openxmlformats.org/officeDocument/2006/relationships" xmlns:p="http://schemas.openxmlformats.org/presentationml/2006/main">
   <p:cSld>
     <p:spTree>
       <p:nvGrpSpPr>
-        <p:cNvPr id="181" name="Shape 181"/>
+        <p:cNvPr id="1" name="Shape 181"/>
         <p:cNvGrpSpPr/>
         <p:nvPr/>
       </p:nvGrpSpPr>
@@ -10415,9 +10811,11 @@
       <p:sp>
         <p:nvSpPr>
           <p:cNvPr id="183" name="Google Shape;183;p28"/>
-          <p:cNvSpPr txBox="1"/>
+          <p:cNvSpPr txBox="1">
+            <a:spLocks noGrp="1"/>
+          </p:cNvSpPr>
           <p:nvPr>
-            <p:ph idx="4294967295" type="title"/>
+            <p:ph type="title" idx="4294967295"/>
           </p:nvPr>
         </p:nvSpPr>
         <p:spPr>
@@ -10430,12 +10828,12 @@
           </a:prstGeom>
         </p:spPr>
         <p:txBody>
-          <a:bodyPr anchorCtr="0" anchor="t" bIns="91425" lIns="91425" spcFirstLastPara="1" rIns="91425" wrap="square" tIns="91425">
+          <a:bodyPr spcFirstLastPara="1" wrap="square" lIns="91425" tIns="91425" rIns="91425" bIns="91425" anchor="t" anchorCtr="0">
             <a:normAutofit fontScale="90000"/>
           </a:bodyPr>
           <a:lstStyle/>
           <a:p>
-            <a:pPr indent="0" lvl="0" marL="0" rtl="0" algn="l">
+            <a:pPr marL="0" lvl="0" indent="0" algn="l" rtl="0">
               <a:spcBef>
                 <a:spcPts val="0"/>
               </a:spcBef>
@@ -10451,7 +10849,7 @@
             <a:endParaRPr/>
           </a:p>
           <a:p>
-            <a:pPr indent="0" lvl="0" marL="0" rtl="0" algn="l">
+            <a:pPr marL="0" lvl="0" indent="0" algn="l" rtl="0">
               <a:spcBef>
                 <a:spcPts val="0"/>
               </a:spcBef>
@@ -10481,11 +10879,11 @@
 </file>
 
 <file path=ppt/slides/slide17.xml><?xml version="1.0" encoding="utf-8"?>
-<p:sld xmlns:a="http://schemas.openxmlformats.org/drawingml/2006/main" xmlns:r="http://schemas.openxmlformats.org/officeDocument/2006/relationships" xmlns:mc="http://schemas.openxmlformats.org/markup-compatibility/2006" xmlns:mv="urn:schemas-microsoft-com:mac:vml" xmlns:p="http://schemas.openxmlformats.org/presentationml/2006/main" xmlns:c="http://schemas.openxmlformats.org/drawingml/2006/chart" xmlns:dgm="http://schemas.openxmlformats.org/drawingml/2006/diagram" xmlns:o="urn:schemas-microsoft-com:office:office" xmlns:v="urn:schemas-microsoft-com:vml" xmlns:pvml="urn:schemas-microsoft-com:office:powerpoint" xmlns:com="http://schemas.openxmlformats.org/drawingml/2006/compatibility" xmlns:p14="http://schemas.microsoft.com/office/powerpoint/2010/main" xmlns:p15="http://schemas.microsoft.com/office/powerpoint/2012/main" xmlns:ahyp="http://schemas.microsoft.com/office/drawing/2018/hyperlinkcolor">
+<p:sld xmlns:a="http://schemas.openxmlformats.org/drawingml/2006/main" xmlns:r="http://schemas.openxmlformats.org/officeDocument/2006/relationships" xmlns:p="http://schemas.openxmlformats.org/presentationml/2006/main">
   <p:cSld>
     <p:spTree>
       <p:nvGrpSpPr>
-        <p:cNvPr id="187" name="Shape 187"/>
+        <p:cNvPr id="1" name="Shape 187"/>
         <p:cNvGrpSpPr/>
         <p:nvPr/>
       </p:nvGrpSpPr>
@@ -10500,9 +10898,11 @@
       <p:sp>
         <p:nvSpPr>
           <p:cNvPr id="188" name="Google Shape;188;p29"/>
-          <p:cNvSpPr txBox="1"/>
+          <p:cNvSpPr txBox="1">
+            <a:spLocks noGrp="1"/>
+          </p:cNvSpPr>
           <p:nvPr>
-            <p:ph idx="1" type="body"/>
+            <p:ph type="body" idx="1"/>
           </p:nvPr>
         </p:nvSpPr>
         <p:spPr>
@@ -10515,12 +10915,12 @@
           </a:prstGeom>
         </p:spPr>
         <p:txBody>
-          <a:bodyPr anchorCtr="0" anchor="t" bIns="91425" lIns="91425" spcFirstLastPara="1" rIns="91425" wrap="square" tIns="91425">
+          <a:bodyPr spcFirstLastPara="1" wrap="square" lIns="91425" tIns="91425" rIns="91425" bIns="91425" anchor="t" anchorCtr="0">
             <a:normAutofit/>
           </a:bodyPr>
           <a:lstStyle/>
           <a:p>
-            <a:pPr indent="0" lvl="0" marL="0" rtl="0" algn="l">
+            <a:pPr marL="0" lvl="0" indent="0" algn="l" rtl="0">
               <a:spcBef>
                 <a:spcPts val="0"/>
               </a:spcBef>
@@ -10529,9 +10929,6 @@
               </a:spcAft>
               <a:buNone/>
             </a:pPr>
-            <a:r>
-              <a:t/>
-            </a:r>
             <a:endParaRPr sz="1500"/>
           </a:p>
         </p:txBody>
@@ -10567,7 +10964,9 @@
       <p:sp>
         <p:nvSpPr>
           <p:cNvPr id="190" name="Google Shape;190;p29"/>
-          <p:cNvSpPr txBox="1"/>
+          <p:cNvSpPr txBox="1">
+            <a:spLocks noGrp="1"/>
+          </p:cNvSpPr>
           <p:nvPr>
             <p:ph type="title"/>
           </p:nvPr>
@@ -10582,12 +10981,12 @@
           </a:prstGeom>
         </p:spPr>
         <p:txBody>
-          <a:bodyPr anchorCtr="0" anchor="t" bIns="91425" lIns="91425" spcFirstLastPara="1" rIns="91425" wrap="square" tIns="91425">
+          <a:bodyPr spcFirstLastPara="1" wrap="square" lIns="91425" tIns="91425" rIns="91425" bIns="91425" anchor="t" anchorCtr="0">
             <a:normAutofit fontScale="90000"/>
           </a:bodyPr>
           <a:lstStyle/>
           <a:p>
-            <a:pPr indent="0" lvl="0" marL="0" rtl="0" algn="l">
+            <a:pPr marL="0" lvl="0" indent="0" algn="l" rtl="0">
               <a:spcBef>
                 <a:spcPts val="0"/>
               </a:spcBef>
@@ -10613,11 +11012,11 @@
 </file>
 
 <file path=ppt/slides/slide18.xml><?xml version="1.0" encoding="utf-8"?>
-<p:sld xmlns:a="http://schemas.openxmlformats.org/drawingml/2006/main" xmlns:r="http://schemas.openxmlformats.org/officeDocument/2006/relationships" xmlns:mc="http://schemas.openxmlformats.org/markup-compatibility/2006" xmlns:mv="urn:schemas-microsoft-com:mac:vml" xmlns:p="http://schemas.openxmlformats.org/presentationml/2006/main" xmlns:c="http://schemas.openxmlformats.org/drawingml/2006/chart" xmlns:dgm="http://schemas.openxmlformats.org/drawingml/2006/diagram" xmlns:o="urn:schemas-microsoft-com:office:office" xmlns:v="urn:schemas-microsoft-com:vml" xmlns:pvml="urn:schemas-microsoft-com:office:powerpoint" xmlns:com="http://schemas.openxmlformats.org/drawingml/2006/compatibility" xmlns:p14="http://schemas.microsoft.com/office/powerpoint/2010/main" xmlns:p15="http://schemas.microsoft.com/office/powerpoint/2012/main" xmlns:ahyp="http://schemas.microsoft.com/office/drawing/2018/hyperlinkcolor">
+<p:sld xmlns:a="http://schemas.openxmlformats.org/drawingml/2006/main" xmlns:r="http://schemas.openxmlformats.org/officeDocument/2006/relationships" xmlns:p="http://schemas.openxmlformats.org/presentationml/2006/main">
   <p:cSld>
     <p:spTree>
       <p:nvGrpSpPr>
-        <p:cNvPr id="194" name="Shape 194"/>
+        <p:cNvPr id="1" name="Shape 194"/>
         <p:cNvGrpSpPr/>
         <p:nvPr/>
       </p:nvGrpSpPr>
@@ -10660,9 +11059,11 @@
       <p:sp>
         <p:nvSpPr>
           <p:cNvPr id="196" name="Google Shape;196;p30"/>
-          <p:cNvSpPr txBox="1"/>
+          <p:cNvSpPr txBox="1">
+            <a:spLocks noGrp="1"/>
+          </p:cNvSpPr>
           <p:nvPr>
-            <p:ph idx="4294967295" type="title"/>
+            <p:ph type="title" idx="4294967295"/>
           </p:nvPr>
         </p:nvSpPr>
         <p:spPr>
@@ -10675,12 +11076,12 @@
           </a:prstGeom>
         </p:spPr>
         <p:txBody>
-          <a:bodyPr anchorCtr="0" anchor="t" bIns="91425" lIns="91425" spcFirstLastPara="1" rIns="91425" wrap="square" tIns="91425">
+          <a:bodyPr spcFirstLastPara="1" wrap="square" lIns="91425" tIns="91425" rIns="91425" bIns="91425" anchor="t" anchorCtr="0">
             <a:normAutofit fontScale="90000"/>
           </a:bodyPr>
           <a:lstStyle/>
           <a:p>
-            <a:pPr indent="0" lvl="0" marL="0" rtl="0" algn="l">
+            <a:pPr marL="0" lvl="0" indent="0" algn="l" rtl="0">
               <a:spcBef>
                 <a:spcPts val="0"/>
               </a:spcBef>
@@ -10696,7 +11097,7 @@
             <a:endParaRPr/>
           </a:p>
           <a:p>
-            <a:pPr indent="0" lvl="0" marL="0" rtl="0" algn="l">
+            <a:pPr marL="0" lvl="0" indent="0" algn="l" rtl="0">
               <a:spcBef>
                 <a:spcPts val="0"/>
               </a:spcBef>
@@ -10726,11 +11127,11 @@
 </file>
 
 <file path=ppt/slides/slide19.xml><?xml version="1.0" encoding="utf-8"?>
-<p:sld xmlns:a="http://schemas.openxmlformats.org/drawingml/2006/main" xmlns:r="http://schemas.openxmlformats.org/officeDocument/2006/relationships" xmlns:mc="http://schemas.openxmlformats.org/markup-compatibility/2006" xmlns:mv="urn:schemas-microsoft-com:mac:vml" xmlns:p="http://schemas.openxmlformats.org/presentationml/2006/main" xmlns:c="http://schemas.openxmlformats.org/drawingml/2006/chart" xmlns:dgm="http://schemas.openxmlformats.org/drawingml/2006/diagram" xmlns:o="urn:schemas-microsoft-com:office:office" xmlns:v="urn:schemas-microsoft-com:vml" xmlns:pvml="urn:schemas-microsoft-com:office:powerpoint" xmlns:com="http://schemas.openxmlformats.org/drawingml/2006/compatibility" xmlns:p14="http://schemas.microsoft.com/office/powerpoint/2010/main" xmlns:p15="http://schemas.microsoft.com/office/powerpoint/2012/main" xmlns:ahyp="http://schemas.microsoft.com/office/drawing/2018/hyperlinkcolor">
+<p:sld xmlns:a="http://schemas.openxmlformats.org/drawingml/2006/main" xmlns:r="http://schemas.openxmlformats.org/officeDocument/2006/relationships" xmlns:p="http://schemas.openxmlformats.org/presentationml/2006/main">
   <p:cSld>
     <p:spTree>
       <p:nvGrpSpPr>
-        <p:cNvPr id="200" name="Shape 200"/>
+        <p:cNvPr id="1" name="Shape 200"/>
         <p:cNvGrpSpPr/>
         <p:nvPr/>
       </p:nvGrpSpPr>
@@ -10745,7 +11146,9 @@
       <p:sp>
         <p:nvSpPr>
           <p:cNvPr id="201" name="Google Shape;201;p31"/>
-          <p:cNvSpPr txBox="1"/>
+          <p:cNvSpPr txBox="1">
+            <a:spLocks noGrp="1"/>
+          </p:cNvSpPr>
           <p:nvPr>
             <p:ph type="title"/>
           </p:nvPr>
@@ -10760,12 +11163,12 @@
           </a:prstGeom>
         </p:spPr>
         <p:txBody>
-          <a:bodyPr anchorCtr="0" anchor="t" bIns="91425" lIns="91425" spcFirstLastPara="1" rIns="91425" wrap="square" tIns="91425">
+          <a:bodyPr spcFirstLastPara="1" wrap="square" lIns="91425" tIns="91425" rIns="91425" bIns="91425" anchor="t" anchorCtr="0">
             <a:normAutofit fontScale="90000"/>
           </a:bodyPr>
           <a:lstStyle/>
           <a:p>
-            <a:pPr indent="0" lvl="0" marL="0" rtl="0" algn="l">
+            <a:pPr marL="0" lvl="0" indent="0" algn="l" rtl="0">
               <a:spcBef>
                 <a:spcPts val="0"/>
               </a:spcBef>
@@ -10775,24 +11178,26 @@
               <a:buNone/>
             </a:pPr>
             <a:r>
-              <a:rPr lang="en"/>
+              <a:rPr lang="en" dirty="0"/>
               <a:t>Conclusion</a:t>
             </a:r>
-            <a:endParaRPr/>
+            <a:endParaRPr dirty="0"/>
           </a:p>
         </p:txBody>
       </p:sp>
       <p:sp>
         <p:nvSpPr>
           <p:cNvPr id="202" name="Google Shape;202;p31"/>
-          <p:cNvSpPr txBox="1"/>
+          <p:cNvSpPr txBox="1">
+            <a:spLocks noGrp="1"/>
+          </p:cNvSpPr>
           <p:nvPr>
-            <p:ph idx="1" type="body"/>
+            <p:ph type="body" idx="1"/>
           </p:nvPr>
         </p:nvSpPr>
         <p:spPr>
           <a:xfrm>
-            <a:off x="729450" y="2078875"/>
+            <a:off x="725850" y="1853850"/>
             <a:ext cx="7688700" cy="2261100"/>
           </a:xfrm>
           <a:prstGeom prst="rect">
@@ -10800,25 +11205,98 @@
           </a:prstGeom>
         </p:spPr>
         <p:txBody>
-          <a:bodyPr anchorCtr="0" anchor="t" bIns="91425" lIns="91425" spcFirstLastPara="1" rIns="91425" wrap="square" tIns="91425">
-            <a:normAutofit fontScale="85000" lnSpcReduction="10000"/>
+          <a:bodyPr spcFirstLastPara="1" wrap="square" lIns="91425" tIns="91425" rIns="91425" bIns="91425" anchor="t" anchorCtr="0">
+            <a:noAutofit/>
           </a:bodyPr>
           <a:lstStyle/>
           <a:p>
-            <a:pPr indent="0" lvl="0" marL="0" rtl="0" algn="l">
-              <a:spcBef>
-                <a:spcPts val="0"/>
-              </a:spcBef>
+            <a:pPr marL="285750" indent="-285750">
               <a:spcAft>
                 <a:spcPts val="1200"/>
               </a:spcAft>
-              <a:buNone/>
             </a:pPr>
             <a:r>
-              <a:rPr lang="en"/>
-              <a:t>High staff turnover rate is a big issue for any organisation. When a high-performance employee leaves the company, it is very difficult to find a replacement for that employee. If that employee was high performing, that means a lot of resources had been invested in his/her training. To replace such an employee, this cycle must be performed again which makes if very inefficient. As the possibility of successors is quiet low, it is imperative that companies should look at ways to make the work environment such that it is easy for an employee to work in a company/organisation for long. The main goal of this research is to train the different ML models and evaluate their performances. The comparison of performances of different models is also essential. The findings of this study demonstrate that algorithms for data extraction can be used to create precise and trustworthy models for employee attrition forecasting. According to the recorded results, Ada-boost is the best performing model as it has the best recall score at 52.11% after hyperparameter tuning. In the future, data to be trained to the model should be from a company that works in a totally different field. Furthermore, the possibility of practical utilization of these models should be explored extensively.</a:t>
+              <a:rPr lang="en" sz="1000" dirty="0"/>
+              <a:t>High staff turnover rate is a big issue for any organisation. </a:t>
             </a:r>
-            <a:endParaRPr/>
+          </a:p>
+          <a:p>
+            <a:pPr marL="285750" indent="-285750">
+              <a:spcAft>
+                <a:spcPts val="1200"/>
+              </a:spcAft>
+            </a:pPr>
+            <a:r>
+              <a:rPr lang="en" sz="1000" dirty="0"/>
+              <a:t>When a high-performance employee leaves the company, it is very difficult to find a replacement for that employee. I</a:t>
+            </a:r>
+          </a:p>
+          <a:p>
+            <a:pPr marL="285750" indent="-285750">
+              <a:spcAft>
+                <a:spcPts val="1200"/>
+              </a:spcAft>
+            </a:pPr>
+            <a:r>
+              <a:rPr lang="en" sz="1000" dirty="0"/>
+              <a:t>f that employee was high performing, that means a lot of resources had been invested in his/her training. </a:t>
+            </a:r>
+          </a:p>
+          <a:p>
+            <a:pPr marL="285750" indent="-285750">
+              <a:spcAft>
+                <a:spcPts val="1200"/>
+              </a:spcAft>
+            </a:pPr>
+            <a:r>
+              <a:rPr lang="en" sz="1000" dirty="0"/>
+              <a:t>To replace such an employee, this cycle must be performed again which makes if very inefficient. </a:t>
+            </a:r>
+          </a:p>
+          <a:p>
+            <a:pPr marL="285750" indent="-285750">
+              <a:spcAft>
+                <a:spcPts val="1200"/>
+              </a:spcAft>
+            </a:pPr>
+            <a:r>
+              <a:rPr lang="en" sz="1000" dirty="0"/>
+              <a:t>The main goal of this research is to train the different ML models and evaluate their performances. </a:t>
+            </a:r>
+          </a:p>
+          <a:p>
+            <a:pPr marL="285750" indent="-285750">
+              <a:spcAft>
+                <a:spcPts val="1200"/>
+              </a:spcAft>
+            </a:pPr>
+            <a:r>
+              <a:rPr lang="en" sz="1000" dirty="0"/>
+              <a:t>The comparison of performances of different models is also essential. </a:t>
+            </a:r>
+          </a:p>
+          <a:p>
+            <a:pPr marL="285750" indent="-285750">
+              <a:spcAft>
+                <a:spcPts val="1200"/>
+              </a:spcAft>
+            </a:pPr>
+            <a:r>
+              <a:rPr lang="en" sz="1000" dirty="0"/>
+              <a:t>According to the recorded results, Ada-boost is the best performing model as it has the best recall score at 52.11% after hyperparameter tuning. </a:t>
+            </a:r>
+          </a:p>
+          <a:p>
+            <a:pPr marL="285750" indent="-285750">
+              <a:spcAft>
+                <a:spcPts val="1200"/>
+              </a:spcAft>
+            </a:pPr>
+            <a:r>
+              <a:rPr lang="en" sz="1000" dirty="0"/>
+              <a:t>In the future, data to be trained to the model should be from a company that works in a totally different field. Furthermore, the possibility of practical utilization of these models should be explored extensively.</a:t>
+            </a:r>
+            <a:endParaRPr sz="1000" dirty="0"/>
           </a:p>
         </p:txBody>
       </p:sp>
@@ -10831,11 +11309,11 @@
 </file>
 
 <file path=ppt/slides/slide2.xml><?xml version="1.0" encoding="utf-8"?>
-<p:sld xmlns:a="http://schemas.openxmlformats.org/drawingml/2006/main" xmlns:r="http://schemas.openxmlformats.org/officeDocument/2006/relationships" xmlns:mc="http://schemas.openxmlformats.org/markup-compatibility/2006" xmlns:mv="urn:schemas-microsoft-com:mac:vml" xmlns:p="http://schemas.openxmlformats.org/presentationml/2006/main" xmlns:c="http://schemas.openxmlformats.org/drawingml/2006/chart" xmlns:dgm="http://schemas.openxmlformats.org/drawingml/2006/diagram" xmlns:o="urn:schemas-microsoft-com:office:office" xmlns:v="urn:schemas-microsoft-com:vml" xmlns:pvml="urn:schemas-microsoft-com:office:powerpoint" xmlns:com="http://schemas.openxmlformats.org/drawingml/2006/compatibility" xmlns:p14="http://schemas.microsoft.com/office/powerpoint/2010/main" xmlns:p15="http://schemas.microsoft.com/office/powerpoint/2012/main" xmlns:ahyp="http://schemas.microsoft.com/office/drawing/2018/hyperlinkcolor">
+<p:sld xmlns:a="http://schemas.openxmlformats.org/drawingml/2006/main" xmlns:r="http://schemas.openxmlformats.org/officeDocument/2006/relationships" xmlns:p="http://schemas.openxmlformats.org/presentationml/2006/main">
   <p:cSld>
     <p:spTree>
       <p:nvGrpSpPr>
-        <p:cNvPr id="93" name="Shape 93"/>
+        <p:cNvPr id="1" name="Shape 93"/>
         <p:cNvGrpSpPr/>
         <p:nvPr/>
       </p:nvGrpSpPr>
@@ -10850,7 +11328,9 @@
       <p:sp>
         <p:nvSpPr>
           <p:cNvPr id="94" name="Google Shape;94;p14"/>
-          <p:cNvSpPr txBox="1"/>
+          <p:cNvSpPr txBox="1">
+            <a:spLocks noGrp="1"/>
+          </p:cNvSpPr>
           <p:nvPr>
             <p:ph type="title"/>
           </p:nvPr>
@@ -10865,12 +11345,12 @@
           </a:prstGeom>
         </p:spPr>
         <p:txBody>
-          <a:bodyPr anchorCtr="0" anchor="t" bIns="91425" lIns="91425" spcFirstLastPara="1" rIns="91425" wrap="square" tIns="91425">
+          <a:bodyPr spcFirstLastPara="1" wrap="square" lIns="91425" tIns="91425" rIns="91425" bIns="91425" anchor="t" anchorCtr="0">
             <a:normAutofit fontScale="90000"/>
           </a:bodyPr>
           <a:lstStyle/>
           <a:p>
-            <a:pPr indent="0" lvl="0" marL="0" rtl="0" algn="l">
+            <a:pPr marL="0" lvl="0" indent="0" algn="l" rtl="0">
               <a:spcBef>
                 <a:spcPts val="0"/>
               </a:spcBef>
@@ -10890,9 +11370,11 @@
       <p:sp>
         <p:nvSpPr>
           <p:cNvPr id="95" name="Google Shape;95;p14"/>
-          <p:cNvSpPr txBox="1"/>
+          <p:cNvSpPr txBox="1">
+            <a:spLocks noGrp="1"/>
+          </p:cNvSpPr>
           <p:nvPr>
-            <p:ph idx="1" type="body"/>
+            <p:ph type="body" idx="1"/>
           </p:nvPr>
         </p:nvSpPr>
         <p:spPr>
@@ -10905,12 +11387,12 @@
           </a:prstGeom>
         </p:spPr>
         <p:txBody>
-          <a:bodyPr anchorCtr="0" anchor="t" bIns="91425" lIns="91425" spcFirstLastPara="1" rIns="91425" wrap="square" tIns="91425">
+          <a:bodyPr spcFirstLastPara="1" wrap="square" lIns="91425" tIns="91425" rIns="91425" bIns="91425" anchor="t" anchorCtr="0">
             <a:noAutofit/>
           </a:bodyPr>
           <a:lstStyle/>
           <a:p>
-            <a:pPr indent="0" lvl="0" marL="0" rtl="0" algn="l">
+            <a:pPr marL="0" lvl="0" indent="0" algn="l" rtl="0">
               <a:lnSpc>
                 <a:spcPct val="95000"/>
               </a:lnSpc>
@@ -10925,20 +11407,12 @@
             </a:pPr>
             <a:r>
               <a:rPr lang="en" sz="1302"/>
-              <a:t>Machine Learning is a branch of artificial intelligence that leverages data to imitate the pattern by which a human brain learns, in the process improving accuracy. Statistical principles are used to process data and learn from it efficiently. Machine Learning algorithms are extensively used to predict future outcomes based on past experiences that were recorded in a meticulous manner. These past experiences or data can help us to deduce preliminary insights about the data and what it represents. The current paper discusses certain Machine Learning algorithms where the prime objective is to classify the inputs into one of the two categories. The dataset in focus is the employee attrition dataset that gives various insights regarding the </a:t>
-            </a:r>
-            <a:r>
-              <a:rPr lang="en" sz="1302"/>
-              <a:t>presumably</a:t>
-            </a:r>
-            <a:r>
-              <a:rPr lang="en" sz="1302"/>
-              <a:t> reasons behind an employee leaving the job. The factors such as accuracy, precision score, recall score and f1_score for Random Forest, XGBoost, Adaboost, Gradient boosting and Decision Tree Classifier have been ascertained and compared. Furthermore, Hyperparameter tuning, using the ‘RandomSearchCV’ python library is also implemented on the better performing algorithms, with the goal of achieving better performance. </a:t>
+              <a:t>Machine Learning is a branch of artificial intelligence that leverages data to imitate the pattern by which a human brain learns, in the process improving accuracy. Statistical principles are used to process data and learn from it efficiently. Machine Learning algorithms are extensively used to predict future outcomes based on past experiences that were recorded in a meticulous manner. These past experiences or data can help us to deduce preliminary insights about the data and what it represents. The current paper discusses certain Machine Learning algorithms where the prime objective is to classify the inputs into one of the two categories. The dataset in focus is the employee attrition dataset that gives various insights regarding the presumably reasons behind an employee leaving the job. The factors such as accuracy, precision score, recall score and f1_score for Random Forest, XGBoost, Adaboost, Gradient boosting and Decision Tree Classifier have been ascertained and compared. Furthermore, Hyperparameter tuning, using the ‘RandomSearchCV’ python library is also implemented on the better performing algorithms, with the goal of achieving better performance. </a:t>
             </a:r>
             <a:endParaRPr sz="1302"/>
           </a:p>
           <a:p>
-            <a:pPr indent="0" lvl="0" marL="0" rtl="0" algn="l">
+            <a:pPr marL="0" lvl="0" indent="0" algn="l" rtl="0">
               <a:lnSpc>
                 <a:spcPct val="95000"/>
               </a:lnSpc>
@@ -10952,14 +11426,14 @@
               <a:buNone/>
             </a:pPr>
             <a:r>
-              <a:rPr b="1" lang="en" sz="1302">
+              <a:rPr lang="en" sz="1302" b="1">
                 <a:solidFill>
                   <a:srgbClr val="111111"/>
                 </a:solidFill>
               </a:rPr>
               <a:t>Keywords: Machine Learning, Random Forest, XGBoost, Adaboost, Decision Tree, Gradient Boost, Hyperparameters, RandomSearchCV.</a:t>
             </a:r>
-            <a:endParaRPr b="1" sz="1302">
+            <a:endParaRPr sz="1302" b="1">
               <a:solidFill>
                 <a:srgbClr val="111111"/>
               </a:solidFill>
@@ -10976,11 +11450,11 @@
 </file>
 
 <file path=ppt/slides/slide20.xml><?xml version="1.0" encoding="utf-8"?>
-<p:sld xmlns:a="http://schemas.openxmlformats.org/drawingml/2006/main" xmlns:r="http://schemas.openxmlformats.org/officeDocument/2006/relationships" xmlns:mc="http://schemas.openxmlformats.org/markup-compatibility/2006" xmlns:mv="urn:schemas-microsoft-com:mac:vml" xmlns:p="http://schemas.openxmlformats.org/presentationml/2006/main" xmlns:c="http://schemas.openxmlformats.org/drawingml/2006/chart" xmlns:dgm="http://schemas.openxmlformats.org/drawingml/2006/diagram" xmlns:o="urn:schemas-microsoft-com:office:office" xmlns:v="urn:schemas-microsoft-com:vml" xmlns:pvml="urn:schemas-microsoft-com:office:powerpoint" xmlns:com="http://schemas.openxmlformats.org/drawingml/2006/compatibility" xmlns:p14="http://schemas.microsoft.com/office/powerpoint/2010/main" xmlns:p15="http://schemas.microsoft.com/office/powerpoint/2012/main" xmlns:ahyp="http://schemas.microsoft.com/office/drawing/2018/hyperlinkcolor">
+<p:sld xmlns:a="http://schemas.openxmlformats.org/drawingml/2006/main" xmlns:r="http://schemas.openxmlformats.org/officeDocument/2006/relationships" xmlns:p="http://schemas.openxmlformats.org/presentationml/2006/main">
   <p:cSld>
     <p:spTree>
       <p:nvGrpSpPr>
-        <p:cNvPr id="206" name="Shape 206"/>
+        <p:cNvPr id="1" name="Shape 206"/>
         <p:cNvGrpSpPr/>
         <p:nvPr/>
       </p:nvGrpSpPr>
@@ -10995,7 +11469,9 @@
       <p:sp>
         <p:nvSpPr>
           <p:cNvPr id="207" name="Google Shape;207;p32"/>
-          <p:cNvSpPr txBox="1"/>
+          <p:cNvSpPr txBox="1">
+            <a:spLocks noGrp="1"/>
+          </p:cNvSpPr>
           <p:nvPr>
             <p:ph type="title"/>
           </p:nvPr>
@@ -11010,12 +11486,12 @@
           </a:prstGeom>
         </p:spPr>
         <p:txBody>
-          <a:bodyPr anchorCtr="0" anchor="t" bIns="91425" lIns="91425" spcFirstLastPara="1" rIns="91425" wrap="square" tIns="91425">
+          <a:bodyPr spcFirstLastPara="1" wrap="square" lIns="91425" tIns="91425" rIns="91425" bIns="91425" anchor="t" anchorCtr="0">
             <a:normAutofit fontScale="90000"/>
           </a:bodyPr>
           <a:lstStyle/>
           <a:p>
-            <a:pPr indent="0" lvl="0" marL="0" rtl="0" algn="l">
+            <a:pPr marL="0" lvl="0" indent="0" algn="l" rtl="0">
               <a:spcBef>
                 <a:spcPts val="0"/>
               </a:spcBef>
@@ -11035,9 +11511,11 @@
       <p:sp>
         <p:nvSpPr>
           <p:cNvPr id="208" name="Google Shape;208;p32"/>
-          <p:cNvSpPr txBox="1"/>
+          <p:cNvSpPr txBox="1">
+            <a:spLocks noGrp="1"/>
+          </p:cNvSpPr>
           <p:nvPr>
-            <p:ph idx="1" type="body"/>
+            <p:ph type="body" idx="1"/>
           </p:nvPr>
         </p:nvSpPr>
         <p:spPr>
@@ -11050,12 +11528,12 @@
           </a:prstGeom>
         </p:spPr>
         <p:txBody>
-          <a:bodyPr anchorCtr="0" anchor="t" bIns="91425" lIns="91425" spcFirstLastPara="1" rIns="91425" wrap="square" tIns="91425">
+          <a:bodyPr spcFirstLastPara="1" wrap="square" lIns="91425" tIns="91425" rIns="91425" bIns="91425" anchor="t" anchorCtr="0">
             <a:normAutofit/>
           </a:bodyPr>
           <a:lstStyle/>
           <a:p>
-            <a:pPr indent="0" lvl="0" marL="0" rtl="0" algn="l">
+            <a:pPr marL="0" lvl="0" indent="0" algn="l" rtl="0">
               <a:spcBef>
                 <a:spcPts val="0"/>
               </a:spcBef>
@@ -11081,11 +11559,11 @@
 </file>
 
 <file path=ppt/slides/slide21.xml><?xml version="1.0" encoding="utf-8"?>
-<p:sld xmlns:a="http://schemas.openxmlformats.org/drawingml/2006/main" xmlns:r="http://schemas.openxmlformats.org/officeDocument/2006/relationships" xmlns:mc="http://schemas.openxmlformats.org/markup-compatibility/2006" xmlns:mv="urn:schemas-microsoft-com:mac:vml" xmlns:p="http://schemas.openxmlformats.org/presentationml/2006/main" xmlns:c="http://schemas.openxmlformats.org/drawingml/2006/chart" xmlns:dgm="http://schemas.openxmlformats.org/drawingml/2006/diagram" xmlns:o="urn:schemas-microsoft-com:office:office" xmlns:v="urn:schemas-microsoft-com:vml" xmlns:pvml="urn:schemas-microsoft-com:office:powerpoint" xmlns:com="http://schemas.openxmlformats.org/drawingml/2006/compatibility" xmlns:p14="http://schemas.microsoft.com/office/powerpoint/2010/main" xmlns:p15="http://schemas.microsoft.com/office/powerpoint/2012/main" xmlns:ahyp="http://schemas.microsoft.com/office/drawing/2018/hyperlinkcolor">
+<p:sld xmlns:a="http://schemas.openxmlformats.org/drawingml/2006/main" xmlns:r="http://schemas.openxmlformats.org/officeDocument/2006/relationships" xmlns:p="http://schemas.openxmlformats.org/presentationml/2006/main">
   <p:cSld>
     <p:spTree>
       <p:nvGrpSpPr>
-        <p:cNvPr id="212" name="Shape 212"/>
+        <p:cNvPr id="1" name="Shape 212"/>
         <p:cNvGrpSpPr/>
         <p:nvPr/>
       </p:nvGrpSpPr>
@@ -11100,7 +11578,9 @@
       <p:sp>
         <p:nvSpPr>
           <p:cNvPr id="213" name="Google Shape;213;p33"/>
-          <p:cNvSpPr txBox="1"/>
+          <p:cNvSpPr txBox="1">
+            <a:spLocks noGrp="1"/>
+          </p:cNvSpPr>
           <p:nvPr>
             <p:ph type="title"/>
           </p:nvPr>
@@ -11115,12 +11595,12 @@
           </a:prstGeom>
         </p:spPr>
         <p:txBody>
-          <a:bodyPr anchorCtr="0" anchor="t" bIns="91425" lIns="91425" spcFirstLastPara="1" rIns="91425" wrap="square" tIns="91425">
+          <a:bodyPr spcFirstLastPara="1" wrap="square" lIns="91425" tIns="91425" rIns="91425" bIns="91425" anchor="t" anchorCtr="0">
             <a:normAutofit fontScale="90000"/>
           </a:bodyPr>
           <a:lstStyle/>
           <a:p>
-            <a:pPr indent="0" lvl="0" marL="0" rtl="0" algn="l">
+            <a:pPr marL="0" lvl="0" indent="0" algn="l" rtl="0">
               <a:spcBef>
                 <a:spcPts val="0"/>
               </a:spcBef>
@@ -11140,9 +11620,11 @@
       <p:sp>
         <p:nvSpPr>
           <p:cNvPr id="214" name="Google Shape;214;p33"/>
-          <p:cNvSpPr txBox="1"/>
+          <p:cNvSpPr txBox="1">
+            <a:spLocks noGrp="1"/>
+          </p:cNvSpPr>
           <p:nvPr>
-            <p:ph idx="1" type="body"/>
+            <p:ph type="body" idx="1"/>
           </p:nvPr>
         </p:nvSpPr>
         <p:spPr>
@@ -11155,12 +11637,12 @@
           </a:prstGeom>
         </p:spPr>
         <p:txBody>
-          <a:bodyPr anchorCtr="0" anchor="t" bIns="91425" lIns="91425" spcFirstLastPara="1" rIns="91425" wrap="square" tIns="91425">
+          <a:bodyPr spcFirstLastPara="1" wrap="square" lIns="91425" tIns="91425" rIns="91425" bIns="91425" anchor="t" anchorCtr="0">
             <a:normAutofit fontScale="77500" lnSpcReduction="20000"/>
           </a:bodyPr>
           <a:lstStyle/>
           <a:p>
-            <a:pPr indent="-298926" lvl="0" marL="457200" rtl="0" algn="l">
+            <a:pPr marL="457200" lvl="0" indent="-298926" algn="l" rtl="0">
               <a:spcBef>
                 <a:spcPts val="0"/>
               </a:spcBef>
@@ -11186,7 +11668,7 @@
               <a:t>[1] Shankar, R.S., Rajanikanth, J., Sivaramaraju, V.V. and Murthy, K.V.S.S.R., 2018, July. Prediction of employee attrition using datamining. In </a:t>
             </a:r>
             <a:r>
-              <a:rPr i="1" lang="en" sz="1129">
+              <a:rPr lang="en" sz="1129" i="1">
                 <a:solidFill>
                   <a:srgbClr val="222222"/>
                 </a:solidFill>
@@ -11218,7 +11700,7 @@
             <a:endParaRPr sz="1429"/>
           </a:p>
           <a:p>
-            <a:pPr indent="-298926" lvl="0" marL="457200" rtl="0" algn="l">
+            <a:pPr marL="457200" lvl="0" indent="-298926" algn="l" rtl="0">
               <a:spcBef>
                 <a:spcPts val="0"/>
               </a:spcBef>
@@ -11244,7 +11726,7 @@
               <a:t>[2] Alao, D.A.B.A. and Adeyemo, A.B., 2013. Analyzing employee attrition using decision tree algorithms. </a:t>
             </a:r>
             <a:r>
-              <a:rPr i="1" lang="en" sz="1129">
+              <a:rPr lang="en" sz="1129" i="1">
                 <a:solidFill>
                   <a:srgbClr val="222222"/>
                 </a:solidFill>
@@ -11274,7 +11756,7 @@
               <a:t>, </a:t>
             </a:r>
             <a:r>
-              <a:rPr i="1" lang="en" sz="1129">
+              <a:rPr lang="en" sz="1129" i="1">
                 <a:solidFill>
                   <a:srgbClr val="222222"/>
                 </a:solidFill>
@@ -11306,7 +11788,7 @@
             <a:endParaRPr sz="1429"/>
           </a:p>
           <a:p>
-            <a:pPr indent="-298926" lvl="0" marL="457200" rtl="0" algn="l">
+            <a:pPr marL="457200" lvl="0" indent="-298926" algn="l" rtl="0">
               <a:spcBef>
                 <a:spcPts val="0"/>
               </a:spcBef>
@@ -11332,7 +11814,7 @@
               <a:t>[3] Alduayj, S.S. and Rajpoot, K., 2018, November. Predicting employee attrition using machine learning. In </a:t>
             </a:r>
             <a:r>
-              <a:rPr i="1" lang="en" sz="1129">
+              <a:rPr lang="en" sz="1129" i="1">
                 <a:solidFill>
                   <a:srgbClr val="222222"/>
                 </a:solidFill>
@@ -11364,7 +11846,7 @@
             <a:endParaRPr sz="1429"/>
           </a:p>
           <a:p>
-            <a:pPr indent="-298926" lvl="0" marL="457200" rtl="0" algn="l">
+            <a:pPr marL="457200" lvl="0" indent="-298926" algn="l" rtl="0">
               <a:spcBef>
                 <a:spcPts val="0"/>
               </a:spcBef>
@@ -11390,7 +11872,7 @@
               <a:t>[4] Fallucchi, F., Coladangelo, M., Giuliano, R. and William De Luca, E., 2020. Predicting employee attrition using machine learning techniques. </a:t>
             </a:r>
             <a:r>
-              <a:rPr i="1" lang="en" sz="1129">
+              <a:rPr lang="en" sz="1129" i="1">
                 <a:solidFill>
                   <a:srgbClr val="222222"/>
                 </a:solidFill>
@@ -11420,7 +11902,7 @@
               <a:t>, </a:t>
             </a:r>
             <a:r>
-              <a:rPr i="1" lang="en" sz="1129">
+              <a:rPr lang="en" sz="1129" i="1">
                 <a:solidFill>
                   <a:srgbClr val="222222"/>
                 </a:solidFill>
@@ -11452,7 +11934,7 @@
             <a:endParaRPr sz="1429"/>
           </a:p>
           <a:p>
-            <a:pPr indent="-298926" lvl="0" marL="457200" rtl="0" algn="l">
+            <a:pPr marL="457200" lvl="0" indent="-298926" algn="l" rtl="0">
               <a:spcBef>
                 <a:spcPts val="0"/>
               </a:spcBef>
@@ -11478,7 +11960,7 @@
               <a:t>[5] Martin, L., 2020. How to retain motivated employees in their jobs?. </a:t>
             </a:r>
             <a:r>
-              <a:rPr i="1" lang="en" sz="1129">
+              <a:rPr lang="en" sz="1129" i="1">
                 <a:solidFill>
                   <a:srgbClr val="222222"/>
                 </a:solidFill>
@@ -11508,7 +11990,7 @@
               <a:t>, </a:t>
             </a:r>
             <a:r>
-              <a:rPr i="1" lang="en" sz="1129">
+              <a:rPr lang="en" sz="1129" i="1">
                 <a:solidFill>
                   <a:srgbClr val="222222"/>
                 </a:solidFill>
@@ -11540,7 +12022,7 @@
             <a:endParaRPr sz="1429"/>
           </a:p>
           <a:p>
-            <a:pPr indent="-298926" lvl="0" marL="457200" rtl="0" algn="l">
+            <a:pPr marL="457200" lvl="0" indent="-298926" algn="l" rtl="0">
               <a:spcBef>
                 <a:spcPts val="0"/>
               </a:spcBef>
@@ -11566,7 +12048,7 @@
               <a:t>[6] Jhaveri, S., Khedkar, I., Kantharia, Y. and Jaswal, S., 2019, March. Success prediction using random forest, catboost, xgboost and adaboost for kickstarter campaigns. In </a:t>
             </a:r>
             <a:r>
-              <a:rPr i="1" lang="en" sz="1129">
+              <a:rPr lang="en" sz="1129" i="1">
                 <a:solidFill>
                   <a:srgbClr val="222222"/>
                 </a:solidFill>
@@ -11598,7 +12080,7 @@
             <a:endParaRPr sz="1429"/>
           </a:p>
           <a:p>
-            <a:pPr indent="-298926" lvl="0" marL="457200" rtl="0" algn="l">
+            <a:pPr marL="457200" lvl="0" indent="-298926" algn="l" rtl="0">
               <a:spcBef>
                 <a:spcPts val="0"/>
               </a:spcBef>
@@ -11624,7 +12106,7 @@
               <a:t>[7] Kabiraj, S., Raihan, M., Alvi, N., Afrin, M., Akter, L., Sohagi, S.A. and Podder, E., 2020, July. Breast cancer risk prediction using XGBoost and random forest algorithm. In </a:t>
             </a:r>
             <a:r>
-              <a:rPr i="1" lang="en" sz="1129">
+              <a:rPr lang="en" sz="1129" i="1">
                 <a:solidFill>
                   <a:srgbClr val="222222"/>
                 </a:solidFill>
@@ -11656,7 +12138,7 @@
             <a:endParaRPr sz="1429"/>
           </a:p>
           <a:p>
-            <a:pPr indent="-298926" lvl="0" marL="457200" rtl="0" algn="l">
+            <a:pPr marL="457200" lvl="0" indent="-298926" algn="l" rtl="0">
               <a:spcBef>
                 <a:spcPts val="0"/>
               </a:spcBef>
@@ -11682,7 +12164,7 @@
               <a:t>[8] Bardenet, R., Brendel, M., Kégl, B. and Sebag, M., 2013, May. Collaborative hyperparameter tuning. In </a:t>
             </a:r>
             <a:r>
-              <a:rPr i="1" lang="en" sz="1129">
+              <a:rPr lang="en" sz="1129" i="1">
                 <a:solidFill>
                   <a:srgbClr val="222222"/>
                 </a:solidFill>
@@ -11714,7 +12196,7 @@
             <a:endParaRPr sz="1429"/>
           </a:p>
           <a:p>
-            <a:pPr indent="-298926" lvl="0" marL="457200" rtl="0" algn="l">
+            <a:pPr marL="457200" lvl="0" indent="-298926" algn="l" rtl="0">
               <a:spcBef>
                 <a:spcPts val="0"/>
               </a:spcBef>
@@ -11740,7 +12222,7 @@
               <a:t>[9] Schratz, P., Muenchow, J., Iturritxa, E., Richter, J. and Brenning, A., 2019. Hyperparameter tuning and performance assessment of statistical and machine-learning algorithms using spatial data. </a:t>
             </a:r>
             <a:r>
-              <a:rPr i="1" lang="en" sz="1129">
+              <a:rPr lang="en" sz="1129" i="1">
                 <a:solidFill>
                   <a:srgbClr val="222222"/>
                 </a:solidFill>
@@ -11770,7 +12252,7 @@
               <a:t>, </a:t>
             </a:r>
             <a:r>
-              <a:rPr i="1" lang="en" sz="1129">
+              <a:rPr lang="en" sz="1129" i="1">
                 <a:solidFill>
                   <a:srgbClr val="222222"/>
                 </a:solidFill>
@@ -11802,7 +12284,7 @@
             <a:endParaRPr sz="1429"/>
           </a:p>
           <a:p>
-            <a:pPr indent="-298926" lvl="0" marL="457200" rtl="0" algn="l">
+            <a:pPr marL="457200" lvl="0" indent="-298926" algn="l" rtl="0">
               <a:spcBef>
                 <a:spcPts val="0"/>
               </a:spcBef>
@@ -11828,7 +12310,7 @@
               <a:t>[10] Shi, X., Wong, Y.D., Li, M.Z.F., Palanisamy, C. and Chai, C., 2019. A feature learning approach based on XGBoost for driving assessment and risk prediction. </a:t>
             </a:r>
             <a:r>
-              <a:rPr i="1" lang="en" sz="1129">
+              <a:rPr lang="en" sz="1129" i="1">
                 <a:solidFill>
                   <a:srgbClr val="222222"/>
                 </a:solidFill>
@@ -11858,7 +12340,7 @@
               <a:t>, </a:t>
             </a:r>
             <a:r>
-              <a:rPr i="1" lang="en" sz="1129">
+              <a:rPr lang="en" sz="1129" i="1">
                 <a:solidFill>
                   <a:srgbClr val="222222"/>
                 </a:solidFill>
@@ -11900,11 +12382,11 @@
 </file>
 
 <file path=ppt/slides/slide22.xml><?xml version="1.0" encoding="utf-8"?>
-<p:sld xmlns:a="http://schemas.openxmlformats.org/drawingml/2006/main" xmlns:r="http://schemas.openxmlformats.org/officeDocument/2006/relationships" xmlns:mc="http://schemas.openxmlformats.org/markup-compatibility/2006" xmlns:mv="urn:schemas-microsoft-com:mac:vml" xmlns:p="http://schemas.openxmlformats.org/presentationml/2006/main" xmlns:c="http://schemas.openxmlformats.org/drawingml/2006/chart" xmlns:dgm="http://schemas.openxmlformats.org/drawingml/2006/diagram" xmlns:o="urn:schemas-microsoft-com:office:office" xmlns:v="urn:schemas-microsoft-com:vml" xmlns:pvml="urn:schemas-microsoft-com:office:powerpoint" xmlns:com="http://schemas.openxmlformats.org/drawingml/2006/compatibility" xmlns:p14="http://schemas.microsoft.com/office/powerpoint/2010/main" xmlns:p15="http://schemas.microsoft.com/office/powerpoint/2012/main" xmlns:ahyp="http://schemas.microsoft.com/office/drawing/2018/hyperlinkcolor">
+<p:sld xmlns:a="http://schemas.openxmlformats.org/drawingml/2006/main" xmlns:r="http://schemas.openxmlformats.org/officeDocument/2006/relationships" xmlns:p="http://schemas.openxmlformats.org/presentationml/2006/main">
   <p:cSld>
     <p:spTree>
       <p:nvGrpSpPr>
-        <p:cNvPr id="218" name="Shape 218"/>
+        <p:cNvPr id="1" name="Shape 218"/>
         <p:cNvGrpSpPr/>
         <p:nvPr/>
       </p:nvGrpSpPr>
@@ -11919,9 +12401,11 @@
       <p:sp>
         <p:nvSpPr>
           <p:cNvPr id="219" name="Google Shape;219;p34"/>
-          <p:cNvSpPr txBox="1"/>
+          <p:cNvSpPr txBox="1">
+            <a:spLocks noGrp="1"/>
+          </p:cNvSpPr>
           <p:nvPr>
-            <p:ph idx="1" type="body"/>
+            <p:ph type="body" idx="1"/>
           </p:nvPr>
         </p:nvSpPr>
         <p:spPr>
@@ -11934,12 +12418,12 @@
           </a:prstGeom>
         </p:spPr>
         <p:txBody>
-          <a:bodyPr anchorCtr="0" anchor="t" bIns="91425" lIns="91425" spcFirstLastPara="1" rIns="91425" wrap="square" tIns="91425">
+          <a:bodyPr spcFirstLastPara="1" wrap="square" lIns="91425" tIns="91425" rIns="91425" bIns="91425" anchor="t" anchorCtr="0">
             <a:normAutofit fontScale="85000" lnSpcReduction="20000"/>
           </a:bodyPr>
           <a:lstStyle/>
           <a:p>
-            <a:pPr indent="-293370" lvl="0" marL="457200" rtl="0" algn="just">
+            <a:pPr marL="457200" lvl="0" indent="-293370" algn="just" rtl="0">
               <a:lnSpc>
                 <a:spcPct val="108000"/>
               </a:lnSpc>
@@ -11979,7 +12463,7 @@
             </a:endParaRPr>
           </a:p>
           <a:p>
-            <a:pPr indent="-293370" lvl="0" marL="457200" rtl="0" algn="just">
+            <a:pPr marL="457200" lvl="0" indent="-293370" algn="just" rtl="0">
               <a:lnSpc>
                 <a:spcPct val="108000"/>
               </a:lnSpc>
@@ -12019,7 +12503,7 @@
             </a:endParaRPr>
           </a:p>
           <a:p>
-            <a:pPr indent="-293370" lvl="0" marL="457200" rtl="0" algn="just">
+            <a:pPr marL="457200" lvl="0" indent="-293370" algn="just" rtl="0">
               <a:lnSpc>
                 <a:spcPct val="108000"/>
               </a:lnSpc>
@@ -12059,7 +12543,7 @@
             </a:endParaRPr>
           </a:p>
           <a:p>
-            <a:pPr indent="-293370" lvl="0" marL="457200" rtl="0" algn="just">
+            <a:pPr marL="457200" lvl="0" indent="-293370" algn="just" rtl="0">
               <a:lnSpc>
                 <a:spcPct val="108000"/>
               </a:lnSpc>
@@ -12099,7 +12583,7 @@
             </a:endParaRPr>
           </a:p>
           <a:p>
-            <a:pPr indent="-293370" lvl="0" marL="457200" rtl="0" algn="just">
+            <a:pPr marL="457200" lvl="0" indent="-293370" algn="just" rtl="0">
               <a:lnSpc>
                 <a:spcPct val="108000"/>
               </a:lnSpc>
@@ -12139,7 +12623,7 @@
             </a:endParaRPr>
           </a:p>
           <a:p>
-            <a:pPr indent="-293370" lvl="0" marL="457200" rtl="0" algn="just">
+            <a:pPr marL="457200" lvl="0" indent="-293370" algn="just" rtl="0">
               <a:lnSpc>
                 <a:spcPct val="108000"/>
               </a:lnSpc>
@@ -12179,7 +12663,7 @@
             </a:endParaRPr>
           </a:p>
           <a:p>
-            <a:pPr indent="-293370" lvl="0" marL="457200" rtl="0" algn="just">
+            <a:pPr marL="457200" lvl="0" indent="-293370" algn="just" rtl="0">
               <a:lnSpc>
                 <a:spcPct val="108000"/>
               </a:lnSpc>
@@ -12219,7 +12703,7 @@
             </a:endParaRPr>
           </a:p>
           <a:p>
-            <a:pPr indent="-293370" lvl="0" marL="457200" rtl="0" algn="just">
+            <a:pPr marL="457200" lvl="0" indent="-293370" algn="just" rtl="0">
               <a:lnSpc>
                 <a:spcPct val="108000"/>
               </a:lnSpc>
@@ -12259,7 +12743,7 @@
             </a:endParaRPr>
           </a:p>
           <a:p>
-            <a:pPr indent="-293370" lvl="0" marL="457200" rtl="0" algn="just">
+            <a:pPr marL="457200" lvl="0" indent="-293370" algn="just" rtl="0">
               <a:lnSpc>
                 <a:spcPct val="108000"/>
               </a:lnSpc>
@@ -12299,7 +12783,7 @@
             </a:endParaRPr>
           </a:p>
           <a:p>
-            <a:pPr indent="-293370" lvl="0" marL="457200" rtl="0" algn="just">
+            <a:pPr marL="457200" lvl="0" indent="-293370" algn="just" rtl="0">
               <a:lnSpc>
                 <a:spcPct val="108000"/>
               </a:lnSpc>
@@ -12349,11 +12833,11 @@
 </file>
 
 <file path=ppt/slides/slide3.xml><?xml version="1.0" encoding="utf-8"?>
-<p:sld xmlns:a="http://schemas.openxmlformats.org/drawingml/2006/main" xmlns:r="http://schemas.openxmlformats.org/officeDocument/2006/relationships" xmlns:mc="http://schemas.openxmlformats.org/markup-compatibility/2006" xmlns:mv="urn:schemas-microsoft-com:mac:vml" xmlns:p="http://schemas.openxmlformats.org/presentationml/2006/main" xmlns:c="http://schemas.openxmlformats.org/drawingml/2006/chart" xmlns:dgm="http://schemas.openxmlformats.org/drawingml/2006/diagram" xmlns:o="urn:schemas-microsoft-com:office:office" xmlns:v="urn:schemas-microsoft-com:vml" xmlns:pvml="urn:schemas-microsoft-com:office:powerpoint" xmlns:com="http://schemas.openxmlformats.org/drawingml/2006/compatibility" xmlns:p14="http://schemas.microsoft.com/office/powerpoint/2010/main" xmlns:p15="http://schemas.microsoft.com/office/powerpoint/2012/main" xmlns:ahyp="http://schemas.microsoft.com/office/drawing/2018/hyperlinkcolor">
+<p:sld xmlns:a="http://schemas.openxmlformats.org/drawingml/2006/main" xmlns:r="http://schemas.openxmlformats.org/officeDocument/2006/relationships" xmlns:p="http://schemas.openxmlformats.org/presentationml/2006/main">
   <p:cSld>
     <p:spTree>
       <p:nvGrpSpPr>
-        <p:cNvPr id="99" name="Shape 99"/>
+        <p:cNvPr id="1" name="Shape 99"/>
         <p:cNvGrpSpPr/>
         <p:nvPr/>
       </p:nvGrpSpPr>
@@ -12368,7 +12852,9 @@
       <p:sp>
         <p:nvSpPr>
           <p:cNvPr id="100" name="Google Shape;100;p15"/>
-          <p:cNvSpPr txBox="1"/>
+          <p:cNvSpPr txBox="1">
+            <a:spLocks noGrp="1"/>
+          </p:cNvSpPr>
           <p:nvPr>
             <p:ph type="title"/>
           </p:nvPr>
@@ -12383,12 +12869,12 @@
           </a:prstGeom>
         </p:spPr>
         <p:txBody>
-          <a:bodyPr anchorCtr="0" anchor="t" bIns="91425" lIns="91425" spcFirstLastPara="1" rIns="91425" wrap="square" tIns="91425">
+          <a:bodyPr spcFirstLastPara="1" wrap="square" lIns="91425" tIns="91425" rIns="91425" bIns="91425" anchor="t" anchorCtr="0">
             <a:normAutofit fontScale="90000"/>
           </a:bodyPr>
           <a:lstStyle/>
           <a:p>
-            <a:pPr indent="0" lvl="0" marL="0" rtl="0" algn="l">
+            <a:pPr marL="0" lvl="0" indent="0" algn="l" rtl="0">
               <a:spcBef>
                 <a:spcPts val="0"/>
               </a:spcBef>
@@ -12408,9 +12894,11 @@
       <p:sp>
         <p:nvSpPr>
           <p:cNvPr id="101" name="Google Shape;101;p15"/>
-          <p:cNvSpPr txBox="1"/>
+          <p:cNvSpPr txBox="1">
+            <a:spLocks noGrp="1"/>
+          </p:cNvSpPr>
           <p:nvPr>
-            <p:ph idx="1" type="body"/>
+            <p:ph type="body" idx="1"/>
           </p:nvPr>
         </p:nvSpPr>
         <p:spPr>
@@ -12423,12 +12911,12 @@
           </a:prstGeom>
         </p:spPr>
         <p:txBody>
-          <a:bodyPr anchorCtr="0" anchor="t" bIns="91425" lIns="91425" spcFirstLastPara="1" rIns="91425" wrap="square" tIns="91425">
+          <a:bodyPr spcFirstLastPara="1" wrap="square" lIns="91425" tIns="91425" rIns="91425" bIns="91425" anchor="t" anchorCtr="0">
             <a:normAutofit/>
           </a:bodyPr>
           <a:lstStyle/>
           <a:p>
-            <a:pPr indent="-311150" lvl="0" marL="457200" rtl="0" algn="l">
+            <a:pPr marL="457200" lvl="0" indent="-311150" algn="l" rtl="0">
               <a:spcBef>
                 <a:spcPts val="0"/>
               </a:spcBef>
@@ -12445,7 +12933,7 @@
             <a:endParaRPr/>
           </a:p>
           <a:p>
-            <a:pPr indent="-311150" lvl="0" marL="457200" rtl="0" algn="l">
+            <a:pPr marL="457200" lvl="0" indent="-311150" algn="l" rtl="0">
               <a:spcBef>
                 <a:spcPts val="0"/>
               </a:spcBef>
@@ -12462,7 +12950,7 @@
             <a:endParaRPr/>
           </a:p>
           <a:p>
-            <a:pPr indent="-311150" lvl="0" marL="457200" rtl="0" algn="l">
+            <a:pPr marL="457200" lvl="0" indent="-311150" algn="l" rtl="0">
               <a:spcBef>
                 <a:spcPts val="0"/>
               </a:spcBef>
@@ -12479,7 +12967,7 @@
             <a:endParaRPr/>
           </a:p>
           <a:p>
-            <a:pPr indent="-311150" lvl="0" marL="457200" rtl="0" algn="l">
+            <a:pPr marL="457200" lvl="0" indent="-311150" algn="l" rtl="0">
               <a:spcBef>
                 <a:spcPts val="0"/>
               </a:spcBef>
@@ -12496,7 +12984,7 @@
             <a:endParaRPr/>
           </a:p>
           <a:p>
-            <a:pPr indent="-311150" lvl="0" marL="457200" rtl="0" algn="l">
+            <a:pPr marL="457200" lvl="0" indent="-311150" algn="l" rtl="0">
               <a:spcBef>
                 <a:spcPts val="0"/>
               </a:spcBef>
@@ -12513,7 +13001,7 @@
             <a:endParaRPr/>
           </a:p>
           <a:p>
-            <a:pPr indent="-311150" lvl="0" marL="457200" rtl="0" algn="l">
+            <a:pPr marL="457200" lvl="0" indent="-311150" algn="l" rtl="0">
               <a:spcBef>
                 <a:spcPts val="0"/>
               </a:spcBef>
@@ -12530,7 +13018,7 @@
             <a:endParaRPr/>
           </a:p>
           <a:p>
-            <a:pPr indent="-311150" lvl="0" marL="457200" rtl="0" algn="l">
+            <a:pPr marL="457200" lvl="0" indent="-311150" algn="l" rtl="0">
               <a:spcBef>
                 <a:spcPts val="0"/>
               </a:spcBef>
@@ -12547,7 +13035,7 @@
             <a:endParaRPr/>
           </a:p>
           <a:p>
-            <a:pPr indent="-311150" lvl="0" marL="457200" rtl="0" algn="l">
+            <a:pPr marL="457200" lvl="0" indent="-311150" algn="l" rtl="0">
               <a:spcBef>
                 <a:spcPts val="0"/>
               </a:spcBef>
@@ -12574,11 +13062,11 @@
 </file>
 
 <file path=ppt/slides/slide4.xml><?xml version="1.0" encoding="utf-8"?>
-<p:sld xmlns:a="http://schemas.openxmlformats.org/drawingml/2006/main" xmlns:r="http://schemas.openxmlformats.org/officeDocument/2006/relationships" xmlns:mc="http://schemas.openxmlformats.org/markup-compatibility/2006" xmlns:mv="urn:schemas-microsoft-com:mac:vml" xmlns:p="http://schemas.openxmlformats.org/presentationml/2006/main" xmlns:c="http://schemas.openxmlformats.org/drawingml/2006/chart" xmlns:dgm="http://schemas.openxmlformats.org/drawingml/2006/diagram" xmlns:o="urn:schemas-microsoft-com:office:office" xmlns:v="urn:schemas-microsoft-com:vml" xmlns:pvml="urn:schemas-microsoft-com:office:powerpoint" xmlns:com="http://schemas.openxmlformats.org/drawingml/2006/compatibility" xmlns:p14="http://schemas.microsoft.com/office/powerpoint/2010/main" xmlns:p15="http://schemas.microsoft.com/office/powerpoint/2012/main" xmlns:ahyp="http://schemas.microsoft.com/office/drawing/2018/hyperlinkcolor">
+<p:sld xmlns:a="http://schemas.openxmlformats.org/drawingml/2006/main" xmlns:r="http://schemas.openxmlformats.org/officeDocument/2006/relationships" xmlns:p="http://schemas.openxmlformats.org/presentationml/2006/main">
   <p:cSld>
     <p:spTree>
       <p:nvGrpSpPr>
-        <p:cNvPr id="105" name="Shape 105"/>
+        <p:cNvPr id="1" name="Shape 105"/>
         <p:cNvGrpSpPr/>
         <p:nvPr/>
       </p:nvGrpSpPr>
@@ -12593,7 +13081,9 @@
       <p:sp>
         <p:nvSpPr>
           <p:cNvPr id="106" name="Google Shape;106;p16"/>
-          <p:cNvSpPr txBox="1"/>
+          <p:cNvSpPr txBox="1">
+            <a:spLocks noGrp="1"/>
+          </p:cNvSpPr>
           <p:nvPr>
             <p:ph type="title"/>
           </p:nvPr>
@@ -12608,12 +13098,12 @@
           </a:prstGeom>
         </p:spPr>
         <p:txBody>
-          <a:bodyPr anchorCtr="0" anchor="t" bIns="91425" lIns="91425" spcFirstLastPara="1" rIns="91425" wrap="square" tIns="91425">
+          <a:bodyPr spcFirstLastPara="1" wrap="square" lIns="91425" tIns="91425" rIns="91425" bIns="91425" anchor="t" anchorCtr="0">
             <a:normAutofit fontScale="90000"/>
           </a:bodyPr>
           <a:lstStyle/>
           <a:p>
-            <a:pPr indent="0" lvl="0" marL="0" rtl="0" algn="l">
+            <a:pPr marL="0" lvl="0" indent="0" algn="l" rtl="0">
               <a:spcBef>
                 <a:spcPts val="0"/>
               </a:spcBef>
@@ -12633,9 +13123,11 @@
       <p:sp>
         <p:nvSpPr>
           <p:cNvPr id="107" name="Google Shape;107;p16"/>
-          <p:cNvSpPr txBox="1"/>
+          <p:cNvSpPr txBox="1">
+            <a:spLocks noGrp="1"/>
+          </p:cNvSpPr>
           <p:nvPr>
-            <p:ph idx="1" type="body"/>
+            <p:ph type="body" idx="1"/>
           </p:nvPr>
         </p:nvSpPr>
         <p:spPr>
@@ -12648,12 +13140,12 @@
           </a:prstGeom>
         </p:spPr>
         <p:txBody>
-          <a:bodyPr anchorCtr="0" anchor="t" bIns="91425" lIns="91425" spcFirstLastPara="1" rIns="91425" wrap="square" tIns="91425">
+          <a:bodyPr spcFirstLastPara="1" wrap="square" lIns="91425" tIns="91425" rIns="91425" bIns="91425" anchor="t" anchorCtr="0">
             <a:normAutofit lnSpcReduction="10000"/>
           </a:bodyPr>
           <a:lstStyle/>
           <a:p>
-            <a:pPr indent="-311150" lvl="0" marL="457200" rtl="0" algn="l">
+            <a:pPr marL="457200" lvl="0" indent="-311150" algn="l" rtl="0">
               <a:spcBef>
                 <a:spcPts val="0"/>
               </a:spcBef>
@@ -12670,7 +13162,7 @@
             <a:endParaRPr/>
           </a:p>
           <a:p>
-            <a:pPr indent="-311150" lvl="0" marL="457200" rtl="0" algn="l">
+            <a:pPr marL="457200" lvl="0" indent="-311150" algn="l" rtl="0">
               <a:spcBef>
                 <a:spcPts val="0"/>
               </a:spcBef>
@@ -12687,7 +13179,7 @@
             <a:endParaRPr/>
           </a:p>
           <a:p>
-            <a:pPr indent="-311150" lvl="0" marL="457200" rtl="0" algn="l">
+            <a:pPr marL="457200" lvl="0" indent="-311150" algn="l" rtl="0">
               <a:spcBef>
                 <a:spcPts val="0"/>
               </a:spcBef>
@@ -12699,20 +13191,12 @@
             </a:pPr>
             <a:r>
               <a:rPr lang="en"/>
-              <a:t>To make our project unique, we added an extra step at the end of </a:t>
-            </a:r>
-            <a:r>
-              <a:rPr lang="en"/>
-              <a:t>prediction</a:t>
-            </a:r>
-            <a:r>
-              <a:rPr lang="en"/>
-              <a:t>. This step involves hyperparameter tuning the models and predicting again.</a:t>
+              <a:t>To make our project unique, we added an extra step at the end of prediction. This step involves hyperparameter tuning the models and predicting again.</a:t>
             </a:r>
             <a:endParaRPr/>
           </a:p>
           <a:p>
-            <a:pPr indent="-311150" lvl="0" marL="457200" rtl="0" algn="l">
+            <a:pPr marL="457200" lvl="0" indent="-311150" algn="l" rtl="0">
               <a:spcBef>
                 <a:spcPts val="0"/>
               </a:spcBef>
@@ -12739,11 +13223,11 @@
 </file>
 
 <file path=ppt/slides/slide5.xml><?xml version="1.0" encoding="utf-8"?>
-<p:sld xmlns:a="http://schemas.openxmlformats.org/drawingml/2006/main" xmlns:r="http://schemas.openxmlformats.org/officeDocument/2006/relationships" xmlns:mc="http://schemas.openxmlformats.org/markup-compatibility/2006" xmlns:mv="urn:schemas-microsoft-com:mac:vml" xmlns:p="http://schemas.openxmlformats.org/presentationml/2006/main" xmlns:c="http://schemas.openxmlformats.org/drawingml/2006/chart" xmlns:dgm="http://schemas.openxmlformats.org/drawingml/2006/diagram" xmlns:o="urn:schemas-microsoft-com:office:office" xmlns:v="urn:schemas-microsoft-com:vml" xmlns:pvml="urn:schemas-microsoft-com:office:powerpoint" xmlns:com="http://schemas.openxmlformats.org/drawingml/2006/compatibility" xmlns:p14="http://schemas.microsoft.com/office/powerpoint/2010/main" xmlns:p15="http://schemas.microsoft.com/office/powerpoint/2012/main" xmlns:ahyp="http://schemas.microsoft.com/office/drawing/2018/hyperlinkcolor">
+<p:sld xmlns:a="http://schemas.openxmlformats.org/drawingml/2006/main" xmlns:r="http://schemas.openxmlformats.org/officeDocument/2006/relationships" xmlns:p="http://schemas.openxmlformats.org/presentationml/2006/main">
   <p:cSld>
     <p:spTree>
       <p:nvGrpSpPr>
-        <p:cNvPr id="111" name="Shape 111"/>
+        <p:cNvPr id="1" name="Shape 111"/>
         <p:cNvGrpSpPr/>
         <p:nvPr/>
       </p:nvGrpSpPr>
@@ -12758,7 +13242,9 @@
       <p:sp>
         <p:nvSpPr>
           <p:cNvPr id="112" name="Google Shape;112;p17"/>
-          <p:cNvSpPr txBox="1"/>
+          <p:cNvSpPr txBox="1">
+            <a:spLocks noGrp="1"/>
+          </p:cNvSpPr>
           <p:nvPr>
             <p:ph type="title"/>
           </p:nvPr>
@@ -12773,12 +13259,12 @@
           </a:prstGeom>
         </p:spPr>
         <p:txBody>
-          <a:bodyPr anchorCtr="0" anchor="t" bIns="91425" lIns="91425" spcFirstLastPara="1" rIns="91425" wrap="square" tIns="91425">
+          <a:bodyPr spcFirstLastPara="1" wrap="square" lIns="91425" tIns="91425" rIns="91425" bIns="91425" anchor="t" anchorCtr="0">
             <a:normAutofit fontScale="90000"/>
           </a:bodyPr>
           <a:lstStyle/>
           <a:p>
-            <a:pPr indent="0" lvl="0" marL="0" rtl="0" algn="l">
+            <a:pPr marL="0" lvl="0" indent="0" algn="l" rtl="0">
               <a:spcBef>
                 <a:spcPts val="0"/>
               </a:spcBef>
@@ -12832,11 +13318,11 @@
 </file>
 
 <file path=ppt/slides/slide6.xml><?xml version="1.0" encoding="utf-8"?>
-<p:sld xmlns:a="http://schemas.openxmlformats.org/drawingml/2006/main" xmlns:r="http://schemas.openxmlformats.org/officeDocument/2006/relationships" xmlns:mc="http://schemas.openxmlformats.org/markup-compatibility/2006" xmlns:mv="urn:schemas-microsoft-com:mac:vml" xmlns:p="http://schemas.openxmlformats.org/presentationml/2006/main" xmlns:c="http://schemas.openxmlformats.org/drawingml/2006/chart" xmlns:dgm="http://schemas.openxmlformats.org/drawingml/2006/diagram" xmlns:o="urn:schemas-microsoft-com:office:office" xmlns:v="urn:schemas-microsoft-com:vml" xmlns:pvml="urn:schemas-microsoft-com:office:powerpoint" xmlns:com="http://schemas.openxmlformats.org/drawingml/2006/compatibility" xmlns:p14="http://schemas.microsoft.com/office/powerpoint/2010/main" xmlns:p15="http://schemas.microsoft.com/office/powerpoint/2012/main" xmlns:ahyp="http://schemas.microsoft.com/office/drawing/2018/hyperlinkcolor">
+<p:sld xmlns:a="http://schemas.openxmlformats.org/drawingml/2006/main" xmlns:r="http://schemas.openxmlformats.org/officeDocument/2006/relationships" xmlns:p="http://schemas.openxmlformats.org/presentationml/2006/main">
   <p:cSld>
     <p:spTree>
       <p:nvGrpSpPr>
-        <p:cNvPr id="117" name="Shape 117"/>
+        <p:cNvPr id="1" name="Shape 117"/>
         <p:cNvGrpSpPr/>
         <p:nvPr/>
       </p:nvGrpSpPr>
@@ -12851,7 +13337,9 @@
       <p:sp>
         <p:nvSpPr>
           <p:cNvPr id="118" name="Google Shape;118;p18"/>
-          <p:cNvSpPr txBox="1"/>
+          <p:cNvSpPr txBox="1">
+            <a:spLocks noGrp="1"/>
+          </p:cNvSpPr>
           <p:nvPr>
             <p:ph type="title"/>
           </p:nvPr>
@@ -12866,12 +13354,12 @@
           </a:prstGeom>
         </p:spPr>
         <p:txBody>
-          <a:bodyPr anchorCtr="0" anchor="t" bIns="91425" lIns="91425" spcFirstLastPara="1" rIns="91425" wrap="square" tIns="91425">
+          <a:bodyPr spcFirstLastPara="1" wrap="square" lIns="91425" tIns="91425" rIns="91425" bIns="91425" anchor="t" anchorCtr="0">
             <a:normAutofit fontScale="90000"/>
           </a:bodyPr>
           <a:lstStyle/>
           <a:p>
-            <a:pPr indent="0" lvl="0" marL="0" rtl="0" algn="l">
+            <a:pPr marL="0" lvl="0" indent="0" algn="l" rtl="0">
               <a:spcBef>
                 <a:spcPts val="0"/>
               </a:spcBef>
@@ -12882,11 +13370,7 @@
             </a:pPr>
             <a:r>
               <a:rPr lang="en"/>
-              <a:t>Hyperparameter </a:t>
-            </a:r>
-            <a:r>
-              <a:rPr lang="en"/>
-              <a:t>Tuning</a:t>
+              <a:t>Hyperparameter Tuning</a:t>
             </a:r>
             <a:endParaRPr/>
           </a:p>
@@ -12895,9 +13379,11 @@
       <p:sp>
         <p:nvSpPr>
           <p:cNvPr id="119" name="Google Shape;119;p18"/>
-          <p:cNvSpPr txBox="1"/>
+          <p:cNvSpPr txBox="1">
+            <a:spLocks noGrp="1"/>
+          </p:cNvSpPr>
           <p:nvPr>
-            <p:ph idx="1" type="body"/>
+            <p:ph type="body" idx="1"/>
           </p:nvPr>
         </p:nvSpPr>
         <p:spPr>
@@ -12910,12 +13396,12 @@
           </a:prstGeom>
         </p:spPr>
         <p:txBody>
-          <a:bodyPr anchorCtr="0" anchor="t" bIns="91425" lIns="91425" spcFirstLastPara="1" rIns="91425" wrap="square" tIns="91425">
+          <a:bodyPr spcFirstLastPara="1" wrap="square" lIns="91425" tIns="91425" rIns="91425" bIns="91425" anchor="t" anchorCtr="0">
             <a:noAutofit/>
           </a:bodyPr>
           <a:lstStyle/>
           <a:p>
-            <a:pPr indent="0" lvl="0" marL="0" rtl="0" algn="l">
+            <a:pPr marL="0" lvl="0" indent="0" algn="l" rtl="0">
               <a:lnSpc>
                 <a:spcPct val="105000"/>
               </a:lnSpc>
@@ -12956,7 +13442,7 @@
             </a:endParaRPr>
           </a:p>
           <a:p>
-            <a:pPr indent="0" lvl="0" marL="0" rtl="0" algn="l">
+            <a:pPr marL="0" lvl="0" indent="0" algn="l" rtl="0">
               <a:lnSpc>
                 <a:spcPct val="105000"/>
               </a:lnSpc>
@@ -12997,7 +13483,7 @@
             </a:endParaRPr>
           </a:p>
           <a:p>
-            <a:pPr indent="-311150" lvl="0" marL="457200" rtl="0" algn="l">
+            <a:pPr marL="457200" lvl="0" indent="-311150" algn="l" rtl="0">
               <a:lnSpc>
                 <a:spcPct val="105000"/>
               </a:lnSpc>
@@ -13030,7 +13516,7 @@
               <a:t>Your </a:t>
             </a:r>
             <a:r>
-              <a:rPr i="1" lang="en">
+              <a:rPr lang="en" i="1">
                 <a:solidFill>
                   <a:srgbClr val="202124"/>
                 </a:solidFill>
@@ -13073,7 +13559,7 @@
             </a:endParaRPr>
           </a:p>
           <a:p>
-            <a:pPr indent="-311150" lvl="0" marL="457200" rtl="0" algn="l">
+            <a:pPr marL="457200" lvl="0" indent="-311150" algn="l" rtl="0">
               <a:lnSpc>
                 <a:spcPct val="105000"/>
               </a:lnSpc>
@@ -13106,7 +13592,7 @@
               <a:t>Your model's </a:t>
             </a:r>
             <a:r>
-              <a:rPr i="1" lang="en">
+              <a:rPr lang="en" i="1">
                 <a:solidFill>
                   <a:srgbClr val="202124"/>
                 </a:solidFill>
@@ -13149,7 +13635,7 @@
             </a:endParaRPr>
           </a:p>
           <a:p>
-            <a:pPr indent="-311150" lvl="0" marL="457200" rtl="0" algn="l">
+            <a:pPr marL="457200" lvl="0" indent="-311150" algn="l" rtl="0">
               <a:lnSpc>
                 <a:spcPct val="105000"/>
               </a:lnSpc>
@@ -13182,7 +13668,7 @@
               <a:t>Your </a:t>
             </a:r>
             <a:r>
-              <a:rPr i="1" lang="en">
+              <a:rPr lang="en" i="1">
                 <a:solidFill>
                   <a:srgbClr val="202124"/>
                 </a:solidFill>
@@ -13235,11 +13721,11 @@
 </file>
 
 <file path=ppt/slides/slide7.xml><?xml version="1.0" encoding="utf-8"?>
-<p:sld xmlns:a="http://schemas.openxmlformats.org/drawingml/2006/main" xmlns:r="http://schemas.openxmlformats.org/officeDocument/2006/relationships" xmlns:mc="http://schemas.openxmlformats.org/markup-compatibility/2006" xmlns:mv="urn:schemas-microsoft-com:mac:vml" xmlns:p="http://schemas.openxmlformats.org/presentationml/2006/main" xmlns:c="http://schemas.openxmlformats.org/drawingml/2006/chart" xmlns:dgm="http://schemas.openxmlformats.org/drawingml/2006/diagram" xmlns:o="urn:schemas-microsoft-com:office:office" xmlns:v="urn:schemas-microsoft-com:vml" xmlns:pvml="urn:schemas-microsoft-com:office:powerpoint" xmlns:com="http://schemas.openxmlformats.org/drawingml/2006/compatibility" xmlns:p14="http://schemas.microsoft.com/office/powerpoint/2010/main" xmlns:p15="http://schemas.microsoft.com/office/powerpoint/2012/main" xmlns:ahyp="http://schemas.microsoft.com/office/drawing/2018/hyperlinkcolor">
+<p:sld xmlns:a="http://schemas.openxmlformats.org/drawingml/2006/main" xmlns:r="http://schemas.openxmlformats.org/officeDocument/2006/relationships" xmlns:p="http://schemas.openxmlformats.org/presentationml/2006/main">
   <p:cSld>
     <p:spTree>
       <p:nvGrpSpPr>
-        <p:cNvPr id="123" name="Shape 123"/>
+        <p:cNvPr id="1" name="Shape 123"/>
         <p:cNvGrpSpPr/>
         <p:nvPr/>
       </p:nvGrpSpPr>
@@ -13254,7 +13740,9 @@
       <p:sp>
         <p:nvSpPr>
           <p:cNvPr id="124" name="Google Shape;124;p19"/>
-          <p:cNvSpPr txBox="1"/>
+          <p:cNvSpPr txBox="1">
+            <a:spLocks noGrp="1"/>
+          </p:cNvSpPr>
           <p:nvPr>
             <p:ph type="title"/>
           </p:nvPr>
@@ -13269,12 +13757,12 @@
           </a:prstGeom>
         </p:spPr>
         <p:txBody>
-          <a:bodyPr anchorCtr="0" anchor="t" bIns="91425" lIns="91425" spcFirstLastPara="1" rIns="91425" wrap="square" tIns="91425">
+          <a:bodyPr spcFirstLastPara="1" wrap="square" lIns="91425" tIns="91425" rIns="91425" bIns="91425" anchor="t" anchorCtr="0">
             <a:normAutofit fontScale="90000"/>
           </a:bodyPr>
           <a:lstStyle/>
           <a:p>
-            <a:pPr indent="0" lvl="0" marL="0" rtl="0" algn="l">
+            <a:pPr marL="0" lvl="0" indent="0" algn="l" rtl="0">
               <a:spcBef>
                 <a:spcPts val="0"/>
               </a:spcBef>
@@ -13294,9 +13782,11 @@
       <p:sp>
         <p:nvSpPr>
           <p:cNvPr id="125" name="Google Shape;125;p19"/>
-          <p:cNvSpPr txBox="1"/>
+          <p:cNvSpPr txBox="1">
+            <a:spLocks noGrp="1"/>
+          </p:cNvSpPr>
           <p:nvPr>
-            <p:ph idx="1" type="body"/>
+            <p:ph type="body" idx="1"/>
           </p:nvPr>
         </p:nvSpPr>
         <p:spPr>
@@ -13309,12 +13799,12 @@
           </a:prstGeom>
         </p:spPr>
         <p:txBody>
-          <a:bodyPr anchorCtr="0" anchor="t" bIns="91425" lIns="91425" spcFirstLastPara="1" rIns="91425" wrap="square" tIns="91425">
+          <a:bodyPr spcFirstLastPara="1" wrap="square" lIns="91425" tIns="91425" rIns="91425" bIns="91425" anchor="t" anchorCtr="0">
             <a:normAutofit/>
           </a:bodyPr>
           <a:lstStyle/>
           <a:p>
-            <a:pPr indent="-311150" lvl="0" marL="457200" rtl="0" algn="l">
+            <a:pPr marL="457200" lvl="0" indent="-311150" algn="l" rtl="0">
               <a:spcBef>
                 <a:spcPts val="0"/>
               </a:spcBef>
@@ -13344,7 +13834,7 @@
               <a:t>Hyperparameter tuning works by running multiple </a:t>
             </a:r>
             <a:r>
-              <a:rPr i="1" lang="en">
+              <a:rPr lang="en" i="1">
                 <a:solidFill>
                   <a:srgbClr val="202124"/>
                 </a:solidFill>
@@ -13387,7 +13877,7 @@
             </a:endParaRPr>
           </a:p>
           <a:p>
-            <a:pPr indent="-311150" lvl="0" marL="457200" rtl="0" algn="l">
+            <a:pPr marL="457200" lvl="0" indent="-311150" algn="l" rtl="0">
               <a:spcBef>
                 <a:spcPts val="0"/>
               </a:spcBef>
@@ -13429,11 +13919,11 @@
 </file>
 
 <file path=ppt/slides/slide8.xml><?xml version="1.0" encoding="utf-8"?>
-<p:sld xmlns:a="http://schemas.openxmlformats.org/drawingml/2006/main" xmlns:r="http://schemas.openxmlformats.org/officeDocument/2006/relationships" xmlns:mc="http://schemas.openxmlformats.org/markup-compatibility/2006" xmlns:mv="urn:schemas-microsoft-com:mac:vml" xmlns:p="http://schemas.openxmlformats.org/presentationml/2006/main" xmlns:c="http://schemas.openxmlformats.org/drawingml/2006/chart" xmlns:dgm="http://schemas.openxmlformats.org/drawingml/2006/diagram" xmlns:o="urn:schemas-microsoft-com:office:office" xmlns:v="urn:schemas-microsoft-com:vml" xmlns:pvml="urn:schemas-microsoft-com:office:powerpoint" xmlns:com="http://schemas.openxmlformats.org/drawingml/2006/compatibility" xmlns:p14="http://schemas.microsoft.com/office/powerpoint/2010/main" xmlns:p15="http://schemas.microsoft.com/office/powerpoint/2012/main" xmlns:ahyp="http://schemas.microsoft.com/office/drawing/2018/hyperlinkcolor">
+<p:sld xmlns:a="http://schemas.openxmlformats.org/drawingml/2006/main" xmlns:r="http://schemas.openxmlformats.org/officeDocument/2006/relationships" xmlns:p="http://schemas.openxmlformats.org/presentationml/2006/main">
   <p:cSld>
     <p:spTree>
       <p:nvGrpSpPr>
-        <p:cNvPr id="129" name="Shape 129"/>
+        <p:cNvPr id="1" name="Shape 129"/>
         <p:cNvGrpSpPr/>
         <p:nvPr/>
       </p:nvGrpSpPr>
@@ -13448,7 +13938,9 @@
       <p:sp>
         <p:nvSpPr>
           <p:cNvPr id="130" name="Google Shape;130;p20"/>
-          <p:cNvSpPr txBox="1"/>
+          <p:cNvSpPr txBox="1">
+            <a:spLocks noGrp="1"/>
+          </p:cNvSpPr>
           <p:nvPr>
             <p:ph type="title"/>
           </p:nvPr>
@@ -13463,12 +13955,12 @@
           </a:prstGeom>
         </p:spPr>
         <p:txBody>
-          <a:bodyPr anchorCtr="0" anchor="t" bIns="91425" lIns="91425" spcFirstLastPara="1" rIns="91425" wrap="square" tIns="91425">
+          <a:bodyPr spcFirstLastPara="1" wrap="square" lIns="91425" tIns="91425" rIns="91425" bIns="91425" anchor="t" anchorCtr="0">
             <a:normAutofit fontScale="90000"/>
           </a:bodyPr>
           <a:lstStyle/>
           <a:p>
-            <a:pPr indent="0" lvl="0" marL="0" rtl="0" algn="l">
+            <a:pPr marL="0" lvl="0" indent="0" algn="l" rtl="0">
               <a:spcBef>
                 <a:spcPts val="0"/>
               </a:spcBef>
@@ -13488,9 +13980,11 @@
       <p:sp>
         <p:nvSpPr>
           <p:cNvPr id="131" name="Google Shape;131;p20"/>
-          <p:cNvSpPr txBox="1"/>
+          <p:cNvSpPr txBox="1">
+            <a:spLocks noGrp="1"/>
+          </p:cNvSpPr>
           <p:nvPr>
-            <p:ph idx="1" type="body"/>
+            <p:ph type="body" idx="1"/>
           </p:nvPr>
         </p:nvSpPr>
         <p:spPr>
@@ -13503,12 +13997,12 @@
           </a:prstGeom>
         </p:spPr>
         <p:txBody>
-          <a:bodyPr anchorCtr="0" anchor="t" bIns="91425" lIns="91425" spcFirstLastPara="1" rIns="91425" wrap="square" tIns="91425">
+          <a:bodyPr spcFirstLastPara="1" wrap="square" lIns="91425" tIns="91425" rIns="91425" bIns="91425" anchor="t" anchorCtr="0">
             <a:normAutofit/>
           </a:bodyPr>
           <a:lstStyle/>
           <a:p>
-            <a:pPr indent="-311150" lvl="0" marL="457200" rtl="0" algn="l">
+            <a:pPr marL="457200" lvl="0" indent="-311150" algn="l" rtl="0">
               <a:spcBef>
                 <a:spcPts val="0"/>
               </a:spcBef>
@@ -13519,7 +14013,7 @@
               <a:buChar char="●"/>
             </a:pPr>
             <a:r>
-              <a:rPr b="1" lang="en"/>
+              <a:rPr lang="en" b="1"/>
               <a:t>Accuracy</a:t>
             </a:r>
             <a:r>
@@ -13529,7 +14023,7 @@
             <a:endParaRPr/>
           </a:p>
           <a:p>
-            <a:pPr indent="-311150" lvl="0" marL="457200" rtl="0" algn="l">
+            <a:pPr marL="457200" lvl="0" indent="-311150" algn="l" rtl="0">
               <a:spcBef>
                 <a:spcPts val="0"/>
               </a:spcBef>
@@ -13540,7 +14034,7 @@
               <a:buChar char="●"/>
             </a:pPr>
             <a:r>
-              <a:rPr b="1" lang="en"/>
+              <a:rPr lang="en" b="1"/>
               <a:t>Precision</a:t>
             </a:r>
             <a:r>
@@ -13550,7 +14044,7 @@
             <a:endParaRPr/>
           </a:p>
           <a:p>
-            <a:pPr indent="-311150" lvl="0" marL="457200" rtl="0" algn="l">
+            <a:pPr marL="457200" lvl="0" indent="-311150" algn="l" rtl="0">
               <a:spcBef>
                 <a:spcPts val="0"/>
               </a:spcBef>
@@ -13561,7 +14055,7 @@
               <a:buChar char="●"/>
             </a:pPr>
             <a:r>
-              <a:rPr b="1" lang="en"/>
+              <a:rPr lang="en" b="1"/>
               <a:t>Recall</a:t>
             </a:r>
             <a:r>
@@ -13571,7 +14065,7 @@
             <a:endParaRPr/>
           </a:p>
           <a:p>
-            <a:pPr indent="-311150" lvl="0" marL="457200" rtl="0" algn="l">
+            <a:pPr marL="457200" lvl="0" indent="-311150" algn="l" rtl="0">
               <a:spcBef>
                 <a:spcPts val="0"/>
               </a:spcBef>
@@ -13582,7 +14076,7 @@
               <a:buChar char="●"/>
             </a:pPr>
             <a:r>
-              <a:rPr b="1" lang="en"/>
+              <a:rPr lang="en" b="1"/>
               <a:t>F1_Score</a:t>
             </a:r>
             <a:r>
@@ -13602,11 +14096,11 @@
 </file>
 
 <file path=ppt/slides/slide9.xml><?xml version="1.0" encoding="utf-8"?>
-<p:sld xmlns:a="http://schemas.openxmlformats.org/drawingml/2006/main" xmlns:r="http://schemas.openxmlformats.org/officeDocument/2006/relationships" xmlns:mc="http://schemas.openxmlformats.org/markup-compatibility/2006" xmlns:mv="urn:schemas-microsoft-com:mac:vml" xmlns:p="http://schemas.openxmlformats.org/presentationml/2006/main" xmlns:c="http://schemas.openxmlformats.org/drawingml/2006/chart" xmlns:dgm="http://schemas.openxmlformats.org/drawingml/2006/diagram" xmlns:o="urn:schemas-microsoft-com:office:office" xmlns:v="urn:schemas-microsoft-com:vml" xmlns:pvml="urn:schemas-microsoft-com:office:powerpoint" xmlns:com="http://schemas.openxmlformats.org/drawingml/2006/compatibility" xmlns:p14="http://schemas.microsoft.com/office/powerpoint/2010/main" xmlns:p15="http://schemas.microsoft.com/office/powerpoint/2012/main" xmlns:ahyp="http://schemas.microsoft.com/office/drawing/2018/hyperlinkcolor">
+<p:sld xmlns:a="http://schemas.openxmlformats.org/drawingml/2006/main" xmlns:r="http://schemas.openxmlformats.org/officeDocument/2006/relationships" xmlns:p="http://schemas.openxmlformats.org/presentationml/2006/main">
   <p:cSld>
     <p:spTree>
       <p:nvGrpSpPr>
-        <p:cNvPr id="135" name="Shape 135"/>
+        <p:cNvPr id="1" name="Shape 135"/>
         <p:cNvGrpSpPr/>
         <p:nvPr/>
       </p:nvGrpSpPr>
@@ -13621,7 +14115,9 @@
       <p:sp>
         <p:nvSpPr>
           <p:cNvPr id="136" name="Google Shape;136;p21"/>
-          <p:cNvSpPr txBox="1"/>
+          <p:cNvSpPr txBox="1">
+            <a:spLocks noGrp="1"/>
+          </p:cNvSpPr>
           <p:nvPr>
             <p:ph type="title"/>
           </p:nvPr>
@@ -13636,12 +14132,12 @@
           </a:prstGeom>
         </p:spPr>
         <p:txBody>
-          <a:bodyPr anchorCtr="0" anchor="t" bIns="91425" lIns="91425" spcFirstLastPara="1" rIns="91425" wrap="square" tIns="91425">
+          <a:bodyPr spcFirstLastPara="1" wrap="square" lIns="91425" tIns="91425" rIns="91425" bIns="91425" anchor="t" anchorCtr="0">
             <a:normAutofit fontScale="90000"/>
           </a:bodyPr>
           <a:lstStyle/>
           <a:p>
-            <a:pPr indent="0" lvl="0" marL="0" rtl="0" algn="l">
+            <a:pPr marL="0" lvl="0" indent="0" algn="l" rtl="0">
               <a:spcBef>
                 <a:spcPts val="0"/>
               </a:spcBef>
@@ -13661,9 +14157,11 @@
       <p:sp>
         <p:nvSpPr>
           <p:cNvPr id="137" name="Google Shape;137;p21"/>
-          <p:cNvSpPr txBox="1"/>
+          <p:cNvSpPr txBox="1">
+            <a:spLocks noGrp="1"/>
+          </p:cNvSpPr>
           <p:nvPr>
-            <p:ph idx="1" type="body"/>
+            <p:ph type="body" idx="1"/>
           </p:nvPr>
         </p:nvSpPr>
         <p:spPr>
@@ -13676,12 +14174,12 @@
           </a:prstGeom>
         </p:spPr>
         <p:txBody>
-          <a:bodyPr anchorCtr="0" anchor="t" bIns="91425" lIns="91425" spcFirstLastPara="1" rIns="91425" wrap="square" tIns="91425">
+          <a:bodyPr spcFirstLastPara="1" wrap="square" lIns="91425" tIns="91425" rIns="91425" bIns="91425" anchor="t" anchorCtr="0">
             <a:normAutofit/>
           </a:bodyPr>
           <a:lstStyle/>
           <a:p>
-            <a:pPr indent="-336708" lvl="0" marL="457200" rtl="0" algn="l">
+            <a:pPr marL="457200" lvl="0" indent="-336708" algn="l" rtl="0">
               <a:lnSpc>
                 <a:spcPct val="95000"/>
               </a:lnSpc>
@@ -13701,7 +14199,7 @@
             <a:endParaRPr sz="1702"/>
           </a:p>
           <a:p>
-            <a:pPr indent="-336708" lvl="0" marL="457200" rtl="0" algn="l">
+            <a:pPr marL="457200" lvl="0" indent="-336708" algn="l" rtl="0">
               <a:lnSpc>
                 <a:spcPct val="95000"/>
               </a:lnSpc>
@@ -13721,7 +14219,7 @@
             <a:endParaRPr sz="1702"/>
           </a:p>
           <a:p>
-            <a:pPr indent="-336708" lvl="0" marL="457200" rtl="0" algn="l">
+            <a:pPr marL="457200" lvl="0" indent="-336708" algn="l" rtl="0">
               <a:lnSpc>
                 <a:spcPct val="95000"/>
               </a:lnSpc>
@@ -13741,7 +14239,7 @@
             <a:endParaRPr sz="1702"/>
           </a:p>
           <a:p>
-            <a:pPr indent="-336708" lvl="0" marL="457200" rtl="0" algn="l">
+            <a:pPr marL="457200" lvl="0" indent="-336708" algn="l" rtl="0">
               <a:lnSpc>
                 <a:spcPct val="95000"/>
               </a:lnSpc>
@@ -13761,7 +14259,7 @@
             <a:endParaRPr sz="1702"/>
           </a:p>
           <a:p>
-            <a:pPr indent="-336708" lvl="0" marL="457200" rtl="0" algn="l">
+            <a:pPr marL="457200" lvl="0" indent="-336708" algn="l" rtl="0">
               <a:lnSpc>
                 <a:spcPct val="95000"/>
               </a:lnSpc>
@@ -13791,7 +14289,288 @@
 </file>
 
 <file path=ppt/theme/theme1.xml><?xml version="1.0" encoding="utf-8"?>
-<a:theme xmlns:a="http://schemas.openxmlformats.org/drawingml/2006/main" xmlns:r="http://schemas.openxmlformats.org/officeDocument/2006/relationships">
+<a:theme xmlns:a="http://schemas.openxmlformats.org/drawingml/2006/main" name="Streamline">
+  <a:themeElements>
+    <a:clrScheme name="Streamline">
+      <a:dk1>
+        <a:srgbClr val="1A9988"/>
+      </a:dk1>
+      <a:lt1>
+        <a:srgbClr val="FFFFFF"/>
+      </a:lt1>
+      <a:dk2>
+        <a:srgbClr val="1A1A1A"/>
+      </a:dk2>
+      <a:lt2>
+        <a:srgbClr val="E9EDEE"/>
+      </a:lt2>
+      <a:accent1>
+        <a:srgbClr val="595959"/>
+      </a:accent1>
+      <a:accent2>
+        <a:srgbClr val="6AA4C8"/>
+      </a:accent2>
+      <a:accent3>
+        <a:srgbClr val="EB5600"/>
+      </a:accent3>
+      <a:accent4>
+        <a:srgbClr val="A2FFE8"/>
+      </a:accent4>
+      <a:accent5>
+        <a:srgbClr val="1C3678"/>
+      </a:accent5>
+      <a:accent6>
+        <a:srgbClr val="FFB8A2"/>
+      </a:accent6>
+      <a:hlink>
+        <a:srgbClr val="1C3678"/>
+      </a:hlink>
+      <a:folHlink>
+        <a:srgbClr val="1C3678"/>
+      </a:folHlink>
+    </a:clrScheme>
+    <a:fontScheme name="Office">
+      <a:majorFont>
+        <a:latin typeface="Arial"/>
+        <a:ea typeface=""/>
+        <a:cs typeface=""/>
+        <a:font script="Jpan" typeface="ＭＳ Ｐゴシック"/>
+        <a:font script="Hang" typeface="맑은 고딕"/>
+        <a:font script="Hans" typeface="宋体"/>
+        <a:font script="Hant" typeface="新細明體"/>
+        <a:font script="Arab" typeface="Times New Roman"/>
+        <a:font script="Hebr" typeface="Times New Roman"/>
+        <a:font script="Thai" typeface="Angsana New"/>
+        <a:font script="Ethi" typeface="Nyala"/>
+        <a:font script="Beng" typeface="Vrinda"/>
+        <a:font script="Gujr" typeface="Shruti"/>
+        <a:font script="Khmr" typeface="MoolBoran"/>
+        <a:font script="Knda" typeface="Tunga"/>
+        <a:font script="Guru" typeface="Raavi"/>
+        <a:font script="Cans" typeface="Euphemia"/>
+        <a:font script="Cher" typeface="Plantagenet Cherokee"/>
+        <a:font script="Yiii" typeface="Microsoft Yi Baiti"/>
+        <a:font script="Tibt" typeface="Microsoft Himalaya"/>
+        <a:font script="Thaa" typeface="MV Boli"/>
+        <a:font script="Deva" typeface="Mangal"/>
+        <a:font script="Telu" typeface="Gautami"/>
+        <a:font script="Taml" typeface="Latha"/>
+        <a:font script="Syrc" typeface="Estrangelo Edessa"/>
+        <a:font script="Orya" typeface="Kalinga"/>
+        <a:font script="Mlym" typeface="Kartika"/>
+        <a:font script="Laoo" typeface="DokChampa"/>
+        <a:font script="Sinh" typeface="Iskoola Pota"/>
+        <a:font script="Mong" typeface="Mongolian Baiti"/>
+        <a:font script="Viet" typeface="Times New Roman"/>
+        <a:font script="Uigh" typeface="Microsoft Uighur"/>
+        <a:font script="Geor" typeface="Sylfaen"/>
+      </a:majorFont>
+      <a:minorFont>
+        <a:latin typeface="Arial"/>
+        <a:ea typeface=""/>
+        <a:cs typeface=""/>
+        <a:font script="Jpan" typeface="ＭＳ Ｐゴシック"/>
+        <a:font script="Hang" typeface="맑은 고딕"/>
+        <a:font script="Hans" typeface="宋体"/>
+        <a:font script="Hant" typeface="新細明體"/>
+        <a:font script="Arab" typeface="Arial"/>
+        <a:font script="Hebr" typeface="Arial"/>
+        <a:font script="Thai" typeface="Cordia New"/>
+        <a:font script="Ethi" typeface="Nyala"/>
+        <a:font script="Beng" typeface="Vrinda"/>
+        <a:font script="Gujr" typeface="Shruti"/>
+        <a:font script="Khmr" typeface="DaunPenh"/>
+        <a:font script="Knda" typeface="Tunga"/>
+        <a:font script="Guru" typeface="Raavi"/>
+        <a:font script="Cans" typeface="Euphemia"/>
+        <a:font script="Cher" typeface="Plantagenet Cherokee"/>
+        <a:font script="Yiii" typeface="Microsoft Yi Baiti"/>
+        <a:font script="Tibt" typeface="Microsoft Himalaya"/>
+        <a:font script="Thaa" typeface="MV Boli"/>
+        <a:font script="Deva" typeface="Mangal"/>
+        <a:font script="Telu" typeface="Gautami"/>
+        <a:font script="Taml" typeface="Latha"/>
+        <a:font script="Syrc" typeface="Estrangelo Edessa"/>
+        <a:font script="Orya" typeface="Kalinga"/>
+        <a:font script="Mlym" typeface="Kartika"/>
+        <a:font script="Laoo" typeface="DokChampa"/>
+        <a:font script="Sinh" typeface="Iskoola Pota"/>
+        <a:font script="Mong" typeface="Mongolian Baiti"/>
+        <a:font script="Viet" typeface="Arial"/>
+        <a:font script="Uigh" typeface="Microsoft Uighur"/>
+        <a:font script="Geor" typeface="Sylfaen"/>
+      </a:minorFont>
+    </a:fontScheme>
+    <a:fmtScheme name="Office">
+      <a:fillStyleLst>
+        <a:solidFill>
+          <a:schemeClr val="phClr"/>
+        </a:solidFill>
+        <a:gradFill rotWithShape="1">
+          <a:gsLst>
+            <a:gs pos="0">
+              <a:schemeClr val="phClr">
+                <a:tint val="50000"/>
+                <a:satMod val="300000"/>
+              </a:schemeClr>
+            </a:gs>
+            <a:gs pos="35000">
+              <a:schemeClr val="phClr">
+                <a:tint val="37000"/>
+                <a:satMod val="300000"/>
+              </a:schemeClr>
+            </a:gs>
+            <a:gs pos="100000">
+              <a:schemeClr val="phClr">
+                <a:tint val="15000"/>
+                <a:satMod val="350000"/>
+              </a:schemeClr>
+            </a:gs>
+          </a:gsLst>
+          <a:lin ang="16200000" scaled="1"/>
+        </a:gradFill>
+        <a:gradFill rotWithShape="1">
+          <a:gsLst>
+            <a:gs pos="0">
+              <a:schemeClr val="phClr">
+                <a:tint val="100000"/>
+                <a:shade val="100000"/>
+                <a:satMod val="130000"/>
+              </a:schemeClr>
+            </a:gs>
+            <a:gs pos="100000">
+              <a:schemeClr val="phClr">
+                <a:tint val="50000"/>
+                <a:shade val="100000"/>
+                <a:satMod val="350000"/>
+              </a:schemeClr>
+            </a:gs>
+          </a:gsLst>
+          <a:lin ang="16200000" scaled="0"/>
+        </a:gradFill>
+      </a:fillStyleLst>
+      <a:lnStyleLst>
+        <a:ln w="9525" cap="flat" cmpd="sng" algn="ctr">
+          <a:solidFill>
+            <a:schemeClr val="phClr">
+              <a:shade val="95000"/>
+              <a:satMod val="105000"/>
+            </a:schemeClr>
+          </a:solidFill>
+          <a:prstDash val="solid"/>
+        </a:ln>
+        <a:ln w="25400" cap="flat" cmpd="sng" algn="ctr">
+          <a:solidFill>
+            <a:schemeClr val="phClr"/>
+          </a:solidFill>
+          <a:prstDash val="solid"/>
+        </a:ln>
+        <a:ln w="38100" cap="flat" cmpd="sng" algn="ctr">
+          <a:solidFill>
+            <a:schemeClr val="phClr"/>
+          </a:solidFill>
+          <a:prstDash val="solid"/>
+        </a:ln>
+      </a:lnStyleLst>
+      <a:effectStyleLst>
+        <a:effectStyle>
+          <a:effectLst>
+            <a:outerShdw blurRad="40000" dist="20000" dir="5400000" rotWithShape="0">
+              <a:srgbClr val="000000">
+                <a:alpha val="38000"/>
+              </a:srgbClr>
+            </a:outerShdw>
+          </a:effectLst>
+        </a:effectStyle>
+        <a:effectStyle>
+          <a:effectLst>
+            <a:outerShdw blurRad="40000" dist="23000" dir="5400000" rotWithShape="0">
+              <a:srgbClr val="000000">
+                <a:alpha val="35000"/>
+              </a:srgbClr>
+            </a:outerShdw>
+          </a:effectLst>
+        </a:effectStyle>
+        <a:effectStyle>
+          <a:effectLst>
+            <a:outerShdw blurRad="40000" dist="23000" dir="5400000" rotWithShape="0">
+              <a:srgbClr val="000000">
+                <a:alpha val="35000"/>
+              </a:srgbClr>
+            </a:outerShdw>
+          </a:effectLst>
+          <a:scene3d>
+            <a:camera prst="orthographicFront">
+              <a:rot lat="0" lon="0" rev="0"/>
+            </a:camera>
+            <a:lightRig rig="threePt" dir="t">
+              <a:rot lat="0" lon="0" rev="1200000"/>
+            </a:lightRig>
+          </a:scene3d>
+          <a:sp3d>
+            <a:bevelT w="63500" h="25400"/>
+          </a:sp3d>
+        </a:effectStyle>
+      </a:effectStyleLst>
+      <a:bgFillStyleLst>
+        <a:solidFill>
+          <a:schemeClr val="phClr"/>
+        </a:solidFill>
+        <a:gradFill rotWithShape="1">
+          <a:gsLst>
+            <a:gs pos="0">
+              <a:schemeClr val="phClr">
+                <a:tint val="40000"/>
+                <a:satMod val="350000"/>
+              </a:schemeClr>
+            </a:gs>
+            <a:gs pos="40000">
+              <a:schemeClr val="phClr">
+                <a:tint val="45000"/>
+                <a:shade val="99000"/>
+                <a:satMod val="350000"/>
+              </a:schemeClr>
+            </a:gs>
+            <a:gs pos="100000">
+              <a:schemeClr val="phClr">
+                <a:shade val="20000"/>
+                <a:satMod val="255000"/>
+              </a:schemeClr>
+            </a:gs>
+          </a:gsLst>
+          <a:path path="circle">
+            <a:fillToRect l="50000" t="-80000" r="50000" b="180000"/>
+          </a:path>
+        </a:gradFill>
+        <a:gradFill rotWithShape="1">
+          <a:gsLst>
+            <a:gs pos="0">
+              <a:schemeClr val="phClr">
+                <a:tint val="80000"/>
+                <a:satMod val="300000"/>
+              </a:schemeClr>
+            </a:gs>
+            <a:gs pos="100000">
+              <a:schemeClr val="phClr">
+                <a:shade val="30000"/>
+                <a:satMod val="200000"/>
+              </a:schemeClr>
+            </a:gs>
+          </a:gsLst>
+          <a:path path="circle">
+            <a:fillToRect l="50000" t="50000" r="50000" b="50000"/>
+          </a:path>
+        </a:gradFill>
+      </a:bgFillStyleLst>
+    </a:fmtScheme>
+  </a:themeElements>
+  <a:objectDefaults/>
+  <a:extraClrSchemeLst/>
+</a:theme>
+</file>
+
+<file path=ppt/theme/theme2.xml><?xml version="1.0" encoding="utf-8"?>
+<a:theme xmlns:a="http://schemas.openxmlformats.org/drawingml/2006/main">
   <a:themeElements>
     <a:clrScheme name="Default">
       <a:dk1>
@@ -14066,284 +14845,7 @@
       </a:bgFillStyleLst>
     </a:fmtScheme>
   </a:themeElements>
-</a:theme>
-</file>
-
-<file path=ppt/theme/theme2.xml><?xml version="1.0" encoding="utf-8"?>
-<a:theme xmlns:a="http://schemas.openxmlformats.org/drawingml/2006/main" xmlns:r="http://schemas.openxmlformats.org/officeDocument/2006/relationships" name="Streamline">
-  <a:themeElements>
-    <a:clrScheme name="Streamline">
-      <a:dk1>
-        <a:srgbClr val="1A9988"/>
-      </a:dk1>
-      <a:lt1>
-        <a:srgbClr val="FFFFFF"/>
-      </a:lt1>
-      <a:dk2>
-        <a:srgbClr val="1A1A1A"/>
-      </a:dk2>
-      <a:lt2>
-        <a:srgbClr val="E9EDEE"/>
-      </a:lt2>
-      <a:accent1>
-        <a:srgbClr val="595959"/>
-      </a:accent1>
-      <a:accent2>
-        <a:srgbClr val="6AA4C8"/>
-      </a:accent2>
-      <a:accent3>
-        <a:srgbClr val="EB5600"/>
-      </a:accent3>
-      <a:accent4>
-        <a:srgbClr val="A2FFE8"/>
-      </a:accent4>
-      <a:accent5>
-        <a:srgbClr val="1C3678"/>
-      </a:accent5>
-      <a:accent6>
-        <a:srgbClr val="FFB8A2"/>
-      </a:accent6>
-      <a:hlink>
-        <a:srgbClr val="1C3678"/>
-      </a:hlink>
-      <a:folHlink>
-        <a:srgbClr val="1C3678"/>
-      </a:folHlink>
-    </a:clrScheme>
-    <a:fontScheme name="Office">
-      <a:majorFont>
-        <a:latin typeface="Arial"/>
-        <a:ea typeface=""/>
-        <a:cs typeface=""/>
-        <a:font script="Jpan" typeface="ＭＳ Ｐゴシック"/>
-        <a:font script="Hang" typeface="맑은 고딕"/>
-        <a:font script="Hans" typeface="宋体"/>
-        <a:font script="Hant" typeface="新細明體"/>
-        <a:font script="Arab" typeface="Times New Roman"/>
-        <a:font script="Hebr" typeface="Times New Roman"/>
-        <a:font script="Thai" typeface="Angsana New"/>
-        <a:font script="Ethi" typeface="Nyala"/>
-        <a:font script="Beng" typeface="Vrinda"/>
-        <a:font script="Gujr" typeface="Shruti"/>
-        <a:font script="Khmr" typeface="MoolBoran"/>
-        <a:font script="Knda" typeface="Tunga"/>
-        <a:font script="Guru" typeface="Raavi"/>
-        <a:font script="Cans" typeface="Euphemia"/>
-        <a:font script="Cher" typeface="Plantagenet Cherokee"/>
-        <a:font script="Yiii" typeface="Microsoft Yi Baiti"/>
-        <a:font script="Tibt" typeface="Microsoft Himalaya"/>
-        <a:font script="Thaa" typeface="MV Boli"/>
-        <a:font script="Deva" typeface="Mangal"/>
-        <a:font script="Telu" typeface="Gautami"/>
-        <a:font script="Taml" typeface="Latha"/>
-        <a:font script="Syrc" typeface="Estrangelo Edessa"/>
-        <a:font script="Orya" typeface="Kalinga"/>
-        <a:font script="Mlym" typeface="Kartika"/>
-        <a:font script="Laoo" typeface="DokChampa"/>
-        <a:font script="Sinh" typeface="Iskoola Pota"/>
-        <a:font script="Mong" typeface="Mongolian Baiti"/>
-        <a:font script="Viet" typeface="Times New Roman"/>
-        <a:font script="Uigh" typeface="Microsoft Uighur"/>
-        <a:font script="Geor" typeface="Sylfaen"/>
-      </a:majorFont>
-      <a:minorFont>
-        <a:latin typeface="Arial"/>
-        <a:ea typeface=""/>
-        <a:cs typeface=""/>
-        <a:font script="Jpan" typeface="ＭＳ Ｐゴシック"/>
-        <a:font script="Hang" typeface="맑은 고딕"/>
-        <a:font script="Hans" typeface="宋体"/>
-        <a:font script="Hant" typeface="新細明體"/>
-        <a:font script="Arab" typeface="Arial"/>
-        <a:font script="Hebr" typeface="Arial"/>
-        <a:font script="Thai" typeface="Cordia New"/>
-        <a:font script="Ethi" typeface="Nyala"/>
-        <a:font script="Beng" typeface="Vrinda"/>
-        <a:font script="Gujr" typeface="Shruti"/>
-        <a:font script="Khmr" typeface="DaunPenh"/>
-        <a:font script="Knda" typeface="Tunga"/>
-        <a:font script="Guru" typeface="Raavi"/>
-        <a:font script="Cans" typeface="Euphemia"/>
-        <a:font script="Cher" typeface="Plantagenet Cherokee"/>
-        <a:font script="Yiii" typeface="Microsoft Yi Baiti"/>
-        <a:font script="Tibt" typeface="Microsoft Himalaya"/>
-        <a:font script="Thaa" typeface="MV Boli"/>
-        <a:font script="Deva" typeface="Mangal"/>
-        <a:font script="Telu" typeface="Gautami"/>
-        <a:font script="Taml" typeface="Latha"/>
-        <a:font script="Syrc" typeface="Estrangelo Edessa"/>
-        <a:font script="Orya" typeface="Kalinga"/>
-        <a:font script="Mlym" typeface="Kartika"/>
-        <a:font script="Laoo" typeface="DokChampa"/>
-        <a:font script="Sinh" typeface="Iskoola Pota"/>
-        <a:font script="Mong" typeface="Mongolian Baiti"/>
-        <a:font script="Viet" typeface="Arial"/>
-        <a:font script="Uigh" typeface="Microsoft Uighur"/>
-        <a:font script="Geor" typeface="Sylfaen"/>
-      </a:minorFont>
-    </a:fontScheme>
-    <a:fmtScheme name="Office">
-      <a:fillStyleLst>
-        <a:solidFill>
-          <a:schemeClr val="phClr"/>
-        </a:solidFill>
-        <a:gradFill rotWithShape="1">
-          <a:gsLst>
-            <a:gs pos="0">
-              <a:schemeClr val="phClr">
-                <a:tint val="50000"/>
-                <a:satMod val="300000"/>
-              </a:schemeClr>
-            </a:gs>
-            <a:gs pos="35000">
-              <a:schemeClr val="phClr">
-                <a:tint val="37000"/>
-                <a:satMod val="300000"/>
-              </a:schemeClr>
-            </a:gs>
-            <a:gs pos="100000">
-              <a:schemeClr val="phClr">
-                <a:tint val="15000"/>
-                <a:satMod val="350000"/>
-              </a:schemeClr>
-            </a:gs>
-          </a:gsLst>
-          <a:lin ang="16200000" scaled="1"/>
-        </a:gradFill>
-        <a:gradFill rotWithShape="1">
-          <a:gsLst>
-            <a:gs pos="0">
-              <a:schemeClr val="phClr">
-                <a:tint val="100000"/>
-                <a:shade val="100000"/>
-                <a:satMod val="130000"/>
-              </a:schemeClr>
-            </a:gs>
-            <a:gs pos="100000">
-              <a:schemeClr val="phClr">
-                <a:tint val="50000"/>
-                <a:shade val="100000"/>
-                <a:satMod val="350000"/>
-              </a:schemeClr>
-            </a:gs>
-          </a:gsLst>
-          <a:lin ang="16200000" scaled="0"/>
-        </a:gradFill>
-      </a:fillStyleLst>
-      <a:lnStyleLst>
-        <a:ln w="9525" cap="flat" cmpd="sng" algn="ctr">
-          <a:solidFill>
-            <a:schemeClr val="phClr">
-              <a:shade val="95000"/>
-              <a:satMod val="105000"/>
-            </a:schemeClr>
-          </a:solidFill>
-          <a:prstDash val="solid"/>
-        </a:ln>
-        <a:ln w="25400" cap="flat" cmpd="sng" algn="ctr">
-          <a:solidFill>
-            <a:schemeClr val="phClr"/>
-          </a:solidFill>
-          <a:prstDash val="solid"/>
-        </a:ln>
-        <a:ln w="38100" cap="flat" cmpd="sng" algn="ctr">
-          <a:solidFill>
-            <a:schemeClr val="phClr"/>
-          </a:solidFill>
-          <a:prstDash val="solid"/>
-        </a:ln>
-      </a:lnStyleLst>
-      <a:effectStyleLst>
-        <a:effectStyle>
-          <a:effectLst>
-            <a:outerShdw blurRad="40000" dist="20000" dir="5400000" rotWithShape="0">
-              <a:srgbClr val="000000">
-                <a:alpha val="38000"/>
-              </a:srgbClr>
-            </a:outerShdw>
-          </a:effectLst>
-        </a:effectStyle>
-        <a:effectStyle>
-          <a:effectLst>
-            <a:outerShdw blurRad="40000" dist="23000" dir="5400000" rotWithShape="0">
-              <a:srgbClr val="000000">
-                <a:alpha val="35000"/>
-              </a:srgbClr>
-            </a:outerShdw>
-          </a:effectLst>
-        </a:effectStyle>
-        <a:effectStyle>
-          <a:effectLst>
-            <a:outerShdw blurRad="40000" dist="23000" dir="5400000" rotWithShape="0">
-              <a:srgbClr val="000000">
-                <a:alpha val="35000"/>
-              </a:srgbClr>
-            </a:outerShdw>
-          </a:effectLst>
-          <a:scene3d>
-            <a:camera prst="orthographicFront">
-              <a:rot lat="0" lon="0" rev="0"/>
-            </a:camera>
-            <a:lightRig rig="threePt" dir="t">
-              <a:rot lat="0" lon="0" rev="1200000"/>
-            </a:lightRig>
-          </a:scene3d>
-          <a:sp3d>
-            <a:bevelT w="63500" h="25400"/>
-          </a:sp3d>
-        </a:effectStyle>
-      </a:effectStyleLst>
-      <a:bgFillStyleLst>
-        <a:solidFill>
-          <a:schemeClr val="phClr"/>
-        </a:solidFill>
-        <a:gradFill rotWithShape="1">
-          <a:gsLst>
-            <a:gs pos="0">
-              <a:schemeClr val="phClr">
-                <a:tint val="40000"/>
-                <a:satMod val="350000"/>
-              </a:schemeClr>
-            </a:gs>
-            <a:gs pos="40000">
-              <a:schemeClr val="phClr">
-                <a:tint val="45000"/>
-                <a:shade val="99000"/>
-                <a:satMod val="350000"/>
-              </a:schemeClr>
-            </a:gs>
-            <a:gs pos="100000">
-              <a:schemeClr val="phClr">
-                <a:shade val="20000"/>
-                <a:satMod val="255000"/>
-              </a:schemeClr>
-            </a:gs>
-          </a:gsLst>
-          <a:path path="circle">
-            <a:fillToRect l="50000" t="-80000" r="50000" b="180000"/>
-          </a:path>
-        </a:gradFill>
-        <a:gradFill rotWithShape="1">
-          <a:gsLst>
-            <a:gs pos="0">
-              <a:schemeClr val="phClr">
-                <a:tint val="80000"/>
-                <a:satMod val="300000"/>
-              </a:schemeClr>
-            </a:gs>
-            <a:gs pos="100000">
-              <a:schemeClr val="phClr">
-                <a:shade val="30000"/>
-                <a:satMod val="200000"/>
-              </a:schemeClr>
-            </a:gs>
-          </a:gsLst>
-          <a:path path="circle">
-            <a:fillToRect l="50000" t="50000" r="50000" b="50000"/>
-          </a:path>
-        </a:gradFill>
-      </a:bgFillStyleLst>
-    </a:fmtScheme>
-  </a:themeElements>
+  <a:objectDefaults/>
+  <a:extraClrSchemeLst/>
 </a:theme>
 </file>